--- a/LOB Cuskit Launch Dashboard.pptx
+++ b/LOB Cuskit Launch Dashboard.pptx
@@ -17,10 +17,12 @@
     <p:sldId id="269" r:id="rId11"/>
     <p:sldId id="267" r:id="rId12"/>
     <p:sldId id="270" r:id="rId13"/>
-    <p:sldId id="272" r:id="rId14"/>
-    <p:sldId id="273" r:id="rId15"/>
-    <p:sldId id="268" r:id="rId16"/>
-    <p:sldId id="271" r:id="rId17"/>
+    <p:sldId id="275" r:id="rId14"/>
+    <p:sldId id="272" r:id="rId15"/>
+    <p:sldId id="273" r:id="rId16"/>
+    <p:sldId id="268" r:id="rId17"/>
+    <p:sldId id="274" r:id="rId18"/>
+    <p:sldId id="271" r:id="rId19"/>
   </p:sldIdLst>
   <p:sldSz cx="12192000" cy="6858000"/>
   <p:notesSz cx="6858000" cy="9144000"/>
@@ -177,7 +179,7 @@
           <a:noFill/>
           <a:extLst>
             <a:ext uri="{909E8E84-426E-40dd-AFC4-6F175D3DCCD1}">
-              <a14:hiddenFill xmlns:a14="http://schemas.microsoft.com/office/drawing/2010/main" xmlns="">
+              <a14:hiddenFill xmlns="" xmlns:a14="http://schemas.microsoft.com/office/drawing/2010/main">
                 <a:solidFill>
                   <a:srgbClr val="FFFFFF"/>
                 </a:solidFill>
@@ -237,7 +239,7 @@
             </a:ln>
             <a:extLst>
               <a:ext uri="{91240B29-F687-4f45-9708-019B960494DF}">
-                <a14:hiddenLine xmlns:a14="http://schemas.microsoft.com/office/drawing/2010/main" xmlns="" w="9525">
+                <a14:hiddenLine xmlns="" xmlns:a14="http://schemas.microsoft.com/office/drawing/2010/main" w="9525">
                   <a:solidFill>
                     <a:srgbClr val="000000"/>
                   </a:solidFill>
@@ -327,7 +329,7 @@
             </a:ln>
             <a:extLst>
               <a:ext uri="{91240B29-F687-4f45-9708-019B960494DF}">
-                <a14:hiddenLine xmlns:a14="http://schemas.microsoft.com/office/drawing/2010/main" xmlns="" w="9525">
+                <a14:hiddenLine xmlns="" xmlns:a14="http://schemas.microsoft.com/office/drawing/2010/main" w="9525">
                   <a:solidFill>
                     <a:srgbClr val="000000"/>
                   </a:solidFill>
@@ -417,7 +419,7 @@
             </a:ln>
             <a:extLst>
               <a:ext uri="{91240B29-F687-4f45-9708-019B960494DF}">
-                <a14:hiddenLine xmlns:a14="http://schemas.microsoft.com/office/drawing/2010/main" xmlns="" w="9525">
+                <a14:hiddenLine xmlns="" xmlns:a14="http://schemas.microsoft.com/office/drawing/2010/main" w="9525">
                   <a:solidFill>
                     <a:srgbClr val="000000"/>
                   </a:solidFill>
@@ -451,7 +453,7 @@
             </a:ln>
             <a:extLst>
               <a:ext uri="{91240B29-F687-4f45-9708-019B960494DF}">
-                <a14:hiddenLine xmlns:a14="http://schemas.microsoft.com/office/drawing/2010/main" xmlns="" w="9525">
+                <a14:hiddenLine xmlns="" xmlns:a14="http://schemas.microsoft.com/office/drawing/2010/main" w="9525">
                   <a:solidFill>
                     <a:srgbClr val="000000"/>
                   </a:solidFill>
@@ -541,7 +543,7 @@
             </a:ln>
             <a:extLst>
               <a:ext uri="{91240B29-F687-4f45-9708-019B960494DF}">
-                <a14:hiddenLine xmlns:a14="http://schemas.microsoft.com/office/drawing/2010/main" xmlns="" w="9525">
+                <a14:hiddenLine xmlns="" xmlns:a14="http://schemas.microsoft.com/office/drawing/2010/main" w="9525">
                   <a:solidFill>
                     <a:srgbClr val="000000"/>
                   </a:solidFill>
@@ -603,7 +605,7 @@
             </a:ln>
             <a:extLst>
               <a:ext uri="{91240B29-F687-4f45-9708-019B960494DF}">
-                <a14:hiddenLine xmlns:a14="http://schemas.microsoft.com/office/drawing/2010/main" xmlns="" w="9525">
+                <a14:hiddenLine xmlns="" xmlns:a14="http://schemas.microsoft.com/office/drawing/2010/main" w="9525">
                   <a:solidFill>
                     <a:srgbClr val="000000"/>
                   </a:solidFill>
@@ -665,7 +667,7 @@
             </a:ln>
             <a:extLst>
               <a:ext uri="{91240B29-F687-4f45-9708-019B960494DF}">
-                <a14:hiddenLine xmlns:a14="http://schemas.microsoft.com/office/drawing/2010/main" xmlns="" w="9525">
+                <a14:hiddenLine xmlns="" xmlns:a14="http://schemas.microsoft.com/office/drawing/2010/main" w="9525">
                   <a:solidFill>
                     <a:srgbClr val="000000"/>
                   </a:solidFill>
@@ -755,7 +757,7 @@
             </a:ln>
             <a:extLst>
               <a:ext uri="{91240B29-F687-4f45-9708-019B960494DF}">
-                <a14:hiddenLine xmlns:a14="http://schemas.microsoft.com/office/drawing/2010/main" xmlns="" w="9525">
+                <a14:hiddenLine xmlns="" xmlns:a14="http://schemas.microsoft.com/office/drawing/2010/main" w="9525">
                   <a:solidFill>
                     <a:srgbClr val="000000"/>
                   </a:solidFill>
@@ -817,7 +819,7 @@
             </a:ln>
             <a:extLst>
               <a:ext uri="{91240B29-F687-4f45-9708-019B960494DF}">
-                <a14:hiddenLine xmlns:a14="http://schemas.microsoft.com/office/drawing/2010/main" xmlns="" w="9525">
+                <a14:hiddenLine xmlns="" xmlns:a14="http://schemas.microsoft.com/office/drawing/2010/main" w="9525">
                   <a:solidFill>
                     <a:srgbClr val="000000"/>
                   </a:solidFill>
@@ -879,7 +881,7 @@
             </a:ln>
             <a:extLst>
               <a:ext uri="{91240B29-F687-4f45-9708-019B960494DF}">
-                <a14:hiddenLine xmlns:a14="http://schemas.microsoft.com/office/drawing/2010/main" xmlns="" w="9525">
+                <a14:hiddenLine xmlns="" xmlns:a14="http://schemas.microsoft.com/office/drawing/2010/main" w="9525">
                   <a:solidFill>
                     <a:srgbClr val="000000"/>
                   </a:solidFill>
@@ -969,7 +971,7 @@
             </a:ln>
             <a:extLst>
               <a:ext uri="{91240B29-F687-4f45-9708-019B960494DF}">
-                <a14:hiddenLine xmlns:a14="http://schemas.microsoft.com/office/drawing/2010/main" xmlns="" w="9525">
+                <a14:hiddenLine xmlns="" xmlns:a14="http://schemas.microsoft.com/office/drawing/2010/main" w="9525">
                   <a:solidFill>
                     <a:srgbClr val="000000"/>
                   </a:solidFill>
@@ -1059,7 +1061,7 @@
             </a:ln>
             <a:extLst>
               <a:ext uri="{91240B29-F687-4f45-9708-019B960494DF}">
-                <a14:hiddenLine xmlns:a14="http://schemas.microsoft.com/office/drawing/2010/main" xmlns="" w="9525">
+                <a14:hiddenLine xmlns="" xmlns:a14="http://schemas.microsoft.com/office/drawing/2010/main" w="9525">
                   <a:solidFill>
                     <a:srgbClr val="000000"/>
                   </a:solidFill>
@@ -1121,7 +1123,7 @@
             </a:ln>
             <a:extLst>
               <a:ext uri="{91240B29-F687-4f45-9708-019B960494DF}">
-                <a14:hiddenLine xmlns:a14="http://schemas.microsoft.com/office/drawing/2010/main" xmlns="" w="9525">
+                <a14:hiddenLine xmlns="" xmlns:a14="http://schemas.microsoft.com/office/drawing/2010/main" w="9525">
                   <a:solidFill>
                     <a:srgbClr val="000000"/>
                   </a:solidFill>
@@ -1231,7 +1233,7 @@
             </a:ln>
             <a:extLst>
               <a:ext uri="{91240B29-F687-4f45-9708-019B960494DF}">
-                <a14:hiddenLine xmlns:a14="http://schemas.microsoft.com/office/drawing/2010/main" xmlns="" w="9525">
+                <a14:hiddenLine xmlns="" xmlns:a14="http://schemas.microsoft.com/office/drawing/2010/main" w="9525">
                   <a:solidFill>
                     <a:srgbClr val="000000"/>
                   </a:solidFill>
@@ -1293,7 +1295,7 @@
             </a:ln>
             <a:extLst>
               <a:ext uri="{91240B29-F687-4f45-9708-019B960494DF}">
-                <a14:hiddenLine xmlns:a14="http://schemas.microsoft.com/office/drawing/2010/main" xmlns="" w="9525">
+                <a14:hiddenLine xmlns="" xmlns:a14="http://schemas.microsoft.com/office/drawing/2010/main" w="9525">
                   <a:solidFill>
                     <a:srgbClr val="000000"/>
                   </a:solidFill>
@@ -1383,7 +1385,7 @@
             </a:ln>
             <a:extLst>
               <a:ext uri="{91240B29-F687-4f45-9708-019B960494DF}">
-                <a14:hiddenLine xmlns:a14="http://schemas.microsoft.com/office/drawing/2010/main" xmlns="" w="9525">
+                <a14:hiddenLine xmlns="" xmlns:a14="http://schemas.microsoft.com/office/drawing/2010/main" w="9525">
                   <a:solidFill>
                     <a:srgbClr val="000000"/>
                   </a:solidFill>
@@ -1473,7 +1475,7 @@
             </a:ln>
             <a:extLst>
               <a:ext uri="{91240B29-F687-4f45-9708-019B960494DF}">
-                <a14:hiddenLine xmlns:a14="http://schemas.microsoft.com/office/drawing/2010/main" xmlns="" w="9525">
+                <a14:hiddenLine xmlns="" xmlns:a14="http://schemas.microsoft.com/office/drawing/2010/main" w="9525">
                   <a:solidFill>
                     <a:srgbClr val="000000"/>
                   </a:solidFill>
@@ -1535,7 +1537,7 @@
             </a:ln>
             <a:extLst>
               <a:ext uri="{91240B29-F687-4f45-9708-019B960494DF}">
-                <a14:hiddenLine xmlns:a14="http://schemas.microsoft.com/office/drawing/2010/main" xmlns="" w="9525">
+                <a14:hiddenLine xmlns="" xmlns:a14="http://schemas.microsoft.com/office/drawing/2010/main" w="9525">
                   <a:solidFill>
                     <a:srgbClr val="000000"/>
                   </a:solidFill>
@@ -1625,7 +1627,7 @@
             </a:ln>
             <a:extLst>
               <a:ext uri="{91240B29-F687-4f45-9708-019B960494DF}">
-                <a14:hiddenLine xmlns:a14="http://schemas.microsoft.com/office/drawing/2010/main" xmlns="" w="9525">
+                <a14:hiddenLine xmlns="" xmlns:a14="http://schemas.microsoft.com/office/drawing/2010/main" w="9525">
                   <a:solidFill>
                     <a:srgbClr val="000000"/>
                   </a:solidFill>
@@ -1715,7 +1717,7 @@
             </a:ln>
             <a:extLst>
               <a:ext uri="{91240B29-F687-4f45-9708-019B960494DF}">
-                <a14:hiddenLine xmlns:a14="http://schemas.microsoft.com/office/drawing/2010/main" xmlns="" w="9525">
+                <a14:hiddenLine xmlns="" xmlns:a14="http://schemas.microsoft.com/office/drawing/2010/main" w="9525">
                   <a:solidFill>
                     <a:srgbClr val="000000"/>
                   </a:solidFill>
@@ -1771,7 +1773,7 @@
             </a:ln>
             <a:extLst>
               <a:ext uri="{91240B29-F687-4f45-9708-019B960494DF}">
-                <a14:hiddenLine xmlns:a14="http://schemas.microsoft.com/office/drawing/2010/main" xmlns="" w="9525">
+                <a14:hiddenLine xmlns="" xmlns:a14="http://schemas.microsoft.com/office/drawing/2010/main" w="9525">
                   <a:solidFill>
                     <a:srgbClr val="000000"/>
                   </a:solidFill>
@@ -1861,7 +1863,7 @@
             </a:ln>
             <a:extLst>
               <a:ext uri="{91240B29-F687-4f45-9708-019B960494DF}">
-                <a14:hiddenLine xmlns:a14="http://schemas.microsoft.com/office/drawing/2010/main" xmlns="" w="9525">
+                <a14:hiddenLine xmlns="" xmlns:a14="http://schemas.microsoft.com/office/drawing/2010/main" w="9525">
                   <a:solidFill>
                     <a:srgbClr val="000000"/>
                   </a:solidFill>
@@ -1917,7 +1919,7 @@
             </a:ln>
             <a:extLst>
               <a:ext uri="{91240B29-F687-4f45-9708-019B960494DF}">
-                <a14:hiddenLine xmlns:a14="http://schemas.microsoft.com/office/drawing/2010/main" xmlns="" w="9525">
+                <a14:hiddenLine xmlns="" xmlns:a14="http://schemas.microsoft.com/office/drawing/2010/main" w="9525">
                   <a:solidFill>
                     <a:srgbClr val="000000"/>
                   </a:solidFill>
@@ -2007,7 +2009,7 @@
             </a:ln>
             <a:extLst>
               <a:ext uri="{91240B29-F687-4f45-9708-019B960494DF}">
-                <a14:hiddenLine xmlns:a14="http://schemas.microsoft.com/office/drawing/2010/main" xmlns="" w="9525">
+                <a14:hiddenLine xmlns="" xmlns:a14="http://schemas.microsoft.com/office/drawing/2010/main" w="9525">
                   <a:solidFill>
                     <a:srgbClr val="000000"/>
                   </a:solidFill>
@@ -2075,7 +2077,7 @@
             </a:ln>
             <a:extLst>
               <a:ext uri="{91240B29-F687-4f45-9708-019B960494DF}">
-                <a14:hiddenLine xmlns:a14="http://schemas.microsoft.com/office/drawing/2010/main" xmlns="" w="9525">
+                <a14:hiddenLine xmlns="" xmlns:a14="http://schemas.microsoft.com/office/drawing/2010/main" w="9525">
                   <a:solidFill>
                     <a:srgbClr val="000000"/>
                   </a:solidFill>
@@ -2165,7 +2167,7 @@
             </a:ln>
             <a:extLst>
               <a:ext uri="{91240B29-F687-4f45-9708-019B960494DF}">
-                <a14:hiddenLine xmlns:a14="http://schemas.microsoft.com/office/drawing/2010/main" xmlns="" w="9525">
+                <a14:hiddenLine xmlns="" xmlns:a14="http://schemas.microsoft.com/office/drawing/2010/main" w="9525">
                   <a:solidFill>
                     <a:srgbClr val="000000"/>
                   </a:solidFill>
@@ -2233,7 +2235,7 @@
             </a:ln>
             <a:extLst>
               <a:ext uri="{91240B29-F687-4f45-9708-019B960494DF}">
-                <a14:hiddenLine xmlns:a14="http://schemas.microsoft.com/office/drawing/2010/main" xmlns="" w="9525">
+                <a14:hiddenLine xmlns="" xmlns:a14="http://schemas.microsoft.com/office/drawing/2010/main" w="9525">
                   <a:solidFill>
                     <a:srgbClr val="000000"/>
                   </a:solidFill>
@@ -2323,7 +2325,7 @@
             </a:ln>
             <a:extLst>
               <a:ext uri="{91240B29-F687-4f45-9708-019B960494DF}">
-                <a14:hiddenLine xmlns:a14="http://schemas.microsoft.com/office/drawing/2010/main" xmlns="" w="9525">
+                <a14:hiddenLine xmlns="" xmlns:a14="http://schemas.microsoft.com/office/drawing/2010/main" w="9525">
                   <a:solidFill>
                     <a:srgbClr val="000000"/>
                   </a:solidFill>
@@ -2357,7 +2359,7 @@
             </a:ln>
             <a:extLst>
               <a:ext uri="{91240B29-F687-4f45-9708-019B960494DF}">
-                <a14:hiddenLine xmlns:a14="http://schemas.microsoft.com/office/drawing/2010/main" xmlns="" w="9525">
+                <a14:hiddenLine xmlns="" xmlns:a14="http://schemas.microsoft.com/office/drawing/2010/main" w="9525">
                   <a:solidFill>
                     <a:srgbClr val="000000"/>
                   </a:solidFill>
@@ -2447,7 +2449,7 @@
             </a:ln>
             <a:extLst>
               <a:ext uri="{91240B29-F687-4f45-9708-019B960494DF}">
-                <a14:hiddenLine xmlns:a14="http://schemas.microsoft.com/office/drawing/2010/main" xmlns="" w="9525">
+                <a14:hiddenLine xmlns="" xmlns:a14="http://schemas.microsoft.com/office/drawing/2010/main" w="9525">
                   <a:solidFill>
                     <a:srgbClr val="000000"/>
                   </a:solidFill>
@@ -2509,7 +2511,7 @@
             </a:ln>
             <a:extLst>
               <a:ext uri="{91240B29-F687-4f45-9708-019B960494DF}">
-                <a14:hiddenLine xmlns:a14="http://schemas.microsoft.com/office/drawing/2010/main" xmlns="" w="9525">
+                <a14:hiddenLine xmlns="" xmlns:a14="http://schemas.microsoft.com/office/drawing/2010/main" w="9525">
                   <a:solidFill>
                     <a:srgbClr val="000000"/>
                   </a:solidFill>
@@ -2571,7 +2573,7 @@
             </a:ln>
             <a:extLst>
               <a:ext uri="{91240B29-F687-4f45-9708-019B960494DF}">
-                <a14:hiddenLine xmlns:a14="http://schemas.microsoft.com/office/drawing/2010/main" xmlns="" w="9525">
+                <a14:hiddenLine xmlns="" xmlns:a14="http://schemas.microsoft.com/office/drawing/2010/main" w="9525">
                   <a:solidFill>
                     <a:srgbClr val="000000"/>
                   </a:solidFill>
@@ -2661,7 +2663,7 @@
             </a:ln>
             <a:extLst>
               <a:ext uri="{91240B29-F687-4f45-9708-019B960494DF}">
-                <a14:hiddenLine xmlns:a14="http://schemas.microsoft.com/office/drawing/2010/main" xmlns="" w="9525">
+                <a14:hiddenLine xmlns="" xmlns:a14="http://schemas.microsoft.com/office/drawing/2010/main" w="9525">
                   <a:solidFill>
                     <a:srgbClr val="000000"/>
                   </a:solidFill>
@@ -2729,7 +2731,7 @@
             </a:ln>
             <a:extLst>
               <a:ext uri="{91240B29-F687-4f45-9708-019B960494DF}">
-                <a14:hiddenLine xmlns:a14="http://schemas.microsoft.com/office/drawing/2010/main" xmlns="" w="9525">
+                <a14:hiddenLine xmlns="" xmlns:a14="http://schemas.microsoft.com/office/drawing/2010/main" w="9525">
                   <a:solidFill>
                     <a:srgbClr val="000000"/>
                   </a:solidFill>
@@ -2791,7 +2793,7 @@
             </a:ln>
             <a:extLst>
               <a:ext uri="{91240B29-F687-4f45-9708-019B960494DF}">
-                <a14:hiddenLine xmlns:a14="http://schemas.microsoft.com/office/drawing/2010/main" xmlns="" w="9525">
+                <a14:hiddenLine xmlns="" xmlns:a14="http://schemas.microsoft.com/office/drawing/2010/main" w="9525">
                   <a:solidFill>
                     <a:srgbClr val="000000"/>
                   </a:solidFill>
@@ -2881,7 +2883,7 @@
             </a:ln>
             <a:extLst>
               <a:ext uri="{91240B29-F687-4f45-9708-019B960494DF}">
-                <a14:hiddenLine xmlns:a14="http://schemas.microsoft.com/office/drawing/2010/main" xmlns="" w="9525">
+                <a14:hiddenLine xmlns="" xmlns:a14="http://schemas.microsoft.com/office/drawing/2010/main" w="9525">
                   <a:solidFill>
                     <a:srgbClr val="000000"/>
                   </a:solidFill>
@@ -2943,7 +2945,7 @@
             </a:ln>
             <a:extLst>
               <a:ext uri="{91240B29-F687-4f45-9708-019B960494DF}">
-                <a14:hiddenLine xmlns:a14="http://schemas.microsoft.com/office/drawing/2010/main" xmlns="" w="9525">
+                <a14:hiddenLine xmlns="" xmlns:a14="http://schemas.microsoft.com/office/drawing/2010/main" w="9525">
                   <a:solidFill>
                     <a:srgbClr val="000000"/>
                   </a:solidFill>
@@ -3033,7 +3035,7 @@
             </a:ln>
             <a:extLst>
               <a:ext uri="{91240B29-F687-4f45-9708-019B960494DF}">
-                <a14:hiddenLine xmlns:a14="http://schemas.microsoft.com/office/drawing/2010/main" xmlns="" w="9525">
+                <a14:hiddenLine xmlns="" xmlns:a14="http://schemas.microsoft.com/office/drawing/2010/main" w="9525">
                   <a:solidFill>
                     <a:srgbClr val="000000"/>
                   </a:solidFill>
@@ -3095,7 +3097,7 @@
             </a:ln>
             <a:extLst>
               <a:ext uri="{91240B29-F687-4f45-9708-019B960494DF}">
-                <a14:hiddenLine xmlns:a14="http://schemas.microsoft.com/office/drawing/2010/main" xmlns="" w="9525">
+                <a14:hiddenLine xmlns="" xmlns:a14="http://schemas.microsoft.com/office/drawing/2010/main" w="9525">
                   <a:solidFill>
                     <a:srgbClr val="000000"/>
                   </a:solidFill>
@@ -3185,7 +3187,7 @@
             </a:ln>
             <a:extLst>
               <a:ext uri="{91240B29-F687-4f45-9708-019B960494DF}">
-                <a14:hiddenLine xmlns:a14="http://schemas.microsoft.com/office/drawing/2010/main" xmlns="" w="9525">
+                <a14:hiddenLine xmlns="" xmlns:a14="http://schemas.microsoft.com/office/drawing/2010/main" w="9525">
                   <a:solidFill>
                     <a:srgbClr val="000000"/>
                   </a:solidFill>
@@ -3219,7 +3221,7 @@
             </a:ln>
             <a:extLst>
               <a:ext uri="{91240B29-F687-4f45-9708-019B960494DF}">
-                <a14:hiddenLine xmlns:a14="http://schemas.microsoft.com/office/drawing/2010/main" xmlns="" w="9525">
+                <a14:hiddenLine xmlns="" xmlns:a14="http://schemas.microsoft.com/office/drawing/2010/main" w="9525">
                   <a:solidFill>
                     <a:srgbClr val="000000"/>
                   </a:solidFill>
@@ -3284,7 +3286,7 @@
             </a:ln>
             <a:extLst>
               <a:ext uri="{91240B29-F687-4f45-9708-019B960494DF}">
-                <a14:hiddenLine xmlns:a14="http://schemas.microsoft.com/office/drawing/2010/main" xmlns="" w="9525">
+                <a14:hiddenLine xmlns="" xmlns:a14="http://schemas.microsoft.com/office/drawing/2010/main" w="9525">
                   <a:solidFill>
                     <a:srgbClr val="000000"/>
                   </a:solidFill>
@@ -3374,7 +3376,7 @@
             </a:ln>
             <a:extLst>
               <a:ext uri="{91240B29-F687-4f45-9708-019B960494DF}">
-                <a14:hiddenLine xmlns:a14="http://schemas.microsoft.com/office/drawing/2010/main" xmlns="" w="9525">
+                <a14:hiddenLine xmlns="" xmlns:a14="http://schemas.microsoft.com/office/drawing/2010/main" w="9525">
                   <a:solidFill>
                     <a:srgbClr val="000000"/>
                   </a:solidFill>
@@ -3436,7 +3438,7 @@
             </a:ln>
             <a:extLst>
               <a:ext uri="{91240B29-F687-4f45-9708-019B960494DF}">
-                <a14:hiddenLine xmlns:a14="http://schemas.microsoft.com/office/drawing/2010/main" xmlns="" w="9525">
+                <a14:hiddenLine xmlns="" xmlns:a14="http://schemas.microsoft.com/office/drawing/2010/main" w="9525">
                   <a:solidFill>
                     <a:srgbClr val="000000"/>
                   </a:solidFill>
@@ -3526,7 +3528,7 @@
             </a:ln>
             <a:extLst>
               <a:ext uri="{91240B29-F687-4f45-9708-019B960494DF}">
-                <a14:hiddenLine xmlns:a14="http://schemas.microsoft.com/office/drawing/2010/main" xmlns="" w="9525">
+                <a14:hiddenLine xmlns="" xmlns:a14="http://schemas.microsoft.com/office/drawing/2010/main" w="9525">
                   <a:solidFill>
                     <a:srgbClr val="000000"/>
                   </a:solidFill>
@@ -3616,7 +3618,7 @@
             </a:ln>
             <a:extLst>
               <a:ext uri="{91240B29-F687-4f45-9708-019B960494DF}">
-                <a14:hiddenLine xmlns:a14="http://schemas.microsoft.com/office/drawing/2010/main" xmlns="" w="9525">
+                <a14:hiddenLine xmlns="" xmlns:a14="http://schemas.microsoft.com/office/drawing/2010/main" w="9525">
                   <a:solidFill>
                     <a:srgbClr val="000000"/>
                   </a:solidFill>
@@ -3681,7 +3683,7 @@
             </a:ln>
             <a:extLst>
               <a:ext uri="{91240B29-F687-4f45-9708-019B960494DF}">
-                <a14:hiddenLine xmlns:a14="http://schemas.microsoft.com/office/drawing/2010/main" xmlns="" w="9525">
+                <a14:hiddenLine xmlns="" xmlns:a14="http://schemas.microsoft.com/office/drawing/2010/main" w="9525">
                   <a:solidFill>
                     <a:srgbClr val="000000"/>
                   </a:solidFill>
@@ -3743,7 +3745,7 @@
             </a:ln>
             <a:extLst>
               <a:ext uri="{91240B29-F687-4f45-9708-019B960494DF}">
-                <a14:hiddenLine xmlns:a14="http://schemas.microsoft.com/office/drawing/2010/main" xmlns="" w="9525">
+                <a14:hiddenLine xmlns="" xmlns:a14="http://schemas.microsoft.com/office/drawing/2010/main" w="9525">
                   <a:solidFill>
                     <a:srgbClr val="000000"/>
                   </a:solidFill>
@@ -3833,7 +3835,7 @@
             </a:ln>
             <a:extLst>
               <a:ext uri="{91240B29-F687-4f45-9708-019B960494DF}">
-                <a14:hiddenLine xmlns:a14="http://schemas.microsoft.com/office/drawing/2010/main" xmlns="" w="9525">
+                <a14:hiddenLine xmlns="" xmlns:a14="http://schemas.microsoft.com/office/drawing/2010/main" w="9525">
                   <a:solidFill>
                     <a:srgbClr val="000000"/>
                   </a:solidFill>
@@ -3923,7 +3925,7 @@
             </a:ln>
             <a:extLst>
               <a:ext uri="{91240B29-F687-4f45-9708-019B960494DF}">
-                <a14:hiddenLine xmlns:a14="http://schemas.microsoft.com/office/drawing/2010/main" xmlns="" w="9525">
+                <a14:hiddenLine xmlns="" xmlns:a14="http://schemas.microsoft.com/office/drawing/2010/main" w="9525">
                   <a:solidFill>
                     <a:srgbClr val="000000"/>
                   </a:solidFill>
@@ -3985,7 +3987,7 @@
             </a:ln>
             <a:extLst>
               <a:ext uri="{91240B29-F687-4f45-9708-019B960494DF}">
-                <a14:hiddenLine xmlns:a14="http://schemas.microsoft.com/office/drawing/2010/main" xmlns="" w="9525">
+                <a14:hiddenLine xmlns="" xmlns:a14="http://schemas.microsoft.com/office/drawing/2010/main" w="9525">
                   <a:solidFill>
                     <a:srgbClr val="000000"/>
                   </a:solidFill>
@@ -4105,7 +4107,7 @@
             </a:ln>
             <a:extLst>
               <a:ext uri="{91240B29-F687-4f45-9708-019B960494DF}">
-                <a14:hiddenLine xmlns:a14="http://schemas.microsoft.com/office/drawing/2010/main" xmlns="" w="9525">
+                <a14:hiddenLine xmlns="" xmlns:a14="http://schemas.microsoft.com/office/drawing/2010/main" w="9525">
                   <a:solidFill>
                     <a:srgbClr val="000000"/>
                   </a:solidFill>
@@ -4173,7 +4175,7 @@
             </a:ln>
             <a:extLst>
               <a:ext uri="{91240B29-F687-4f45-9708-019B960494DF}">
-                <a14:hiddenLine xmlns:a14="http://schemas.microsoft.com/office/drawing/2010/main" xmlns="" w="9525">
+                <a14:hiddenLine xmlns="" xmlns:a14="http://schemas.microsoft.com/office/drawing/2010/main" w="9525">
                   <a:solidFill>
                     <a:srgbClr val="000000"/>
                   </a:solidFill>
@@ -4263,7 +4265,7 @@
             </a:ln>
             <a:extLst>
               <a:ext uri="{91240B29-F687-4f45-9708-019B960494DF}">
-                <a14:hiddenLine xmlns:a14="http://schemas.microsoft.com/office/drawing/2010/main" xmlns="" w="9525">
+                <a14:hiddenLine xmlns="" xmlns:a14="http://schemas.microsoft.com/office/drawing/2010/main" w="9525">
                   <a:solidFill>
                     <a:srgbClr val="000000"/>
                   </a:solidFill>
@@ -8985,7 +8987,7 @@
           <a:noFill/>
           <a:extLst>
             <a:ext uri="{909E8E84-426E-40dd-AFC4-6F175D3DCCD1}">
-              <a14:hiddenFill xmlns:a14="http://schemas.microsoft.com/office/drawing/2010/main" xmlns="">
+              <a14:hiddenFill xmlns="" xmlns:a14="http://schemas.microsoft.com/office/drawing/2010/main">
                 <a:solidFill>
                   <a:srgbClr val="FFFFFF"/>
                 </a:solidFill>
@@ -9059,7 +9061,7 @@
               </a:ln>
               <a:extLst>
                 <a:ext uri="{91240B29-F687-4f45-9708-019B960494DF}">
-                  <a14:hiddenLine xmlns:a14="http://schemas.microsoft.com/office/drawing/2010/main" xmlns="" w="9525">
+                  <a14:hiddenLine xmlns="" xmlns:a14="http://schemas.microsoft.com/office/drawing/2010/main" w="9525">
                     <a:solidFill>
                       <a:srgbClr val="000000"/>
                     </a:solidFill>
@@ -9149,7 +9151,7 @@
               </a:ln>
               <a:extLst>
                 <a:ext uri="{91240B29-F687-4f45-9708-019B960494DF}">
-                  <a14:hiddenLine xmlns:a14="http://schemas.microsoft.com/office/drawing/2010/main" xmlns="" w="9525">
+                  <a14:hiddenLine xmlns="" xmlns:a14="http://schemas.microsoft.com/office/drawing/2010/main" w="9525">
                     <a:solidFill>
                       <a:srgbClr val="000000"/>
                     </a:solidFill>
@@ -9239,7 +9241,7 @@
               </a:ln>
               <a:extLst>
                 <a:ext uri="{91240B29-F687-4f45-9708-019B960494DF}">
-                  <a14:hiddenLine xmlns:a14="http://schemas.microsoft.com/office/drawing/2010/main" xmlns="" w="9525">
+                  <a14:hiddenLine xmlns="" xmlns:a14="http://schemas.microsoft.com/office/drawing/2010/main" w="9525">
                     <a:solidFill>
                       <a:srgbClr val="000000"/>
                     </a:solidFill>
@@ -9301,7 +9303,7 @@
               </a:ln>
               <a:extLst>
                 <a:ext uri="{91240B29-F687-4f45-9708-019B960494DF}">
-                  <a14:hiddenLine xmlns:a14="http://schemas.microsoft.com/office/drawing/2010/main" xmlns="" w="9525">
+                  <a14:hiddenLine xmlns="" xmlns:a14="http://schemas.microsoft.com/office/drawing/2010/main" w="9525">
                     <a:solidFill>
                       <a:srgbClr val="000000"/>
                     </a:solidFill>
@@ -9391,7 +9393,7 @@
               </a:ln>
               <a:extLst>
                 <a:ext uri="{91240B29-F687-4f45-9708-019B960494DF}">
-                  <a14:hiddenLine xmlns:a14="http://schemas.microsoft.com/office/drawing/2010/main" xmlns="" w="9525">
+                  <a14:hiddenLine xmlns="" xmlns:a14="http://schemas.microsoft.com/office/drawing/2010/main" w="9525">
                     <a:solidFill>
                       <a:srgbClr val="000000"/>
                     </a:solidFill>
@@ -9453,7 +9455,7 @@
               </a:ln>
               <a:extLst>
                 <a:ext uri="{91240B29-F687-4f45-9708-019B960494DF}">
-                  <a14:hiddenLine xmlns:a14="http://schemas.microsoft.com/office/drawing/2010/main" xmlns="" w="9525">
+                  <a14:hiddenLine xmlns="" xmlns:a14="http://schemas.microsoft.com/office/drawing/2010/main" w="9525">
                     <a:solidFill>
                       <a:srgbClr val="000000"/>
                     </a:solidFill>
@@ -9515,7 +9517,7 @@
               </a:ln>
               <a:extLst>
                 <a:ext uri="{91240B29-F687-4f45-9708-019B960494DF}">
-                  <a14:hiddenLine xmlns:a14="http://schemas.microsoft.com/office/drawing/2010/main" xmlns="" w="9525">
+                  <a14:hiddenLine xmlns="" xmlns:a14="http://schemas.microsoft.com/office/drawing/2010/main" w="9525">
                     <a:solidFill>
                       <a:srgbClr val="000000"/>
                     </a:solidFill>
@@ -9605,7 +9607,7 @@
               </a:ln>
               <a:extLst>
                 <a:ext uri="{91240B29-F687-4f45-9708-019B960494DF}">
-                  <a14:hiddenLine xmlns:a14="http://schemas.microsoft.com/office/drawing/2010/main" xmlns="" w="9525">
+                  <a14:hiddenLine xmlns="" xmlns:a14="http://schemas.microsoft.com/office/drawing/2010/main" w="9525">
                     <a:solidFill>
                       <a:srgbClr val="000000"/>
                     </a:solidFill>
@@ -9695,7 +9697,7 @@
               </a:ln>
               <a:extLst>
                 <a:ext uri="{91240B29-F687-4f45-9708-019B960494DF}">
-                  <a14:hiddenLine xmlns:a14="http://schemas.microsoft.com/office/drawing/2010/main" xmlns="" w="9525">
+                  <a14:hiddenLine xmlns="" xmlns:a14="http://schemas.microsoft.com/office/drawing/2010/main" w="9525">
                     <a:solidFill>
                       <a:srgbClr val="000000"/>
                     </a:solidFill>
@@ -9757,7 +9759,7 @@
               </a:ln>
               <a:extLst>
                 <a:ext uri="{91240B29-F687-4f45-9708-019B960494DF}">
-                  <a14:hiddenLine xmlns:a14="http://schemas.microsoft.com/office/drawing/2010/main" xmlns="" w="9525">
+                  <a14:hiddenLine xmlns="" xmlns:a14="http://schemas.microsoft.com/office/drawing/2010/main" w="9525">
                     <a:solidFill>
                       <a:srgbClr val="000000"/>
                     </a:solidFill>
@@ -9867,7 +9869,7 @@
               </a:ln>
               <a:extLst>
                 <a:ext uri="{91240B29-F687-4f45-9708-019B960494DF}">
-                  <a14:hiddenLine xmlns:a14="http://schemas.microsoft.com/office/drawing/2010/main" xmlns="" w="9525">
+                  <a14:hiddenLine xmlns="" xmlns:a14="http://schemas.microsoft.com/office/drawing/2010/main" w="9525">
                     <a:solidFill>
                       <a:srgbClr val="000000"/>
                     </a:solidFill>
@@ -9951,7 +9953,7 @@
               </a:ln>
               <a:extLst>
                 <a:ext uri="{91240B29-F687-4f45-9708-019B960494DF}">
-                  <a14:hiddenLine xmlns:a14="http://schemas.microsoft.com/office/drawing/2010/main" xmlns="" w="9525">
+                  <a14:hiddenLine xmlns="" xmlns:a14="http://schemas.microsoft.com/office/drawing/2010/main" w="9525">
                     <a:solidFill>
                       <a:srgbClr val="000000"/>
                     </a:solidFill>
@@ -10013,7 +10015,7 @@
               </a:ln>
               <a:extLst>
                 <a:ext uri="{91240B29-F687-4f45-9708-019B960494DF}">
-                  <a14:hiddenLine xmlns:a14="http://schemas.microsoft.com/office/drawing/2010/main" xmlns="" w="9525">
+                  <a14:hiddenLine xmlns="" xmlns:a14="http://schemas.microsoft.com/office/drawing/2010/main" w="9525">
                     <a:solidFill>
                       <a:srgbClr val="000000"/>
                     </a:solidFill>
@@ -10075,7 +10077,7 @@
               </a:ln>
               <a:extLst>
                 <a:ext uri="{91240B29-F687-4f45-9708-019B960494DF}">
-                  <a14:hiddenLine xmlns:a14="http://schemas.microsoft.com/office/drawing/2010/main" xmlns="" w="9525">
+                  <a14:hiddenLine xmlns="" xmlns:a14="http://schemas.microsoft.com/office/drawing/2010/main" w="9525">
                     <a:solidFill>
                       <a:srgbClr val="000000"/>
                     </a:solidFill>
@@ -10165,7 +10167,7 @@
               </a:ln>
               <a:extLst>
                 <a:ext uri="{91240B29-F687-4f45-9708-019B960494DF}">
-                  <a14:hiddenLine xmlns:a14="http://schemas.microsoft.com/office/drawing/2010/main" xmlns="" w="9525">
+                  <a14:hiddenLine xmlns="" xmlns:a14="http://schemas.microsoft.com/office/drawing/2010/main" w="9525">
                     <a:solidFill>
                       <a:srgbClr val="000000"/>
                     </a:solidFill>
@@ -10199,7 +10201,7 @@
               </a:ln>
               <a:extLst>
                 <a:ext uri="{91240B29-F687-4f45-9708-019B960494DF}">
-                  <a14:hiddenLine xmlns:a14="http://schemas.microsoft.com/office/drawing/2010/main" xmlns="" w="9525">
+                  <a14:hiddenLine xmlns="" xmlns:a14="http://schemas.microsoft.com/office/drawing/2010/main" w="9525">
                     <a:solidFill>
                       <a:srgbClr val="000000"/>
                     </a:solidFill>
@@ -10264,7 +10266,7 @@
               </a:ln>
               <a:extLst>
                 <a:ext uri="{91240B29-F687-4f45-9708-019B960494DF}">
-                  <a14:hiddenLine xmlns:a14="http://schemas.microsoft.com/office/drawing/2010/main" xmlns="" w="9525">
+                  <a14:hiddenLine xmlns="" xmlns:a14="http://schemas.microsoft.com/office/drawing/2010/main" w="9525">
                     <a:solidFill>
                       <a:srgbClr val="000000"/>
                     </a:solidFill>
@@ -10354,7 +10356,7 @@
               </a:ln>
               <a:extLst>
                 <a:ext uri="{91240B29-F687-4f45-9708-019B960494DF}">
-                  <a14:hiddenLine xmlns:a14="http://schemas.microsoft.com/office/drawing/2010/main" xmlns="" w="9525">
+                  <a14:hiddenLine xmlns="" xmlns:a14="http://schemas.microsoft.com/office/drawing/2010/main" w="9525">
                     <a:solidFill>
                       <a:srgbClr val="000000"/>
                     </a:solidFill>
@@ -10416,7 +10418,7 @@
               </a:ln>
               <a:extLst>
                 <a:ext uri="{91240B29-F687-4f45-9708-019B960494DF}">
-                  <a14:hiddenLine xmlns:a14="http://schemas.microsoft.com/office/drawing/2010/main" xmlns="" w="9525">
+                  <a14:hiddenLine xmlns="" xmlns:a14="http://schemas.microsoft.com/office/drawing/2010/main" w="9525">
                     <a:solidFill>
                       <a:srgbClr val="000000"/>
                     </a:solidFill>
@@ -10506,7 +10508,7 @@
               </a:ln>
               <a:extLst>
                 <a:ext uri="{91240B29-F687-4f45-9708-019B960494DF}">
-                  <a14:hiddenLine xmlns:a14="http://schemas.microsoft.com/office/drawing/2010/main" xmlns="" w="9525">
+                  <a14:hiddenLine xmlns="" xmlns:a14="http://schemas.microsoft.com/office/drawing/2010/main" w="9525">
                     <a:solidFill>
                       <a:srgbClr val="000000"/>
                     </a:solidFill>
@@ -10571,7 +10573,7 @@
               </a:ln>
               <a:extLst>
                 <a:ext uri="{91240B29-F687-4f45-9708-019B960494DF}">
-                  <a14:hiddenLine xmlns:a14="http://schemas.microsoft.com/office/drawing/2010/main" xmlns="" w="9525">
+                  <a14:hiddenLine xmlns="" xmlns:a14="http://schemas.microsoft.com/office/drawing/2010/main" w="9525">
                     <a:solidFill>
                       <a:srgbClr val="000000"/>
                     </a:solidFill>
@@ -10633,7 +10635,7 @@
               </a:ln>
               <a:extLst>
                 <a:ext uri="{91240B29-F687-4f45-9708-019B960494DF}">
-                  <a14:hiddenLine xmlns:a14="http://schemas.microsoft.com/office/drawing/2010/main" xmlns="" w="9525">
+                  <a14:hiddenLine xmlns="" xmlns:a14="http://schemas.microsoft.com/office/drawing/2010/main" w="9525">
                     <a:solidFill>
                       <a:srgbClr val="000000"/>
                     </a:solidFill>
@@ -10723,7 +10725,7 @@
               </a:ln>
               <a:extLst>
                 <a:ext uri="{91240B29-F687-4f45-9708-019B960494DF}">
-                  <a14:hiddenLine xmlns:a14="http://schemas.microsoft.com/office/drawing/2010/main" xmlns="" w="9525">
+                  <a14:hiddenLine xmlns="" xmlns:a14="http://schemas.microsoft.com/office/drawing/2010/main" w="9525">
                     <a:solidFill>
                       <a:srgbClr val="000000"/>
                     </a:solidFill>
@@ -10813,7 +10815,7 @@
               </a:ln>
               <a:extLst>
                 <a:ext uri="{91240B29-F687-4f45-9708-019B960494DF}">
-                  <a14:hiddenLine xmlns:a14="http://schemas.microsoft.com/office/drawing/2010/main" xmlns="" w="9525">
+                  <a14:hiddenLine xmlns="" xmlns:a14="http://schemas.microsoft.com/office/drawing/2010/main" w="9525">
                     <a:solidFill>
                       <a:srgbClr val="000000"/>
                     </a:solidFill>
@@ -10878,7 +10880,7 @@
               </a:ln>
               <a:extLst>
                 <a:ext uri="{91240B29-F687-4f45-9708-019B960494DF}">
-                  <a14:hiddenLine xmlns:a14="http://schemas.microsoft.com/office/drawing/2010/main" xmlns="" w="9525">
+                  <a14:hiddenLine xmlns="" xmlns:a14="http://schemas.microsoft.com/office/drawing/2010/main" w="9525">
                     <a:solidFill>
                       <a:srgbClr val="000000"/>
                     </a:solidFill>
@@ -10998,7 +11000,7 @@
               </a:ln>
               <a:extLst>
                 <a:ext uri="{91240B29-F687-4f45-9708-019B960494DF}">
-                  <a14:hiddenLine xmlns:a14="http://schemas.microsoft.com/office/drawing/2010/main" xmlns="" w="9525">
+                  <a14:hiddenLine xmlns="" xmlns:a14="http://schemas.microsoft.com/office/drawing/2010/main" w="9525">
                     <a:solidFill>
                       <a:srgbClr val="000000"/>
                     </a:solidFill>
@@ -11096,7 +11098,7 @@
               </a:ln>
               <a:extLst>
                 <a:ext uri="{91240B29-F687-4f45-9708-019B960494DF}">
-                  <a14:hiddenLine xmlns:a14="http://schemas.microsoft.com/office/drawing/2010/main" xmlns="" w="9525">
+                  <a14:hiddenLine xmlns="" xmlns:a14="http://schemas.microsoft.com/office/drawing/2010/main" w="9525">
                     <a:solidFill>
                       <a:srgbClr val="000000"/>
                     </a:solidFill>
@@ -11211,7 +11213,7 @@
               </a:ln>
               <a:extLst>
                 <a:ext uri="{91240B29-F687-4f45-9708-019B960494DF}">
-                  <a14:hiddenLine xmlns:a14="http://schemas.microsoft.com/office/drawing/2010/main" xmlns="" w="9525">
+                  <a14:hiddenLine xmlns="" xmlns:a14="http://schemas.microsoft.com/office/drawing/2010/main" w="9525">
                     <a:solidFill>
                       <a:srgbClr val="000000"/>
                     </a:solidFill>
@@ -11301,7 +11303,7 @@
               </a:ln>
               <a:extLst>
                 <a:ext uri="{91240B29-F687-4f45-9708-019B960494DF}">
-                  <a14:hiddenLine xmlns:a14="http://schemas.microsoft.com/office/drawing/2010/main" xmlns="" w="9525">
+                  <a14:hiddenLine xmlns="" xmlns:a14="http://schemas.microsoft.com/office/drawing/2010/main" w="9525">
                     <a:solidFill>
                       <a:srgbClr val="000000"/>
                     </a:solidFill>
@@ -11366,7 +11368,7 @@
               </a:ln>
               <a:extLst>
                 <a:ext uri="{91240B29-F687-4f45-9708-019B960494DF}">
-                  <a14:hiddenLine xmlns:a14="http://schemas.microsoft.com/office/drawing/2010/main" xmlns="" w="9525">
+                  <a14:hiddenLine xmlns="" xmlns:a14="http://schemas.microsoft.com/office/drawing/2010/main" w="9525">
                     <a:solidFill>
                       <a:srgbClr val="000000"/>
                     </a:solidFill>
@@ -11456,7 +11458,7 @@
               </a:ln>
               <a:extLst>
                 <a:ext uri="{91240B29-F687-4f45-9708-019B960494DF}">
-                  <a14:hiddenLine xmlns:a14="http://schemas.microsoft.com/office/drawing/2010/main" xmlns="" w="9525">
+                  <a14:hiddenLine xmlns="" xmlns:a14="http://schemas.microsoft.com/office/drawing/2010/main" w="9525">
                     <a:solidFill>
                       <a:srgbClr val="000000"/>
                     </a:solidFill>
@@ -11524,7 +11526,7 @@
               </a:ln>
               <a:extLst>
                 <a:ext uri="{91240B29-F687-4f45-9708-019B960494DF}">
-                  <a14:hiddenLine xmlns:a14="http://schemas.microsoft.com/office/drawing/2010/main" xmlns="" w="9525">
+                  <a14:hiddenLine xmlns="" xmlns:a14="http://schemas.microsoft.com/office/drawing/2010/main" w="9525">
                     <a:solidFill>
                       <a:srgbClr val="000000"/>
                     </a:solidFill>
@@ -11614,7 +11616,7 @@
               </a:ln>
               <a:extLst>
                 <a:ext uri="{91240B29-F687-4f45-9708-019B960494DF}">
-                  <a14:hiddenLine xmlns:a14="http://schemas.microsoft.com/office/drawing/2010/main" xmlns="" w="9525">
+                  <a14:hiddenLine xmlns="" xmlns:a14="http://schemas.microsoft.com/office/drawing/2010/main" w="9525">
                     <a:solidFill>
                       <a:srgbClr val="000000"/>
                     </a:solidFill>
@@ -11682,7 +11684,7 @@
               </a:ln>
               <a:extLst>
                 <a:ext uri="{91240B29-F687-4f45-9708-019B960494DF}">
-                  <a14:hiddenLine xmlns:a14="http://schemas.microsoft.com/office/drawing/2010/main" xmlns="" w="9525">
+                  <a14:hiddenLine xmlns="" xmlns:a14="http://schemas.microsoft.com/office/drawing/2010/main" w="9525">
                     <a:solidFill>
                       <a:srgbClr val="000000"/>
                     </a:solidFill>
@@ -11772,7 +11774,7 @@
               </a:ln>
               <a:extLst>
                 <a:ext uri="{91240B29-F687-4f45-9708-019B960494DF}">
-                  <a14:hiddenLine xmlns:a14="http://schemas.microsoft.com/office/drawing/2010/main" xmlns="" w="9525">
+                  <a14:hiddenLine xmlns="" xmlns:a14="http://schemas.microsoft.com/office/drawing/2010/main" w="9525">
                     <a:solidFill>
                       <a:srgbClr val="000000"/>
                     </a:solidFill>
@@ -11806,7 +11808,7 @@
               </a:ln>
               <a:extLst>
                 <a:ext uri="{91240B29-F687-4f45-9708-019B960494DF}">
-                  <a14:hiddenLine xmlns:a14="http://schemas.microsoft.com/office/drawing/2010/main" xmlns="" w="9525">
+                  <a14:hiddenLine xmlns="" xmlns:a14="http://schemas.microsoft.com/office/drawing/2010/main" w="9525">
                     <a:solidFill>
                       <a:srgbClr val="000000"/>
                     </a:solidFill>
@@ -12579,7 +12581,7 @@
             <a:noFill/>
             <a:extLst>
               <a:ext uri="{909E8E84-426E-40dd-AFC4-6F175D3DCCD1}">
-                <a14:hiddenFill xmlns:p14="http://schemas.microsoft.com/office/powerpoint/2010/main" xmlns:a14="http://schemas.microsoft.com/office/drawing/2010/main" xmlns:a16="http://schemas.microsoft.com/office/drawing/2014/main" xmlns="">
+                <a14:hiddenFill xmlns="" xmlns:a16="http://schemas.microsoft.com/office/drawing/2014/main" xmlns:a14="http://schemas.microsoft.com/office/drawing/2010/main" xmlns:p14="http://schemas.microsoft.com/office/powerpoint/2010/main">
                   <a:solidFill>
                     <a:srgbClr val="FFFFFF"/>
                   </a:solidFill>
@@ -12618,7 +12620,7 @@
           <a:lstStyle/>
           <a:p>
             <a:r>
-              <a:rPr lang="en-US" sz="4100" b="1">
+              <a:rPr lang="en-US" sz="4100" b="1" dirty="0">
                 <a:effectLst>
                   <a:outerShdw blurRad="38100" dist="38100" dir="2700000" algn="tl">
                     <a:srgbClr val="000000">
@@ -12630,7 +12632,7 @@
               <a:t>LOB CUSKIT </a:t>
             </a:r>
             <a:br>
-              <a:rPr lang="en-US" sz="4100" b="1">
+              <a:rPr lang="en-US" sz="4100" b="1" dirty="0">
                 <a:effectLst>
                   <a:outerShdw blurRad="38100" dist="38100" dir="2700000" algn="tl">
                     <a:srgbClr val="000000">
@@ -12641,7 +12643,7 @@
               </a:rPr>
             </a:br>
             <a:r>
-              <a:rPr lang="en-US" sz="4100" b="1">
+              <a:rPr lang="en-US" sz="4100" b="1" dirty="0">
                 <a:effectLst>
                   <a:outerShdw blurRad="38100" dist="38100" dir="2700000" algn="tl">
                     <a:srgbClr val="000000">
@@ -12652,7 +12654,7 @@
               </a:rPr>
               <a:t>LAUNCH DASHBOARD</a:t>
             </a:r>
-            <a:endParaRPr lang="en-US" sz="4100"/>
+            <a:endParaRPr lang="en-US" sz="4100" dirty="0"/>
           </a:p>
         </p:txBody>
       </p:sp>
@@ -12685,7 +12687,7 @@
           <a:lstStyle/>
           <a:p>
             <a:r>
-              <a:rPr lang="en-US" b="1"/>
+              <a:rPr lang="en-US" b="1" dirty="0"/>
               <a:t>IMPACTED BY COVID-19</a:t>
             </a:r>
           </a:p>
@@ -12794,7 +12796,7 @@
             </a:ln>
             <a:extLst>
               <a:ext uri="{91240B29-F687-4f45-9708-019B960494DF}">
-                <a14:hiddenLine xmlns:p14="http://schemas.microsoft.com/office/powerpoint/2010/main" xmlns:a14="http://schemas.microsoft.com/office/drawing/2010/main" xmlns:a16="http://schemas.microsoft.com/office/drawing/2014/main" xmlns="" w="9525">
+                <a14:hiddenLine xmlns="" xmlns:a16="http://schemas.microsoft.com/office/drawing/2014/main" xmlns:a14="http://schemas.microsoft.com/office/drawing/2010/main" xmlns:p14="http://schemas.microsoft.com/office/powerpoint/2010/main" w="9525">
                   <a:solidFill>
                     <a:srgbClr val="000000"/>
                   </a:solidFill>
@@ -12899,7 +12901,7 @@
             </a:ln>
             <a:extLst>
               <a:ext uri="{91240B29-F687-4f45-9708-019B960494DF}">
-                <a14:hiddenLine xmlns:p14="http://schemas.microsoft.com/office/powerpoint/2010/main" xmlns:a14="http://schemas.microsoft.com/office/drawing/2010/main" xmlns:a16="http://schemas.microsoft.com/office/drawing/2014/main" xmlns="" w="9525">
+                <a14:hiddenLine xmlns="" xmlns:a16="http://schemas.microsoft.com/office/drawing/2014/main" xmlns:a14="http://schemas.microsoft.com/office/drawing/2010/main" xmlns:p14="http://schemas.microsoft.com/office/powerpoint/2010/main" w="9525">
                   <a:solidFill>
                     <a:srgbClr val="000000"/>
                   </a:solidFill>
@@ -13004,7 +13006,7 @@
             </a:ln>
             <a:extLst>
               <a:ext uri="{91240B29-F687-4f45-9708-019B960494DF}">
-                <a14:hiddenLine xmlns:p14="http://schemas.microsoft.com/office/powerpoint/2010/main" xmlns:a14="http://schemas.microsoft.com/office/drawing/2010/main" xmlns:a16="http://schemas.microsoft.com/office/drawing/2014/main" xmlns="" w="9525">
+                <a14:hiddenLine xmlns="" xmlns:a16="http://schemas.microsoft.com/office/drawing/2014/main" xmlns:a14="http://schemas.microsoft.com/office/drawing/2010/main" xmlns:p14="http://schemas.microsoft.com/office/powerpoint/2010/main" w="9525">
                   <a:solidFill>
                     <a:srgbClr val="000000"/>
                   </a:solidFill>
@@ -13053,7 +13055,7 @@
             </a:ln>
             <a:extLst>
               <a:ext uri="{91240B29-F687-4f45-9708-019B960494DF}">
-                <a14:hiddenLine xmlns:p14="http://schemas.microsoft.com/office/powerpoint/2010/main" xmlns:a14="http://schemas.microsoft.com/office/drawing/2010/main" xmlns:a16="http://schemas.microsoft.com/office/drawing/2014/main" xmlns="" w="9525">
+                <a14:hiddenLine xmlns="" xmlns:a16="http://schemas.microsoft.com/office/drawing/2014/main" xmlns:a14="http://schemas.microsoft.com/office/drawing/2010/main" xmlns:p14="http://schemas.microsoft.com/office/powerpoint/2010/main" w="9525">
                   <a:solidFill>
                     <a:srgbClr val="000000"/>
                   </a:solidFill>
@@ -13158,7 +13160,7 @@
             </a:ln>
             <a:extLst>
               <a:ext uri="{91240B29-F687-4f45-9708-019B960494DF}">
-                <a14:hiddenLine xmlns:p14="http://schemas.microsoft.com/office/powerpoint/2010/main" xmlns:a14="http://schemas.microsoft.com/office/drawing/2010/main" xmlns:a16="http://schemas.microsoft.com/office/drawing/2014/main" xmlns="" w="9525">
+                <a14:hiddenLine xmlns="" xmlns:a16="http://schemas.microsoft.com/office/drawing/2014/main" xmlns:a14="http://schemas.microsoft.com/office/drawing/2010/main" xmlns:p14="http://schemas.microsoft.com/office/powerpoint/2010/main" w="9525">
                   <a:solidFill>
                     <a:srgbClr val="000000"/>
                   </a:solidFill>
@@ -13235,7 +13237,7 @@
             </a:ln>
             <a:extLst>
               <a:ext uri="{91240B29-F687-4f45-9708-019B960494DF}">
-                <a14:hiddenLine xmlns:p14="http://schemas.microsoft.com/office/powerpoint/2010/main" xmlns:a14="http://schemas.microsoft.com/office/drawing/2010/main" xmlns:a16="http://schemas.microsoft.com/office/drawing/2014/main" xmlns="" w="9525">
+                <a14:hiddenLine xmlns="" xmlns:a16="http://schemas.microsoft.com/office/drawing/2014/main" xmlns:a14="http://schemas.microsoft.com/office/drawing/2010/main" xmlns:p14="http://schemas.microsoft.com/office/powerpoint/2010/main" w="9525">
                   <a:solidFill>
                     <a:srgbClr val="000000"/>
                   </a:solidFill>
@@ -13312,7 +13314,7 @@
             </a:ln>
             <a:extLst>
               <a:ext uri="{91240B29-F687-4f45-9708-019B960494DF}">
-                <a14:hiddenLine xmlns:p14="http://schemas.microsoft.com/office/powerpoint/2010/main" xmlns:a14="http://schemas.microsoft.com/office/drawing/2010/main" xmlns:a16="http://schemas.microsoft.com/office/drawing/2014/main" xmlns="" w="9525">
+                <a14:hiddenLine xmlns="" xmlns:a16="http://schemas.microsoft.com/office/drawing/2014/main" xmlns:a14="http://schemas.microsoft.com/office/drawing/2010/main" xmlns:p14="http://schemas.microsoft.com/office/powerpoint/2010/main" w="9525">
                   <a:solidFill>
                     <a:srgbClr val="000000"/>
                   </a:solidFill>
@@ -13417,7 +13419,7 @@
             </a:ln>
             <a:extLst>
               <a:ext uri="{91240B29-F687-4f45-9708-019B960494DF}">
-                <a14:hiddenLine xmlns:p14="http://schemas.microsoft.com/office/powerpoint/2010/main" xmlns:a14="http://schemas.microsoft.com/office/drawing/2010/main" xmlns:a16="http://schemas.microsoft.com/office/drawing/2014/main" xmlns="" w="9525">
+                <a14:hiddenLine xmlns="" xmlns:a16="http://schemas.microsoft.com/office/drawing/2014/main" xmlns:a14="http://schemas.microsoft.com/office/drawing/2010/main" xmlns:p14="http://schemas.microsoft.com/office/powerpoint/2010/main" w="9525">
                   <a:solidFill>
                     <a:srgbClr val="000000"/>
                   </a:solidFill>
@@ -13494,7 +13496,7 @@
             </a:ln>
             <a:extLst>
               <a:ext uri="{91240B29-F687-4f45-9708-019B960494DF}">
-                <a14:hiddenLine xmlns:p14="http://schemas.microsoft.com/office/powerpoint/2010/main" xmlns:a14="http://schemas.microsoft.com/office/drawing/2010/main" xmlns:a16="http://schemas.microsoft.com/office/drawing/2014/main" xmlns="" w="9525">
+                <a14:hiddenLine xmlns="" xmlns:a16="http://schemas.microsoft.com/office/drawing/2014/main" xmlns:a14="http://schemas.microsoft.com/office/drawing/2010/main" xmlns:p14="http://schemas.microsoft.com/office/powerpoint/2010/main" w="9525">
                   <a:solidFill>
                     <a:srgbClr val="000000"/>
                   </a:solidFill>
@@ -13571,7 +13573,7 @@
             </a:ln>
             <a:extLst>
               <a:ext uri="{91240B29-F687-4f45-9708-019B960494DF}">
-                <a14:hiddenLine xmlns:p14="http://schemas.microsoft.com/office/powerpoint/2010/main" xmlns:a14="http://schemas.microsoft.com/office/drawing/2010/main" xmlns:a16="http://schemas.microsoft.com/office/drawing/2014/main" xmlns="" w="9525">
+                <a14:hiddenLine xmlns="" xmlns:a16="http://schemas.microsoft.com/office/drawing/2014/main" xmlns:a14="http://schemas.microsoft.com/office/drawing/2010/main" xmlns:p14="http://schemas.microsoft.com/office/powerpoint/2010/main" w="9525">
                   <a:solidFill>
                     <a:srgbClr val="000000"/>
                   </a:solidFill>
@@ -13676,7 +13678,7 @@
             </a:ln>
             <a:extLst>
               <a:ext uri="{91240B29-F687-4f45-9708-019B960494DF}">
-                <a14:hiddenLine xmlns:p14="http://schemas.microsoft.com/office/powerpoint/2010/main" xmlns:a14="http://schemas.microsoft.com/office/drawing/2010/main" xmlns:a16="http://schemas.microsoft.com/office/drawing/2014/main" xmlns="" w="9525">
+                <a14:hiddenLine xmlns="" xmlns:a16="http://schemas.microsoft.com/office/drawing/2014/main" xmlns:a14="http://schemas.microsoft.com/office/drawing/2010/main" xmlns:p14="http://schemas.microsoft.com/office/powerpoint/2010/main" w="9525">
                   <a:solidFill>
                     <a:srgbClr val="000000"/>
                   </a:solidFill>
@@ -13781,7 +13783,7 @@
             </a:ln>
             <a:extLst>
               <a:ext uri="{91240B29-F687-4f45-9708-019B960494DF}">
-                <a14:hiddenLine xmlns:p14="http://schemas.microsoft.com/office/powerpoint/2010/main" xmlns:a14="http://schemas.microsoft.com/office/drawing/2010/main" xmlns:a16="http://schemas.microsoft.com/office/drawing/2014/main" xmlns="" w="9525">
+                <a14:hiddenLine xmlns="" xmlns:a16="http://schemas.microsoft.com/office/drawing/2014/main" xmlns:a14="http://schemas.microsoft.com/office/drawing/2010/main" xmlns:p14="http://schemas.microsoft.com/office/powerpoint/2010/main" w="9525">
                   <a:solidFill>
                     <a:srgbClr val="000000"/>
                   </a:solidFill>
@@ -13858,7 +13860,7 @@
             </a:ln>
             <a:extLst>
               <a:ext uri="{91240B29-F687-4f45-9708-019B960494DF}">
-                <a14:hiddenLine xmlns:p14="http://schemas.microsoft.com/office/powerpoint/2010/main" xmlns:a14="http://schemas.microsoft.com/office/drawing/2010/main" xmlns:a16="http://schemas.microsoft.com/office/drawing/2014/main" xmlns="" w="9525">
+                <a14:hiddenLine xmlns="" xmlns:a16="http://schemas.microsoft.com/office/drawing/2014/main" xmlns:a14="http://schemas.microsoft.com/office/drawing/2010/main" xmlns:p14="http://schemas.microsoft.com/office/powerpoint/2010/main" w="9525">
                   <a:solidFill>
                     <a:srgbClr val="000000"/>
                   </a:solidFill>
@@ -13983,7 +13985,7 @@
             </a:ln>
             <a:extLst>
               <a:ext uri="{91240B29-F687-4f45-9708-019B960494DF}">
-                <a14:hiddenLine xmlns:p14="http://schemas.microsoft.com/office/powerpoint/2010/main" xmlns:a14="http://schemas.microsoft.com/office/drawing/2010/main" xmlns:a16="http://schemas.microsoft.com/office/drawing/2014/main" xmlns="" w="9525">
+                <a14:hiddenLine xmlns="" xmlns:a16="http://schemas.microsoft.com/office/drawing/2014/main" xmlns:a14="http://schemas.microsoft.com/office/drawing/2010/main" xmlns:p14="http://schemas.microsoft.com/office/powerpoint/2010/main" w="9525">
                   <a:solidFill>
                     <a:srgbClr val="000000"/>
                   </a:solidFill>
@@ -14060,7 +14062,7 @@
             </a:ln>
             <a:extLst>
               <a:ext uri="{91240B29-F687-4f45-9708-019B960494DF}">
-                <a14:hiddenLine xmlns:p14="http://schemas.microsoft.com/office/powerpoint/2010/main" xmlns:a14="http://schemas.microsoft.com/office/drawing/2010/main" xmlns:a16="http://schemas.microsoft.com/office/drawing/2014/main" xmlns="" w="9525">
+                <a14:hiddenLine xmlns="" xmlns:a16="http://schemas.microsoft.com/office/drawing/2014/main" xmlns:a14="http://schemas.microsoft.com/office/drawing/2010/main" xmlns:p14="http://schemas.microsoft.com/office/powerpoint/2010/main" w="9525">
                   <a:solidFill>
                     <a:srgbClr val="000000"/>
                   </a:solidFill>
@@ -14165,7 +14167,7 @@
             </a:ln>
             <a:extLst>
               <a:ext uri="{91240B29-F687-4f45-9708-019B960494DF}">
-                <a14:hiddenLine xmlns:p14="http://schemas.microsoft.com/office/powerpoint/2010/main" xmlns:a14="http://schemas.microsoft.com/office/drawing/2010/main" xmlns:a16="http://schemas.microsoft.com/office/drawing/2014/main" xmlns="" w="9525">
+                <a14:hiddenLine xmlns="" xmlns:a16="http://schemas.microsoft.com/office/drawing/2014/main" xmlns:a14="http://schemas.microsoft.com/office/drawing/2010/main" xmlns:p14="http://schemas.microsoft.com/office/powerpoint/2010/main" w="9525">
                   <a:solidFill>
                     <a:srgbClr val="000000"/>
                   </a:solidFill>
@@ -14270,7 +14272,7 @@
             </a:ln>
             <a:extLst>
               <a:ext uri="{91240B29-F687-4f45-9708-019B960494DF}">
-                <a14:hiddenLine xmlns:p14="http://schemas.microsoft.com/office/powerpoint/2010/main" xmlns:a14="http://schemas.microsoft.com/office/drawing/2010/main" xmlns:a16="http://schemas.microsoft.com/office/drawing/2014/main" xmlns="" w="9525">
+                <a14:hiddenLine xmlns="" xmlns:a16="http://schemas.microsoft.com/office/drawing/2014/main" xmlns:a14="http://schemas.microsoft.com/office/drawing/2010/main" xmlns:p14="http://schemas.microsoft.com/office/powerpoint/2010/main" w="9525">
                   <a:solidFill>
                     <a:srgbClr val="000000"/>
                   </a:solidFill>
@@ -14347,7 +14349,7 @@
             </a:ln>
             <a:extLst>
               <a:ext uri="{91240B29-F687-4f45-9708-019B960494DF}">
-                <a14:hiddenLine xmlns:p14="http://schemas.microsoft.com/office/powerpoint/2010/main" xmlns:a14="http://schemas.microsoft.com/office/drawing/2010/main" xmlns:a16="http://schemas.microsoft.com/office/drawing/2014/main" xmlns="" w="9525">
+                <a14:hiddenLine xmlns="" xmlns:a16="http://schemas.microsoft.com/office/drawing/2014/main" xmlns:a14="http://schemas.microsoft.com/office/drawing/2010/main" xmlns:p14="http://schemas.microsoft.com/office/powerpoint/2010/main" w="9525">
                   <a:solidFill>
                     <a:srgbClr val="000000"/>
                   </a:solidFill>
@@ -14452,7 +14454,7 @@
             </a:ln>
             <a:extLst>
               <a:ext uri="{91240B29-F687-4f45-9708-019B960494DF}">
-                <a14:hiddenLine xmlns:p14="http://schemas.microsoft.com/office/powerpoint/2010/main" xmlns:a14="http://schemas.microsoft.com/office/drawing/2010/main" xmlns:a16="http://schemas.microsoft.com/office/drawing/2014/main" xmlns="" w="9525">
+                <a14:hiddenLine xmlns="" xmlns:a16="http://schemas.microsoft.com/office/drawing/2014/main" xmlns:a14="http://schemas.microsoft.com/office/drawing/2010/main" xmlns:p14="http://schemas.microsoft.com/office/powerpoint/2010/main" w="9525">
                   <a:solidFill>
                     <a:srgbClr val="000000"/>
                   </a:solidFill>
@@ -14557,7 +14559,7 @@
             </a:ln>
             <a:extLst>
               <a:ext uri="{91240B29-F687-4f45-9708-019B960494DF}">
-                <a14:hiddenLine xmlns:p14="http://schemas.microsoft.com/office/powerpoint/2010/main" xmlns:a14="http://schemas.microsoft.com/office/drawing/2010/main" xmlns:a16="http://schemas.microsoft.com/office/drawing/2014/main" xmlns="" w="9525">
+                <a14:hiddenLine xmlns="" xmlns:a16="http://schemas.microsoft.com/office/drawing/2014/main" xmlns:a14="http://schemas.microsoft.com/office/drawing/2010/main" xmlns:p14="http://schemas.microsoft.com/office/powerpoint/2010/main" w="9525">
                   <a:solidFill>
                     <a:srgbClr val="000000"/>
                   </a:solidFill>
@@ -14628,7 +14630,7 @@
             </a:ln>
             <a:extLst>
               <a:ext uri="{91240B29-F687-4f45-9708-019B960494DF}">
-                <a14:hiddenLine xmlns:p14="http://schemas.microsoft.com/office/powerpoint/2010/main" xmlns:a14="http://schemas.microsoft.com/office/drawing/2010/main" xmlns:a16="http://schemas.microsoft.com/office/drawing/2014/main" xmlns="" w="9525">
+                <a14:hiddenLine xmlns="" xmlns:a16="http://schemas.microsoft.com/office/drawing/2014/main" xmlns:a14="http://schemas.microsoft.com/office/drawing/2010/main" xmlns:p14="http://schemas.microsoft.com/office/powerpoint/2010/main" w="9525">
                   <a:solidFill>
                     <a:srgbClr val="000000"/>
                   </a:solidFill>
@@ -14733,7 +14735,7 @@
             </a:ln>
             <a:extLst>
               <a:ext uri="{91240B29-F687-4f45-9708-019B960494DF}">
-                <a14:hiddenLine xmlns:p14="http://schemas.microsoft.com/office/powerpoint/2010/main" xmlns:a14="http://schemas.microsoft.com/office/drawing/2010/main" xmlns:a16="http://schemas.microsoft.com/office/drawing/2014/main" xmlns="" w="9525">
+                <a14:hiddenLine xmlns="" xmlns:a16="http://schemas.microsoft.com/office/drawing/2014/main" xmlns:a14="http://schemas.microsoft.com/office/drawing/2010/main" xmlns:p14="http://schemas.microsoft.com/office/powerpoint/2010/main" w="9525">
                   <a:solidFill>
                     <a:srgbClr val="000000"/>
                   </a:solidFill>
@@ -14804,7 +14806,7 @@
             </a:ln>
             <a:extLst>
               <a:ext uri="{91240B29-F687-4f45-9708-019B960494DF}">
-                <a14:hiddenLine xmlns:p14="http://schemas.microsoft.com/office/powerpoint/2010/main" xmlns:a14="http://schemas.microsoft.com/office/drawing/2010/main" xmlns:a16="http://schemas.microsoft.com/office/drawing/2014/main" xmlns="" w="9525">
+                <a14:hiddenLine xmlns="" xmlns:a16="http://schemas.microsoft.com/office/drawing/2014/main" xmlns:a14="http://schemas.microsoft.com/office/drawing/2010/main" xmlns:p14="http://schemas.microsoft.com/office/powerpoint/2010/main" w="9525">
                   <a:solidFill>
                     <a:srgbClr val="000000"/>
                   </a:solidFill>
@@ -14909,7 +14911,7 @@
             </a:ln>
             <a:extLst>
               <a:ext uri="{91240B29-F687-4f45-9708-019B960494DF}">
-                <a14:hiddenLine xmlns:p14="http://schemas.microsoft.com/office/powerpoint/2010/main" xmlns:a14="http://schemas.microsoft.com/office/drawing/2010/main" xmlns:a16="http://schemas.microsoft.com/office/drawing/2014/main" xmlns="" w="9525">
+                <a14:hiddenLine xmlns="" xmlns:a16="http://schemas.microsoft.com/office/drawing/2014/main" xmlns:a14="http://schemas.microsoft.com/office/drawing/2010/main" xmlns:p14="http://schemas.microsoft.com/office/powerpoint/2010/main" w="9525">
                   <a:solidFill>
                     <a:srgbClr val="000000"/>
                   </a:solidFill>
@@ -14992,7 +14994,7 @@
             </a:ln>
             <a:extLst>
               <a:ext uri="{91240B29-F687-4f45-9708-019B960494DF}">
-                <a14:hiddenLine xmlns:p14="http://schemas.microsoft.com/office/powerpoint/2010/main" xmlns:a14="http://schemas.microsoft.com/office/drawing/2010/main" xmlns:a16="http://schemas.microsoft.com/office/drawing/2014/main" xmlns="" w="9525">
+                <a14:hiddenLine xmlns="" xmlns:a16="http://schemas.microsoft.com/office/drawing/2014/main" xmlns:a14="http://schemas.microsoft.com/office/drawing/2010/main" xmlns:p14="http://schemas.microsoft.com/office/powerpoint/2010/main" w="9525">
                   <a:solidFill>
                     <a:srgbClr val="000000"/>
                   </a:solidFill>
@@ -15097,7 +15099,7 @@
             </a:ln>
             <a:extLst>
               <a:ext uri="{91240B29-F687-4f45-9708-019B960494DF}">
-                <a14:hiddenLine xmlns:p14="http://schemas.microsoft.com/office/powerpoint/2010/main" xmlns:a14="http://schemas.microsoft.com/office/drawing/2010/main" xmlns:a16="http://schemas.microsoft.com/office/drawing/2014/main" xmlns="" w="9525">
+                <a14:hiddenLine xmlns="" xmlns:a16="http://schemas.microsoft.com/office/drawing/2014/main" xmlns:a14="http://schemas.microsoft.com/office/drawing/2010/main" xmlns:p14="http://schemas.microsoft.com/office/powerpoint/2010/main" w="9525">
                   <a:solidFill>
                     <a:srgbClr val="000000"/>
                   </a:solidFill>
@@ -15180,7 +15182,7 @@
             </a:ln>
             <a:extLst>
               <a:ext uri="{91240B29-F687-4f45-9708-019B960494DF}">
-                <a14:hiddenLine xmlns:p14="http://schemas.microsoft.com/office/powerpoint/2010/main" xmlns:a14="http://schemas.microsoft.com/office/drawing/2010/main" xmlns:a16="http://schemas.microsoft.com/office/drawing/2014/main" xmlns="" w="9525">
+                <a14:hiddenLine xmlns="" xmlns:a16="http://schemas.microsoft.com/office/drawing/2014/main" xmlns:a14="http://schemas.microsoft.com/office/drawing/2010/main" xmlns:p14="http://schemas.microsoft.com/office/powerpoint/2010/main" w="9525">
                   <a:solidFill>
                     <a:srgbClr val="000000"/>
                   </a:solidFill>
@@ -15285,7 +15287,7 @@
             </a:ln>
             <a:extLst>
               <a:ext uri="{91240B29-F687-4f45-9708-019B960494DF}">
-                <a14:hiddenLine xmlns:p14="http://schemas.microsoft.com/office/powerpoint/2010/main" xmlns:a14="http://schemas.microsoft.com/office/drawing/2010/main" xmlns:a16="http://schemas.microsoft.com/office/drawing/2014/main" xmlns="" w="9525">
+                <a14:hiddenLine xmlns="" xmlns:a16="http://schemas.microsoft.com/office/drawing/2014/main" xmlns:a14="http://schemas.microsoft.com/office/drawing/2010/main" xmlns:p14="http://schemas.microsoft.com/office/powerpoint/2010/main" w="9525">
                   <a:solidFill>
                     <a:srgbClr val="000000"/>
                   </a:solidFill>
@@ -15334,7 +15336,7 @@
             </a:ln>
             <a:extLst>
               <a:ext uri="{91240B29-F687-4f45-9708-019B960494DF}">
-                <a14:hiddenLine xmlns:p14="http://schemas.microsoft.com/office/powerpoint/2010/main" xmlns:a14="http://schemas.microsoft.com/office/drawing/2010/main" xmlns:a16="http://schemas.microsoft.com/office/drawing/2014/main" xmlns="" w="9525">
+                <a14:hiddenLine xmlns="" xmlns:a16="http://schemas.microsoft.com/office/drawing/2014/main" xmlns:a14="http://schemas.microsoft.com/office/drawing/2010/main" xmlns:p14="http://schemas.microsoft.com/office/powerpoint/2010/main" w="9525">
                   <a:solidFill>
                     <a:srgbClr val="000000"/>
                   </a:solidFill>
@@ -15439,7 +15441,7 @@
             </a:ln>
             <a:extLst>
               <a:ext uri="{91240B29-F687-4f45-9708-019B960494DF}">
-                <a14:hiddenLine xmlns:p14="http://schemas.microsoft.com/office/powerpoint/2010/main" xmlns:a14="http://schemas.microsoft.com/office/drawing/2010/main" xmlns:a16="http://schemas.microsoft.com/office/drawing/2014/main" xmlns="" w="9525">
+                <a14:hiddenLine xmlns="" xmlns:a16="http://schemas.microsoft.com/office/drawing/2014/main" xmlns:a14="http://schemas.microsoft.com/office/drawing/2010/main" xmlns:p14="http://schemas.microsoft.com/office/powerpoint/2010/main" w="9525">
                   <a:solidFill>
                     <a:srgbClr val="000000"/>
                   </a:solidFill>
@@ -15516,7 +15518,7 @@
             </a:ln>
             <a:extLst>
               <a:ext uri="{91240B29-F687-4f45-9708-019B960494DF}">
-                <a14:hiddenLine xmlns:p14="http://schemas.microsoft.com/office/powerpoint/2010/main" xmlns:a14="http://schemas.microsoft.com/office/drawing/2010/main" xmlns:a16="http://schemas.microsoft.com/office/drawing/2014/main" xmlns="" w="9525">
+                <a14:hiddenLine xmlns="" xmlns:a16="http://schemas.microsoft.com/office/drawing/2014/main" xmlns:a14="http://schemas.microsoft.com/office/drawing/2010/main" xmlns:p14="http://schemas.microsoft.com/office/powerpoint/2010/main" w="9525">
                   <a:solidFill>
                     <a:srgbClr val="000000"/>
                   </a:solidFill>
@@ -15593,7 +15595,7 @@
             </a:ln>
             <a:extLst>
               <a:ext uri="{91240B29-F687-4f45-9708-019B960494DF}">
-                <a14:hiddenLine xmlns:p14="http://schemas.microsoft.com/office/powerpoint/2010/main" xmlns:a14="http://schemas.microsoft.com/office/drawing/2010/main" xmlns:a16="http://schemas.microsoft.com/office/drawing/2014/main" xmlns="" w="9525">
+                <a14:hiddenLine xmlns="" xmlns:a16="http://schemas.microsoft.com/office/drawing/2014/main" xmlns:a14="http://schemas.microsoft.com/office/drawing/2010/main" xmlns:p14="http://schemas.microsoft.com/office/powerpoint/2010/main" w="9525">
                   <a:solidFill>
                     <a:srgbClr val="000000"/>
                   </a:solidFill>
@@ -15698,7 +15700,7 @@
             </a:ln>
             <a:extLst>
               <a:ext uri="{91240B29-F687-4f45-9708-019B960494DF}">
-                <a14:hiddenLine xmlns:p14="http://schemas.microsoft.com/office/powerpoint/2010/main" xmlns:a14="http://schemas.microsoft.com/office/drawing/2010/main" xmlns:a16="http://schemas.microsoft.com/office/drawing/2014/main" xmlns="" w="9525">
+                <a14:hiddenLine xmlns="" xmlns:a16="http://schemas.microsoft.com/office/drawing/2014/main" xmlns:a14="http://schemas.microsoft.com/office/drawing/2010/main" xmlns:p14="http://schemas.microsoft.com/office/powerpoint/2010/main" w="9525">
                   <a:solidFill>
                     <a:srgbClr val="000000"/>
                   </a:solidFill>
@@ -15781,7 +15783,7 @@
             </a:ln>
             <a:extLst>
               <a:ext uri="{91240B29-F687-4f45-9708-019B960494DF}">
-                <a14:hiddenLine xmlns:p14="http://schemas.microsoft.com/office/powerpoint/2010/main" xmlns:a14="http://schemas.microsoft.com/office/drawing/2010/main" xmlns:a16="http://schemas.microsoft.com/office/drawing/2014/main" xmlns="" w="9525">
+                <a14:hiddenLine xmlns="" xmlns:a16="http://schemas.microsoft.com/office/drawing/2014/main" xmlns:a14="http://schemas.microsoft.com/office/drawing/2010/main" xmlns:p14="http://schemas.microsoft.com/office/powerpoint/2010/main" w="9525">
                   <a:solidFill>
                     <a:srgbClr val="000000"/>
                   </a:solidFill>
@@ -15858,7 +15860,7 @@
             </a:ln>
             <a:extLst>
               <a:ext uri="{91240B29-F687-4f45-9708-019B960494DF}">
-                <a14:hiddenLine xmlns:p14="http://schemas.microsoft.com/office/powerpoint/2010/main" xmlns:a14="http://schemas.microsoft.com/office/drawing/2010/main" xmlns:a16="http://schemas.microsoft.com/office/drawing/2014/main" xmlns="" w="9525">
+                <a14:hiddenLine xmlns="" xmlns:a16="http://schemas.microsoft.com/office/drawing/2014/main" xmlns:a14="http://schemas.microsoft.com/office/drawing/2010/main" xmlns:p14="http://schemas.microsoft.com/office/powerpoint/2010/main" w="9525">
                   <a:solidFill>
                     <a:srgbClr val="000000"/>
                   </a:solidFill>
@@ -15963,7 +15965,7 @@
             </a:ln>
             <a:extLst>
               <a:ext uri="{91240B29-F687-4f45-9708-019B960494DF}">
-                <a14:hiddenLine xmlns:p14="http://schemas.microsoft.com/office/powerpoint/2010/main" xmlns:a14="http://schemas.microsoft.com/office/drawing/2010/main" xmlns:a16="http://schemas.microsoft.com/office/drawing/2014/main" xmlns="" w="9525">
+                <a14:hiddenLine xmlns="" xmlns:a16="http://schemas.microsoft.com/office/drawing/2014/main" xmlns:a14="http://schemas.microsoft.com/office/drawing/2010/main" xmlns:p14="http://schemas.microsoft.com/office/powerpoint/2010/main" w="9525">
                   <a:solidFill>
                     <a:srgbClr val="000000"/>
                   </a:solidFill>
@@ -16040,7 +16042,7 @@
             </a:ln>
             <a:extLst>
               <a:ext uri="{91240B29-F687-4f45-9708-019B960494DF}">
-                <a14:hiddenLine xmlns:p14="http://schemas.microsoft.com/office/powerpoint/2010/main" xmlns:a14="http://schemas.microsoft.com/office/drawing/2010/main" xmlns:a16="http://schemas.microsoft.com/office/drawing/2014/main" xmlns="" w="9525">
+                <a14:hiddenLine xmlns="" xmlns:a16="http://schemas.microsoft.com/office/drawing/2014/main" xmlns:a14="http://schemas.microsoft.com/office/drawing/2010/main" xmlns:p14="http://schemas.microsoft.com/office/powerpoint/2010/main" w="9525">
                   <a:solidFill>
                     <a:srgbClr val="000000"/>
                   </a:solidFill>
@@ -16145,7 +16147,7 @@
             </a:ln>
             <a:extLst>
               <a:ext uri="{91240B29-F687-4f45-9708-019B960494DF}">
-                <a14:hiddenLine xmlns:p14="http://schemas.microsoft.com/office/powerpoint/2010/main" xmlns:a14="http://schemas.microsoft.com/office/drawing/2010/main" xmlns:a16="http://schemas.microsoft.com/office/drawing/2014/main" xmlns="" w="9525">
+                <a14:hiddenLine xmlns="" xmlns:a16="http://schemas.microsoft.com/office/drawing/2014/main" xmlns:a14="http://schemas.microsoft.com/office/drawing/2010/main" xmlns:p14="http://schemas.microsoft.com/office/powerpoint/2010/main" w="9525">
                   <a:solidFill>
                     <a:srgbClr val="000000"/>
                   </a:solidFill>
@@ -16222,7 +16224,7 @@
             </a:ln>
             <a:extLst>
               <a:ext uri="{91240B29-F687-4f45-9708-019B960494DF}">
-                <a14:hiddenLine xmlns:p14="http://schemas.microsoft.com/office/powerpoint/2010/main" xmlns:a14="http://schemas.microsoft.com/office/drawing/2010/main" xmlns:a16="http://schemas.microsoft.com/office/drawing/2014/main" xmlns="" w="9525">
+                <a14:hiddenLine xmlns="" xmlns:a16="http://schemas.microsoft.com/office/drawing/2014/main" xmlns:a14="http://schemas.microsoft.com/office/drawing/2010/main" xmlns:p14="http://schemas.microsoft.com/office/powerpoint/2010/main" w="9525">
                   <a:solidFill>
                     <a:srgbClr val="000000"/>
                   </a:solidFill>
@@ -16327,7 +16329,7 @@
             </a:ln>
             <a:extLst>
               <a:ext uri="{91240B29-F687-4f45-9708-019B960494DF}">
-                <a14:hiddenLine xmlns:p14="http://schemas.microsoft.com/office/powerpoint/2010/main" xmlns:a14="http://schemas.microsoft.com/office/drawing/2010/main" xmlns:a16="http://schemas.microsoft.com/office/drawing/2014/main" xmlns="" w="9525">
+                <a14:hiddenLine xmlns="" xmlns:a16="http://schemas.microsoft.com/office/drawing/2014/main" xmlns:a14="http://schemas.microsoft.com/office/drawing/2010/main" xmlns:p14="http://schemas.microsoft.com/office/powerpoint/2010/main" w="9525">
                   <a:solidFill>
                     <a:srgbClr val="000000"/>
                   </a:solidFill>
@@ -16376,7 +16378,7 @@
             </a:ln>
             <a:extLst>
               <a:ext uri="{91240B29-F687-4f45-9708-019B960494DF}">
-                <a14:hiddenLine xmlns:p14="http://schemas.microsoft.com/office/powerpoint/2010/main" xmlns:a14="http://schemas.microsoft.com/office/drawing/2010/main" xmlns:a16="http://schemas.microsoft.com/office/drawing/2014/main" xmlns="" w="9525">
+                <a14:hiddenLine xmlns="" xmlns:a16="http://schemas.microsoft.com/office/drawing/2014/main" xmlns:a14="http://schemas.microsoft.com/office/drawing/2010/main" xmlns:p14="http://schemas.microsoft.com/office/powerpoint/2010/main" w="9525">
                   <a:solidFill>
                     <a:srgbClr val="000000"/>
                   </a:solidFill>
@@ -16456,7 +16458,7 @@
             </a:ln>
             <a:extLst>
               <a:ext uri="{91240B29-F687-4f45-9708-019B960494DF}">
-                <a14:hiddenLine xmlns:p14="http://schemas.microsoft.com/office/powerpoint/2010/main" xmlns:a14="http://schemas.microsoft.com/office/drawing/2010/main" xmlns:a16="http://schemas.microsoft.com/office/drawing/2014/main" xmlns="" w="9525">
+                <a14:hiddenLine xmlns="" xmlns:a16="http://schemas.microsoft.com/office/drawing/2014/main" xmlns:a14="http://schemas.microsoft.com/office/drawing/2010/main" xmlns:p14="http://schemas.microsoft.com/office/powerpoint/2010/main" w="9525">
                   <a:solidFill>
                     <a:srgbClr val="000000"/>
                   </a:solidFill>
@@ -16561,7 +16563,7 @@
             </a:ln>
             <a:extLst>
               <a:ext uri="{91240B29-F687-4f45-9708-019B960494DF}">
-                <a14:hiddenLine xmlns:p14="http://schemas.microsoft.com/office/powerpoint/2010/main" xmlns:a14="http://schemas.microsoft.com/office/drawing/2010/main" xmlns:a16="http://schemas.microsoft.com/office/drawing/2014/main" xmlns="" w="9525">
+                <a14:hiddenLine xmlns="" xmlns:a16="http://schemas.microsoft.com/office/drawing/2014/main" xmlns:a14="http://schemas.microsoft.com/office/drawing/2010/main" xmlns:p14="http://schemas.microsoft.com/office/powerpoint/2010/main" w="9525">
                   <a:solidFill>
                     <a:srgbClr val="000000"/>
                   </a:solidFill>
@@ -16638,7 +16640,7 @@
             </a:ln>
             <a:extLst>
               <a:ext uri="{91240B29-F687-4f45-9708-019B960494DF}">
-                <a14:hiddenLine xmlns:p14="http://schemas.microsoft.com/office/powerpoint/2010/main" xmlns:a14="http://schemas.microsoft.com/office/drawing/2010/main" xmlns:a16="http://schemas.microsoft.com/office/drawing/2014/main" xmlns="" w="9525">
+                <a14:hiddenLine xmlns="" xmlns:a16="http://schemas.microsoft.com/office/drawing/2014/main" xmlns:a14="http://schemas.microsoft.com/office/drawing/2010/main" xmlns:p14="http://schemas.microsoft.com/office/powerpoint/2010/main" w="9525">
                   <a:solidFill>
                     <a:srgbClr val="000000"/>
                   </a:solidFill>
@@ -16743,7 +16745,7 @@
             </a:ln>
             <a:extLst>
               <a:ext uri="{91240B29-F687-4f45-9708-019B960494DF}">
-                <a14:hiddenLine xmlns:p14="http://schemas.microsoft.com/office/powerpoint/2010/main" xmlns:a14="http://schemas.microsoft.com/office/drawing/2010/main" xmlns:a16="http://schemas.microsoft.com/office/drawing/2014/main" xmlns="" w="9525">
+                <a14:hiddenLine xmlns="" xmlns:a16="http://schemas.microsoft.com/office/drawing/2014/main" xmlns:a14="http://schemas.microsoft.com/office/drawing/2010/main" xmlns:p14="http://schemas.microsoft.com/office/powerpoint/2010/main" w="9525">
                   <a:solidFill>
                     <a:srgbClr val="000000"/>
                   </a:solidFill>
@@ -16848,7 +16850,7 @@
             </a:ln>
             <a:extLst>
               <a:ext uri="{91240B29-F687-4f45-9708-019B960494DF}">
-                <a14:hiddenLine xmlns:p14="http://schemas.microsoft.com/office/powerpoint/2010/main" xmlns:a14="http://schemas.microsoft.com/office/drawing/2010/main" xmlns:a16="http://schemas.microsoft.com/office/drawing/2014/main" xmlns="" w="9525">
+                <a14:hiddenLine xmlns="" xmlns:a16="http://schemas.microsoft.com/office/drawing/2014/main" xmlns:a14="http://schemas.microsoft.com/office/drawing/2010/main" xmlns:p14="http://schemas.microsoft.com/office/powerpoint/2010/main" w="9525">
                   <a:solidFill>
                     <a:srgbClr val="000000"/>
                   </a:solidFill>
@@ -16928,7 +16930,7 @@
             </a:ln>
             <a:extLst>
               <a:ext uri="{91240B29-F687-4f45-9708-019B960494DF}">
-                <a14:hiddenLine xmlns:p14="http://schemas.microsoft.com/office/powerpoint/2010/main" xmlns:a14="http://schemas.microsoft.com/office/drawing/2010/main" xmlns:a16="http://schemas.microsoft.com/office/drawing/2014/main" xmlns="" w="9525">
+                <a14:hiddenLine xmlns="" xmlns:a16="http://schemas.microsoft.com/office/drawing/2014/main" xmlns:a14="http://schemas.microsoft.com/office/drawing/2010/main" xmlns:p14="http://schemas.microsoft.com/office/powerpoint/2010/main" w="9525">
                   <a:solidFill>
                     <a:srgbClr val="000000"/>
                   </a:solidFill>
@@ -17005,7 +17007,7 @@
             </a:ln>
             <a:extLst>
               <a:ext uri="{91240B29-F687-4f45-9708-019B960494DF}">
-                <a14:hiddenLine xmlns:p14="http://schemas.microsoft.com/office/powerpoint/2010/main" xmlns:a14="http://schemas.microsoft.com/office/drawing/2010/main" xmlns:a16="http://schemas.microsoft.com/office/drawing/2014/main" xmlns="" w="9525">
+                <a14:hiddenLine xmlns="" xmlns:a16="http://schemas.microsoft.com/office/drawing/2014/main" xmlns:a14="http://schemas.microsoft.com/office/drawing/2010/main" xmlns:p14="http://schemas.microsoft.com/office/powerpoint/2010/main" w="9525">
                   <a:solidFill>
                     <a:srgbClr val="000000"/>
                   </a:solidFill>
@@ -17110,7 +17112,7 @@
             </a:ln>
             <a:extLst>
               <a:ext uri="{91240B29-F687-4f45-9708-019B960494DF}">
-                <a14:hiddenLine xmlns:p14="http://schemas.microsoft.com/office/powerpoint/2010/main" xmlns:a14="http://schemas.microsoft.com/office/drawing/2010/main" xmlns:a16="http://schemas.microsoft.com/office/drawing/2014/main" xmlns="" w="9525">
+                <a14:hiddenLine xmlns="" xmlns:a16="http://schemas.microsoft.com/office/drawing/2014/main" xmlns:a14="http://schemas.microsoft.com/office/drawing/2010/main" xmlns:p14="http://schemas.microsoft.com/office/powerpoint/2010/main" w="9525">
                   <a:solidFill>
                     <a:srgbClr val="000000"/>
                   </a:solidFill>
@@ -17215,7 +17217,7 @@
             </a:ln>
             <a:extLst>
               <a:ext uri="{91240B29-F687-4f45-9708-019B960494DF}">
-                <a14:hiddenLine xmlns:p14="http://schemas.microsoft.com/office/powerpoint/2010/main" xmlns:a14="http://schemas.microsoft.com/office/drawing/2010/main" xmlns:a16="http://schemas.microsoft.com/office/drawing/2014/main" xmlns="" w="9525">
+                <a14:hiddenLine xmlns="" xmlns:a16="http://schemas.microsoft.com/office/drawing/2014/main" xmlns:a14="http://schemas.microsoft.com/office/drawing/2010/main" xmlns:p14="http://schemas.microsoft.com/office/powerpoint/2010/main" w="9525">
                   <a:solidFill>
                     <a:srgbClr val="000000"/>
                   </a:solidFill>
@@ -17292,7 +17294,7 @@
             </a:ln>
             <a:extLst>
               <a:ext uri="{91240B29-F687-4f45-9708-019B960494DF}">
-                <a14:hiddenLine xmlns:p14="http://schemas.microsoft.com/office/powerpoint/2010/main" xmlns:a14="http://schemas.microsoft.com/office/drawing/2010/main" xmlns:a16="http://schemas.microsoft.com/office/drawing/2014/main" xmlns="" w="9525">
+                <a14:hiddenLine xmlns="" xmlns:a16="http://schemas.microsoft.com/office/drawing/2014/main" xmlns:a14="http://schemas.microsoft.com/office/drawing/2010/main" xmlns:p14="http://schemas.microsoft.com/office/powerpoint/2010/main" w="9525">
                   <a:solidFill>
                     <a:srgbClr val="000000"/>
                   </a:solidFill>
@@ -17427,7 +17429,7 @@
             </a:ln>
             <a:extLst>
               <a:ext uri="{91240B29-F687-4f45-9708-019B960494DF}">
-                <a14:hiddenLine xmlns:p14="http://schemas.microsoft.com/office/powerpoint/2010/main" xmlns:a14="http://schemas.microsoft.com/office/drawing/2010/main" xmlns:a16="http://schemas.microsoft.com/office/drawing/2014/main" xmlns="" w="9525">
+                <a14:hiddenLine xmlns="" xmlns:a16="http://schemas.microsoft.com/office/drawing/2014/main" xmlns:a14="http://schemas.microsoft.com/office/drawing/2010/main" xmlns:p14="http://schemas.microsoft.com/office/powerpoint/2010/main" w="9525">
                   <a:solidFill>
                     <a:srgbClr val="000000"/>
                   </a:solidFill>
@@ -17510,7 +17512,7 @@
             </a:ln>
             <a:extLst>
               <a:ext uri="{91240B29-F687-4f45-9708-019B960494DF}">
-                <a14:hiddenLine xmlns:p14="http://schemas.microsoft.com/office/powerpoint/2010/main" xmlns:a14="http://schemas.microsoft.com/office/drawing/2010/main" xmlns:a16="http://schemas.microsoft.com/office/drawing/2014/main" xmlns="" w="9525">
+                <a14:hiddenLine xmlns="" xmlns:a16="http://schemas.microsoft.com/office/drawing/2014/main" xmlns:a14="http://schemas.microsoft.com/office/drawing/2010/main" xmlns:p14="http://schemas.microsoft.com/office/powerpoint/2010/main" w="9525">
                   <a:solidFill>
                     <a:srgbClr val="000000"/>
                   </a:solidFill>
@@ -17615,7 +17617,7 @@
             </a:ln>
             <a:extLst>
               <a:ext uri="{91240B29-F687-4f45-9708-019B960494DF}">
-                <a14:hiddenLine xmlns:p14="http://schemas.microsoft.com/office/powerpoint/2010/main" xmlns:a14="http://schemas.microsoft.com/office/drawing/2010/main" xmlns:a16="http://schemas.microsoft.com/office/drawing/2014/main" xmlns="" w="9525">
+                <a14:hiddenLine xmlns="" xmlns:a16="http://schemas.microsoft.com/office/drawing/2014/main" xmlns:a14="http://schemas.microsoft.com/office/drawing/2010/main" xmlns:p14="http://schemas.microsoft.com/office/powerpoint/2010/main" w="9525">
                   <a:solidFill>
                     <a:srgbClr val="000000"/>
                   </a:solidFill>
@@ -17745,7 +17747,7 @@
             </a:ln>
             <a:extLst>
               <a:ext uri="{91240B29-F687-4f45-9708-019B960494DF}">
-                <a14:hiddenLine xmlns:p14="http://schemas.microsoft.com/office/powerpoint/2010/main" xmlns:a14="http://schemas.microsoft.com/office/drawing/2010/main" xmlns:a16="http://schemas.microsoft.com/office/drawing/2014/main" xmlns="" w="9525">
+                <a14:hiddenLine xmlns="" xmlns:a16="http://schemas.microsoft.com/office/drawing/2014/main" xmlns:a14="http://schemas.microsoft.com/office/drawing/2010/main" xmlns:p14="http://schemas.microsoft.com/office/powerpoint/2010/main" w="9525">
                   <a:solidFill>
                     <a:srgbClr val="000000"/>
                   </a:solidFill>
@@ -17875,7 +17877,7 @@
             </a:ln>
             <a:extLst>
               <a:ext uri="{91240B29-F687-4f45-9708-019B960494DF}">
-                <a14:hiddenLine xmlns:p14="http://schemas.microsoft.com/office/powerpoint/2010/main" xmlns:a14="http://schemas.microsoft.com/office/drawing/2010/main" xmlns:a16="http://schemas.microsoft.com/office/drawing/2014/main" xmlns="" w="9525">
+                <a14:hiddenLine xmlns="" xmlns:a16="http://schemas.microsoft.com/office/drawing/2014/main" xmlns:a14="http://schemas.microsoft.com/office/drawing/2010/main" xmlns:p14="http://schemas.microsoft.com/office/powerpoint/2010/main" w="9525">
                   <a:solidFill>
                     <a:srgbClr val="000000"/>
                   </a:solidFill>
@@ -17980,7 +17982,7 @@
             </a:ln>
             <a:extLst>
               <a:ext uri="{91240B29-F687-4f45-9708-019B960494DF}">
-                <a14:hiddenLine xmlns:p14="http://schemas.microsoft.com/office/powerpoint/2010/main" xmlns:a14="http://schemas.microsoft.com/office/drawing/2010/main" xmlns:a16="http://schemas.microsoft.com/office/drawing/2014/main" xmlns="" w="9525">
+                <a14:hiddenLine xmlns="" xmlns:a16="http://schemas.microsoft.com/office/drawing/2014/main" xmlns:a14="http://schemas.microsoft.com/office/drawing/2010/main" xmlns:p14="http://schemas.microsoft.com/office/powerpoint/2010/main" w="9525">
                   <a:solidFill>
                     <a:srgbClr val="000000"/>
                   </a:solidFill>
@@ -18060,7 +18062,7 @@
             </a:ln>
             <a:extLst>
               <a:ext uri="{91240B29-F687-4f45-9708-019B960494DF}">
-                <a14:hiddenLine xmlns:p14="http://schemas.microsoft.com/office/powerpoint/2010/main" xmlns:a14="http://schemas.microsoft.com/office/drawing/2010/main" xmlns:a16="http://schemas.microsoft.com/office/drawing/2014/main" xmlns="" w="9525">
+                <a14:hiddenLine xmlns="" xmlns:a16="http://schemas.microsoft.com/office/drawing/2014/main" xmlns:a14="http://schemas.microsoft.com/office/drawing/2010/main" xmlns:p14="http://schemas.microsoft.com/office/powerpoint/2010/main" w="9525">
                   <a:solidFill>
                     <a:srgbClr val="000000"/>
                   </a:solidFill>
@@ -18165,7 +18167,7 @@
             </a:ln>
             <a:extLst>
               <a:ext uri="{91240B29-F687-4f45-9708-019B960494DF}">
-                <a14:hiddenLine xmlns:p14="http://schemas.microsoft.com/office/powerpoint/2010/main" xmlns:a14="http://schemas.microsoft.com/office/drawing/2010/main" xmlns:a16="http://schemas.microsoft.com/office/drawing/2014/main" xmlns="" w="9525">
+                <a14:hiddenLine xmlns="" xmlns:a16="http://schemas.microsoft.com/office/drawing/2014/main" xmlns:a14="http://schemas.microsoft.com/office/drawing/2010/main" xmlns:p14="http://schemas.microsoft.com/office/powerpoint/2010/main" w="9525">
                   <a:solidFill>
                     <a:srgbClr val="000000"/>
                   </a:solidFill>
@@ -18248,7 +18250,7 @@
             </a:ln>
             <a:extLst>
               <a:ext uri="{91240B29-F687-4f45-9708-019B960494DF}">
-                <a14:hiddenLine xmlns:p14="http://schemas.microsoft.com/office/powerpoint/2010/main" xmlns:a14="http://schemas.microsoft.com/office/drawing/2010/main" xmlns:a16="http://schemas.microsoft.com/office/drawing/2014/main" xmlns="" w="9525">
+                <a14:hiddenLine xmlns="" xmlns:a16="http://schemas.microsoft.com/office/drawing/2014/main" xmlns:a14="http://schemas.microsoft.com/office/drawing/2010/main" xmlns:p14="http://schemas.microsoft.com/office/powerpoint/2010/main" w="9525">
                   <a:solidFill>
                     <a:srgbClr val="000000"/>
                   </a:solidFill>
@@ -18353,7 +18355,7 @@
             </a:ln>
             <a:extLst>
               <a:ext uri="{91240B29-F687-4f45-9708-019B960494DF}">
-                <a14:hiddenLine xmlns:p14="http://schemas.microsoft.com/office/powerpoint/2010/main" xmlns:a14="http://schemas.microsoft.com/office/drawing/2010/main" xmlns:a16="http://schemas.microsoft.com/office/drawing/2014/main" xmlns="" w="9525">
+                <a14:hiddenLine xmlns="" xmlns:a16="http://schemas.microsoft.com/office/drawing/2014/main" xmlns:a14="http://schemas.microsoft.com/office/drawing/2010/main" xmlns:p14="http://schemas.microsoft.com/office/powerpoint/2010/main" w="9525">
                   <a:solidFill>
                     <a:srgbClr val="000000"/>
                   </a:solidFill>
@@ -18436,7 +18438,7 @@
             </a:ln>
             <a:extLst>
               <a:ext uri="{91240B29-F687-4f45-9708-019B960494DF}">
-                <a14:hiddenLine xmlns:p14="http://schemas.microsoft.com/office/powerpoint/2010/main" xmlns:a14="http://schemas.microsoft.com/office/drawing/2010/main" xmlns:a16="http://schemas.microsoft.com/office/drawing/2014/main" xmlns="" w="9525">
+                <a14:hiddenLine xmlns="" xmlns:a16="http://schemas.microsoft.com/office/drawing/2014/main" xmlns:a14="http://schemas.microsoft.com/office/drawing/2010/main" xmlns:p14="http://schemas.microsoft.com/office/powerpoint/2010/main" w="9525">
                   <a:solidFill>
                     <a:srgbClr val="000000"/>
                   </a:solidFill>
@@ -18541,7 +18543,7 @@
             </a:ln>
             <a:extLst>
               <a:ext uri="{91240B29-F687-4f45-9708-019B960494DF}">
-                <a14:hiddenLine xmlns:p14="http://schemas.microsoft.com/office/powerpoint/2010/main" xmlns:a14="http://schemas.microsoft.com/office/drawing/2010/main" xmlns:a16="http://schemas.microsoft.com/office/drawing/2014/main" xmlns="" w="9525">
+                <a14:hiddenLine xmlns="" xmlns:a16="http://schemas.microsoft.com/office/drawing/2014/main" xmlns:a14="http://schemas.microsoft.com/office/drawing/2010/main" xmlns:p14="http://schemas.microsoft.com/office/powerpoint/2010/main" w="9525">
                   <a:solidFill>
                     <a:srgbClr val="000000"/>
                   </a:solidFill>
@@ -18590,7 +18592,7 @@
             </a:ln>
             <a:extLst>
               <a:ext uri="{91240B29-F687-4f45-9708-019B960494DF}">
-                <a14:hiddenLine xmlns:p14="http://schemas.microsoft.com/office/powerpoint/2010/main" xmlns:a14="http://schemas.microsoft.com/office/drawing/2010/main" xmlns:a16="http://schemas.microsoft.com/office/drawing/2014/main" xmlns="" w="9525">
+                <a14:hiddenLine xmlns="" xmlns:a16="http://schemas.microsoft.com/office/drawing/2014/main" xmlns:a14="http://schemas.microsoft.com/office/drawing/2010/main" xmlns:p14="http://schemas.microsoft.com/office/powerpoint/2010/main" w="9525">
                   <a:solidFill>
                     <a:srgbClr val="000000"/>
                   </a:solidFill>
@@ -19530,12 +19532,51 @@
           </a:effectLst>
         </p:spPr>
       </p:pic>
+      <p:sp>
+        <p:nvSpPr>
+          <p:cNvPr id="6" name="TextBox 5">
+            <a:extLst>
+              <a:ext uri="{FF2B5EF4-FFF2-40B4-BE49-F238E27FC236}">
+                <a16:creationId xmlns:a16="http://schemas.microsoft.com/office/drawing/2014/main" id="{EE005B5C-6B0B-4053-845D-EBD79322181B}"/>
+              </a:ext>
+            </a:extLst>
+          </p:cNvPr>
+          <p:cNvSpPr txBox="1"/>
+          <p:nvPr/>
+        </p:nvSpPr>
+        <p:spPr>
+          <a:xfrm>
+            <a:off x="4040153" y="1798579"/>
+            <a:ext cx="4720010" cy="400110"/>
+          </a:xfrm>
+          <a:prstGeom prst="rect">
+            <a:avLst/>
+          </a:prstGeom>
+          <a:noFill/>
+        </p:spPr>
+        <p:txBody>
+          <a:bodyPr wrap="square" rtlCol="0">
+            <a:spAutoFit/>
+          </a:bodyPr>
+          <a:lstStyle/>
+          <a:p>
+            <a:r>
+              <a:rPr lang="en-US" sz="2000" dirty="0">
+                <a:solidFill>
+                  <a:schemeClr val="bg1"/>
+                </a:solidFill>
+              </a:rPr>
+              <a:t>72% Revenue generated from US</a:t>
+            </a:r>
+          </a:p>
+        </p:txBody>
+      </p:sp>
       <p:pic>
         <p:nvPicPr>
-          <p:cNvPr id="19" name="Picture 18">
+          <p:cNvPr id="3" name="Picture 2">
             <a:extLst>
               <a:ext uri="{FF2B5EF4-FFF2-40B4-BE49-F238E27FC236}">
-                <a16:creationId xmlns:a16="http://schemas.microsoft.com/office/drawing/2014/main" id="{91B80399-1124-421D-BCFC-BACB44B52576}"/>
+                <a16:creationId xmlns:a16="http://schemas.microsoft.com/office/drawing/2014/main" id="{5D061DD4-214E-42E0-A456-7663BB79B947}"/>
               </a:ext>
             </a:extLst>
           </p:cNvPr>
@@ -19552,8 +19593,8 @@
         </p:blipFill>
         <p:spPr>
           <a:xfrm>
-            <a:off x="145951" y="3170729"/>
-            <a:ext cx="3808181" cy="3461297"/>
+            <a:off x="212525" y="3055740"/>
+            <a:ext cx="3677927" cy="3567668"/>
           </a:xfrm>
           <a:prstGeom prst="round2DiagRect">
             <a:avLst>
@@ -19590,7 +19631,7 @@
         </p:nvSpPr>
         <p:spPr>
           <a:xfrm>
-            <a:off x="312576" y="3090420"/>
+            <a:off x="546128" y="2992466"/>
             <a:ext cx="3010723" cy="400110"/>
           </a:xfrm>
           <a:prstGeom prst="rect">
@@ -19610,46 +19651,7 @@
                   <a:schemeClr val="bg1"/>
                 </a:solidFill>
               </a:rPr>
-              <a:t>89.7% &lt; Avg Revenue</a:t>
-            </a:r>
-          </a:p>
-        </p:txBody>
-      </p:sp>
-      <p:sp>
-        <p:nvSpPr>
-          <p:cNvPr id="6" name="TextBox 5">
-            <a:extLst>
-              <a:ext uri="{FF2B5EF4-FFF2-40B4-BE49-F238E27FC236}">
-                <a16:creationId xmlns:a16="http://schemas.microsoft.com/office/drawing/2014/main" id="{EE005B5C-6B0B-4053-845D-EBD79322181B}"/>
-              </a:ext>
-            </a:extLst>
-          </p:cNvPr>
-          <p:cNvSpPr txBox="1"/>
-          <p:nvPr/>
-        </p:nvSpPr>
-        <p:spPr>
-          <a:xfrm>
-            <a:off x="4040153" y="1798579"/>
-            <a:ext cx="4720010" cy="400110"/>
-          </a:xfrm>
-          <a:prstGeom prst="rect">
-            <a:avLst/>
-          </a:prstGeom>
-          <a:noFill/>
-        </p:spPr>
-        <p:txBody>
-          <a:bodyPr wrap="square" rtlCol="0">
-            <a:spAutoFit/>
-          </a:bodyPr>
-          <a:lstStyle/>
-          <a:p>
-            <a:r>
-              <a:rPr lang="en-US" sz="2000" dirty="0">
-                <a:solidFill>
-                  <a:schemeClr val="bg1"/>
-                </a:solidFill>
-              </a:rPr>
-              <a:t>72% Revenue generated from US</a:t>
+              <a:t>89.7% Median Revenue</a:t>
             </a:r>
           </a:p>
         </p:txBody>
@@ -19785,6 +19787,131 @@
           <a:chExt cx="0" cy="0"/>
         </a:xfrm>
       </p:grpSpPr>
+      <p:pic>
+        <p:nvPicPr>
+          <p:cNvPr id="3" name="Picture 2">
+            <a:extLst>
+              <a:ext uri="{FF2B5EF4-FFF2-40B4-BE49-F238E27FC236}">
+                <a16:creationId xmlns:a16="http://schemas.microsoft.com/office/drawing/2014/main" id="{4C627366-CCD5-4444-BCA5-8D0BA0E7E8DC}"/>
+              </a:ext>
+            </a:extLst>
+          </p:cNvPr>
+          <p:cNvPicPr>
+            <a:picLocks noChangeAspect="1"/>
+          </p:cNvPicPr>
+          <p:nvPr/>
+        </p:nvPicPr>
+        <p:blipFill>
+          <a:blip r:embed="rId2"/>
+          <a:stretch>
+            <a:fillRect/>
+          </a:stretch>
+        </p:blipFill>
+        <p:spPr>
+          <a:xfrm>
+            <a:off x="756467" y="1251857"/>
+            <a:ext cx="11089979" cy="5392194"/>
+          </a:xfrm>
+          <a:prstGeom prst="rect">
+            <a:avLst/>
+          </a:prstGeom>
+          <a:solidFill>
+            <a:srgbClr val="FFFFFF">
+              <a:shade val="85000"/>
+            </a:srgbClr>
+          </a:solidFill>
+          <a:ln w="88900" cap="sq">
+            <a:solidFill>
+              <a:srgbClr val="FFFFFF"/>
+            </a:solidFill>
+            <a:miter lim="800000"/>
+          </a:ln>
+          <a:effectLst>
+            <a:outerShdw blurRad="55000" dist="18000" dir="5400000" algn="tl" rotWithShape="0">
+              <a:srgbClr val="000000">
+                <a:alpha val="40000"/>
+              </a:srgbClr>
+            </a:outerShdw>
+          </a:effectLst>
+          <a:scene3d>
+            <a:camera prst="orthographicFront"/>
+            <a:lightRig rig="twoPt" dir="t">
+              <a:rot lat="0" lon="0" rev="7200000"/>
+            </a:lightRig>
+          </a:scene3d>
+          <a:sp3d>
+            <a:bevelT w="25400" h="19050"/>
+            <a:contourClr>
+              <a:srgbClr val="FFFFFF"/>
+            </a:contourClr>
+          </a:sp3d>
+        </p:spPr>
+      </p:pic>
+      <p:sp>
+        <p:nvSpPr>
+          <p:cNvPr id="4" name="TextBox 3">
+            <a:extLst>
+              <a:ext uri="{FF2B5EF4-FFF2-40B4-BE49-F238E27FC236}">
+                <a16:creationId xmlns:a16="http://schemas.microsoft.com/office/drawing/2014/main" id="{84092B5F-7F23-468F-AC59-7F80FD393E3C}"/>
+              </a:ext>
+            </a:extLst>
+          </p:cNvPr>
+          <p:cNvSpPr txBox="1"/>
+          <p:nvPr/>
+        </p:nvSpPr>
+        <p:spPr>
+          <a:xfrm>
+            <a:off x="92528" y="213949"/>
+            <a:ext cx="12006943" cy="861774"/>
+          </a:xfrm>
+          <a:prstGeom prst="rect">
+            <a:avLst/>
+          </a:prstGeom>
+          <a:noFill/>
+        </p:spPr>
+        <p:txBody>
+          <a:bodyPr wrap="square" rtlCol="0">
+            <a:spAutoFit/>
+          </a:bodyPr>
+          <a:lstStyle/>
+          <a:p>
+            <a:r>
+              <a:rPr lang="en-US" sz="5000" b="1" dirty="0"/>
+              <a:t>Scores for Categorical &amp; Numerical Features</a:t>
+            </a:r>
+          </a:p>
+        </p:txBody>
+      </p:sp>
+    </p:spTree>
+    <p:extLst>
+      <p:ext uri="{BB962C8B-B14F-4D97-AF65-F5344CB8AC3E}">
+        <p14:creationId xmlns:p14="http://schemas.microsoft.com/office/powerpoint/2010/main" val="3313156206"/>
+      </p:ext>
+    </p:extLst>
+  </p:cSld>
+  <p:clrMapOvr>
+    <a:masterClrMapping/>
+  </p:clrMapOvr>
+</p:sld>
+</file>
+
+<file path=ppt/slides/slide14.xml><?xml version="1.0" encoding="utf-8"?>
+<p:sld xmlns:a="http://schemas.openxmlformats.org/drawingml/2006/main" xmlns:r="http://schemas.openxmlformats.org/officeDocument/2006/relationships" xmlns:p="http://schemas.openxmlformats.org/presentationml/2006/main">
+  <p:cSld>
+    <p:spTree>
+      <p:nvGrpSpPr>
+        <p:cNvPr id="1" name=""/>
+        <p:cNvGrpSpPr/>
+        <p:nvPr/>
+      </p:nvGrpSpPr>
+      <p:grpSpPr>
+        <a:xfrm>
+          <a:off x="0" y="0"/>
+          <a:ext cx="0" cy="0"/>
+          <a:chOff x="0" y="0"/>
+          <a:chExt cx="0" cy="0"/>
+        </a:xfrm>
+      </p:grpSpPr>
       <p:sp>
         <p:nvSpPr>
           <p:cNvPr id="41" name="TextBox 40">
@@ -19885,15 +20012,6 @@
               <a:srgbClr val="FFFFFF"/>
             </a:contourClr>
           </a:sp3d>
-          <a:extLst>
-            <a:ext uri="{909E8E84-426E-40DD-AFC4-6F175D3DCCD1}">
-              <a14:hiddenFill xmlns:a14="http://schemas.microsoft.com/office/drawing/2010/main">
-                <a:solidFill>
-                  <a:srgbClr val="FFFFFF"/>
-                </a:solidFill>
-              </a14:hiddenFill>
-            </a:ext>
-          </a:extLst>
         </p:spPr>
       </p:pic>
     </p:spTree>
@@ -19909,7 +20027,7 @@
 </p:sld>
 </file>
 
-<file path=ppt/slides/slide14.xml><?xml version="1.0" encoding="utf-8"?>
+<file path=ppt/slides/slide15.xml><?xml version="1.0" encoding="utf-8"?>
 <p:sld xmlns:a="http://schemas.openxmlformats.org/drawingml/2006/main" xmlns:r="http://schemas.openxmlformats.org/officeDocument/2006/relationships" xmlns:p="http://schemas.openxmlformats.org/presentationml/2006/main">
   <p:cSld>
     <p:spTree>
@@ -20026,15 +20144,6 @@
               <a:srgbClr val="FFFFFF"/>
             </a:contourClr>
           </a:sp3d>
-          <a:extLst>
-            <a:ext uri="{909E8E84-426E-40DD-AFC4-6F175D3DCCD1}">
-              <a14:hiddenFill xmlns:a14="http://schemas.microsoft.com/office/drawing/2010/main">
-                <a:solidFill>
-                  <a:srgbClr val="FFFFFF"/>
-                </a:solidFill>
-              </a14:hiddenFill>
-            </a:ext>
-          </a:extLst>
         </p:spPr>
       </p:pic>
     </p:spTree>
@@ -20050,7 +20159,7 @@
 </p:sld>
 </file>
 
-<file path=ppt/slides/slide15.xml><?xml version="1.0" encoding="utf-8"?>
+<file path=ppt/slides/slide16.xml><?xml version="1.0" encoding="utf-8"?>
 <p:sld xmlns:a="http://schemas.openxmlformats.org/drawingml/2006/main" xmlns:r="http://schemas.openxmlformats.org/officeDocument/2006/relationships" xmlns:p="http://schemas.openxmlformats.org/presentationml/2006/main">
   <p:cSld>
     <p:spTree>
@@ -20067,35 +20176,6 @@
           <a:chExt cx="0" cy="0"/>
         </a:xfrm>
       </p:grpSpPr>
-      <p:pic>
-        <p:nvPicPr>
-          <p:cNvPr id="14" name="Picture 13" descr="Chart, bar chart&#10;&#10;Description automatically generated">
-            <a:extLst>
-              <a:ext uri="{FF2B5EF4-FFF2-40B4-BE49-F238E27FC236}">
-                <a16:creationId xmlns:a16="http://schemas.microsoft.com/office/drawing/2014/main" id="{D1893740-1A96-4EC7-BFCA-80772B1AC111}"/>
-              </a:ext>
-            </a:extLst>
-          </p:cNvPr>
-          <p:cNvPicPr>
-            <a:picLocks noChangeAspect="1"/>
-          </p:cNvPicPr>
-          <p:nvPr/>
-        </p:nvPicPr>
-        <p:blipFill rotWithShape="1">
-          <a:blip r:embed="rId2"/>
-          <a:srcRect t="12301" b="3333"/>
-          <a:stretch/>
-        </p:blipFill>
-        <p:spPr>
-          <a:xfrm>
-            <a:off x="3534937" y="268061"/>
-            <a:ext cx="8518480" cy="6321877"/>
-          </a:xfrm>
-          <a:prstGeom prst="rect">
-            <a:avLst/>
-          </a:prstGeom>
-        </p:spPr>
-      </p:pic>
       <p:sp>
         <p:nvSpPr>
           <p:cNvPr id="15" name="TextBox 14">
@@ -20132,6 +20212,35 @@
           </a:p>
         </p:txBody>
       </p:sp>
+      <p:pic>
+        <p:nvPicPr>
+          <p:cNvPr id="3" name="Picture 2" descr="Chart, bar chart&#10;&#10;Description automatically generated">
+            <a:extLst>
+              <a:ext uri="{FF2B5EF4-FFF2-40B4-BE49-F238E27FC236}">
+                <a16:creationId xmlns:a16="http://schemas.microsoft.com/office/drawing/2014/main" id="{548A70B3-B27F-4850-B753-333315255ADE}"/>
+              </a:ext>
+            </a:extLst>
+          </p:cNvPr>
+          <p:cNvPicPr>
+            <a:picLocks noChangeAspect="1"/>
+          </p:cNvPicPr>
+          <p:nvPr/>
+        </p:nvPicPr>
+        <p:blipFill rotWithShape="1">
+          <a:blip r:embed="rId2"/>
+          <a:srcRect l="11326" t="12063" b="2699"/>
+          <a:stretch/>
+        </p:blipFill>
+        <p:spPr>
+          <a:xfrm>
+            <a:off x="3810000" y="266635"/>
+            <a:ext cx="8047474" cy="6324730"/>
+          </a:xfrm>
+          <a:prstGeom prst="rect">
+            <a:avLst/>
+          </a:prstGeom>
+        </p:spPr>
+      </p:pic>
     </p:spTree>
     <p:extLst>
       <p:ext uri="{BB962C8B-B14F-4D97-AF65-F5344CB8AC3E}">
@@ -20145,7 +20254,206 @@
 </p:sld>
 </file>
 
-<file path=ppt/slides/slide16.xml><?xml version="1.0" encoding="utf-8"?>
+<file path=ppt/slides/slide17.xml><?xml version="1.0" encoding="utf-8"?>
+<p:sld xmlns:a="http://schemas.openxmlformats.org/drawingml/2006/main" xmlns:r="http://schemas.openxmlformats.org/officeDocument/2006/relationships" xmlns:p="http://schemas.openxmlformats.org/presentationml/2006/main">
+  <p:cSld>
+    <p:spTree>
+      <p:nvGrpSpPr>
+        <p:cNvPr id="1" name=""/>
+        <p:cNvGrpSpPr/>
+        <p:nvPr/>
+      </p:nvGrpSpPr>
+      <p:grpSpPr>
+        <a:xfrm>
+          <a:off x="0" y="0"/>
+          <a:ext cx="0" cy="0"/>
+          <a:chOff x="0" y="0"/>
+          <a:chExt cx="0" cy="0"/>
+        </a:xfrm>
+      </p:grpSpPr>
+      <p:sp>
+        <p:nvSpPr>
+          <p:cNvPr id="2" name="Title 1">
+            <a:extLst>
+              <a:ext uri="{FF2B5EF4-FFF2-40B4-BE49-F238E27FC236}">
+                <a16:creationId xmlns:a16="http://schemas.microsoft.com/office/drawing/2014/main" id="{15564345-9F27-46C2-B4D2-C73C1B3A6D5E}"/>
+              </a:ext>
+            </a:extLst>
+          </p:cNvPr>
+          <p:cNvSpPr txBox="1">
+            <a:spLocks/>
+          </p:cNvSpPr>
+          <p:nvPr/>
+        </p:nvSpPr>
+        <p:spPr>
+          <a:xfrm>
+            <a:off x="1038225" y="803575"/>
+            <a:ext cx="4598985" cy="1478570"/>
+          </a:xfrm>
+          <a:prstGeom prst="rect">
+            <a:avLst/>
+          </a:prstGeom>
+        </p:spPr>
+        <p:txBody>
+          <a:bodyPr vert="horz" lIns="91440" tIns="45720" rIns="91440" bIns="45720" rtlCol="0" anchor="ctr">
+            <a:normAutofit/>
+          </a:bodyPr>
+          <a:lstStyle>
+            <a:lvl1pPr algn="l" defTabSz="914400" rtl="0" eaLnBrk="1" latinLnBrk="0" hangingPunct="1">
+              <a:lnSpc>
+                <a:spcPct val="90000"/>
+              </a:lnSpc>
+              <a:spcBef>
+                <a:spcPct val="0"/>
+              </a:spcBef>
+              <a:buNone/>
+              <a:defRPr sz="3600" kern="1200" cap="all" baseline="0">
+                <a:solidFill>
+                  <a:schemeClr val="tx1"/>
+                </a:solidFill>
+                <a:latin typeface="+mj-lt"/>
+                <a:ea typeface="+mj-ea"/>
+                <a:cs typeface="+mj-cs"/>
+              </a:defRPr>
+            </a:lvl1pPr>
+          </a:lstStyle>
+          <a:p>
+            <a:pPr>
+              <a:spcAft>
+                <a:spcPts val="600"/>
+              </a:spcAft>
+            </a:pPr>
+            <a:r>
+              <a:rPr lang="en-US" sz="5000" b="1" dirty="0">
+                <a:effectLst>
+                  <a:outerShdw blurRad="38100" dist="38100" dir="2700000" algn="tl">
+                    <a:srgbClr val="000000">
+                      <a:alpha val="43137"/>
+                    </a:srgbClr>
+                  </a:outerShdw>
+                </a:effectLst>
+              </a:rPr>
+              <a:t>Limitation</a:t>
+            </a:r>
+            <a:endParaRPr lang="en-US" sz="5000" dirty="0"/>
+          </a:p>
+        </p:txBody>
+      </p:sp>
+      <p:sp>
+        <p:nvSpPr>
+          <p:cNvPr id="3" name="TextBox 2">
+            <a:extLst>
+              <a:ext uri="{FF2B5EF4-FFF2-40B4-BE49-F238E27FC236}">
+                <a16:creationId xmlns:a16="http://schemas.microsoft.com/office/drawing/2014/main" id="{EF9A9D5C-BFE4-4F2A-856C-C0E3F32F9EBB}"/>
+              </a:ext>
+            </a:extLst>
+          </p:cNvPr>
+          <p:cNvSpPr txBox="1"/>
+          <p:nvPr/>
+        </p:nvSpPr>
+        <p:spPr>
+          <a:xfrm>
+            <a:off x="1567544" y="2165349"/>
+            <a:ext cx="10591120" cy="3541714"/>
+          </a:xfrm>
+          <a:prstGeom prst="rect">
+            <a:avLst/>
+          </a:prstGeom>
+        </p:spPr>
+        <p:txBody>
+          <a:bodyPr vert="horz" lIns="91440" tIns="45720" rIns="91440" bIns="45720" rtlCol="0">
+            <a:normAutofit/>
+          </a:bodyPr>
+          <a:lstStyle/>
+          <a:p>
+            <a:pPr marL="342900" indent="-342900" defTabSz="914400">
+              <a:lnSpc>
+                <a:spcPct val="120000"/>
+              </a:lnSpc>
+              <a:spcAft>
+                <a:spcPts val="600"/>
+              </a:spcAft>
+              <a:buSzPct val="125000"/>
+              <a:buFontTx/>
+              <a:buChar char="-"/>
+            </a:pPr>
+            <a:r>
+              <a:rPr lang="en-US" sz="2500" dirty="0"/>
+              <a:t>Limited data source due to LOB </a:t>
+            </a:r>
+            <a:r>
+              <a:rPr lang="en-US" sz="2500" dirty="0" err="1"/>
+              <a:t>Cuskit</a:t>
+            </a:r>
+            <a:r>
+              <a:rPr lang="en-US" sz="2500" dirty="0"/>
+              <a:t> Transition from FY22Q2 onwards</a:t>
+            </a:r>
+          </a:p>
+          <a:p>
+            <a:pPr marL="342900" indent="-342900" defTabSz="914400">
+              <a:lnSpc>
+                <a:spcPct val="120000"/>
+              </a:lnSpc>
+              <a:spcAft>
+                <a:spcPts val="600"/>
+              </a:spcAft>
+              <a:buSzPct val="125000"/>
+              <a:buFontTx/>
+              <a:buChar char="-"/>
+            </a:pPr>
+            <a:r>
+              <a:rPr lang="en-US" sz="2500" dirty="0"/>
+              <a:t>Limited knowledge on the data science to analyze the outcome</a:t>
+            </a:r>
+          </a:p>
+          <a:p>
+            <a:pPr marL="342900" indent="-342900" defTabSz="914400">
+              <a:lnSpc>
+                <a:spcPct val="120000"/>
+              </a:lnSpc>
+              <a:spcAft>
+                <a:spcPts val="600"/>
+              </a:spcAft>
+              <a:buSzPct val="125000"/>
+              <a:buFontTx/>
+              <a:buChar char="-"/>
+            </a:pPr>
+            <a:r>
+              <a:rPr lang="en-US" sz="2500" dirty="0"/>
+              <a:t>Limited time frame to complete this project</a:t>
+            </a:r>
+          </a:p>
+          <a:p>
+            <a:pPr marL="285750" indent="-228600" defTabSz="914400">
+              <a:lnSpc>
+                <a:spcPct val="120000"/>
+              </a:lnSpc>
+              <a:spcAft>
+                <a:spcPts val="600"/>
+              </a:spcAft>
+              <a:buSzPct val="125000"/>
+              <a:buFont typeface="Arial" panose="020B0604020202020204" pitchFamily="34" charset="0"/>
+              <a:buChar char="•"/>
+            </a:pPr>
+            <a:endParaRPr lang="en-US" sz="2500" dirty="0"/>
+          </a:p>
+        </p:txBody>
+      </p:sp>
+    </p:spTree>
+    <p:extLst>
+      <p:ext uri="{BB962C8B-B14F-4D97-AF65-F5344CB8AC3E}">
+        <p14:creationId xmlns:p14="http://schemas.microsoft.com/office/powerpoint/2010/main" val="2579929644"/>
+      </p:ext>
+    </p:extLst>
+  </p:cSld>
+  <p:clrMapOvr>
+    <a:masterClrMapping/>
+  </p:clrMapOvr>
+</p:sld>
+</file>
+
+<file path=ppt/slides/slide18.xml><?xml version="1.0" encoding="utf-8"?>
 <p:sld xmlns:a="http://schemas.openxmlformats.org/drawingml/2006/main" xmlns:r="http://schemas.openxmlformats.org/officeDocument/2006/relationships" xmlns:p="http://schemas.openxmlformats.org/presentationml/2006/main">
   <p:cSld>
     <p:bg>
@@ -20234,7 +20542,7 @@
           <a:noFill/>
           <a:extLst>
             <a:ext uri="{909E8E84-426E-40dd-AFC4-6F175D3DCCD1}">
-              <a14:hiddenFill xmlns="" xmlns:a16="http://schemas.microsoft.com/office/drawing/2014/main" xmlns:a14="http://schemas.microsoft.com/office/drawing/2010/main" xmlns:p14="http://schemas.microsoft.com/office/powerpoint/2010/main">
+              <a14:hiddenFill xmlns:p14="http://schemas.microsoft.com/office/powerpoint/2010/main" xmlns:a14="http://schemas.microsoft.com/office/drawing/2010/main" xmlns:a16="http://schemas.microsoft.com/office/drawing/2014/main" xmlns="">
                 <a:solidFill>
                   <a:srgbClr val="FFFFFF"/>
                 </a:solidFill>
@@ -20355,7 +20663,7 @@
               </a:ln>
               <a:extLst>
                 <a:ext uri="{91240B29-F687-4f45-9708-019B960494DF}">
-                  <a14:hiddenLine xmlns="" xmlns:a16="http://schemas.microsoft.com/office/drawing/2014/main" xmlns:a14="http://schemas.microsoft.com/office/drawing/2010/main" xmlns:p14="http://schemas.microsoft.com/office/powerpoint/2010/main" w="9525">
+                  <a14:hiddenLine xmlns:p14="http://schemas.microsoft.com/office/powerpoint/2010/main" xmlns:a14="http://schemas.microsoft.com/office/drawing/2010/main" xmlns:a16="http://schemas.microsoft.com/office/drawing/2014/main" xmlns="" w="9525">
                     <a:solidFill>
                       <a:srgbClr val="000000"/>
                     </a:solidFill>
@@ -20460,7 +20768,7 @@
               </a:ln>
               <a:extLst>
                 <a:ext uri="{91240B29-F687-4f45-9708-019B960494DF}">
-                  <a14:hiddenLine xmlns="" xmlns:a16="http://schemas.microsoft.com/office/drawing/2014/main" xmlns:a14="http://schemas.microsoft.com/office/drawing/2010/main" xmlns:p14="http://schemas.microsoft.com/office/powerpoint/2010/main" w="9525">
+                  <a14:hiddenLine xmlns:p14="http://schemas.microsoft.com/office/powerpoint/2010/main" xmlns:a14="http://schemas.microsoft.com/office/drawing/2010/main" xmlns:a16="http://schemas.microsoft.com/office/drawing/2014/main" xmlns="" w="9525">
                     <a:solidFill>
                       <a:srgbClr val="000000"/>
                     </a:solidFill>
@@ -20565,7 +20873,7 @@
               </a:ln>
               <a:extLst>
                 <a:ext uri="{91240B29-F687-4f45-9708-019B960494DF}">
-                  <a14:hiddenLine xmlns="" xmlns:a16="http://schemas.microsoft.com/office/drawing/2014/main" xmlns:a14="http://schemas.microsoft.com/office/drawing/2010/main" xmlns:p14="http://schemas.microsoft.com/office/powerpoint/2010/main" w="9525">
+                  <a14:hiddenLine xmlns:p14="http://schemas.microsoft.com/office/powerpoint/2010/main" xmlns:a14="http://schemas.microsoft.com/office/drawing/2010/main" xmlns:a16="http://schemas.microsoft.com/office/drawing/2014/main" xmlns="" w="9525">
                     <a:solidFill>
                       <a:srgbClr val="000000"/>
                     </a:solidFill>
@@ -20642,7 +20950,7 @@
               </a:ln>
               <a:extLst>
                 <a:ext uri="{91240B29-F687-4f45-9708-019B960494DF}">
-                  <a14:hiddenLine xmlns="" xmlns:a16="http://schemas.microsoft.com/office/drawing/2014/main" xmlns:a14="http://schemas.microsoft.com/office/drawing/2010/main" xmlns:p14="http://schemas.microsoft.com/office/powerpoint/2010/main" w="9525">
+                  <a14:hiddenLine xmlns:p14="http://schemas.microsoft.com/office/powerpoint/2010/main" xmlns:a14="http://schemas.microsoft.com/office/drawing/2010/main" xmlns:a16="http://schemas.microsoft.com/office/drawing/2014/main" xmlns="" w="9525">
                     <a:solidFill>
                       <a:srgbClr val="000000"/>
                     </a:solidFill>
@@ -20747,7 +21055,7 @@
               </a:ln>
               <a:extLst>
                 <a:ext uri="{91240B29-F687-4f45-9708-019B960494DF}">
-                  <a14:hiddenLine xmlns="" xmlns:a16="http://schemas.microsoft.com/office/drawing/2014/main" xmlns:a14="http://schemas.microsoft.com/office/drawing/2010/main" xmlns:p14="http://schemas.microsoft.com/office/powerpoint/2010/main" w="9525">
+                  <a14:hiddenLine xmlns:p14="http://schemas.microsoft.com/office/powerpoint/2010/main" xmlns:a14="http://schemas.microsoft.com/office/drawing/2010/main" xmlns:a16="http://schemas.microsoft.com/office/drawing/2014/main" xmlns="" w="9525">
                     <a:solidFill>
                       <a:srgbClr val="000000"/>
                     </a:solidFill>
@@ -20824,7 +21132,7 @@
               </a:ln>
               <a:extLst>
                 <a:ext uri="{91240B29-F687-4f45-9708-019B960494DF}">
-                  <a14:hiddenLine xmlns="" xmlns:a16="http://schemas.microsoft.com/office/drawing/2014/main" xmlns:a14="http://schemas.microsoft.com/office/drawing/2010/main" xmlns:p14="http://schemas.microsoft.com/office/powerpoint/2010/main" w="9525">
+                  <a14:hiddenLine xmlns:p14="http://schemas.microsoft.com/office/powerpoint/2010/main" xmlns:a14="http://schemas.microsoft.com/office/drawing/2010/main" xmlns:a16="http://schemas.microsoft.com/office/drawing/2014/main" xmlns="" w="9525">
                     <a:solidFill>
                       <a:srgbClr val="000000"/>
                     </a:solidFill>
@@ -20901,7 +21209,7 @@
               </a:ln>
               <a:extLst>
                 <a:ext uri="{91240B29-F687-4f45-9708-019B960494DF}">
-                  <a14:hiddenLine xmlns="" xmlns:a16="http://schemas.microsoft.com/office/drawing/2014/main" xmlns:a14="http://schemas.microsoft.com/office/drawing/2010/main" xmlns:p14="http://schemas.microsoft.com/office/powerpoint/2010/main" w="9525">
+                  <a14:hiddenLine xmlns:p14="http://schemas.microsoft.com/office/powerpoint/2010/main" xmlns:a14="http://schemas.microsoft.com/office/drawing/2010/main" xmlns:a16="http://schemas.microsoft.com/office/drawing/2014/main" xmlns="" w="9525">
                     <a:solidFill>
                       <a:srgbClr val="000000"/>
                     </a:solidFill>
@@ -21006,7 +21314,7 @@
               </a:ln>
               <a:extLst>
                 <a:ext uri="{91240B29-F687-4f45-9708-019B960494DF}">
-                  <a14:hiddenLine xmlns="" xmlns:a16="http://schemas.microsoft.com/office/drawing/2014/main" xmlns:a14="http://schemas.microsoft.com/office/drawing/2010/main" xmlns:p14="http://schemas.microsoft.com/office/powerpoint/2010/main" w="9525">
+                  <a14:hiddenLine xmlns:p14="http://schemas.microsoft.com/office/powerpoint/2010/main" xmlns:a14="http://schemas.microsoft.com/office/drawing/2010/main" xmlns:a16="http://schemas.microsoft.com/office/drawing/2014/main" xmlns="" w="9525">
                     <a:solidFill>
                       <a:srgbClr val="000000"/>
                     </a:solidFill>
@@ -21111,7 +21419,7 @@
               </a:ln>
               <a:extLst>
                 <a:ext uri="{91240B29-F687-4f45-9708-019B960494DF}">
-                  <a14:hiddenLine xmlns="" xmlns:a16="http://schemas.microsoft.com/office/drawing/2014/main" xmlns:a14="http://schemas.microsoft.com/office/drawing/2010/main" xmlns:p14="http://schemas.microsoft.com/office/powerpoint/2010/main" w="9525">
+                  <a14:hiddenLine xmlns:p14="http://schemas.microsoft.com/office/powerpoint/2010/main" xmlns:a14="http://schemas.microsoft.com/office/drawing/2010/main" xmlns:a16="http://schemas.microsoft.com/office/drawing/2014/main" xmlns="" w="9525">
                     <a:solidFill>
                       <a:srgbClr val="000000"/>
                     </a:solidFill>
@@ -21188,7 +21496,7 @@
               </a:ln>
               <a:extLst>
                 <a:ext uri="{91240B29-F687-4f45-9708-019B960494DF}">
-                  <a14:hiddenLine xmlns="" xmlns:a16="http://schemas.microsoft.com/office/drawing/2014/main" xmlns:a14="http://schemas.microsoft.com/office/drawing/2010/main" xmlns:p14="http://schemas.microsoft.com/office/powerpoint/2010/main" w="9525">
+                  <a14:hiddenLine xmlns:p14="http://schemas.microsoft.com/office/powerpoint/2010/main" xmlns:a14="http://schemas.microsoft.com/office/drawing/2010/main" xmlns:a16="http://schemas.microsoft.com/office/drawing/2014/main" xmlns="" w="9525">
                     <a:solidFill>
                       <a:srgbClr val="000000"/>
                     </a:solidFill>
@@ -21313,7 +21621,7 @@
               </a:ln>
               <a:extLst>
                 <a:ext uri="{91240B29-F687-4f45-9708-019B960494DF}">
-                  <a14:hiddenLine xmlns="" xmlns:a16="http://schemas.microsoft.com/office/drawing/2014/main" xmlns:a14="http://schemas.microsoft.com/office/drawing/2010/main" xmlns:p14="http://schemas.microsoft.com/office/powerpoint/2010/main" w="9525">
+                  <a14:hiddenLine xmlns:p14="http://schemas.microsoft.com/office/powerpoint/2010/main" xmlns:a14="http://schemas.microsoft.com/office/drawing/2010/main" xmlns:a16="http://schemas.microsoft.com/office/drawing/2014/main" xmlns="" w="9525">
                     <a:solidFill>
                       <a:srgbClr val="000000"/>
                     </a:solidFill>
@@ -21427,7 +21735,7 @@
               </a:ln>
               <a:extLst>
                 <a:ext uri="{91240B29-F687-4f45-9708-019B960494DF}">
-                  <a14:hiddenLine xmlns="" xmlns:a16="http://schemas.microsoft.com/office/drawing/2014/main" xmlns:a14="http://schemas.microsoft.com/office/drawing/2010/main" xmlns:p14="http://schemas.microsoft.com/office/powerpoint/2010/main" w="9525">
+                  <a14:hiddenLine xmlns:p14="http://schemas.microsoft.com/office/powerpoint/2010/main" xmlns:a14="http://schemas.microsoft.com/office/drawing/2010/main" xmlns:a16="http://schemas.microsoft.com/office/drawing/2014/main" xmlns="" w="9525">
                     <a:solidFill>
                       <a:srgbClr val="000000"/>
                     </a:solidFill>
@@ -21504,7 +21812,7 @@
               </a:ln>
               <a:extLst>
                 <a:ext uri="{91240B29-F687-4f45-9708-019B960494DF}">
-                  <a14:hiddenLine xmlns="" xmlns:a16="http://schemas.microsoft.com/office/drawing/2014/main" xmlns:a14="http://schemas.microsoft.com/office/drawing/2010/main" xmlns:p14="http://schemas.microsoft.com/office/powerpoint/2010/main" w="9525">
+                  <a14:hiddenLine xmlns:p14="http://schemas.microsoft.com/office/powerpoint/2010/main" xmlns:a14="http://schemas.microsoft.com/office/drawing/2010/main" xmlns:a16="http://schemas.microsoft.com/office/drawing/2014/main" xmlns="" w="9525">
                     <a:solidFill>
                       <a:srgbClr val="000000"/>
                     </a:solidFill>
@@ -21581,7 +21889,7 @@
               </a:ln>
               <a:extLst>
                 <a:ext uri="{91240B29-F687-4f45-9708-019B960494DF}">
-                  <a14:hiddenLine xmlns="" xmlns:a16="http://schemas.microsoft.com/office/drawing/2014/main" xmlns:a14="http://schemas.microsoft.com/office/drawing/2010/main" xmlns:p14="http://schemas.microsoft.com/office/powerpoint/2010/main" w="9525">
+                  <a14:hiddenLine xmlns:p14="http://schemas.microsoft.com/office/powerpoint/2010/main" xmlns:a14="http://schemas.microsoft.com/office/drawing/2010/main" xmlns:a16="http://schemas.microsoft.com/office/drawing/2014/main" xmlns="" w="9525">
                     <a:solidFill>
                       <a:srgbClr val="000000"/>
                     </a:solidFill>
@@ -21686,7 +21994,7 @@
               </a:ln>
               <a:extLst>
                 <a:ext uri="{91240B29-F687-4f45-9708-019B960494DF}">
-                  <a14:hiddenLine xmlns="" xmlns:a16="http://schemas.microsoft.com/office/drawing/2014/main" xmlns:a14="http://schemas.microsoft.com/office/drawing/2010/main" xmlns:p14="http://schemas.microsoft.com/office/powerpoint/2010/main" w="9525">
+                  <a14:hiddenLine xmlns:p14="http://schemas.microsoft.com/office/powerpoint/2010/main" xmlns:a14="http://schemas.microsoft.com/office/drawing/2010/main" xmlns:a16="http://schemas.microsoft.com/office/drawing/2014/main" xmlns="" w="9525">
                     <a:solidFill>
                       <a:srgbClr val="000000"/>
                     </a:solidFill>
@@ -21735,7 +22043,7 @@
               </a:ln>
               <a:extLst>
                 <a:ext uri="{91240B29-F687-4f45-9708-019B960494DF}">
-                  <a14:hiddenLine xmlns="" xmlns:a16="http://schemas.microsoft.com/office/drawing/2014/main" xmlns:a14="http://schemas.microsoft.com/office/drawing/2010/main" xmlns:p14="http://schemas.microsoft.com/office/powerpoint/2010/main" w="9525">
+                  <a14:hiddenLine xmlns:p14="http://schemas.microsoft.com/office/powerpoint/2010/main" xmlns:a14="http://schemas.microsoft.com/office/drawing/2010/main" xmlns:a16="http://schemas.microsoft.com/office/drawing/2014/main" xmlns="" w="9525">
                     <a:solidFill>
                       <a:srgbClr val="000000"/>
                     </a:solidFill>
@@ -21815,7 +22123,7 @@
               </a:ln>
               <a:extLst>
                 <a:ext uri="{91240B29-F687-4f45-9708-019B960494DF}">
-                  <a14:hiddenLine xmlns="" xmlns:a16="http://schemas.microsoft.com/office/drawing/2014/main" xmlns:a14="http://schemas.microsoft.com/office/drawing/2010/main" xmlns:p14="http://schemas.microsoft.com/office/powerpoint/2010/main" w="9525">
+                  <a14:hiddenLine xmlns:p14="http://schemas.microsoft.com/office/powerpoint/2010/main" xmlns:a14="http://schemas.microsoft.com/office/drawing/2010/main" xmlns:a16="http://schemas.microsoft.com/office/drawing/2014/main" xmlns="" w="9525">
                     <a:solidFill>
                       <a:srgbClr val="000000"/>
                     </a:solidFill>
@@ -21920,7 +22228,7 @@
               </a:ln>
               <a:extLst>
                 <a:ext uri="{91240B29-F687-4f45-9708-019B960494DF}">
-                  <a14:hiddenLine xmlns="" xmlns:a16="http://schemas.microsoft.com/office/drawing/2014/main" xmlns:a14="http://schemas.microsoft.com/office/drawing/2010/main" xmlns:p14="http://schemas.microsoft.com/office/powerpoint/2010/main" w="9525">
+                  <a14:hiddenLine xmlns:p14="http://schemas.microsoft.com/office/powerpoint/2010/main" xmlns:a14="http://schemas.microsoft.com/office/drawing/2010/main" xmlns:a16="http://schemas.microsoft.com/office/drawing/2014/main" xmlns="" w="9525">
                     <a:solidFill>
                       <a:srgbClr val="000000"/>
                     </a:solidFill>
@@ -21997,7 +22305,7 @@
               </a:ln>
               <a:extLst>
                 <a:ext uri="{91240B29-F687-4f45-9708-019B960494DF}">
-                  <a14:hiddenLine xmlns="" xmlns:a16="http://schemas.microsoft.com/office/drawing/2014/main" xmlns:a14="http://schemas.microsoft.com/office/drawing/2010/main" xmlns:p14="http://schemas.microsoft.com/office/powerpoint/2010/main" w="9525">
+                  <a14:hiddenLine xmlns:p14="http://schemas.microsoft.com/office/powerpoint/2010/main" xmlns:a14="http://schemas.microsoft.com/office/drawing/2010/main" xmlns:a16="http://schemas.microsoft.com/office/drawing/2014/main" xmlns="" w="9525">
                     <a:solidFill>
                       <a:srgbClr val="000000"/>
                     </a:solidFill>
@@ -22102,7 +22410,7 @@
               </a:ln>
               <a:extLst>
                 <a:ext uri="{91240B29-F687-4f45-9708-019B960494DF}">
-                  <a14:hiddenLine xmlns="" xmlns:a16="http://schemas.microsoft.com/office/drawing/2014/main" xmlns:a14="http://schemas.microsoft.com/office/drawing/2010/main" xmlns:p14="http://schemas.microsoft.com/office/powerpoint/2010/main" w="9525">
+                  <a14:hiddenLine xmlns:p14="http://schemas.microsoft.com/office/powerpoint/2010/main" xmlns:a14="http://schemas.microsoft.com/office/drawing/2010/main" xmlns:a16="http://schemas.microsoft.com/office/drawing/2014/main" xmlns="" w="9525">
                     <a:solidFill>
                       <a:srgbClr val="000000"/>
                     </a:solidFill>
@@ -22182,7 +22490,7 @@
               </a:ln>
               <a:extLst>
                 <a:ext uri="{91240B29-F687-4f45-9708-019B960494DF}">
-                  <a14:hiddenLine xmlns="" xmlns:a16="http://schemas.microsoft.com/office/drawing/2014/main" xmlns:a14="http://schemas.microsoft.com/office/drawing/2010/main" xmlns:p14="http://schemas.microsoft.com/office/powerpoint/2010/main" w="9525">
+                  <a14:hiddenLine xmlns:p14="http://schemas.microsoft.com/office/powerpoint/2010/main" xmlns:a14="http://schemas.microsoft.com/office/drawing/2010/main" xmlns:a16="http://schemas.microsoft.com/office/drawing/2014/main" xmlns="" w="9525">
                     <a:solidFill>
                       <a:srgbClr val="000000"/>
                     </a:solidFill>
@@ -22259,7 +22567,7 @@
               </a:ln>
               <a:extLst>
                 <a:ext uri="{91240B29-F687-4f45-9708-019B960494DF}">
-                  <a14:hiddenLine xmlns="" xmlns:a16="http://schemas.microsoft.com/office/drawing/2014/main" xmlns:a14="http://schemas.microsoft.com/office/drawing/2010/main" xmlns:p14="http://schemas.microsoft.com/office/powerpoint/2010/main" w="9525">
+                  <a14:hiddenLine xmlns:p14="http://schemas.microsoft.com/office/powerpoint/2010/main" xmlns:a14="http://schemas.microsoft.com/office/drawing/2010/main" xmlns:a16="http://schemas.microsoft.com/office/drawing/2014/main" xmlns="" w="9525">
                     <a:solidFill>
                       <a:srgbClr val="000000"/>
                     </a:solidFill>
@@ -22364,7 +22672,7 @@
               </a:ln>
               <a:extLst>
                 <a:ext uri="{91240B29-F687-4f45-9708-019B960494DF}">
-                  <a14:hiddenLine xmlns="" xmlns:a16="http://schemas.microsoft.com/office/drawing/2014/main" xmlns:a14="http://schemas.microsoft.com/office/drawing/2010/main" xmlns:p14="http://schemas.microsoft.com/office/powerpoint/2010/main" w="9525">
+                  <a14:hiddenLine xmlns:p14="http://schemas.microsoft.com/office/powerpoint/2010/main" xmlns:a14="http://schemas.microsoft.com/office/drawing/2010/main" xmlns:a16="http://schemas.microsoft.com/office/drawing/2014/main" xmlns="" w="9525">
                     <a:solidFill>
                       <a:srgbClr val="000000"/>
                     </a:solidFill>
@@ -22469,7 +22777,7 @@
               </a:ln>
               <a:extLst>
                 <a:ext uri="{91240B29-F687-4f45-9708-019B960494DF}">
-                  <a14:hiddenLine xmlns="" xmlns:a16="http://schemas.microsoft.com/office/drawing/2014/main" xmlns:a14="http://schemas.microsoft.com/office/drawing/2010/main" xmlns:p14="http://schemas.microsoft.com/office/powerpoint/2010/main" w="9525">
+                  <a14:hiddenLine xmlns:p14="http://schemas.microsoft.com/office/powerpoint/2010/main" xmlns:a14="http://schemas.microsoft.com/office/drawing/2010/main" xmlns:a16="http://schemas.microsoft.com/office/drawing/2014/main" xmlns="" w="9525">
                     <a:solidFill>
                       <a:srgbClr val="000000"/>
                     </a:solidFill>
@@ -22549,7 +22857,7 @@
               </a:ln>
               <a:extLst>
                 <a:ext uri="{91240B29-F687-4f45-9708-019B960494DF}">
-                  <a14:hiddenLine xmlns="" xmlns:a16="http://schemas.microsoft.com/office/drawing/2014/main" xmlns:a14="http://schemas.microsoft.com/office/drawing/2010/main" xmlns:p14="http://schemas.microsoft.com/office/powerpoint/2010/main" w="9525">
+                  <a14:hiddenLine xmlns:p14="http://schemas.microsoft.com/office/powerpoint/2010/main" xmlns:a14="http://schemas.microsoft.com/office/drawing/2010/main" xmlns:a16="http://schemas.microsoft.com/office/drawing/2014/main" xmlns="" w="9525">
                     <a:solidFill>
                       <a:srgbClr val="000000"/>
                     </a:solidFill>
@@ -22684,7 +22992,7 @@
               </a:ln>
               <a:extLst>
                 <a:ext uri="{91240B29-F687-4f45-9708-019B960494DF}">
-                  <a14:hiddenLine xmlns="" xmlns:a16="http://schemas.microsoft.com/office/drawing/2014/main" xmlns:a14="http://schemas.microsoft.com/office/drawing/2010/main" xmlns:p14="http://schemas.microsoft.com/office/powerpoint/2010/main" w="9525">
+                  <a14:hiddenLine xmlns:p14="http://schemas.microsoft.com/office/powerpoint/2010/main" xmlns:a14="http://schemas.microsoft.com/office/drawing/2010/main" xmlns:a16="http://schemas.microsoft.com/office/drawing/2014/main" xmlns="" w="9525">
                     <a:solidFill>
                       <a:srgbClr val="000000"/>
                     </a:solidFill>
@@ -22812,7 +23120,7 @@
               </a:ln>
               <a:extLst>
                 <a:ext uri="{91240B29-F687-4f45-9708-019B960494DF}">
-                  <a14:hiddenLine xmlns="" xmlns:a16="http://schemas.microsoft.com/office/drawing/2014/main" xmlns:a14="http://schemas.microsoft.com/office/drawing/2010/main" xmlns:p14="http://schemas.microsoft.com/office/powerpoint/2010/main" w="9525">
+                  <a14:hiddenLine xmlns:p14="http://schemas.microsoft.com/office/powerpoint/2010/main" xmlns:a14="http://schemas.microsoft.com/office/drawing/2010/main" xmlns:a16="http://schemas.microsoft.com/office/drawing/2014/main" xmlns="" w="9525">
                     <a:solidFill>
                       <a:srgbClr val="000000"/>
                     </a:solidFill>
@@ -22942,7 +23250,7 @@
               </a:ln>
               <a:extLst>
                 <a:ext uri="{91240B29-F687-4f45-9708-019B960494DF}">
-                  <a14:hiddenLine xmlns="" xmlns:a16="http://schemas.microsoft.com/office/drawing/2014/main" xmlns:a14="http://schemas.microsoft.com/office/drawing/2010/main" xmlns:p14="http://schemas.microsoft.com/office/powerpoint/2010/main" w="9525">
+                  <a14:hiddenLine xmlns:p14="http://schemas.microsoft.com/office/powerpoint/2010/main" xmlns:a14="http://schemas.microsoft.com/office/drawing/2010/main" xmlns:a16="http://schemas.microsoft.com/office/drawing/2014/main" xmlns="" w="9525">
                     <a:solidFill>
                       <a:srgbClr val="000000"/>
                     </a:solidFill>
@@ -23047,7 +23355,7 @@
               </a:ln>
               <a:extLst>
                 <a:ext uri="{91240B29-F687-4f45-9708-019B960494DF}">
-                  <a14:hiddenLine xmlns="" xmlns:a16="http://schemas.microsoft.com/office/drawing/2014/main" xmlns:a14="http://schemas.microsoft.com/office/drawing/2010/main" xmlns:p14="http://schemas.microsoft.com/office/powerpoint/2010/main" w="9525">
+                  <a14:hiddenLine xmlns:p14="http://schemas.microsoft.com/office/powerpoint/2010/main" xmlns:a14="http://schemas.microsoft.com/office/drawing/2010/main" xmlns:a16="http://schemas.microsoft.com/office/drawing/2014/main" xmlns="" w="9525">
                     <a:solidFill>
                       <a:srgbClr val="000000"/>
                     </a:solidFill>
@@ -23127,7 +23435,7 @@
               </a:ln>
               <a:extLst>
                 <a:ext uri="{91240B29-F687-4f45-9708-019B960494DF}">
-                  <a14:hiddenLine xmlns="" xmlns:a16="http://schemas.microsoft.com/office/drawing/2014/main" xmlns:a14="http://schemas.microsoft.com/office/drawing/2010/main" xmlns:p14="http://schemas.microsoft.com/office/powerpoint/2010/main" w="9525">
+                  <a14:hiddenLine xmlns:p14="http://schemas.microsoft.com/office/powerpoint/2010/main" xmlns:a14="http://schemas.microsoft.com/office/drawing/2010/main" xmlns:a16="http://schemas.microsoft.com/office/drawing/2014/main" xmlns="" w="9525">
                     <a:solidFill>
                       <a:srgbClr val="000000"/>
                     </a:solidFill>
@@ -23232,7 +23540,7 @@
               </a:ln>
               <a:extLst>
                 <a:ext uri="{91240B29-F687-4f45-9708-019B960494DF}">
-                  <a14:hiddenLine xmlns="" xmlns:a16="http://schemas.microsoft.com/office/drawing/2014/main" xmlns:a14="http://schemas.microsoft.com/office/drawing/2010/main" xmlns:p14="http://schemas.microsoft.com/office/powerpoint/2010/main" w="9525">
+                  <a14:hiddenLine xmlns:p14="http://schemas.microsoft.com/office/powerpoint/2010/main" xmlns:a14="http://schemas.microsoft.com/office/drawing/2010/main" xmlns:a16="http://schemas.microsoft.com/office/drawing/2014/main" xmlns="" w="9525">
                     <a:solidFill>
                       <a:srgbClr val="000000"/>
                     </a:solidFill>
@@ -23315,7 +23623,7 @@
               </a:ln>
               <a:extLst>
                 <a:ext uri="{91240B29-F687-4f45-9708-019B960494DF}">
-                  <a14:hiddenLine xmlns="" xmlns:a16="http://schemas.microsoft.com/office/drawing/2014/main" xmlns:a14="http://schemas.microsoft.com/office/drawing/2010/main" xmlns:p14="http://schemas.microsoft.com/office/powerpoint/2010/main" w="9525">
+                  <a14:hiddenLine xmlns:p14="http://schemas.microsoft.com/office/powerpoint/2010/main" xmlns:a14="http://schemas.microsoft.com/office/drawing/2010/main" xmlns:a16="http://schemas.microsoft.com/office/drawing/2014/main" xmlns="" w="9525">
                     <a:solidFill>
                       <a:srgbClr val="000000"/>
                     </a:solidFill>
@@ -23420,7 +23728,7 @@
               </a:ln>
               <a:extLst>
                 <a:ext uri="{91240B29-F687-4f45-9708-019B960494DF}">
-                  <a14:hiddenLine xmlns="" xmlns:a16="http://schemas.microsoft.com/office/drawing/2014/main" xmlns:a14="http://schemas.microsoft.com/office/drawing/2010/main" xmlns:p14="http://schemas.microsoft.com/office/powerpoint/2010/main" w="9525">
+                  <a14:hiddenLine xmlns:p14="http://schemas.microsoft.com/office/powerpoint/2010/main" xmlns:a14="http://schemas.microsoft.com/office/drawing/2010/main" xmlns:a16="http://schemas.microsoft.com/office/drawing/2014/main" xmlns="" w="9525">
                     <a:solidFill>
                       <a:srgbClr val="000000"/>
                     </a:solidFill>
@@ -23503,7 +23811,7 @@
               </a:ln>
               <a:extLst>
                 <a:ext uri="{91240B29-F687-4f45-9708-019B960494DF}">
-                  <a14:hiddenLine xmlns="" xmlns:a16="http://schemas.microsoft.com/office/drawing/2014/main" xmlns:a14="http://schemas.microsoft.com/office/drawing/2010/main" xmlns:p14="http://schemas.microsoft.com/office/powerpoint/2010/main" w="9525">
+                  <a14:hiddenLine xmlns:p14="http://schemas.microsoft.com/office/powerpoint/2010/main" xmlns:a14="http://schemas.microsoft.com/office/drawing/2010/main" xmlns:a16="http://schemas.microsoft.com/office/drawing/2014/main" xmlns="" w="9525">
                     <a:solidFill>
                       <a:srgbClr val="000000"/>
                     </a:solidFill>
@@ -23608,7 +23916,7 @@
               </a:ln>
               <a:extLst>
                 <a:ext uri="{91240B29-F687-4f45-9708-019B960494DF}">
-                  <a14:hiddenLine xmlns="" xmlns:a16="http://schemas.microsoft.com/office/drawing/2014/main" xmlns:a14="http://schemas.microsoft.com/office/drawing/2010/main" xmlns:p14="http://schemas.microsoft.com/office/powerpoint/2010/main" w="9525">
+                  <a14:hiddenLine xmlns:p14="http://schemas.microsoft.com/office/powerpoint/2010/main" xmlns:a14="http://schemas.microsoft.com/office/drawing/2010/main" xmlns:a16="http://schemas.microsoft.com/office/drawing/2014/main" xmlns="" w="9525">
                     <a:solidFill>
                       <a:srgbClr val="000000"/>
                     </a:solidFill>
@@ -23657,7 +23965,7 @@
               </a:ln>
               <a:extLst>
                 <a:ext uri="{91240B29-F687-4f45-9708-019B960494DF}">
-                  <a14:hiddenLine xmlns="" xmlns:a16="http://schemas.microsoft.com/office/drawing/2014/main" xmlns:a14="http://schemas.microsoft.com/office/drawing/2010/main" xmlns:p14="http://schemas.microsoft.com/office/powerpoint/2010/main" w="9525">
+                  <a14:hiddenLine xmlns:p14="http://schemas.microsoft.com/office/powerpoint/2010/main" xmlns:a14="http://schemas.microsoft.com/office/drawing/2010/main" xmlns:a16="http://schemas.microsoft.com/office/drawing/2014/main" xmlns="" w="9525">
                     <a:solidFill>
                       <a:srgbClr val="000000"/>
                     </a:solidFill>
@@ -23815,7 +24123,7 @@
             <a:noFill/>
             <a:extLst>
               <a:ext uri="{909E8E84-426E-40dd-AFC4-6F175D3DCCD1}">
-                <a14:hiddenFill xmlns="" xmlns:a16="http://schemas.microsoft.com/office/drawing/2014/main" xmlns:a14="http://schemas.microsoft.com/office/drawing/2010/main" xmlns:p14="http://schemas.microsoft.com/office/powerpoint/2010/main">
+                <a14:hiddenFill xmlns:p14="http://schemas.microsoft.com/office/powerpoint/2010/main" xmlns:a14="http://schemas.microsoft.com/office/drawing/2010/main" xmlns:a16="http://schemas.microsoft.com/office/drawing/2014/main" xmlns="">
                   <a:solidFill>
                     <a:srgbClr val="FFFFFF"/>
                   </a:solidFill>
@@ -24012,7 +24320,7 @@
             </a:ln>
             <a:extLst>
               <a:ext uri="{91240B29-F687-4f45-9708-019B960494DF}">
-                <a14:hiddenLine xmlns="" xmlns:a16="http://schemas.microsoft.com/office/drawing/2014/main" xmlns:a14="http://schemas.microsoft.com/office/drawing/2010/main" xmlns:p14="http://schemas.microsoft.com/office/powerpoint/2010/main" w="9525">
+                <a14:hiddenLine xmlns:p14="http://schemas.microsoft.com/office/powerpoint/2010/main" xmlns:a14="http://schemas.microsoft.com/office/drawing/2010/main" xmlns:a16="http://schemas.microsoft.com/office/drawing/2014/main" xmlns="" w="9525">
                   <a:solidFill>
                     <a:srgbClr val="000000"/>
                   </a:solidFill>
@@ -24117,7 +24425,7 @@
             </a:ln>
             <a:extLst>
               <a:ext uri="{91240B29-F687-4f45-9708-019B960494DF}">
-                <a14:hiddenLine xmlns="" xmlns:a16="http://schemas.microsoft.com/office/drawing/2014/main" xmlns:a14="http://schemas.microsoft.com/office/drawing/2010/main" xmlns:p14="http://schemas.microsoft.com/office/powerpoint/2010/main" w="9525">
+                <a14:hiddenLine xmlns:p14="http://schemas.microsoft.com/office/powerpoint/2010/main" xmlns:a14="http://schemas.microsoft.com/office/drawing/2010/main" xmlns:a16="http://schemas.microsoft.com/office/drawing/2014/main" xmlns="" w="9525">
                   <a:solidFill>
                     <a:srgbClr val="000000"/>
                   </a:solidFill>
@@ -24222,7 +24530,7 @@
             </a:ln>
             <a:extLst>
               <a:ext uri="{91240B29-F687-4f45-9708-019B960494DF}">
-                <a14:hiddenLine xmlns="" xmlns:a16="http://schemas.microsoft.com/office/drawing/2014/main" xmlns:a14="http://schemas.microsoft.com/office/drawing/2010/main" xmlns:p14="http://schemas.microsoft.com/office/powerpoint/2010/main" w="9525">
+                <a14:hiddenLine xmlns:p14="http://schemas.microsoft.com/office/powerpoint/2010/main" xmlns:a14="http://schemas.microsoft.com/office/drawing/2010/main" xmlns:a16="http://schemas.microsoft.com/office/drawing/2014/main" xmlns="" w="9525">
                   <a:solidFill>
                     <a:srgbClr val="000000"/>
                   </a:solidFill>
@@ -24271,7 +24579,7 @@
             </a:ln>
             <a:extLst>
               <a:ext uri="{91240B29-F687-4f45-9708-019B960494DF}">
-                <a14:hiddenLine xmlns="" xmlns:a16="http://schemas.microsoft.com/office/drawing/2014/main" xmlns:a14="http://schemas.microsoft.com/office/drawing/2010/main" xmlns:p14="http://schemas.microsoft.com/office/powerpoint/2010/main" w="9525">
+                <a14:hiddenLine xmlns:p14="http://schemas.microsoft.com/office/powerpoint/2010/main" xmlns:a14="http://schemas.microsoft.com/office/drawing/2010/main" xmlns:a16="http://schemas.microsoft.com/office/drawing/2014/main" xmlns="" w="9525">
                   <a:solidFill>
                     <a:srgbClr val="000000"/>
                   </a:solidFill>
@@ -24376,7 +24684,7 @@
             </a:ln>
             <a:extLst>
               <a:ext uri="{91240B29-F687-4f45-9708-019B960494DF}">
-                <a14:hiddenLine xmlns="" xmlns:a16="http://schemas.microsoft.com/office/drawing/2014/main" xmlns:a14="http://schemas.microsoft.com/office/drawing/2010/main" xmlns:p14="http://schemas.microsoft.com/office/powerpoint/2010/main" w="9525">
+                <a14:hiddenLine xmlns:p14="http://schemas.microsoft.com/office/powerpoint/2010/main" xmlns:a14="http://schemas.microsoft.com/office/drawing/2010/main" xmlns:a16="http://schemas.microsoft.com/office/drawing/2014/main" xmlns="" w="9525">
                   <a:solidFill>
                     <a:srgbClr val="000000"/>
                   </a:solidFill>
@@ -24453,7 +24761,7 @@
             </a:ln>
             <a:extLst>
               <a:ext uri="{91240B29-F687-4f45-9708-019B960494DF}">
-                <a14:hiddenLine xmlns="" xmlns:a16="http://schemas.microsoft.com/office/drawing/2014/main" xmlns:a14="http://schemas.microsoft.com/office/drawing/2010/main" xmlns:p14="http://schemas.microsoft.com/office/powerpoint/2010/main" w="9525">
+                <a14:hiddenLine xmlns:p14="http://schemas.microsoft.com/office/powerpoint/2010/main" xmlns:a14="http://schemas.microsoft.com/office/drawing/2010/main" xmlns:a16="http://schemas.microsoft.com/office/drawing/2014/main" xmlns="" w="9525">
                   <a:solidFill>
                     <a:srgbClr val="000000"/>
                   </a:solidFill>
@@ -24530,7 +24838,7 @@
             </a:ln>
             <a:extLst>
               <a:ext uri="{91240B29-F687-4f45-9708-019B960494DF}">
-                <a14:hiddenLine xmlns="" xmlns:a16="http://schemas.microsoft.com/office/drawing/2014/main" xmlns:a14="http://schemas.microsoft.com/office/drawing/2010/main" xmlns:p14="http://schemas.microsoft.com/office/powerpoint/2010/main" w="9525">
+                <a14:hiddenLine xmlns:p14="http://schemas.microsoft.com/office/powerpoint/2010/main" xmlns:a14="http://schemas.microsoft.com/office/drawing/2010/main" xmlns:a16="http://schemas.microsoft.com/office/drawing/2014/main" xmlns="" w="9525">
                   <a:solidFill>
                     <a:srgbClr val="000000"/>
                   </a:solidFill>
@@ -24635,7 +24943,7 @@
             </a:ln>
             <a:extLst>
               <a:ext uri="{91240B29-F687-4f45-9708-019B960494DF}">
-                <a14:hiddenLine xmlns="" xmlns:a16="http://schemas.microsoft.com/office/drawing/2014/main" xmlns:a14="http://schemas.microsoft.com/office/drawing/2010/main" xmlns:p14="http://schemas.microsoft.com/office/powerpoint/2010/main" w="9525">
+                <a14:hiddenLine xmlns:p14="http://schemas.microsoft.com/office/powerpoint/2010/main" xmlns:a14="http://schemas.microsoft.com/office/drawing/2010/main" xmlns:a16="http://schemas.microsoft.com/office/drawing/2014/main" xmlns="" w="9525">
                   <a:solidFill>
                     <a:srgbClr val="000000"/>
                   </a:solidFill>
@@ -24712,7 +25020,7 @@
             </a:ln>
             <a:extLst>
               <a:ext uri="{91240B29-F687-4f45-9708-019B960494DF}">
-                <a14:hiddenLine xmlns="" xmlns:a16="http://schemas.microsoft.com/office/drawing/2014/main" xmlns:a14="http://schemas.microsoft.com/office/drawing/2010/main" xmlns:p14="http://schemas.microsoft.com/office/powerpoint/2010/main" w="9525">
+                <a14:hiddenLine xmlns:p14="http://schemas.microsoft.com/office/powerpoint/2010/main" xmlns:a14="http://schemas.microsoft.com/office/drawing/2010/main" xmlns:a16="http://schemas.microsoft.com/office/drawing/2014/main" xmlns="" w="9525">
                   <a:solidFill>
                     <a:srgbClr val="000000"/>
                   </a:solidFill>
@@ -24789,7 +25097,7 @@
             </a:ln>
             <a:extLst>
               <a:ext uri="{91240B29-F687-4f45-9708-019B960494DF}">
-                <a14:hiddenLine xmlns="" xmlns:a16="http://schemas.microsoft.com/office/drawing/2014/main" xmlns:a14="http://schemas.microsoft.com/office/drawing/2010/main" xmlns:p14="http://schemas.microsoft.com/office/powerpoint/2010/main" w="9525">
+                <a14:hiddenLine xmlns:p14="http://schemas.microsoft.com/office/powerpoint/2010/main" xmlns:a14="http://schemas.microsoft.com/office/drawing/2010/main" xmlns:a16="http://schemas.microsoft.com/office/drawing/2014/main" xmlns="" w="9525">
                   <a:solidFill>
                     <a:srgbClr val="000000"/>
                   </a:solidFill>
@@ -24894,7 +25202,7 @@
             </a:ln>
             <a:extLst>
               <a:ext uri="{91240B29-F687-4f45-9708-019B960494DF}">
-                <a14:hiddenLine xmlns="" xmlns:a16="http://schemas.microsoft.com/office/drawing/2014/main" xmlns:a14="http://schemas.microsoft.com/office/drawing/2010/main" xmlns:p14="http://schemas.microsoft.com/office/powerpoint/2010/main" w="9525">
+                <a14:hiddenLine xmlns:p14="http://schemas.microsoft.com/office/powerpoint/2010/main" xmlns:a14="http://schemas.microsoft.com/office/drawing/2010/main" xmlns:a16="http://schemas.microsoft.com/office/drawing/2014/main" xmlns="" w="9525">
                   <a:solidFill>
                     <a:srgbClr val="000000"/>
                   </a:solidFill>
@@ -24999,7 +25307,7 @@
             </a:ln>
             <a:extLst>
               <a:ext uri="{91240B29-F687-4f45-9708-019B960494DF}">
-                <a14:hiddenLine xmlns="" xmlns:a16="http://schemas.microsoft.com/office/drawing/2014/main" xmlns:a14="http://schemas.microsoft.com/office/drawing/2010/main" xmlns:p14="http://schemas.microsoft.com/office/powerpoint/2010/main" w="9525">
+                <a14:hiddenLine xmlns:p14="http://schemas.microsoft.com/office/powerpoint/2010/main" xmlns:a14="http://schemas.microsoft.com/office/drawing/2010/main" xmlns:a16="http://schemas.microsoft.com/office/drawing/2014/main" xmlns="" w="9525">
                   <a:solidFill>
                     <a:srgbClr val="000000"/>
                   </a:solidFill>
@@ -25076,7 +25384,7 @@
             </a:ln>
             <a:extLst>
               <a:ext uri="{91240B29-F687-4f45-9708-019B960494DF}">
-                <a14:hiddenLine xmlns="" xmlns:a16="http://schemas.microsoft.com/office/drawing/2014/main" xmlns:a14="http://schemas.microsoft.com/office/drawing/2010/main" xmlns:p14="http://schemas.microsoft.com/office/powerpoint/2010/main" w="9525">
+                <a14:hiddenLine xmlns:p14="http://schemas.microsoft.com/office/powerpoint/2010/main" xmlns:a14="http://schemas.microsoft.com/office/drawing/2010/main" xmlns:a16="http://schemas.microsoft.com/office/drawing/2014/main" xmlns="" w="9525">
                   <a:solidFill>
                     <a:srgbClr val="000000"/>
                   </a:solidFill>
@@ -25201,7 +25509,7 @@
             </a:ln>
             <a:extLst>
               <a:ext uri="{91240B29-F687-4f45-9708-019B960494DF}">
-                <a14:hiddenLine xmlns="" xmlns:a16="http://schemas.microsoft.com/office/drawing/2014/main" xmlns:a14="http://schemas.microsoft.com/office/drawing/2010/main" xmlns:p14="http://schemas.microsoft.com/office/powerpoint/2010/main" w="9525">
+                <a14:hiddenLine xmlns:p14="http://schemas.microsoft.com/office/powerpoint/2010/main" xmlns:a14="http://schemas.microsoft.com/office/drawing/2010/main" xmlns:a16="http://schemas.microsoft.com/office/drawing/2014/main" xmlns="" w="9525">
                   <a:solidFill>
                     <a:srgbClr val="000000"/>
                   </a:solidFill>
@@ -25278,7 +25586,7 @@
             </a:ln>
             <a:extLst>
               <a:ext uri="{91240B29-F687-4f45-9708-019B960494DF}">
-                <a14:hiddenLine xmlns="" xmlns:a16="http://schemas.microsoft.com/office/drawing/2014/main" xmlns:a14="http://schemas.microsoft.com/office/drawing/2010/main" xmlns:p14="http://schemas.microsoft.com/office/powerpoint/2010/main" w="9525">
+                <a14:hiddenLine xmlns:p14="http://schemas.microsoft.com/office/powerpoint/2010/main" xmlns:a14="http://schemas.microsoft.com/office/drawing/2010/main" xmlns:a16="http://schemas.microsoft.com/office/drawing/2014/main" xmlns="" w="9525">
                   <a:solidFill>
                     <a:srgbClr val="000000"/>
                   </a:solidFill>
@@ -25383,7 +25691,7 @@
             </a:ln>
             <a:extLst>
               <a:ext uri="{91240B29-F687-4f45-9708-019B960494DF}">
-                <a14:hiddenLine xmlns="" xmlns:a16="http://schemas.microsoft.com/office/drawing/2014/main" xmlns:a14="http://schemas.microsoft.com/office/drawing/2010/main" xmlns:p14="http://schemas.microsoft.com/office/powerpoint/2010/main" w="9525">
+                <a14:hiddenLine xmlns:p14="http://schemas.microsoft.com/office/powerpoint/2010/main" xmlns:a14="http://schemas.microsoft.com/office/drawing/2010/main" xmlns:a16="http://schemas.microsoft.com/office/drawing/2014/main" xmlns="" w="9525">
                   <a:solidFill>
                     <a:srgbClr val="000000"/>
                   </a:solidFill>
@@ -25488,7 +25796,7 @@
             </a:ln>
             <a:extLst>
               <a:ext uri="{91240B29-F687-4f45-9708-019B960494DF}">
-                <a14:hiddenLine xmlns="" xmlns:a16="http://schemas.microsoft.com/office/drawing/2014/main" xmlns:a14="http://schemas.microsoft.com/office/drawing/2010/main" xmlns:p14="http://schemas.microsoft.com/office/powerpoint/2010/main" w="9525">
+                <a14:hiddenLine xmlns:p14="http://schemas.microsoft.com/office/powerpoint/2010/main" xmlns:a14="http://schemas.microsoft.com/office/drawing/2010/main" xmlns:a16="http://schemas.microsoft.com/office/drawing/2014/main" xmlns="" w="9525">
                   <a:solidFill>
                     <a:srgbClr val="000000"/>
                   </a:solidFill>
@@ -25565,7 +25873,7 @@
             </a:ln>
             <a:extLst>
               <a:ext uri="{91240B29-F687-4f45-9708-019B960494DF}">
-                <a14:hiddenLine xmlns="" xmlns:a16="http://schemas.microsoft.com/office/drawing/2014/main" xmlns:a14="http://schemas.microsoft.com/office/drawing/2010/main" xmlns:p14="http://schemas.microsoft.com/office/powerpoint/2010/main" w="9525">
+                <a14:hiddenLine xmlns:p14="http://schemas.microsoft.com/office/powerpoint/2010/main" xmlns:a14="http://schemas.microsoft.com/office/drawing/2010/main" xmlns:a16="http://schemas.microsoft.com/office/drawing/2014/main" xmlns="" w="9525">
                   <a:solidFill>
                     <a:srgbClr val="000000"/>
                   </a:solidFill>
@@ -25670,7 +25978,7 @@
             </a:ln>
             <a:extLst>
               <a:ext uri="{91240B29-F687-4f45-9708-019B960494DF}">
-                <a14:hiddenLine xmlns="" xmlns:a16="http://schemas.microsoft.com/office/drawing/2014/main" xmlns:a14="http://schemas.microsoft.com/office/drawing/2010/main" xmlns:p14="http://schemas.microsoft.com/office/powerpoint/2010/main" w="9525">
+                <a14:hiddenLine xmlns:p14="http://schemas.microsoft.com/office/powerpoint/2010/main" xmlns:a14="http://schemas.microsoft.com/office/drawing/2010/main" xmlns:a16="http://schemas.microsoft.com/office/drawing/2014/main" xmlns="" w="9525">
                   <a:solidFill>
                     <a:srgbClr val="000000"/>
                   </a:solidFill>
@@ -25775,7 +26083,7 @@
             </a:ln>
             <a:extLst>
               <a:ext uri="{91240B29-F687-4f45-9708-019B960494DF}">
-                <a14:hiddenLine xmlns="" xmlns:a16="http://schemas.microsoft.com/office/drawing/2014/main" xmlns:a14="http://schemas.microsoft.com/office/drawing/2010/main" xmlns:p14="http://schemas.microsoft.com/office/powerpoint/2010/main" w="9525">
+                <a14:hiddenLine xmlns:p14="http://schemas.microsoft.com/office/powerpoint/2010/main" xmlns:a14="http://schemas.microsoft.com/office/drawing/2010/main" xmlns:a16="http://schemas.microsoft.com/office/drawing/2014/main" xmlns="" w="9525">
                   <a:solidFill>
                     <a:srgbClr val="000000"/>
                   </a:solidFill>
@@ -25846,7 +26154,7 @@
             </a:ln>
             <a:extLst>
               <a:ext uri="{91240B29-F687-4f45-9708-019B960494DF}">
-                <a14:hiddenLine xmlns="" xmlns:a16="http://schemas.microsoft.com/office/drawing/2014/main" xmlns:a14="http://schemas.microsoft.com/office/drawing/2010/main" xmlns:p14="http://schemas.microsoft.com/office/powerpoint/2010/main" w="9525">
+                <a14:hiddenLine xmlns:p14="http://schemas.microsoft.com/office/powerpoint/2010/main" xmlns:a14="http://schemas.microsoft.com/office/drawing/2010/main" xmlns:a16="http://schemas.microsoft.com/office/drawing/2014/main" xmlns="" w="9525">
                   <a:solidFill>
                     <a:srgbClr val="000000"/>
                   </a:solidFill>
@@ -25951,7 +26259,7 @@
             </a:ln>
             <a:extLst>
               <a:ext uri="{91240B29-F687-4f45-9708-019B960494DF}">
-                <a14:hiddenLine xmlns="" xmlns:a16="http://schemas.microsoft.com/office/drawing/2014/main" xmlns:a14="http://schemas.microsoft.com/office/drawing/2010/main" xmlns:p14="http://schemas.microsoft.com/office/powerpoint/2010/main" w="9525">
+                <a14:hiddenLine xmlns:p14="http://schemas.microsoft.com/office/powerpoint/2010/main" xmlns:a14="http://schemas.microsoft.com/office/drawing/2010/main" xmlns:a16="http://schemas.microsoft.com/office/drawing/2014/main" xmlns="" w="9525">
                   <a:solidFill>
                     <a:srgbClr val="000000"/>
                   </a:solidFill>
@@ -26022,7 +26330,7 @@
             </a:ln>
             <a:extLst>
               <a:ext uri="{91240B29-F687-4f45-9708-019B960494DF}">
-                <a14:hiddenLine xmlns="" xmlns:a16="http://schemas.microsoft.com/office/drawing/2014/main" xmlns:a14="http://schemas.microsoft.com/office/drawing/2010/main" xmlns:p14="http://schemas.microsoft.com/office/powerpoint/2010/main" w="9525">
+                <a14:hiddenLine xmlns:p14="http://schemas.microsoft.com/office/powerpoint/2010/main" xmlns:a14="http://schemas.microsoft.com/office/drawing/2010/main" xmlns:a16="http://schemas.microsoft.com/office/drawing/2014/main" xmlns="" w="9525">
                   <a:solidFill>
                     <a:srgbClr val="000000"/>
                   </a:solidFill>
@@ -26127,7 +26435,7 @@
             </a:ln>
             <a:extLst>
               <a:ext uri="{91240B29-F687-4f45-9708-019B960494DF}">
-                <a14:hiddenLine xmlns="" xmlns:a16="http://schemas.microsoft.com/office/drawing/2014/main" xmlns:a14="http://schemas.microsoft.com/office/drawing/2010/main" xmlns:p14="http://schemas.microsoft.com/office/powerpoint/2010/main" w="9525">
+                <a14:hiddenLine xmlns:p14="http://schemas.microsoft.com/office/powerpoint/2010/main" xmlns:a14="http://schemas.microsoft.com/office/drawing/2010/main" xmlns:a16="http://schemas.microsoft.com/office/drawing/2014/main" xmlns="" w="9525">
                   <a:solidFill>
                     <a:srgbClr val="000000"/>
                   </a:solidFill>
@@ -26210,7 +26518,7 @@
             </a:ln>
             <a:extLst>
               <a:ext uri="{91240B29-F687-4f45-9708-019B960494DF}">
-                <a14:hiddenLine xmlns="" xmlns:a16="http://schemas.microsoft.com/office/drawing/2014/main" xmlns:a14="http://schemas.microsoft.com/office/drawing/2010/main" xmlns:p14="http://schemas.microsoft.com/office/powerpoint/2010/main" w="9525">
+                <a14:hiddenLine xmlns:p14="http://schemas.microsoft.com/office/powerpoint/2010/main" xmlns:a14="http://schemas.microsoft.com/office/drawing/2010/main" xmlns:a16="http://schemas.microsoft.com/office/drawing/2014/main" xmlns="" w="9525">
                   <a:solidFill>
                     <a:srgbClr val="000000"/>
                   </a:solidFill>
@@ -26315,7 +26623,7 @@
             </a:ln>
             <a:extLst>
               <a:ext uri="{91240B29-F687-4f45-9708-019B960494DF}">
-                <a14:hiddenLine xmlns="" xmlns:a16="http://schemas.microsoft.com/office/drawing/2014/main" xmlns:a14="http://schemas.microsoft.com/office/drawing/2010/main" xmlns:p14="http://schemas.microsoft.com/office/powerpoint/2010/main" w="9525">
+                <a14:hiddenLine xmlns:p14="http://schemas.microsoft.com/office/powerpoint/2010/main" xmlns:a14="http://schemas.microsoft.com/office/drawing/2010/main" xmlns:a16="http://schemas.microsoft.com/office/drawing/2014/main" xmlns="" w="9525">
                   <a:solidFill>
                     <a:srgbClr val="000000"/>
                   </a:solidFill>
@@ -26398,7 +26706,7 @@
             </a:ln>
             <a:extLst>
               <a:ext uri="{91240B29-F687-4f45-9708-019B960494DF}">
-                <a14:hiddenLine xmlns="" xmlns:a16="http://schemas.microsoft.com/office/drawing/2014/main" xmlns:a14="http://schemas.microsoft.com/office/drawing/2010/main" xmlns:p14="http://schemas.microsoft.com/office/powerpoint/2010/main" w="9525">
+                <a14:hiddenLine xmlns:p14="http://schemas.microsoft.com/office/powerpoint/2010/main" xmlns:a14="http://schemas.microsoft.com/office/drawing/2010/main" xmlns:a16="http://schemas.microsoft.com/office/drawing/2014/main" xmlns="" w="9525">
                   <a:solidFill>
                     <a:srgbClr val="000000"/>
                   </a:solidFill>
@@ -26503,7 +26811,7 @@
             </a:ln>
             <a:extLst>
               <a:ext uri="{91240B29-F687-4f45-9708-019B960494DF}">
-                <a14:hiddenLine xmlns="" xmlns:a16="http://schemas.microsoft.com/office/drawing/2014/main" xmlns:a14="http://schemas.microsoft.com/office/drawing/2010/main" xmlns:p14="http://schemas.microsoft.com/office/powerpoint/2010/main" w="9525">
+                <a14:hiddenLine xmlns:p14="http://schemas.microsoft.com/office/powerpoint/2010/main" xmlns:a14="http://schemas.microsoft.com/office/drawing/2010/main" xmlns:a16="http://schemas.microsoft.com/office/drawing/2014/main" xmlns="" w="9525">
                   <a:solidFill>
                     <a:srgbClr val="000000"/>
                   </a:solidFill>
@@ -26552,7 +26860,7 @@
             </a:ln>
             <a:extLst>
               <a:ext uri="{91240B29-F687-4f45-9708-019B960494DF}">
-                <a14:hiddenLine xmlns="" xmlns:a16="http://schemas.microsoft.com/office/drawing/2014/main" xmlns:a14="http://schemas.microsoft.com/office/drawing/2010/main" xmlns:p14="http://schemas.microsoft.com/office/powerpoint/2010/main" w="9525">
+                <a14:hiddenLine xmlns:p14="http://schemas.microsoft.com/office/powerpoint/2010/main" xmlns:a14="http://schemas.microsoft.com/office/drawing/2010/main" xmlns:a16="http://schemas.microsoft.com/office/drawing/2014/main" xmlns="" w="9525">
                   <a:solidFill>
                     <a:srgbClr val="000000"/>
                   </a:solidFill>
@@ -26657,7 +26965,7 @@
             </a:ln>
             <a:extLst>
               <a:ext uri="{91240B29-F687-4f45-9708-019B960494DF}">
-                <a14:hiddenLine xmlns="" xmlns:a16="http://schemas.microsoft.com/office/drawing/2014/main" xmlns:a14="http://schemas.microsoft.com/office/drawing/2010/main" xmlns:p14="http://schemas.microsoft.com/office/powerpoint/2010/main" w="9525">
+                <a14:hiddenLine xmlns:p14="http://schemas.microsoft.com/office/powerpoint/2010/main" xmlns:a14="http://schemas.microsoft.com/office/drawing/2010/main" xmlns:a16="http://schemas.microsoft.com/office/drawing/2014/main" xmlns="" w="9525">
                   <a:solidFill>
                     <a:srgbClr val="000000"/>
                   </a:solidFill>
@@ -26734,7 +27042,7 @@
             </a:ln>
             <a:extLst>
               <a:ext uri="{91240B29-F687-4f45-9708-019B960494DF}">
-                <a14:hiddenLine xmlns="" xmlns:a16="http://schemas.microsoft.com/office/drawing/2014/main" xmlns:a14="http://schemas.microsoft.com/office/drawing/2010/main" xmlns:p14="http://schemas.microsoft.com/office/powerpoint/2010/main" w="9525">
+                <a14:hiddenLine xmlns:p14="http://schemas.microsoft.com/office/powerpoint/2010/main" xmlns:a14="http://schemas.microsoft.com/office/drawing/2010/main" xmlns:a16="http://schemas.microsoft.com/office/drawing/2014/main" xmlns="" w="9525">
                   <a:solidFill>
                     <a:srgbClr val="000000"/>
                   </a:solidFill>
@@ -26811,7 +27119,7 @@
             </a:ln>
             <a:extLst>
               <a:ext uri="{91240B29-F687-4f45-9708-019B960494DF}">
-                <a14:hiddenLine xmlns="" xmlns:a16="http://schemas.microsoft.com/office/drawing/2014/main" xmlns:a14="http://schemas.microsoft.com/office/drawing/2010/main" xmlns:p14="http://schemas.microsoft.com/office/powerpoint/2010/main" w="9525">
+                <a14:hiddenLine xmlns:p14="http://schemas.microsoft.com/office/powerpoint/2010/main" xmlns:a14="http://schemas.microsoft.com/office/drawing/2010/main" xmlns:a16="http://schemas.microsoft.com/office/drawing/2014/main" xmlns="" w="9525">
                   <a:solidFill>
                     <a:srgbClr val="000000"/>
                   </a:solidFill>
@@ -26916,7 +27224,7 @@
             </a:ln>
             <a:extLst>
               <a:ext uri="{91240B29-F687-4f45-9708-019B960494DF}">
-                <a14:hiddenLine xmlns="" xmlns:a16="http://schemas.microsoft.com/office/drawing/2014/main" xmlns:a14="http://schemas.microsoft.com/office/drawing/2010/main" xmlns:p14="http://schemas.microsoft.com/office/powerpoint/2010/main" w="9525">
+                <a14:hiddenLine xmlns:p14="http://schemas.microsoft.com/office/powerpoint/2010/main" xmlns:a14="http://schemas.microsoft.com/office/drawing/2010/main" xmlns:a16="http://schemas.microsoft.com/office/drawing/2014/main" xmlns="" w="9525">
                   <a:solidFill>
                     <a:srgbClr val="000000"/>
                   </a:solidFill>
@@ -26999,7 +27307,7 @@
             </a:ln>
             <a:extLst>
               <a:ext uri="{91240B29-F687-4f45-9708-019B960494DF}">
-                <a14:hiddenLine xmlns="" xmlns:a16="http://schemas.microsoft.com/office/drawing/2014/main" xmlns:a14="http://schemas.microsoft.com/office/drawing/2010/main" xmlns:p14="http://schemas.microsoft.com/office/powerpoint/2010/main" w="9525">
+                <a14:hiddenLine xmlns:p14="http://schemas.microsoft.com/office/powerpoint/2010/main" xmlns:a14="http://schemas.microsoft.com/office/drawing/2010/main" xmlns:a16="http://schemas.microsoft.com/office/drawing/2014/main" xmlns="" w="9525">
                   <a:solidFill>
                     <a:srgbClr val="000000"/>
                   </a:solidFill>
@@ -27076,7 +27384,7 @@
             </a:ln>
             <a:extLst>
               <a:ext uri="{91240B29-F687-4f45-9708-019B960494DF}">
-                <a14:hiddenLine xmlns="" xmlns:a16="http://schemas.microsoft.com/office/drawing/2014/main" xmlns:a14="http://schemas.microsoft.com/office/drawing/2010/main" xmlns:p14="http://schemas.microsoft.com/office/powerpoint/2010/main" w="9525">
+                <a14:hiddenLine xmlns:p14="http://schemas.microsoft.com/office/powerpoint/2010/main" xmlns:a14="http://schemas.microsoft.com/office/drawing/2010/main" xmlns:a16="http://schemas.microsoft.com/office/drawing/2014/main" xmlns="" w="9525">
                   <a:solidFill>
                     <a:srgbClr val="000000"/>
                   </a:solidFill>
@@ -27181,7 +27489,7 @@
             </a:ln>
             <a:extLst>
               <a:ext uri="{91240B29-F687-4f45-9708-019B960494DF}">
-                <a14:hiddenLine xmlns="" xmlns:a16="http://schemas.microsoft.com/office/drawing/2014/main" xmlns:a14="http://schemas.microsoft.com/office/drawing/2010/main" xmlns:p14="http://schemas.microsoft.com/office/powerpoint/2010/main" w="9525">
+                <a14:hiddenLine xmlns:p14="http://schemas.microsoft.com/office/powerpoint/2010/main" xmlns:a14="http://schemas.microsoft.com/office/drawing/2010/main" xmlns:a16="http://schemas.microsoft.com/office/drawing/2014/main" xmlns="" w="9525">
                   <a:solidFill>
                     <a:srgbClr val="000000"/>
                   </a:solidFill>
@@ -27258,7 +27566,7 @@
             </a:ln>
             <a:extLst>
               <a:ext uri="{91240B29-F687-4f45-9708-019B960494DF}">
-                <a14:hiddenLine xmlns="" xmlns:a16="http://schemas.microsoft.com/office/drawing/2014/main" xmlns:a14="http://schemas.microsoft.com/office/drawing/2010/main" xmlns:p14="http://schemas.microsoft.com/office/powerpoint/2010/main" w="9525">
+                <a14:hiddenLine xmlns:p14="http://schemas.microsoft.com/office/powerpoint/2010/main" xmlns:a14="http://schemas.microsoft.com/office/drawing/2010/main" xmlns:a16="http://schemas.microsoft.com/office/drawing/2014/main" xmlns="" w="9525">
                   <a:solidFill>
                     <a:srgbClr val="000000"/>
                   </a:solidFill>
@@ -27363,7 +27671,7 @@
             </a:ln>
             <a:extLst>
               <a:ext uri="{91240B29-F687-4f45-9708-019B960494DF}">
-                <a14:hiddenLine xmlns="" xmlns:a16="http://schemas.microsoft.com/office/drawing/2014/main" xmlns:a14="http://schemas.microsoft.com/office/drawing/2010/main" xmlns:p14="http://schemas.microsoft.com/office/powerpoint/2010/main" w="9525">
+                <a14:hiddenLine xmlns:p14="http://schemas.microsoft.com/office/powerpoint/2010/main" xmlns:a14="http://schemas.microsoft.com/office/drawing/2010/main" xmlns:a16="http://schemas.microsoft.com/office/drawing/2014/main" xmlns="" w="9525">
                   <a:solidFill>
                     <a:srgbClr val="000000"/>
                   </a:solidFill>
@@ -27440,7 +27748,7 @@
             </a:ln>
             <a:extLst>
               <a:ext uri="{91240B29-F687-4f45-9708-019B960494DF}">
-                <a14:hiddenLine xmlns="" xmlns:a16="http://schemas.microsoft.com/office/drawing/2014/main" xmlns:a14="http://schemas.microsoft.com/office/drawing/2010/main" xmlns:p14="http://schemas.microsoft.com/office/powerpoint/2010/main" w="9525">
+                <a14:hiddenLine xmlns:p14="http://schemas.microsoft.com/office/powerpoint/2010/main" xmlns:a14="http://schemas.microsoft.com/office/drawing/2010/main" xmlns:a16="http://schemas.microsoft.com/office/drawing/2014/main" xmlns="" w="9525">
                   <a:solidFill>
                     <a:srgbClr val="000000"/>
                   </a:solidFill>
@@ -27545,7 +27853,7 @@
             </a:ln>
             <a:extLst>
               <a:ext uri="{91240B29-F687-4f45-9708-019B960494DF}">
-                <a14:hiddenLine xmlns="" xmlns:a16="http://schemas.microsoft.com/office/drawing/2014/main" xmlns:a14="http://schemas.microsoft.com/office/drawing/2010/main" xmlns:p14="http://schemas.microsoft.com/office/powerpoint/2010/main" w="9525">
+                <a14:hiddenLine xmlns:p14="http://schemas.microsoft.com/office/powerpoint/2010/main" xmlns:a14="http://schemas.microsoft.com/office/drawing/2010/main" xmlns:a16="http://schemas.microsoft.com/office/drawing/2014/main" xmlns="" w="9525">
                   <a:solidFill>
                     <a:srgbClr val="000000"/>
                   </a:solidFill>
@@ -27594,7 +27902,7 @@
             </a:ln>
             <a:extLst>
               <a:ext uri="{91240B29-F687-4f45-9708-019B960494DF}">
-                <a14:hiddenLine xmlns="" xmlns:a16="http://schemas.microsoft.com/office/drawing/2014/main" xmlns:a14="http://schemas.microsoft.com/office/drawing/2010/main" xmlns:p14="http://schemas.microsoft.com/office/powerpoint/2010/main" w="9525">
+                <a14:hiddenLine xmlns:p14="http://schemas.microsoft.com/office/powerpoint/2010/main" xmlns:a14="http://schemas.microsoft.com/office/drawing/2010/main" xmlns:a16="http://schemas.microsoft.com/office/drawing/2014/main" xmlns="" w="9525">
                   <a:solidFill>
                     <a:srgbClr val="000000"/>
                   </a:solidFill>
@@ -27674,7 +27982,7 @@
             </a:ln>
             <a:extLst>
               <a:ext uri="{91240B29-F687-4f45-9708-019B960494DF}">
-                <a14:hiddenLine xmlns="" xmlns:a16="http://schemas.microsoft.com/office/drawing/2014/main" xmlns:a14="http://schemas.microsoft.com/office/drawing/2010/main" xmlns:p14="http://schemas.microsoft.com/office/powerpoint/2010/main" w="9525">
+                <a14:hiddenLine xmlns:p14="http://schemas.microsoft.com/office/powerpoint/2010/main" xmlns:a14="http://schemas.microsoft.com/office/drawing/2010/main" xmlns:a16="http://schemas.microsoft.com/office/drawing/2014/main" xmlns="" w="9525">
                   <a:solidFill>
                     <a:srgbClr val="000000"/>
                   </a:solidFill>
@@ -27779,7 +28087,7 @@
             </a:ln>
             <a:extLst>
               <a:ext uri="{91240B29-F687-4f45-9708-019B960494DF}">
-                <a14:hiddenLine xmlns="" xmlns:a16="http://schemas.microsoft.com/office/drawing/2014/main" xmlns:a14="http://schemas.microsoft.com/office/drawing/2010/main" xmlns:p14="http://schemas.microsoft.com/office/powerpoint/2010/main" w="9525">
+                <a14:hiddenLine xmlns:p14="http://schemas.microsoft.com/office/powerpoint/2010/main" xmlns:a14="http://schemas.microsoft.com/office/drawing/2010/main" xmlns:a16="http://schemas.microsoft.com/office/drawing/2014/main" xmlns="" w="9525">
                   <a:solidFill>
                     <a:srgbClr val="000000"/>
                   </a:solidFill>
@@ -27856,7 +28164,7 @@
             </a:ln>
             <a:extLst>
               <a:ext uri="{91240B29-F687-4f45-9708-019B960494DF}">
-                <a14:hiddenLine xmlns="" xmlns:a16="http://schemas.microsoft.com/office/drawing/2014/main" xmlns:a14="http://schemas.microsoft.com/office/drawing/2010/main" xmlns:p14="http://schemas.microsoft.com/office/powerpoint/2010/main" w="9525">
+                <a14:hiddenLine xmlns:p14="http://schemas.microsoft.com/office/powerpoint/2010/main" xmlns:a14="http://schemas.microsoft.com/office/drawing/2010/main" xmlns:a16="http://schemas.microsoft.com/office/drawing/2014/main" xmlns="" w="9525">
                   <a:solidFill>
                     <a:srgbClr val="000000"/>
                   </a:solidFill>
@@ -27961,7 +28269,7 @@
             </a:ln>
             <a:extLst>
               <a:ext uri="{91240B29-F687-4f45-9708-019B960494DF}">
-                <a14:hiddenLine xmlns="" xmlns:a16="http://schemas.microsoft.com/office/drawing/2014/main" xmlns:a14="http://schemas.microsoft.com/office/drawing/2010/main" xmlns:p14="http://schemas.microsoft.com/office/powerpoint/2010/main" w="9525">
+                <a14:hiddenLine xmlns:p14="http://schemas.microsoft.com/office/powerpoint/2010/main" xmlns:a14="http://schemas.microsoft.com/office/drawing/2010/main" xmlns:a16="http://schemas.microsoft.com/office/drawing/2014/main" xmlns="" w="9525">
                   <a:solidFill>
                     <a:srgbClr val="000000"/>
                   </a:solidFill>
@@ -28066,7 +28374,7 @@
             </a:ln>
             <a:extLst>
               <a:ext uri="{91240B29-F687-4f45-9708-019B960494DF}">
-                <a14:hiddenLine xmlns="" xmlns:a16="http://schemas.microsoft.com/office/drawing/2014/main" xmlns:a14="http://schemas.microsoft.com/office/drawing/2010/main" xmlns:p14="http://schemas.microsoft.com/office/powerpoint/2010/main" w="9525">
+                <a14:hiddenLine xmlns:p14="http://schemas.microsoft.com/office/powerpoint/2010/main" xmlns:a14="http://schemas.microsoft.com/office/drawing/2010/main" xmlns:a16="http://schemas.microsoft.com/office/drawing/2014/main" xmlns="" w="9525">
                   <a:solidFill>
                     <a:srgbClr val="000000"/>
                   </a:solidFill>
@@ -28146,7 +28454,7 @@
             </a:ln>
             <a:extLst>
               <a:ext uri="{91240B29-F687-4f45-9708-019B960494DF}">
-                <a14:hiddenLine xmlns="" xmlns:a16="http://schemas.microsoft.com/office/drawing/2014/main" xmlns:a14="http://schemas.microsoft.com/office/drawing/2010/main" xmlns:p14="http://schemas.microsoft.com/office/powerpoint/2010/main" w="9525">
+                <a14:hiddenLine xmlns:p14="http://schemas.microsoft.com/office/powerpoint/2010/main" xmlns:a14="http://schemas.microsoft.com/office/drawing/2010/main" xmlns:a16="http://schemas.microsoft.com/office/drawing/2014/main" xmlns="" w="9525">
                   <a:solidFill>
                     <a:srgbClr val="000000"/>
                   </a:solidFill>
@@ -28223,7 +28531,7 @@
             </a:ln>
             <a:extLst>
               <a:ext uri="{91240B29-F687-4f45-9708-019B960494DF}">
-                <a14:hiddenLine xmlns="" xmlns:a16="http://schemas.microsoft.com/office/drawing/2014/main" xmlns:a14="http://schemas.microsoft.com/office/drawing/2010/main" xmlns:p14="http://schemas.microsoft.com/office/powerpoint/2010/main" w="9525">
+                <a14:hiddenLine xmlns:p14="http://schemas.microsoft.com/office/powerpoint/2010/main" xmlns:a14="http://schemas.microsoft.com/office/drawing/2010/main" xmlns:a16="http://schemas.microsoft.com/office/drawing/2014/main" xmlns="" w="9525">
                   <a:solidFill>
                     <a:srgbClr val="000000"/>
                   </a:solidFill>
@@ -28328,7 +28636,7 @@
             </a:ln>
             <a:extLst>
               <a:ext uri="{91240B29-F687-4f45-9708-019B960494DF}">
-                <a14:hiddenLine xmlns="" xmlns:a16="http://schemas.microsoft.com/office/drawing/2014/main" xmlns:a14="http://schemas.microsoft.com/office/drawing/2010/main" xmlns:p14="http://schemas.microsoft.com/office/powerpoint/2010/main" w="9525">
+                <a14:hiddenLine xmlns:p14="http://schemas.microsoft.com/office/powerpoint/2010/main" xmlns:a14="http://schemas.microsoft.com/office/drawing/2010/main" xmlns:a16="http://schemas.microsoft.com/office/drawing/2014/main" xmlns="" w="9525">
                   <a:solidFill>
                     <a:srgbClr val="000000"/>
                   </a:solidFill>
@@ -28433,7 +28741,7 @@
             </a:ln>
             <a:extLst>
               <a:ext uri="{91240B29-F687-4f45-9708-019B960494DF}">
-                <a14:hiddenLine xmlns="" xmlns:a16="http://schemas.microsoft.com/office/drawing/2014/main" xmlns:a14="http://schemas.microsoft.com/office/drawing/2010/main" xmlns:p14="http://schemas.microsoft.com/office/powerpoint/2010/main" w="9525">
+                <a14:hiddenLine xmlns:p14="http://schemas.microsoft.com/office/powerpoint/2010/main" xmlns:a14="http://schemas.microsoft.com/office/drawing/2010/main" xmlns:a16="http://schemas.microsoft.com/office/drawing/2014/main" xmlns="" w="9525">
                   <a:solidFill>
                     <a:srgbClr val="000000"/>
                   </a:solidFill>
@@ -28510,7 +28818,7 @@
             </a:ln>
             <a:extLst>
               <a:ext uri="{91240B29-F687-4f45-9708-019B960494DF}">
-                <a14:hiddenLine xmlns="" xmlns:a16="http://schemas.microsoft.com/office/drawing/2014/main" xmlns:a14="http://schemas.microsoft.com/office/drawing/2010/main" xmlns:p14="http://schemas.microsoft.com/office/powerpoint/2010/main" w="9525">
+                <a14:hiddenLine xmlns:p14="http://schemas.microsoft.com/office/powerpoint/2010/main" xmlns:a14="http://schemas.microsoft.com/office/drawing/2010/main" xmlns:a16="http://schemas.microsoft.com/office/drawing/2014/main" xmlns="" w="9525">
                   <a:solidFill>
                     <a:srgbClr val="000000"/>
                   </a:solidFill>
@@ -28645,7 +28953,7 @@
             </a:ln>
             <a:extLst>
               <a:ext uri="{91240B29-F687-4f45-9708-019B960494DF}">
-                <a14:hiddenLine xmlns="" xmlns:a16="http://schemas.microsoft.com/office/drawing/2014/main" xmlns:a14="http://schemas.microsoft.com/office/drawing/2010/main" xmlns:p14="http://schemas.microsoft.com/office/powerpoint/2010/main" w="9525">
+                <a14:hiddenLine xmlns:p14="http://schemas.microsoft.com/office/powerpoint/2010/main" xmlns:a14="http://schemas.microsoft.com/office/drawing/2010/main" xmlns:a16="http://schemas.microsoft.com/office/drawing/2014/main" xmlns="" w="9525">
                   <a:solidFill>
                     <a:srgbClr val="000000"/>
                   </a:solidFill>
@@ -28728,7 +29036,7 @@
             </a:ln>
             <a:extLst>
               <a:ext uri="{91240B29-F687-4f45-9708-019B960494DF}">
-                <a14:hiddenLine xmlns="" xmlns:a16="http://schemas.microsoft.com/office/drawing/2014/main" xmlns:a14="http://schemas.microsoft.com/office/drawing/2010/main" xmlns:p14="http://schemas.microsoft.com/office/powerpoint/2010/main" w="9525">
+                <a14:hiddenLine xmlns:p14="http://schemas.microsoft.com/office/powerpoint/2010/main" xmlns:a14="http://schemas.microsoft.com/office/drawing/2010/main" xmlns:a16="http://schemas.microsoft.com/office/drawing/2014/main" xmlns="" w="9525">
                   <a:solidFill>
                     <a:srgbClr val="000000"/>
                   </a:solidFill>
@@ -28833,7 +29141,7 @@
             </a:ln>
             <a:extLst>
               <a:ext uri="{91240B29-F687-4f45-9708-019B960494DF}">
-                <a14:hiddenLine xmlns="" xmlns:a16="http://schemas.microsoft.com/office/drawing/2014/main" xmlns:a14="http://schemas.microsoft.com/office/drawing/2010/main" xmlns:p14="http://schemas.microsoft.com/office/powerpoint/2010/main" w="9525">
+                <a14:hiddenLine xmlns:p14="http://schemas.microsoft.com/office/powerpoint/2010/main" xmlns:a14="http://schemas.microsoft.com/office/drawing/2010/main" xmlns:a16="http://schemas.microsoft.com/office/drawing/2014/main" xmlns="" w="9525">
                   <a:solidFill>
                     <a:srgbClr val="000000"/>
                   </a:solidFill>
@@ -30304,7 +30612,7 @@
             <a:noFill/>
             <a:extLst>
               <a:ext uri="{909E8E84-426E-40dd-AFC4-6F175D3DCCD1}">
-                <a14:hiddenFill xmlns:a14="http://schemas.microsoft.com/office/drawing/2010/main" xmlns:p14="http://schemas.microsoft.com/office/powerpoint/2010/main" xmlns:a16="http://schemas.microsoft.com/office/drawing/2014/main" xmlns="">
+                <a14:hiddenFill xmlns="" xmlns:a16="http://schemas.microsoft.com/office/drawing/2014/main" xmlns:p14="http://schemas.microsoft.com/office/powerpoint/2010/main" xmlns:a14="http://schemas.microsoft.com/office/drawing/2010/main">
                   <a:solidFill>
                     <a:srgbClr val="FFFFFF"/>
                   </a:solidFill>
@@ -30362,7 +30670,7 @@
           <a:noFill/>
           <a:extLst>
             <a:ext uri="{909E8E84-426E-40dd-AFC4-6F175D3DCCD1}">
-              <a14:hiddenFill xmlns:a14="http://schemas.microsoft.com/office/drawing/2010/main" xmlns:p14="http://schemas.microsoft.com/office/powerpoint/2010/main" xmlns:a16="http://schemas.microsoft.com/office/drawing/2014/main" xmlns="">
+              <a14:hiddenFill xmlns="" xmlns:a16="http://schemas.microsoft.com/office/drawing/2014/main" xmlns:p14="http://schemas.microsoft.com/office/powerpoint/2010/main" xmlns:a14="http://schemas.microsoft.com/office/drawing/2010/main">
                 <a:solidFill>
                   <a:srgbClr val="FFFFFF"/>
                 </a:solidFill>
@@ -30522,7 +30830,7 @@
           <a:noFill/>
           <a:extLst>
             <a:ext uri="{909E8E84-426E-40dd-AFC4-6F175D3DCCD1}">
-              <a14:hiddenFill xmlns:a14="http://schemas.microsoft.com/office/drawing/2010/main" xmlns:p14="http://schemas.microsoft.com/office/powerpoint/2010/main" xmlns:a16="http://schemas.microsoft.com/office/drawing/2014/main" xmlns="">
+              <a14:hiddenFill xmlns="" xmlns:a16="http://schemas.microsoft.com/office/drawing/2014/main" xmlns:p14="http://schemas.microsoft.com/office/powerpoint/2010/main" xmlns:a14="http://schemas.microsoft.com/office/drawing/2010/main">
                 <a:solidFill>
                   <a:srgbClr val="FFFFFF"/>
                 </a:solidFill>
@@ -30643,7 +30951,7 @@
               </a:ln>
               <a:extLst>
                 <a:ext uri="{91240B29-F687-4f45-9708-019B960494DF}">
-                  <a14:hiddenLine xmlns:a14="http://schemas.microsoft.com/office/drawing/2010/main" xmlns:p14="http://schemas.microsoft.com/office/powerpoint/2010/main" xmlns:a16="http://schemas.microsoft.com/office/drawing/2014/main" xmlns="" w="9525">
+                  <a14:hiddenLine xmlns="" xmlns:a16="http://schemas.microsoft.com/office/drawing/2014/main" xmlns:p14="http://schemas.microsoft.com/office/powerpoint/2010/main" xmlns:a14="http://schemas.microsoft.com/office/drawing/2010/main" w="9525">
                     <a:solidFill>
                       <a:srgbClr val="000000"/>
                     </a:solidFill>
@@ -30748,7 +31056,7 @@
               </a:ln>
               <a:extLst>
                 <a:ext uri="{91240B29-F687-4f45-9708-019B960494DF}">
-                  <a14:hiddenLine xmlns:a14="http://schemas.microsoft.com/office/drawing/2010/main" xmlns:p14="http://schemas.microsoft.com/office/powerpoint/2010/main" xmlns:a16="http://schemas.microsoft.com/office/drawing/2014/main" xmlns="" w="9525">
+                  <a14:hiddenLine xmlns="" xmlns:a16="http://schemas.microsoft.com/office/drawing/2014/main" xmlns:p14="http://schemas.microsoft.com/office/powerpoint/2010/main" xmlns:a14="http://schemas.microsoft.com/office/drawing/2010/main" w="9525">
                     <a:solidFill>
                       <a:srgbClr val="000000"/>
                     </a:solidFill>
@@ -30853,7 +31161,7 @@
               </a:ln>
               <a:extLst>
                 <a:ext uri="{91240B29-F687-4f45-9708-019B960494DF}">
-                  <a14:hiddenLine xmlns:a14="http://schemas.microsoft.com/office/drawing/2010/main" xmlns:p14="http://schemas.microsoft.com/office/powerpoint/2010/main" xmlns:a16="http://schemas.microsoft.com/office/drawing/2014/main" xmlns="" w="9525">
+                  <a14:hiddenLine xmlns="" xmlns:a16="http://schemas.microsoft.com/office/drawing/2014/main" xmlns:p14="http://schemas.microsoft.com/office/powerpoint/2010/main" xmlns:a14="http://schemas.microsoft.com/office/drawing/2010/main" w="9525">
                     <a:solidFill>
                       <a:srgbClr val="000000"/>
                     </a:solidFill>
@@ -30930,7 +31238,7 @@
               </a:ln>
               <a:extLst>
                 <a:ext uri="{91240B29-F687-4f45-9708-019B960494DF}">
-                  <a14:hiddenLine xmlns:a14="http://schemas.microsoft.com/office/drawing/2010/main" xmlns:p14="http://schemas.microsoft.com/office/powerpoint/2010/main" xmlns:a16="http://schemas.microsoft.com/office/drawing/2014/main" xmlns="" w="9525">
+                  <a14:hiddenLine xmlns="" xmlns:a16="http://schemas.microsoft.com/office/drawing/2014/main" xmlns:p14="http://schemas.microsoft.com/office/powerpoint/2010/main" xmlns:a14="http://schemas.microsoft.com/office/drawing/2010/main" w="9525">
                     <a:solidFill>
                       <a:srgbClr val="000000"/>
                     </a:solidFill>
@@ -31035,7 +31343,7 @@
               </a:ln>
               <a:extLst>
                 <a:ext uri="{91240B29-F687-4f45-9708-019B960494DF}">
-                  <a14:hiddenLine xmlns:a14="http://schemas.microsoft.com/office/drawing/2010/main" xmlns:p14="http://schemas.microsoft.com/office/powerpoint/2010/main" xmlns:a16="http://schemas.microsoft.com/office/drawing/2014/main" xmlns="" w="9525">
+                  <a14:hiddenLine xmlns="" xmlns:a16="http://schemas.microsoft.com/office/drawing/2014/main" xmlns:p14="http://schemas.microsoft.com/office/powerpoint/2010/main" xmlns:a14="http://schemas.microsoft.com/office/drawing/2010/main" w="9525">
                     <a:solidFill>
                       <a:srgbClr val="000000"/>
                     </a:solidFill>
@@ -31112,7 +31420,7 @@
               </a:ln>
               <a:extLst>
                 <a:ext uri="{91240B29-F687-4f45-9708-019B960494DF}">
-                  <a14:hiddenLine xmlns:a14="http://schemas.microsoft.com/office/drawing/2010/main" xmlns:p14="http://schemas.microsoft.com/office/powerpoint/2010/main" xmlns:a16="http://schemas.microsoft.com/office/drawing/2014/main" xmlns="" w="9525">
+                  <a14:hiddenLine xmlns="" xmlns:a16="http://schemas.microsoft.com/office/drawing/2014/main" xmlns:p14="http://schemas.microsoft.com/office/powerpoint/2010/main" xmlns:a14="http://schemas.microsoft.com/office/drawing/2010/main" w="9525">
                     <a:solidFill>
                       <a:srgbClr val="000000"/>
                     </a:solidFill>
@@ -31189,7 +31497,7 @@
               </a:ln>
               <a:extLst>
                 <a:ext uri="{91240B29-F687-4f45-9708-019B960494DF}">
-                  <a14:hiddenLine xmlns:a14="http://schemas.microsoft.com/office/drawing/2010/main" xmlns:p14="http://schemas.microsoft.com/office/powerpoint/2010/main" xmlns:a16="http://schemas.microsoft.com/office/drawing/2014/main" xmlns="" w="9525">
+                  <a14:hiddenLine xmlns="" xmlns:a16="http://schemas.microsoft.com/office/drawing/2014/main" xmlns:p14="http://schemas.microsoft.com/office/powerpoint/2010/main" xmlns:a14="http://schemas.microsoft.com/office/drawing/2010/main" w="9525">
                     <a:solidFill>
                       <a:srgbClr val="000000"/>
                     </a:solidFill>
@@ -31294,7 +31602,7 @@
               </a:ln>
               <a:extLst>
                 <a:ext uri="{91240B29-F687-4f45-9708-019B960494DF}">
-                  <a14:hiddenLine xmlns:a14="http://schemas.microsoft.com/office/drawing/2010/main" xmlns:p14="http://schemas.microsoft.com/office/powerpoint/2010/main" xmlns:a16="http://schemas.microsoft.com/office/drawing/2014/main" xmlns="" w="9525">
+                  <a14:hiddenLine xmlns="" xmlns:a16="http://schemas.microsoft.com/office/drawing/2014/main" xmlns:p14="http://schemas.microsoft.com/office/powerpoint/2010/main" xmlns:a14="http://schemas.microsoft.com/office/drawing/2010/main" w="9525">
                     <a:solidFill>
                       <a:srgbClr val="000000"/>
                     </a:solidFill>
@@ -31399,7 +31707,7 @@
               </a:ln>
               <a:extLst>
                 <a:ext uri="{91240B29-F687-4f45-9708-019B960494DF}">
-                  <a14:hiddenLine xmlns:a14="http://schemas.microsoft.com/office/drawing/2010/main" xmlns:p14="http://schemas.microsoft.com/office/powerpoint/2010/main" xmlns:a16="http://schemas.microsoft.com/office/drawing/2014/main" xmlns="" w="9525">
+                  <a14:hiddenLine xmlns="" xmlns:a16="http://schemas.microsoft.com/office/drawing/2014/main" xmlns:p14="http://schemas.microsoft.com/office/powerpoint/2010/main" xmlns:a14="http://schemas.microsoft.com/office/drawing/2010/main" w="9525">
                     <a:solidFill>
                       <a:srgbClr val="000000"/>
                     </a:solidFill>
@@ -31476,7 +31784,7 @@
               </a:ln>
               <a:extLst>
                 <a:ext uri="{91240B29-F687-4f45-9708-019B960494DF}">
-                  <a14:hiddenLine xmlns:a14="http://schemas.microsoft.com/office/drawing/2010/main" xmlns:p14="http://schemas.microsoft.com/office/powerpoint/2010/main" xmlns:a16="http://schemas.microsoft.com/office/drawing/2014/main" xmlns="" w="9525">
+                  <a14:hiddenLine xmlns="" xmlns:a16="http://schemas.microsoft.com/office/drawing/2014/main" xmlns:p14="http://schemas.microsoft.com/office/powerpoint/2010/main" xmlns:a14="http://schemas.microsoft.com/office/drawing/2010/main" w="9525">
                     <a:solidFill>
                       <a:srgbClr val="000000"/>
                     </a:solidFill>
@@ -31601,7 +31909,7 @@
               </a:ln>
               <a:extLst>
                 <a:ext uri="{91240B29-F687-4f45-9708-019B960494DF}">
-                  <a14:hiddenLine xmlns:a14="http://schemas.microsoft.com/office/drawing/2010/main" xmlns:p14="http://schemas.microsoft.com/office/powerpoint/2010/main" xmlns:a16="http://schemas.microsoft.com/office/drawing/2014/main" xmlns="" w="9525">
+                  <a14:hiddenLine xmlns="" xmlns:a16="http://schemas.microsoft.com/office/drawing/2014/main" xmlns:p14="http://schemas.microsoft.com/office/powerpoint/2010/main" xmlns:a14="http://schemas.microsoft.com/office/drawing/2010/main" w="9525">
                     <a:solidFill>
                       <a:srgbClr val="000000"/>
                     </a:solidFill>
@@ -31715,7 +32023,7 @@
               </a:ln>
               <a:extLst>
                 <a:ext uri="{91240B29-F687-4f45-9708-019B960494DF}">
-                  <a14:hiddenLine xmlns:a14="http://schemas.microsoft.com/office/drawing/2010/main" xmlns:p14="http://schemas.microsoft.com/office/powerpoint/2010/main" xmlns:a16="http://schemas.microsoft.com/office/drawing/2014/main" xmlns="" w="9525">
+                  <a14:hiddenLine xmlns="" xmlns:a16="http://schemas.microsoft.com/office/drawing/2014/main" xmlns:p14="http://schemas.microsoft.com/office/powerpoint/2010/main" xmlns:a14="http://schemas.microsoft.com/office/drawing/2010/main" w="9525">
                     <a:solidFill>
                       <a:srgbClr val="000000"/>
                     </a:solidFill>
@@ -31792,7 +32100,7 @@
               </a:ln>
               <a:extLst>
                 <a:ext uri="{91240B29-F687-4f45-9708-019B960494DF}">
-                  <a14:hiddenLine xmlns:a14="http://schemas.microsoft.com/office/drawing/2010/main" xmlns:p14="http://schemas.microsoft.com/office/powerpoint/2010/main" xmlns:a16="http://schemas.microsoft.com/office/drawing/2014/main" xmlns="" w="9525">
+                  <a14:hiddenLine xmlns="" xmlns:a16="http://schemas.microsoft.com/office/drawing/2014/main" xmlns:p14="http://schemas.microsoft.com/office/powerpoint/2010/main" xmlns:a14="http://schemas.microsoft.com/office/drawing/2010/main" w="9525">
                     <a:solidFill>
                       <a:srgbClr val="000000"/>
                     </a:solidFill>
@@ -31869,7 +32177,7 @@
               </a:ln>
               <a:extLst>
                 <a:ext uri="{91240B29-F687-4f45-9708-019B960494DF}">
-                  <a14:hiddenLine xmlns:a14="http://schemas.microsoft.com/office/drawing/2010/main" xmlns:p14="http://schemas.microsoft.com/office/powerpoint/2010/main" xmlns:a16="http://schemas.microsoft.com/office/drawing/2014/main" xmlns="" w="9525">
+                  <a14:hiddenLine xmlns="" xmlns:a16="http://schemas.microsoft.com/office/drawing/2014/main" xmlns:p14="http://schemas.microsoft.com/office/powerpoint/2010/main" xmlns:a14="http://schemas.microsoft.com/office/drawing/2010/main" w="9525">
                     <a:solidFill>
                       <a:srgbClr val="000000"/>
                     </a:solidFill>
@@ -31974,7 +32282,7 @@
               </a:ln>
               <a:extLst>
                 <a:ext uri="{91240B29-F687-4f45-9708-019B960494DF}">
-                  <a14:hiddenLine xmlns:a14="http://schemas.microsoft.com/office/drawing/2010/main" xmlns:p14="http://schemas.microsoft.com/office/powerpoint/2010/main" xmlns:a16="http://schemas.microsoft.com/office/drawing/2014/main" xmlns="" w="9525">
+                  <a14:hiddenLine xmlns="" xmlns:a16="http://schemas.microsoft.com/office/drawing/2014/main" xmlns:p14="http://schemas.microsoft.com/office/powerpoint/2010/main" xmlns:a14="http://schemas.microsoft.com/office/drawing/2010/main" w="9525">
                     <a:solidFill>
                       <a:srgbClr val="000000"/>
                     </a:solidFill>
@@ -32023,7 +32331,7 @@
               </a:ln>
               <a:extLst>
                 <a:ext uri="{91240B29-F687-4f45-9708-019B960494DF}">
-                  <a14:hiddenLine xmlns:a14="http://schemas.microsoft.com/office/drawing/2010/main" xmlns:p14="http://schemas.microsoft.com/office/powerpoint/2010/main" xmlns:a16="http://schemas.microsoft.com/office/drawing/2014/main" xmlns="" w="9525">
+                  <a14:hiddenLine xmlns="" xmlns:a16="http://schemas.microsoft.com/office/drawing/2014/main" xmlns:p14="http://schemas.microsoft.com/office/powerpoint/2010/main" xmlns:a14="http://schemas.microsoft.com/office/drawing/2010/main" w="9525">
                     <a:solidFill>
                       <a:srgbClr val="000000"/>
                     </a:solidFill>
@@ -32103,7 +32411,7 @@
               </a:ln>
               <a:extLst>
                 <a:ext uri="{91240B29-F687-4f45-9708-019B960494DF}">
-                  <a14:hiddenLine xmlns:a14="http://schemas.microsoft.com/office/drawing/2010/main" xmlns:p14="http://schemas.microsoft.com/office/powerpoint/2010/main" xmlns:a16="http://schemas.microsoft.com/office/drawing/2014/main" xmlns="" w="9525">
+                  <a14:hiddenLine xmlns="" xmlns:a16="http://schemas.microsoft.com/office/drawing/2014/main" xmlns:p14="http://schemas.microsoft.com/office/powerpoint/2010/main" xmlns:a14="http://schemas.microsoft.com/office/drawing/2010/main" w="9525">
                     <a:solidFill>
                       <a:srgbClr val="000000"/>
                     </a:solidFill>
@@ -32208,7 +32516,7 @@
               </a:ln>
               <a:extLst>
                 <a:ext uri="{91240B29-F687-4f45-9708-019B960494DF}">
-                  <a14:hiddenLine xmlns:a14="http://schemas.microsoft.com/office/drawing/2010/main" xmlns:p14="http://schemas.microsoft.com/office/powerpoint/2010/main" xmlns:a16="http://schemas.microsoft.com/office/drawing/2014/main" xmlns="" w="9525">
+                  <a14:hiddenLine xmlns="" xmlns:a16="http://schemas.microsoft.com/office/drawing/2014/main" xmlns:p14="http://schemas.microsoft.com/office/powerpoint/2010/main" xmlns:a14="http://schemas.microsoft.com/office/drawing/2010/main" w="9525">
                     <a:solidFill>
                       <a:srgbClr val="000000"/>
                     </a:solidFill>
@@ -32285,7 +32593,7 @@
               </a:ln>
               <a:extLst>
                 <a:ext uri="{91240B29-F687-4f45-9708-019B960494DF}">
-                  <a14:hiddenLine xmlns:a14="http://schemas.microsoft.com/office/drawing/2010/main" xmlns:p14="http://schemas.microsoft.com/office/powerpoint/2010/main" xmlns:a16="http://schemas.microsoft.com/office/drawing/2014/main" xmlns="" w="9525">
+                  <a14:hiddenLine xmlns="" xmlns:a16="http://schemas.microsoft.com/office/drawing/2014/main" xmlns:p14="http://schemas.microsoft.com/office/powerpoint/2010/main" xmlns:a14="http://schemas.microsoft.com/office/drawing/2010/main" w="9525">
                     <a:solidFill>
                       <a:srgbClr val="000000"/>
                     </a:solidFill>
@@ -32390,7 +32698,7 @@
               </a:ln>
               <a:extLst>
                 <a:ext uri="{91240B29-F687-4f45-9708-019B960494DF}">
-                  <a14:hiddenLine xmlns:a14="http://schemas.microsoft.com/office/drawing/2010/main" xmlns:p14="http://schemas.microsoft.com/office/powerpoint/2010/main" xmlns:a16="http://schemas.microsoft.com/office/drawing/2014/main" xmlns="" w="9525">
+                  <a14:hiddenLine xmlns="" xmlns:a16="http://schemas.microsoft.com/office/drawing/2014/main" xmlns:p14="http://schemas.microsoft.com/office/powerpoint/2010/main" xmlns:a14="http://schemas.microsoft.com/office/drawing/2010/main" w="9525">
                     <a:solidFill>
                       <a:srgbClr val="000000"/>
                     </a:solidFill>
@@ -32470,7 +32778,7 @@
               </a:ln>
               <a:extLst>
                 <a:ext uri="{91240B29-F687-4f45-9708-019B960494DF}">
-                  <a14:hiddenLine xmlns:a14="http://schemas.microsoft.com/office/drawing/2010/main" xmlns:p14="http://schemas.microsoft.com/office/powerpoint/2010/main" xmlns:a16="http://schemas.microsoft.com/office/drawing/2014/main" xmlns="" w="9525">
+                  <a14:hiddenLine xmlns="" xmlns:a16="http://schemas.microsoft.com/office/drawing/2014/main" xmlns:p14="http://schemas.microsoft.com/office/powerpoint/2010/main" xmlns:a14="http://schemas.microsoft.com/office/drawing/2010/main" w="9525">
                     <a:solidFill>
                       <a:srgbClr val="000000"/>
                     </a:solidFill>
@@ -32547,7 +32855,7 @@
               </a:ln>
               <a:extLst>
                 <a:ext uri="{91240B29-F687-4f45-9708-019B960494DF}">
-                  <a14:hiddenLine xmlns:a14="http://schemas.microsoft.com/office/drawing/2010/main" xmlns:p14="http://schemas.microsoft.com/office/powerpoint/2010/main" xmlns:a16="http://schemas.microsoft.com/office/drawing/2014/main" xmlns="" w="9525">
+                  <a14:hiddenLine xmlns="" xmlns:a16="http://schemas.microsoft.com/office/drawing/2014/main" xmlns:p14="http://schemas.microsoft.com/office/powerpoint/2010/main" xmlns:a14="http://schemas.microsoft.com/office/drawing/2010/main" w="9525">
                     <a:solidFill>
                       <a:srgbClr val="000000"/>
                     </a:solidFill>
@@ -32652,7 +32960,7 @@
               </a:ln>
               <a:extLst>
                 <a:ext uri="{91240B29-F687-4f45-9708-019B960494DF}">
-                  <a14:hiddenLine xmlns:a14="http://schemas.microsoft.com/office/drawing/2010/main" xmlns:p14="http://schemas.microsoft.com/office/powerpoint/2010/main" xmlns:a16="http://schemas.microsoft.com/office/drawing/2014/main" xmlns="" w="9525">
+                  <a14:hiddenLine xmlns="" xmlns:a16="http://schemas.microsoft.com/office/drawing/2014/main" xmlns:p14="http://schemas.microsoft.com/office/powerpoint/2010/main" xmlns:a14="http://schemas.microsoft.com/office/drawing/2010/main" w="9525">
                     <a:solidFill>
                       <a:srgbClr val="000000"/>
                     </a:solidFill>
@@ -32757,7 +33065,7 @@
               </a:ln>
               <a:extLst>
                 <a:ext uri="{91240B29-F687-4f45-9708-019B960494DF}">
-                  <a14:hiddenLine xmlns:a14="http://schemas.microsoft.com/office/drawing/2010/main" xmlns:p14="http://schemas.microsoft.com/office/powerpoint/2010/main" xmlns:a16="http://schemas.microsoft.com/office/drawing/2014/main" xmlns="" w="9525">
+                  <a14:hiddenLine xmlns="" xmlns:a16="http://schemas.microsoft.com/office/drawing/2014/main" xmlns:p14="http://schemas.microsoft.com/office/powerpoint/2010/main" xmlns:a14="http://schemas.microsoft.com/office/drawing/2010/main" w="9525">
                     <a:solidFill>
                       <a:srgbClr val="000000"/>
                     </a:solidFill>
@@ -32837,7 +33145,7 @@
               </a:ln>
               <a:extLst>
                 <a:ext uri="{91240B29-F687-4f45-9708-019B960494DF}">
-                  <a14:hiddenLine xmlns:a14="http://schemas.microsoft.com/office/drawing/2010/main" xmlns:p14="http://schemas.microsoft.com/office/powerpoint/2010/main" xmlns:a16="http://schemas.microsoft.com/office/drawing/2014/main" xmlns="" w="9525">
+                  <a14:hiddenLine xmlns="" xmlns:a16="http://schemas.microsoft.com/office/drawing/2014/main" xmlns:p14="http://schemas.microsoft.com/office/powerpoint/2010/main" xmlns:a14="http://schemas.microsoft.com/office/drawing/2010/main" w="9525">
                     <a:solidFill>
                       <a:srgbClr val="000000"/>
                     </a:solidFill>
@@ -32972,7 +33280,7 @@
               </a:ln>
               <a:extLst>
                 <a:ext uri="{91240B29-F687-4f45-9708-019B960494DF}">
-                  <a14:hiddenLine xmlns:a14="http://schemas.microsoft.com/office/drawing/2010/main" xmlns:p14="http://schemas.microsoft.com/office/powerpoint/2010/main" xmlns:a16="http://schemas.microsoft.com/office/drawing/2014/main" xmlns="" w="9525">
+                  <a14:hiddenLine xmlns="" xmlns:a16="http://schemas.microsoft.com/office/drawing/2014/main" xmlns:p14="http://schemas.microsoft.com/office/powerpoint/2010/main" xmlns:a14="http://schemas.microsoft.com/office/drawing/2010/main" w="9525">
                     <a:solidFill>
                       <a:srgbClr val="000000"/>
                     </a:solidFill>
@@ -33100,7 +33408,7 @@
               </a:ln>
               <a:extLst>
                 <a:ext uri="{91240B29-F687-4f45-9708-019B960494DF}">
-                  <a14:hiddenLine xmlns:a14="http://schemas.microsoft.com/office/drawing/2010/main" xmlns:p14="http://schemas.microsoft.com/office/powerpoint/2010/main" xmlns:a16="http://schemas.microsoft.com/office/drawing/2014/main" xmlns="" w="9525">
+                  <a14:hiddenLine xmlns="" xmlns:a16="http://schemas.microsoft.com/office/drawing/2014/main" xmlns:p14="http://schemas.microsoft.com/office/powerpoint/2010/main" xmlns:a14="http://schemas.microsoft.com/office/drawing/2010/main" w="9525">
                     <a:solidFill>
                       <a:srgbClr val="000000"/>
                     </a:solidFill>
@@ -33230,7 +33538,7 @@
               </a:ln>
               <a:extLst>
                 <a:ext uri="{91240B29-F687-4f45-9708-019B960494DF}">
-                  <a14:hiddenLine xmlns:a14="http://schemas.microsoft.com/office/drawing/2010/main" xmlns:p14="http://schemas.microsoft.com/office/powerpoint/2010/main" xmlns:a16="http://schemas.microsoft.com/office/drawing/2014/main" xmlns="" w="9525">
+                  <a14:hiddenLine xmlns="" xmlns:a16="http://schemas.microsoft.com/office/drawing/2014/main" xmlns:p14="http://schemas.microsoft.com/office/powerpoint/2010/main" xmlns:a14="http://schemas.microsoft.com/office/drawing/2010/main" w="9525">
                     <a:solidFill>
                       <a:srgbClr val="000000"/>
                     </a:solidFill>
@@ -33335,7 +33643,7 @@
               </a:ln>
               <a:extLst>
                 <a:ext uri="{91240B29-F687-4f45-9708-019B960494DF}">
-                  <a14:hiddenLine xmlns:a14="http://schemas.microsoft.com/office/drawing/2010/main" xmlns:p14="http://schemas.microsoft.com/office/powerpoint/2010/main" xmlns:a16="http://schemas.microsoft.com/office/drawing/2014/main" xmlns="" w="9525">
+                  <a14:hiddenLine xmlns="" xmlns:a16="http://schemas.microsoft.com/office/drawing/2014/main" xmlns:p14="http://schemas.microsoft.com/office/powerpoint/2010/main" xmlns:a14="http://schemas.microsoft.com/office/drawing/2010/main" w="9525">
                     <a:solidFill>
                       <a:srgbClr val="000000"/>
                     </a:solidFill>
@@ -33415,7 +33723,7 @@
               </a:ln>
               <a:extLst>
                 <a:ext uri="{91240B29-F687-4f45-9708-019B960494DF}">
-                  <a14:hiddenLine xmlns:a14="http://schemas.microsoft.com/office/drawing/2010/main" xmlns:p14="http://schemas.microsoft.com/office/powerpoint/2010/main" xmlns:a16="http://schemas.microsoft.com/office/drawing/2014/main" xmlns="" w="9525">
+                  <a14:hiddenLine xmlns="" xmlns:a16="http://schemas.microsoft.com/office/drawing/2014/main" xmlns:p14="http://schemas.microsoft.com/office/powerpoint/2010/main" xmlns:a14="http://schemas.microsoft.com/office/drawing/2010/main" w="9525">
                     <a:solidFill>
                       <a:srgbClr val="000000"/>
                     </a:solidFill>
@@ -33520,7 +33828,7 @@
               </a:ln>
               <a:extLst>
                 <a:ext uri="{91240B29-F687-4f45-9708-019B960494DF}">
-                  <a14:hiddenLine xmlns:a14="http://schemas.microsoft.com/office/drawing/2010/main" xmlns:p14="http://schemas.microsoft.com/office/powerpoint/2010/main" xmlns:a16="http://schemas.microsoft.com/office/drawing/2014/main" xmlns="" w="9525">
+                  <a14:hiddenLine xmlns="" xmlns:a16="http://schemas.microsoft.com/office/drawing/2014/main" xmlns:p14="http://schemas.microsoft.com/office/powerpoint/2010/main" xmlns:a14="http://schemas.microsoft.com/office/drawing/2010/main" w="9525">
                     <a:solidFill>
                       <a:srgbClr val="000000"/>
                     </a:solidFill>
@@ -33603,7 +33911,7 @@
               </a:ln>
               <a:extLst>
                 <a:ext uri="{91240B29-F687-4f45-9708-019B960494DF}">
-                  <a14:hiddenLine xmlns:a14="http://schemas.microsoft.com/office/drawing/2010/main" xmlns:p14="http://schemas.microsoft.com/office/powerpoint/2010/main" xmlns:a16="http://schemas.microsoft.com/office/drawing/2014/main" xmlns="" w="9525">
+                  <a14:hiddenLine xmlns="" xmlns:a16="http://schemas.microsoft.com/office/drawing/2014/main" xmlns:p14="http://schemas.microsoft.com/office/powerpoint/2010/main" xmlns:a14="http://schemas.microsoft.com/office/drawing/2010/main" w="9525">
                     <a:solidFill>
                       <a:srgbClr val="000000"/>
                     </a:solidFill>
@@ -33708,7 +34016,7 @@
               </a:ln>
               <a:extLst>
                 <a:ext uri="{91240B29-F687-4f45-9708-019B960494DF}">
-                  <a14:hiddenLine xmlns:a14="http://schemas.microsoft.com/office/drawing/2010/main" xmlns:p14="http://schemas.microsoft.com/office/powerpoint/2010/main" xmlns:a16="http://schemas.microsoft.com/office/drawing/2014/main" xmlns="" w="9525">
+                  <a14:hiddenLine xmlns="" xmlns:a16="http://schemas.microsoft.com/office/drawing/2014/main" xmlns:p14="http://schemas.microsoft.com/office/powerpoint/2010/main" xmlns:a14="http://schemas.microsoft.com/office/drawing/2010/main" w="9525">
                     <a:solidFill>
                       <a:srgbClr val="000000"/>
                     </a:solidFill>
@@ -33791,7 +34099,7 @@
               </a:ln>
               <a:extLst>
                 <a:ext uri="{91240B29-F687-4f45-9708-019B960494DF}">
-                  <a14:hiddenLine xmlns:a14="http://schemas.microsoft.com/office/drawing/2010/main" xmlns:p14="http://schemas.microsoft.com/office/powerpoint/2010/main" xmlns:a16="http://schemas.microsoft.com/office/drawing/2014/main" xmlns="" w="9525">
+                  <a14:hiddenLine xmlns="" xmlns:a16="http://schemas.microsoft.com/office/drawing/2014/main" xmlns:p14="http://schemas.microsoft.com/office/powerpoint/2010/main" xmlns:a14="http://schemas.microsoft.com/office/drawing/2010/main" w="9525">
                     <a:solidFill>
                       <a:srgbClr val="000000"/>
                     </a:solidFill>
@@ -33896,7 +34204,7 @@
               </a:ln>
               <a:extLst>
                 <a:ext uri="{91240B29-F687-4f45-9708-019B960494DF}">
-                  <a14:hiddenLine xmlns:a14="http://schemas.microsoft.com/office/drawing/2010/main" xmlns:p14="http://schemas.microsoft.com/office/powerpoint/2010/main" xmlns:a16="http://schemas.microsoft.com/office/drawing/2014/main" xmlns="" w="9525">
+                  <a14:hiddenLine xmlns="" xmlns:a16="http://schemas.microsoft.com/office/drawing/2014/main" xmlns:p14="http://schemas.microsoft.com/office/powerpoint/2010/main" xmlns:a14="http://schemas.microsoft.com/office/drawing/2010/main" w="9525">
                     <a:solidFill>
                       <a:srgbClr val="000000"/>
                     </a:solidFill>
@@ -33945,7 +34253,7 @@
               </a:ln>
               <a:extLst>
                 <a:ext uri="{91240B29-F687-4f45-9708-019B960494DF}">
-                  <a14:hiddenLine xmlns:a14="http://schemas.microsoft.com/office/drawing/2010/main" xmlns:p14="http://schemas.microsoft.com/office/powerpoint/2010/main" xmlns:a16="http://schemas.microsoft.com/office/drawing/2014/main" xmlns="" w="9525">
+                  <a14:hiddenLine xmlns="" xmlns:a16="http://schemas.microsoft.com/office/drawing/2014/main" xmlns:p14="http://schemas.microsoft.com/office/powerpoint/2010/main" xmlns:a14="http://schemas.microsoft.com/office/drawing/2010/main" w="9525">
                     <a:solidFill>
                       <a:srgbClr val="000000"/>
                     </a:solidFill>
@@ -38281,7 +38589,7 @@
           <a:noFill/>
           <a:extLst>
             <a:ext uri="{909E8E84-426E-40dd-AFC4-6F175D3DCCD1}">
-              <a14:hiddenFill xmlns:a14="http://schemas.microsoft.com/office/drawing/2010/main" xmlns:p14="http://schemas.microsoft.com/office/powerpoint/2010/main" xmlns:a16="http://schemas.microsoft.com/office/drawing/2014/main" xmlns="">
+              <a14:hiddenFill xmlns="" xmlns:a16="http://schemas.microsoft.com/office/drawing/2014/main" xmlns:p14="http://schemas.microsoft.com/office/powerpoint/2010/main" xmlns:a14="http://schemas.microsoft.com/office/drawing/2010/main">
                 <a:solidFill>
                   <a:srgbClr val="FFFFFF"/>
                 </a:solidFill>
@@ -38402,7 +38710,7 @@
               </a:ln>
               <a:extLst>
                 <a:ext uri="{91240B29-F687-4f45-9708-019B960494DF}">
-                  <a14:hiddenLine xmlns:a14="http://schemas.microsoft.com/office/drawing/2010/main" xmlns:p14="http://schemas.microsoft.com/office/powerpoint/2010/main" xmlns:a16="http://schemas.microsoft.com/office/drawing/2014/main" xmlns="" w="9525">
+                  <a14:hiddenLine xmlns="" xmlns:a16="http://schemas.microsoft.com/office/drawing/2014/main" xmlns:p14="http://schemas.microsoft.com/office/powerpoint/2010/main" xmlns:a14="http://schemas.microsoft.com/office/drawing/2010/main" w="9525">
                     <a:solidFill>
                       <a:srgbClr val="000000"/>
                     </a:solidFill>
@@ -38507,7 +38815,7 @@
               </a:ln>
               <a:extLst>
                 <a:ext uri="{91240B29-F687-4f45-9708-019B960494DF}">
-                  <a14:hiddenLine xmlns:a14="http://schemas.microsoft.com/office/drawing/2010/main" xmlns:p14="http://schemas.microsoft.com/office/powerpoint/2010/main" xmlns:a16="http://schemas.microsoft.com/office/drawing/2014/main" xmlns="" w="9525">
+                  <a14:hiddenLine xmlns="" xmlns:a16="http://schemas.microsoft.com/office/drawing/2014/main" xmlns:p14="http://schemas.microsoft.com/office/powerpoint/2010/main" xmlns:a14="http://schemas.microsoft.com/office/drawing/2010/main" w="9525">
                     <a:solidFill>
                       <a:srgbClr val="000000"/>
                     </a:solidFill>
@@ -38612,7 +38920,7 @@
               </a:ln>
               <a:extLst>
                 <a:ext uri="{91240B29-F687-4f45-9708-019B960494DF}">
-                  <a14:hiddenLine xmlns:a14="http://schemas.microsoft.com/office/drawing/2010/main" xmlns:p14="http://schemas.microsoft.com/office/powerpoint/2010/main" xmlns:a16="http://schemas.microsoft.com/office/drawing/2014/main" xmlns="" w="9525">
+                  <a14:hiddenLine xmlns="" xmlns:a16="http://schemas.microsoft.com/office/drawing/2014/main" xmlns:p14="http://schemas.microsoft.com/office/powerpoint/2010/main" xmlns:a14="http://schemas.microsoft.com/office/drawing/2010/main" w="9525">
                     <a:solidFill>
                       <a:srgbClr val="000000"/>
                     </a:solidFill>
@@ -38689,7 +38997,7 @@
               </a:ln>
               <a:extLst>
                 <a:ext uri="{91240B29-F687-4f45-9708-019B960494DF}">
-                  <a14:hiddenLine xmlns:a14="http://schemas.microsoft.com/office/drawing/2010/main" xmlns:p14="http://schemas.microsoft.com/office/powerpoint/2010/main" xmlns:a16="http://schemas.microsoft.com/office/drawing/2014/main" xmlns="" w="9525">
+                  <a14:hiddenLine xmlns="" xmlns:a16="http://schemas.microsoft.com/office/drawing/2014/main" xmlns:p14="http://schemas.microsoft.com/office/powerpoint/2010/main" xmlns:a14="http://schemas.microsoft.com/office/drawing/2010/main" w="9525">
                     <a:solidFill>
                       <a:srgbClr val="000000"/>
                     </a:solidFill>
@@ -38794,7 +39102,7 @@
               </a:ln>
               <a:extLst>
                 <a:ext uri="{91240B29-F687-4f45-9708-019B960494DF}">
-                  <a14:hiddenLine xmlns:a14="http://schemas.microsoft.com/office/drawing/2010/main" xmlns:p14="http://schemas.microsoft.com/office/powerpoint/2010/main" xmlns:a16="http://schemas.microsoft.com/office/drawing/2014/main" xmlns="" w="9525">
+                  <a14:hiddenLine xmlns="" xmlns:a16="http://schemas.microsoft.com/office/drawing/2014/main" xmlns:p14="http://schemas.microsoft.com/office/powerpoint/2010/main" xmlns:a14="http://schemas.microsoft.com/office/drawing/2010/main" w="9525">
                     <a:solidFill>
                       <a:srgbClr val="000000"/>
                     </a:solidFill>
@@ -38871,7 +39179,7 @@
               </a:ln>
               <a:extLst>
                 <a:ext uri="{91240B29-F687-4f45-9708-019B960494DF}">
-                  <a14:hiddenLine xmlns:a14="http://schemas.microsoft.com/office/drawing/2010/main" xmlns:p14="http://schemas.microsoft.com/office/powerpoint/2010/main" xmlns:a16="http://schemas.microsoft.com/office/drawing/2014/main" xmlns="" w="9525">
+                  <a14:hiddenLine xmlns="" xmlns:a16="http://schemas.microsoft.com/office/drawing/2014/main" xmlns:p14="http://schemas.microsoft.com/office/powerpoint/2010/main" xmlns:a14="http://schemas.microsoft.com/office/drawing/2010/main" w="9525">
                     <a:solidFill>
                       <a:srgbClr val="000000"/>
                     </a:solidFill>
@@ -38948,7 +39256,7 @@
               </a:ln>
               <a:extLst>
                 <a:ext uri="{91240B29-F687-4f45-9708-019B960494DF}">
-                  <a14:hiddenLine xmlns:a14="http://schemas.microsoft.com/office/drawing/2010/main" xmlns:p14="http://schemas.microsoft.com/office/powerpoint/2010/main" xmlns:a16="http://schemas.microsoft.com/office/drawing/2014/main" xmlns="" w="9525">
+                  <a14:hiddenLine xmlns="" xmlns:a16="http://schemas.microsoft.com/office/drawing/2014/main" xmlns:p14="http://schemas.microsoft.com/office/powerpoint/2010/main" xmlns:a14="http://schemas.microsoft.com/office/drawing/2010/main" w="9525">
                     <a:solidFill>
                       <a:srgbClr val="000000"/>
                     </a:solidFill>
@@ -39053,7 +39361,7 @@
               </a:ln>
               <a:extLst>
                 <a:ext uri="{91240B29-F687-4f45-9708-019B960494DF}">
-                  <a14:hiddenLine xmlns:a14="http://schemas.microsoft.com/office/drawing/2010/main" xmlns:p14="http://schemas.microsoft.com/office/powerpoint/2010/main" xmlns:a16="http://schemas.microsoft.com/office/drawing/2014/main" xmlns="" w="9525">
+                  <a14:hiddenLine xmlns="" xmlns:a16="http://schemas.microsoft.com/office/drawing/2014/main" xmlns:p14="http://schemas.microsoft.com/office/powerpoint/2010/main" xmlns:a14="http://schemas.microsoft.com/office/drawing/2010/main" w="9525">
                     <a:solidFill>
                       <a:srgbClr val="000000"/>
                     </a:solidFill>
@@ -39158,7 +39466,7 @@
               </a:ln>
               <a:extLst>
                 <a:ext uri="{91240B29-F687-4f45-9708-019B960494DF}">
-                  <a14:hiddenLine xmlns:a14="http://schemas.microsoft.com/office/drawing/2010/main" xmlns:p14="http://schemas.microsoft.com/office/powerpoint/2010/main" xmlns:a16="http://schemas.microsoft.com/office/drawing/2014/main" xmlns="" w="9525">
+                  <a14:hiddenLine xmlns="" xmlns:a16="http://schemas.microsoft.com/office/drawing/2014/main" xmlns:p14="http://schemas.microsoft.com/office/powerpoint/2010/main" xmlns:a14="http://schemas.microsoft.com/office/drawing/2010/main" w="9525">
                     <a:solidFill>
                       <a:srgbClr val="000000"/>
                     </a:solidFill>
@@ -39235,7 +39543,7 @@
               </a:ln>
               <a:extLst>
                 <a:ext uri="{91240B29-F687-4f45-9708-019B960494DF}">
-                  <a14:hiddenLine xmlns:a14="http://schemas.microsoft.com/office/drawing/2010/main" xmlns:p14="http://schemas.microsoft.com/office/powerpoint/2010/main" xmlns:a16="http://schemas.microsoft.com/office/drawing/2014/main" xmlns="" w="9525">
+                  <a14:hiddenLine xmlns="" xmlns:a16="http://schemas.microsoft.com/office/drawing/2014/main" xmlns:p14="http://schemas.microsoft.com/office/powerpoint/2010/main" xmlns:a14="http://schemas.microsoft.com/office/drawing/2010/main" w="9525">
                     <a:solidFill>
                       <a:srgbClr val="000000"/>
                     </a:solidFill>
@@ -39360,7 +39668,7 @@
               </a:ln>
               <a:extLst>
                 <a:ext uri="{91240B29-F687-4f45-9708-019B960494DF}">
-                  <a14:hiddenLine xmlns:a14="http://schemas.microsoft.com/office/drawing/2010/main" xmlns:p14="http://schemas.microsoft.com/office/powerpoint/2010/main" xmlns:a16="http://schemas.microsoft.com/office/drawing/2014/main" xmlns="" w="9525">
+                  <a14:hiddenLine xmlns="" xmlns:a16="http://schemas.microsoft.com/office/drawing/2014/main" xmlns:p14="http://schemas.microsoft.com/office/powerpoint/2010/main" xmlns:a14="http://schemas.microsoft.com/office/drawing/2010/main" w="9525">
                     <a:solidFill>
                       <a:srgbClr val="000000"/>
                     </a:solidFill>
@@ -39474,7 +39782,7 @@
               </a:ln>
               <a:extLst>
                 <a:ext uri="{91240B29-F687-4f45-9708-019B960494DF}">
-                  <a14:hiddenLine xmlns:a14="http://schemas.microsoft.com/office/drawing/2010/main" xmlns:p14="http://schemas.microsoft.com/office/powerpoint/2010/main" xmlns:a16="http://schemas.microsoft.com/office/drawing/2014/main" xmlns="" w="9525">
+                  <a14:hiddenLine xmlns="" xmlns:a16="http://schemas.microsoft.com/office/drawing/2014/main" xmlns:p14="http://schemas.microsoft.com/office/powerpoint/2010/main" xmlns:a14="http://schemas.microsoft.com/office/drawing/2010/main" w="9525">
                     <a:solidFill>
                       <a:srgbClr val="000000"/>
                     </a:solidFill>
@@ -39551,7 +39859,7 @@
               </a:ln>
               <a:extLst>
                 <a:ext uri="{91240B29-F687-4f45-9708-019B960494DF}">
-                  <a14:hiddenLine xmlns:a14="http://schemas.microsoft.com/office/drawing/2010/main" xmlns:p14="http://schemas.microsoft.com/office/powerpoint/2010/main" xmlns:a16="http://schemas.microsoft.com/office/drawing/2014/main" xmlns="" w="9525">
+                  <a14:hiddenLine xmlns="" xmlns:a16="http://schemas.microsoft.com/office/drawing/2014/main" xmlns:p14="http://schemas.microsoft.com/office/powerpoint/2010/main" xmlns:a14="http://schemas.microsoft.com/office/drawing/2010/main" w="9525">
                     <a:solidFill>
                       <a:srgbClr val="000000"/>
                     </a:solidFill>
@@ -39628,7 +39936,7 @@
               </a:ln>
               <a:extLst>
                 <a:ext uri="{91240B29-F687-4f45-9708-019B960494DF}">
-                  <a14:hiddenLine xmlns:a14="http://schemas.microsoft.com/office/drawing/2010/main" xmlns:p14="http://schemas.microsoft.com/office/powerpoint/2010/main" xmlns:a16="http://schemas.microsoft.com/office/drawing/2014/main" xmlns="" w="9525">
+                  <a14:hiddenLine xmlns="" xmlns:a16="http://schemas.microsoft.com/office/drawing/2014/main" xmlns:p14="http://schemas.microsoft.com/office/powerpoint/2010/main" xmlns:a14="http://schemas.microsoft.com/office/drawing/2010/main" w="9525">
                     <a:solidFill>
                       <a:srgbClr val="000000"/>
                     </a:solidFill>
@@ -39733,7 +40041,7 @@
               </a:ln>
               <a:extLst>
                 <a:ext uri="{91240B29-F687-4f45-9708-019B960494DF}">
-                  <a14:hiddenLine xmlns:a14="http://schemas.microsoft.com/office/drawing/2010/main" xmlns:p14="http://schemas.microsoft.com/office/powerpoint/2010/main" xmlns:a16="http://schemas.microsoft.com/office/drawing/2014/main" xmlns="" w="9525">
+                  <a14:hiddenLine xmlns="" xmlns:a16="http://schemas.microsoft.com/office/drawing/2014/main" xmlns:p14="http://schemas.microsoft.com/office/powerpoint/2010/main" xmlns:a14="http://schemas.microsoft.com/office/drawing/2010/main" w="9525">
                     <a:solidFill>
                       <a:srgbClr val="000000"/>
                     </a:solidFill>
@@ -39782,7 +40090,7 @@
               </a:ln>
               <a:extLst>
                 <a:ext uri="{91240B29-F687-4f45-9708-019B960494DF}">
-                  <a14:hiddenLine xmlns:a14="http://schemas.microsoft.com/office/drawing/2010/main" xmlns:p14="http://schemas.microsoft.com/office/powerpoint/2010/main" xmlns:a16="http://schemas.microsoft.com/office/drawing/2014/main" xmlns="" w="9525">
+                  <a14:hiddenLine xmlns="" xmlns:a16="http://schemas.microsoft.com/office/drawing/2014/main" xmlns:p14="http://schemas.microsoft.com/office/powerpoint/2010/main" xmlns:a14="http://schemas.microsoft.com/office/drawing/2010/main" w="9525">
                     <a:solidFill>
                       <a:srgbClr val="000000"/>
                     </a:solidFill>
@@ -39862,7 +40170,7 @@
               </a:ln>
               <a:extLst>
                 <a:ext uri="{91240B29-F687-4f45-9708-019B960494DF}">
-                  <a14:hiddenLine xmlns:a14="http://schemas.microsoft.com/office/drawing/2010/main" xmlns:p14="http://schemas.microsoft.com/office/powerpoint/2010/main" xmlns:a16="http://schemas.microsoft.com/office/drawing/2014/main" xmlns="" w="9525">
+                  <a14:hiddenLine xmlns="" xmlns:a16="http://schemas.microsoft.com/office/drawing/2014/main" xmlns:p14="http://schemas.microsoft.com/office/powerpoint/2010/main" xmlns:a14="http://schemas.microsoft.com/office/drawing/2010/main" w="9525">
                     <a:solidFill>
                       <a:srgbClr val="000000"/>
                     </a:solidFill>
@@ -39967,7 +40275,7 @@
               </a:ln>
               <a:extLst>
                 <a:ext uri="{91240B29-F687-4f45-9708-019B960494DF}">
-                  <a14:hiddenLine xmlns:a14="http://schemas.microsoft.com/office/drawing/2010/main" xmlns:p14="http://schemas.microsoft.com/office/powerpoint/2010/main" xmlns:a16="http://schemas.microsoft.com/office/drawing/2014/main" xmlns="" w="9525">
+                  <a14:hiddenLine xmlns="" xmlns:a16="http://schemas.microsoft.com/office/drawing/2014/main" xmlns:p14="http://schemas.microsoft.com/office/powerpoint/2010/main" xmlns:a14="http://schemas.microsoft.com/office/drawing/2010/main" w="9525">
                     <a:solidFill>
                       <a:srgbClr val="000000"/>
                     </a:solidFill>
@@ -40044,7 +40352,7 @@
               </a:ln>
               <a:extLst>
                 <a:ext uri="{91240B29-F687-4f45-9708-019B960494DF}">
-                  <a14:hiddenLine xmlns:a14="http://schemas.microsoft.com/office/drawing/2010/main" xmlns:p14="http://schemas.microsoft.com/office/powerpoint/2010/main" xmlns:a16="http://schemas.microsoft.com/office/drawing/2014/main" xmlns="" w="9525">
+                  <a14:hiddenLine xmlns="" xmlns:a16="http://schemas.microsoft.com/office/drawing/2014/main" xmlns:p14="http://schemas.microsoft.com/office/powerpoint/2010/main" xmlns:a14="http://schemas.microsoft.com/office/drawing/2010/main" w="9525">
                     <a:solidFill>
                       <a:srgbClr val="000000"/>
                     </a:solidFill>
@@ -40149,7 +40457,7 @@
               </a:ln>
               <a:extLst>
                 <a:ext uri="{91240B29-F687-4f45-9708-019B960494DF}">
-                  <a14:hiddenLine xmlns:a14="http://schemas.microsoft.com/office/drawing/2010/main" xmlns:p14="http://schemas.microsoft.com/office/powerpoint/2010/main" xmlns:a16="http://schemas.microsoft.com/office/drawing/2014/main" xmlns="" w="9525">
+                  <a14:hiddenLine xmlns="" xmlns:a16="http://schemas.microsoft.com/office/drawing/2014/main" xmlns:p14="http://schemas.microsoft.com/office/powerpoint/2010/main" xmlns:a14="http://schemas.microsoft.com/office/drawing/2010/main" w="9525">
                     <a:solidFill>
                       <a:srgbClr val="000000"/>
                     </a:solidFill>
@@ -40229,7 +40537,7 @@
               </a:ln>
               <a:extLst>
                 <a:ext uri="{91240B29-F687-4f45-9708-019B960494DF}">
-                  <a14:hiddenLine xmlns:a14="http://schemas.microsoft.com/office/drawing/2010/main" xmlns:p14="http://schemas.microsoft.com/office/powerpoint/2010/main" xmlns:a16="http://schemas.microsoft.com/office/drawing/2014/main" xmlns="" w="9525">
+                  <a14:hiddenLine xmlns="" xmlns:a16="http://schemas.microsoft.com/office/drawing/2014/main" xmlns:p14="http://schemas.microsoft.com/office/powerpoint/2010/main" xmlns:a14="http://schemas.microsoft.com/office/drawing/2010/main" w="9525">
                     <a:solidFill>
                       <a:srgbClr val="000000"/>
                     </a:solidFill>
@@ -40306,7 +40614,7 @@
               </a:ln>
               <a:extLst>
                 <a:ext uri="{91240B29-F687-4f45-9708-019B960494DF}">
-                  <a14:hiddenLine xmlns:a14="http://schemas.microsoft.com/office/drawing/2010/main" xmlns:p14="http://schemas.microsoft.com/office/powerpoint/2010/main" xmlns:a16="http://schemas.microsoft.com/office/drawing/2014/main" xmlns="" w="9525">
+                  <a14:hiddenLine xmlns="" xmlns:a16="http://schemas.microsoft.com/office/drawing/2014/main" xmlns:p14="http://schemas.microsoft.com/office/powerpoint/2010/main" xmlns:a14="http://schemas.microsoft.com/office/drawing/2010/main" w="9525">
                     <a:solidFill>
                       <a:srgbClr val="000000"/>
                     </a:solidFill>
@@ -40411,7 +40719,7 @@
               </a:ln>
               <a:extLst>
                 <a:ext uri="{91240B29-F687-4f45-9708-019B960494DF}">
-                  <a14:hiddenLine xmlns:a14="http://schemas.microsoft.com/office/drawing/2010/main" xmlns:p14="http://schemas.microsoft.com/office/powerpoint/2010/main" xmlns:a16="http://schemas.microsoft.com/office/drawing/2014/main" xmlns="" w="9525">
+                  <a14:hiddenLine xmlns="" xmlns:a16="http://schemas.microsoft.com/office/drawing/2014/main" xmlns:p14="http://schemas.microsoft.com/office/powerpoint/2010/main" xmlns:a14="http://schemas.microsoft.com/office/drawing/2010/main" w="9525">
                     <a:solidFill>
                       <a:srgbClr val="000000"/>
                     </a:solidFill>
@@ -40516,7 +40824,7 @@
               </a:ln>
               <a:extLst>
                 <a:ext uri="{91240B29-F687-4f45-9708-019B960494DF}">
-                  <a14:hiddenLine xmlns:a14="http://schemas.microsoft.com/office/drawing/2010/main" xmlns:p14="http://schemas.microsoft.com/office/powerpoint/2010/main" xmlns:a16="http://schemas.microsoft.com/office/drawing/2014/main" xmlns="" w="9525">
+                  <a14:hiddenLine xmlns="" xmlns:a16="http://schemas.microsoft.com/office/drawing/2014/main" xmlns:p14="http://schemas.microsoft.com/office/powerpoint/2010/main" xmlns:a14="http://schemas.microsoft.com/office/drawing/2010/main" w="9525">
                     <a:solidFill>
                       <a:srgbClr val="000000"/>
                     </a:solidFill>
@@ -40596,7 +40904,7 @@
               </a:ln>
               <a:extLst>
                 <a:ext uri="{91240B29-F687-4f45-9708-019B960494DF}">
-                  <a14:hiddenLine xmlns:a14="http://schemas.microsoft.com/office/drawing/2010/main" xmlns:p14="http://schemas.microsoft.com/office/powerpoint/2010/main" xmlns:a16="http://schemas.microsoft.com/office/drawing/2014/main" xmlns="" w="9525">
+                  <a14:hiddenLine xmlns="" xmlns:a16="http://schemas.microsoft.com/office/drawing/2014/main" xmlns:p14="http://schemas.microsoft.com/office/powerpoint/2010/main" xmlns:a14="http://schemas.microsoft.com/office/drawing/2010/main" w="9525">
                     <a:solidFill>
                       <a:srgbClr val="000000"/>
                     </a:solidFill>
@@ -40731,7 +41039,7 @@
               </a:ln>
               <a:extLst>
                 <a:ext uri="{91240B29-F687-4f45-9708-019B960494DF}">
-                  <a14:hiddenLine xmlns:a14="http://schemas.microsoft.com/office/drawing/2010/main" xmlns:p14="http://schemas.microsoft.com/office/powerpoint/2010/main" xmlns:a16="http://schemas.microsoft.com/office/drawing/2014/main" xmlns="" w="9525">
+                  <a14:hiddenLine xmlns="" xmlns:a16="http://schemas.microsoft.com/office/drawing/2014/main" xmlns:p14="http://schemas.microsoft.com/office/powerpoint/2010/main" xmlns:a14="http://schemas.microsoft.com/office/drawing/2010/main" w="9525">
                     <a:solidFill>
                       <a:srgbClr val="000000"/>
                     </a:solidFill>
@@ -40859,7 +41167,7 @@
               </a:ln>
               <a:extLst>
                 <a:ext uri="{91240B29-F687-4f45-9708-019B960494DF}">
-                  <a14:hiddenLine xmlns:a14="http://schemas.microsoft.com/office/drawing/2010/main" xmlns:p14="http://schemas.microsoft.com/office/powerpoint/2010/main" xmlns:a16="http://schemas.microsoft.com/office/drawing/2014/main" xmlns="" w="9525">
+                  <a14:hiddenLine xmlns="" xmlns:a16="http://schemas.microsoft.com/office/drawing/2014/main" xmlns:p14="http://schemas.microsoft.com/office/powerpoint/2010/main" xmlns:a14="http://schemas.microsoft.com/office/drawing/2010/main" w="9525">
                     <a:solidFill>
                       <a:srgbClr val="000000"/>
                     </a:solidFill>
@@ -40989,7 +41297,7 @@
               </a:ln>
               <a:extLst>
                 <a:ext uri="{91240B29-F687-4f45-9708-019B960494DF}">
-                  <a14:hiddenLine xmlns:a14="http://schemas.microsoft.com/office/drawing/2010/main" xmlns:p14="http://schemas.microsoft.com/office/powerpoint/2010/main" xmlns:a16="http://schemas.microsoft.com/office/drawing/2014/main" xmlns="" w="9525">
+                  <a14:hiddenLine xmlns="" xmlns:a16="http://schemas.microsoft.com/office/drawing/2014/main" xmlns:p14="http://schemas.microsoft.com/office/powerpoint/2010/main" xmlns:a14="http://schemas.microsoft.com/office/drawing/2010/main" w="9525">
                     <a:solidFill>
                       <a:srgbClr val="000000"/>
                     </a:solidFill>
@@ -41094,7 +41402,7 @@
               </a:ln>
               <a:extLst>
                 <a:ext uri="{91240B29-F687-4f45-9708-019B960494DF}">
-                  <a14:hiddenLine xmlns:a14="http://schemas.microsoft.com/office/drawing/2010/main" xmlns:p14="http://schemas.microsoft.com/office/powerpoint/2010/main" xmlns:a16="http://schemas.microsoft.com/office/drawing/2014/main" xmlns="" w="9525">
+                  <a14:hiddenLine xmlns="" xmlns:a16="http://schemas.microsoft.com/office/drawing/2014/main" xmlns:p14="http://schemas.microsoft.com/office/powerpoint/2010/main" xmlns:a14="http://schemas.microsoft.com/office/drawing/2010/main" w="9525">
                     <a:solidFill>
                       <a:srgbClr val="000000"/>
                     </a:solidFill>
@@ -41174,7 +41482,7 @@
               </a:ln>
               <a:extLst>
                 <a:ext uri="{91240B29-F687-4f45-9708-019B960494DF}">
-                  <a14:hiddenLine xmlns:a14="http://schemas.microsoft.com/office/drawing/2010/main" xmlns:p14="http://schemas.microsoft.com/office/powerpoint/2010/main" xmlns:a16="http://schemas.microsoft.com/office/drawing/2014/main" xmlns="" w="9525">
+                  <a14:hiddenLine xmlns="" xmlns:a16="http://schemas.microsoft.com/office/drawing/2014/main" xmlns:p14="http://schemas.microsoft.com/office/powerpoint/2010/main" xmlns:a14="http://schemas.microsoft.com/office/drawing/2010/main" w="9525">
                     <a:solidFill>
                       <a:srgbClr val="000000"/>
                     </a:solidFill>
@@ -41279,7 +41587,7 @@
               </a:ln>
               <a:extLst>
                 <a:ext uri="{91240B29-F687-4f45-9708-019B960494DF}">
-                  <a14:hiddenLine xmlns:a14="http://schemas.microsoft.com/office/drawing/2010/main" xmlns:p14="http://schemas.microsoft.com/office/powerpoint/2010/main" xmlns:a16="http://schemas.microsoft.com/office/drawing/2014/main" xmlns="" w="9525">
+                  <a14:hiddenLine xmlns="" xmlns:a16="http://schemas.microsoft.com/office/drawing/2014/main" xmlns:p14="http://schemas.microsoft.com/office/powerpoint/2010/main" xmlns:a14="http://schemas.microsoft.com/office/drawing/2010/main" w="9525">
                     <a:solidFill>
                       <a:srgbClr val="000000"/>
                     </a:solidFill>
@@ -41362,7 +41670,7 @@
               </a:ln>
               <a:extLst>
                 <a:ext uri="{91240B29-F687-4f45-9708-019B960494DF}">
-                  <a14:hiddenLine xmlns:a14="http://schemas.microsoft.com/office/drawing/2010/main" xmlns:p14="http://schemas.microsoft.com/office/powerpoint/2010/main" xmlns:a16="http://schemas.microsoft.com/office/drawing/2014/main" xmlns="" w="9525">
+                  <a14:hiddenLine xmlns="" xmlns:a16="http://schemas.microsoft.com/office/drawing/2014/main" xmlns:p14="http://schemas.microsoft.com/office/powerpoint/2010/main" xmlns:a14="http://schemas.microsoft.com/office/drawing/2010/main" w="9525">
                     <a:solidFill>
                       <a:srgbClr val="000000"/>
                     </a:solidFill>
@@ -41467,7 +41775,7 @@
               </a:ln>
               <a:extLst>
                 <a:ext uri="{91240B29-F687-4f45-9708-019B960494DF}">
-                  <a14:hiddenLine xmlns:a14="http://schemas.microsoft.com/office/drawing/2010/main" xmlns:p14="http://schemas.microsoft.com/office/powerpoint/2010/main" xmlns:a16="http://schemas.microsoft.com/office/drawing/2014/main" xmlns="" w="9525">
+                  <a14:hiddenLine xmlns="" xmlns:a16="http://schemas.microsoft.com/office/drawing/2014/main" xmlns:p14="http://schemas.microsoft.com/office/powerpoint/2010/main" xmlns:a14="http://schemas.microsoft.com/office/drawing/2010/main" w="9525">
                     <a:solidFill>
                       <a:srgbClr val="000000"/>
                     </a:solidFill>
@@ -41550,7 +41858,7 @@
               </a:ln>
               <a:extLst>
                 <a:ext uri="{91240B29-F687-4f45-9708-019B960494DF}">
-                  <a14:hiddenLine xmlns:a14="http://schemas.microsoft.com/office/drawing/2010/main" xmlns:p14="http://schemas.microsoft.com/office/powerpoint/2010/main" xmlns:a16="http://schemas.microsoft.com/office/drawing/2014/main" xmlns="" w="9525">
+                  <a14:hiddenLine xmlns="" xmlns:a16="http://schemas.microsoft.com/office/drawing/2014/main" xmlns:p14="http://schemas.microsoft.com/office/powerpoint/2010/main" xmlns:a14="http://schemas.microsoft.com/office/drawing/2010/main" w="9525">
                     <a:solidFill>
                       <a:srgbClr val="000000"/>
                     </a:solidFill>
@@ -41655,7 +41963,7 @@
               </a:ln>
               <a:extLst>
                 <a:ext uri="{91240B29-F687-4f45-9708-019B960494DF}">
-                  <a14:hiddenLine xmlns:a14="http://schemas.microsoft.com/office/drawing/2010/main" xmlns:p14="http://schemas.microsoft.com/office/powerpoint/2010/main" xmlns:a16="http://schemas.microsoft.com/office/drawing/2014/main" xmlns="" w="9525">
+                  <a14:hiddenLine xmlns="" xmlns:a16="http://schemas.microsoft.com/office/drawing/2014/main" xmlns:p14="http://schemas.microsoft.com/office/powerpoint/2010/main" xmlns:a14="http://schemas.microsoft.com/office/drawing/2010/main" w="9525">
                     <a:solidFill>
                       <a:srgbClr val="000000"/>
                     </a:solidFill>
@@ -41704,7 +42012,7 @@
               </a:ln>
               <a:extLst>
                 <a:ext uri="{91240B29-F687-4f45-9708-019B960494DF}">
-                  <a14:hiddenLine xmlns:a14="http://schemas.microsoft.com/office/drawing/2010/main" xmlns:p14="http://schemas.microsoft.com/office/powerpoint/2010/main" xmlns:a16="http://schemas.microsoft.com/office/drawing/2014/main" xmlns="" w="9525">
+                  <a14:hiddenLine xmlns="" xmlns:a16="http://schemas.microsoft.com/office/drawing/2014/main" xmlns:p14="http://schemas.microsoft.com/office/powerpoint/2010/main" xmlns:a14="http://schemas.microsoft.com/office/drawing/2010/main" w="9525">
                     <a:solidFill>
                       <a:srgbClr val="000000"/>
                     </a:solidFill>

--- a/LOB Cuskit Launch Dashboard.pptx
+++ b/LOB Cuskit Launch Dashboard.pptx
@@ -4,6 +4,9 @@
   <p:sldMasterIdLst>
     <p:sldMasterId id="2147483648" r:id="rId1"/>
   </p:sldMasterIdLst>
+  <p:notesMasterIdLst>
+    <p:notesMasterId r:id="rId19"/>
+  </p:notesMasterIdLst>
   <p:sldIdLst>
     <p:sldId id="256" r:id="rId2"/>
     <p:sldId id="263" r:id="rId3"/>
@@ -11,18 +14,17 @@
     <p:sldId id="259" r:id="rId5"/>
     <p:sldId id="257" r:id="rId6"/>
     <p:sldId id="258" r:id="rId7"/>
-    <p:sldId id="261" r:id="rId8"/>
-    <p:sldId id="260" r:id="rId9"/>
-    <p:sldId id="262" r:id="rId10"/>
-    <p:sldId id="269" r:id="rId11"/>
-    <p:sldId id="267" r:id="rId12"/>
-    <p:sldId id="270" r:id="rId13"/>
-    <p:sldId id="275" r:id="rId14"/>
-    <p:sldId id="272" r:id="rId15"/>
-    <p:sldId id="273" r:id="rId16"/>
-    <p:sldId id="268" r:id="rId17"/>
-    <p:sldId id="274" r:id="rId18"/>
-    <p:sldId id="271" r:id="rId19"/>
+    <p:sldId id="260" r:id="rId8"/>
+    <p:sldId id="262" r:id="rId9"/>
+    <p:sldId id="269" r:id="rId10"/>
+    <p:sldId id="267" r:id="rId11"/>
+    <p:sldId id="270" r:id="rId12"/>
+    <p:sldId id="275" r:id="rId13"/>
+    <p:sldId id="272" r:id="rId14"/>
+    <p:sldId id="273" r:id="rId15"/>
+    <p:sldId id="268" r:id="rId16"/>
+    <p:sldId id="274" r:id="rId17"/>
+    <p:sldId id="271" r:id="rId18"/>
   </p:sldIdLst>
   <p:sldSz cx="12192000" cy="6858000"/>
   <p:notesSz cx="6858000" cy="9144000"/>
@@ -127,6 +129,1939 @@
     </p:ext>
   </p:extLst>
 </p:presentation>
+</file>
+
+<file path=ppt/notesMasters/notesMaster1.xml><?xml version="1.0" encoding="utf-8"?>
+<p:notesMaster xmlns:a="http://schemas.openxmlformats.org/drawingml/2006/main" xmlns:r="http://schemas.openxmlformats.org/officeDocument/2006/relationships" xmlns:p="http://schemas.openxmlformats.org/presentationml/2006/main">
+  <p:cSld>
+    <p:bg>
+      <p:bgRef idx="1001">
+        <a:schemeClr val="bg1"/>
+      </p:bgRef>
+    </p:bg>
+    <p:spTree>
+      <p:nvGrpSpPr>
+        <p:cNvPr id="1" name=""/>
+        <p:cNvGrpSpPr/>
+        <p:nvPr/>
+      </p:nvGrpSpPr>
+      <p:grpSpPr>
+        <a:xfrm>
+          <a:off x="0" y="0"/>
+          <a:ext cx="0" cy="0"/>
+          <a:chOff x="0" y="0"/>
+          <a:chExt cx="0" cy="0"/>
+        </a:xfrm>
+      </p:grpSpPr>
+      <p:sp>
+        <p:nvSpPr>
+          <p:cNvPr id="2" name="Header Placeholder 1"/>
+          <p:cNvSpPr>
+            <a:spLocks noGrp="1"/>
+          </p:cNvSpPr>
+          <p:nvPr>
+            <p:ph type="hdr" sz="quarter"/>
+          </p:nvPr>
+        </p:nvSpPr>
+        <p:spPr>
+          <a:xfrm>
+            <a:off x="0" y="0"/>
+            <a:ext cx="2971800" cy="458788"/>
+          </a:xfrm>
+          <a:prstGeom prst="rect">
+            <a:avLst/>
+          </a:prstGeom>
+        </p:spPr>
+        <p:txBody>
+          <a:bodyPr vert="horz" lIns="91440" tIns="45720" rIns="91440" bIns="45720" rtlCol="0"/>
+          <a:lstStyle>
+            <a:lvl1pPr algn="l">
+              <a:defRPr sz="1200"/>
+            </a:lvl1pPr>
+          </a:lstStyle>
+          <a:p>
+            <a:endParaRPr lang="en-US"/>
+          </a:p>
+        </p:txBody>
+      </p:sp>
+      <p:sp>
+        <p:nvSpPr>
+          <p:cNvPr id="3" name="Date Placeholder 2"/>
+          <p:cNvSpPr>
+            <a:spLocks noGrp="1"/>
+          </p:cNvSpPr>
+          <p:nvPr>
+            <p:ph type="dt" idx="1"/>
+          </p:nvPr>
+        </p:nvSpPr>
+        <p:spPr>
+          <a:xfrm>
+            <a:off x="3884613" y="0"/>
+            <a:ext cx="2971800" cy="458788"/>
+          </a:xfrm>
+          <a:prstGeom prst="rect">
+            <a:avLst/>
+          </a:prstGeom>
+        </p:spPr>
+        <p:txBody>
+          <a:bodyPr vert="horz" lIns="91440" tIns="45720" rIns="91440" bIns="45720" rtlCol="0"/>
+          <a:lstStyle>
+            <a:lvl1pPr algn="r">
+              <a:defRPr sz="1200"/>
+            </a:lvl1pPr>
+          </a:lstStyle>
+          <a:p>
+            <a:fld id="{C03F631A-1AC7-4393-9970-928BDBE9F5CF}" type="datetimeFigureOut">
+              <a:rPr lang="en-US" smtClean="0"/>
+              <a:t>4/15/2022</a:t>
+            </a:fld>
+            <a:endParaRPr lang="en-US"/>
+          </a:p>
+        </p:txBody>
+      </p:sp>
+      <p:sp>
+        <p:nvSpPr>
+          <p:cNvPr id="4" name="Slide Image Placeholder 3"/>
+          <p:cNvSpPr>
+            <a:spLocks noGrp="1" noRot="1" noChangeAspect="1"/>
+          </p:cNvSpPr>
+          <p:nvPr>
+            <p:ph type="sldImg" idx="2"/>
+          </p:nvPr>
+        </p:nvSpPr>
+        <p:spPr>
+          <a:xfrm>
+            <a:off x="685800" y="1143000"/>
+            <a:ext cx="5486400" cy="3086100"/>
+          </a:xfrm>
+          <a:prstGeom prst="rect">
+            <a:avLst/>
+          </a:prstGeom>
+          <a:noFill/>
+          <a:ln w="12700">
+            <a:solidFill>
+              <a:prstClr val="black"/>
+            </a:solidFill>
+          </a:ln>
+        </p:spPr>
+        <p:txBody>
+          <a:bodyPr vert="horz" lIns="91440" tIns="45720" rIns="91440" bIns="45720" rtlCol="0" anchor="ctr"/>
+          <a:lstStyle/>
+          <a:p>
+            <a:endParaRPr lang="en-US"/>
+          </a:p>
+        </p:txBody>
+      </p:sp>
+      <p:sp>
+        <p:nvSpPr>
+          <p:cNvPr id="5" name="Notes Placeholder 4"/>
+          <p:cNvSpPr>
+            <a:spLocks noGrp="1"/>
+          </p:cNvSpPr>
+          <p:nvPr>
+            <p:ph type="body" sz="quarter" idx="3"/>
+          </p:nvPr>
+        </p:nvSpPr>
+        <p:spPr>
+          <a:xfrm>
+            <a:off x="685800" y="4400550"/>
+            <a:ext cx="5486400" cy="3600450"/>
+          </a:xfrm>
+          <a:prstGeom prst="rect">
+            <a:avLst/>
+          </a:prstGeom>
+        </p:spPr>
+        <p:txBody>
+          <a:bodyPr vert="horz" lIns="91440" tIns="45720" rIns="91440" bIns="45720" rtlCol="0"/>
+          <a:lstStyle/>
+          <a:p>
+            <a:pPr lvl="0"/>
+            <a:r>
+              <a:rPr lang="en-US"/>
+              <a:t>Click to edit Master text styles</a:t>
+            </a:r>
+          </a:p>
+          <a:p>
+            <a:pPr lvl="1"/>
+            <a:r>
+              <a:rPr lang="en-US"/>
+              <a:t>Second level</a:t>
+            </a:r>
+          </a:p>
+          <a:p>
+            <a:pPr lvl="2"/>
+            <a:r>
+              <a:rPr lang="en-US"/>
+              <a:t>Third level</a:t>
+            </a:r>
+          </a:p>
+          <a:p>
+            <a:pPr lvl="3"/>
+            <a:r>
+              <a:rPr lang="en-US"/>
+              <a:t>Fourth level</a:t>
+            </a:r>
+          </a:p>
+          <a:p>
+            <a:pPr lvl="4"/>
+            <a:r>
+              <a:rPr lang="en-US"/>
+              <a:t>Fifth level</a:t>
+            </a:r>
+          </a:p>
+        </p:txBody>
+      </p:sp>
+      <p:sp>
+        <p:nvSpPr>
+          <p:cNvPr id="6" name="Footer Placeholder 5"/>
+          <p:cNvSpPr>
+            <a:spLocks noGrp="1"/>
+          </p:cNvSpPr>
+          <p:nvPr>
+            <p:ph type="ftr" sz="quarter" idx="4"/>
+          </p:nvPr>
+        </p:nvSpPr>
+        <p:spPr>
+          <a:xfrm>
+            <a:off x="0" y="8685213"/>
+            <a:ext cx="2971800" cy="458787"/>
+          </a:xfrm>
+          <a:prstGeom prst="rect">
+            <a:avLst/>
+          </a:prstGeom>
+        </p:spPr>
+        <p:txBody>
+          <a:bodyPr vert="horz" lIns="91440" tIns="45720" rIns="91440" bIns="45720" rtlCol="0" anchor="b"/>
+          <a:lstStyle>
+            <a:lvl1pPr algn="l">
+              <a:defRPr sz="1200"/>
+            </a:lvl1pPr>
+          </a:lstStyle>
+          <a:p>
+            <a:endParaRPr lang="en-US"/>
+          </a:p>
+        </p:txBody>
+      </p:sp>
+      <p:sp>
+        <p:nvSpPr>
+          <p:cNvPr id="7" name="Slide Number Placeholder 6"/>
+          <p:cNvSpPr>
+            <a:spLocks noGrp="1"/>
+          </p:cNvSpPr>
+          <p:nvPr>
+            <p:ph type="sldNum" sz="quarter" idx="5"/>
+          </p:nvPr>
+        </p:nvSpPr>
+        <p:spPr>
+          <a:xfrm>
+            <a:off x="3884613" y="8685213"/>
+            <a:ext cx="2971800" cy="458787"/>
+          </a:xfrm>
+          <a:prstGeom prst="rect">
+            <a:avLst/>
+          </a:prstGeom>
+        </p:spPr>
+        <p:txBody>
+          <a:bodyPr vert="horz" lIns="91440" tIns="45720" rIns="91440" bIns="45720" rtlCol="0" anchor="b"/>
+          <a:lstStyle>
+            <a:lvl1pPr algn="r">
+              <a:defRPr sz="1200"/>
+            </a:lvl1pPr>
+          </a:lstStyle>
+          <a:p>
+            <a:fld id="{1BE65F5F-EF43-4D9E-8524-039DDE354730}" type="slidenum">
+              <a:rPr lang="en-US" smtClean="0"/>
+              <a:t>‹#›</a:t>
+            </a:fld>
+            <a:endParaRPr lang="en-US"/>
+          </a:p>
+        </p:txBody>
+      </p:sp>
+    </p:spTree>
+    <p:extLst>
+      <p:ext uri="{BB962C8B-B14F-4D97-AF65-F5344CB8AC3E}">
+        <p14:creationId xmlns:p14="http://schemas.microsoft.com/office/powerpoint/2010/main" val="4092163711"/>
+      </p:ext>
+    </p:extLst>
+  </p:cSld>
+  <p:clrMap bg1="lt1" tx1="dk1" bg2="lt2" tx2="dk2" accent1="accent1" accent2="accent2" accent3="accent3" accent4="accent4" accent5="accent5" accent6="accent6" hlink="hlink" folHlink="folHlink"/>
+  <p:notesStyle>
+    <a:lvl1pPr marL="0" algn="l" defTabSz="914400" rtl="0" eaLnBrk="1" latinLnBrk="0" hangingPunct="1">
+      <a:defRPr sz="1200" kern="1200">
+        <a:solidFill>
+          <a:schemeClr val="tx1"/>
+        </a:solidFill>
+        <a:latin typeface="+mn-lt"/>
+        <a:ea typeface="+mn-ea"/>
+        <a:cs typeface="+mn-cs"/>
+      </a:defRPr>
+    </a:lvl1pPr>
+    <a:lvl2pPr marL="457200" algn="l" defTabSz="914400" rtl="0" eaLnBrk="1" latinLnBrk="0" hangingPunct="1">
+      <a:defRPr sz="1200" kern="1200">
+        <a:solidFill>
+          <a:schemeClr val="tx1"/>
+        </a:solidFill>
+        <a:latin typeface="+mn-lt"/>
+        <a:ea typeface="+mn-ea"/>
+        <a:cs typeface="+mn-cs"/>
+      </a:defRPr>
+    </a:lvl2pPr>
+    <a:lvl3pPr marL="914400" algn="l" defTabSz="914400" rtl="0" eaLnBrk="1" latinLnBrk="0" hangingPunct="1">
+      <a:defRPr sz="1200" kern="1200">
+        <a:solidFill>
+          <a:schemeClr val="tx1"/>
+        </a:solidFill>
+        <a:latin typeface="+mn-lt"/>
+        <a:ea typeface="+mn-ea"/>
+        <a:cs typeface="+mn-cs"/>
+      </a:defRPr>
+    </a:lvl3pPr>
+    <a:lvl4pPr marL="1371600" algn="l" defTabSz="914400" rtl="0" eaLnBrk="1" latinLnBrk="0" hangingPunct="1">
+      <a:defRPr sz="1200" kern="1200">
+        <a:solidFill>
+          <a:schemeClr val="tx1"/>
+        </a:solidFill>
+        <a:latin typeface="+mn-lt"/>
+        <a:ea typeface="+mn-ea"/>
+        <a:cs typeface="+mn-cs"/>
+      </a:defRPr>
+    </a:lvl4pPr>
+    <a:lvl5pPr marL="1828800" algn="l" defTabSz="914400" rtl="0" eaLnBrk="1" latinLnBrk="0" hangingPunct="1">
+      <a:defRPr sz="1200" kern="1200">
+        <a:solidFill>
+          <a:schemeClr val="tx1"/>
+        </a:solidFill>
+        <a:latin typeface="+mn-lt"/>
+        <a:ea typeface="+mn-ea"/>
+        <a:cs typeface="+mn-cs"/>
+      </a:defRPr>
+    </a:lvl5pPr>
+    <a:lvl6pPr marL="2286000" algn="l" defTabSz="914400" rtl="0" eaLnBrk="1" latinLnBrk="0" hangingPunct="1">
+      <a:defRPr sz="1200" kern="1200">
+        <a:solidFill>
+          <a:schemeClr val="tx1"/>
+        </a:solidFill>
+        <a:latin typeface="+mn-lt"/>
+        <a:ea typeface="+mn-ea"/>
+        <a:cs typeface="+mn-cs"/>
+      </a:defRPr>
+    </a:lvl6pPr>
+    <a:lvl7pPr marL="2743200" algn="l" defTabSz="914400" rtl="0" eaLnBrk="1" latinLnBrk="0" hangingPunct="1">
+      <a:defRPr sz="1200" kern="1200">
+        <a:solidFill>
+          <a:schemeClr val="tx1"/>
+        </a:solidFill>
+        <a:latin typeface="+mn-lt"/>
+        <a:ea typeface="+mn-ea"/>
+        <a:cs typeface="+mn-cs"/>
+      </a:defRPr>
+    </a:lvl7pPr>
+    <a:lvl8pPr marL="3200400" algn="l" defTabSz="914400" rtl="0" eaLnBrk="1" latinLnBrk="0" hangingPunct="1">
+      <a:defRPr sz="1200" kern="1200">
+        <a:solidFill>
+          <a:schemeClr val="tx1"/>
+        </a:solidFill>
+        <a:latin typeface="+mn-lt"/>
+        <a:ea typeface="+mn-ea"/>
+        <a:cs typeface="+mn-cs"/>
+      </a:defRPr>
+    </a:lvl8pPr>
+    <a:lvl9pPr marL="3657600" algn="l" defTabSz="914400" rtl="0" eaLnBrk="1" latinLnBrk="0" hangingPunct="1">
+      <a:defRPr sz="1200" kern="1200">
+        <a:solidFill>
+          <a:schemeClr val="tx1"/>
+        </a:solidFill>
+        <a:latin typeface="+mn-lt"/>
+        <a:ea typeface="+mn-ea"/>
+        <a:cs typeface="+mn-cs"/>
+      </a:defRPr>
+    </a:lvl9pPr>
+  </p:notesStyle>
+</p:notesMaster>
+</file>
+
+<file path=ppt/notesSlides/notesSlide1.xml><?xml version="1.0" encoding="utf-8"?>
+<p:notes xmlns:a="http://schemas.openxmlformats.org/drawingml/2006/main" xmlns:r="http://schemas.openxmlformats.org/officeDocument/2006/relationships" xmlns:p="http://schemas.openxmlformats.org/presentationml/2006/main">
+  <p:cSld>
+    <p:spTree>
+      <p:nvGrpSpPr>
+        <p:cNvPr id="1" name=""/>
+        <p:cNvGrpSpPr/>
+        <p:nvPr/>
+      </p:nvGrpSpPr>
+      <p:grpSpPr>
+        <a:xfrm>
+          <a:off x="0" y="0"/>
+          <a:ext cx="0" cy="0"/>
+          <a:chOff x="0" y="0"/>
+          <a:chExt cx="0" cy="0"/>
+        </a:xfrm>
+      </p:grpSpPr>
+      <p:sp>
+        <p:nvSpPr>
+          <p:cNvPr id="2" name="Slide Image Placeholder 1"/>
+          <p:cNvSpPr>
+            <a:spLocks noGrp="1" noRot="1" noChangeAspect="1"/>
+          </p:cNvSpPr>
+          <p:nvPr>
+            <p:ph type="sldImg"/>
+          </p:nvPr>
+        </p:nvSpPr>
+        <p:spPr/>
+      </p:sp>
+      <p:sp>
+        <p:nvSpPr>
+          <p:cNvPr id="3" name="Notes Placeholder 2"/>
+          <p:cNvSpPr>
+            <a:spLocks noGrp="1"/>
+          </p:cNvSpPr>
+          <p:nvPr>
+            <p:ph type="body" idx="1"/>
+          </p:nvPr>
+        </p:nvSpPr>
+        <p:spPr/>
+        <p:txBody>
+          <a:bodyPr/>
+          <a:lstStyle/>
+          <a:p>
+            <a:pPr marL="0" marR="0">
+              <a:lnSpc>
+                <a:spcPct val="107000"/>
+              </a:lnSpc>
+              <a:spcBef>
+                <a:spcPts val="0"/>
+              </a:spcBef>
+              <a:spcAft>
+                <a:spcPts val="800"/>
+              </a:spcAft>
+            </a:pPr>
+            <a:endParaRPr lang="en-US" sz="1800" dirty="0">
+              <a:effectLst/>
+              <a:latin typeface="Calibri" panose="020F0502020204030204" pitchFamily="34" charset="0"/>
+              <a:ea typeface="DengXian" panose="02010600030101010101" pitchFamily="2" charset="-122"/>
+              <a:cs typeface="Times New Roman" panose="02020603050405020304" pitchFamily="18" charset="0"/>
+            </a:endParaRPr>
+          </a:p>
+        </p:txBody>
+      </p:sp>
+      <p:sp>
+        <p:nvSpPr>
+          <p:cNvPr id="4" name="Slide Number Placeholder 3"/>
+          <p:cNvSpPr>
+            <a:spLocks noGrp="1"/>
+          </p:cNvSpPr>
+          <p:nvPr>
+            <p:ph type="sldNum" sz="quarter" idx="5"/>
+          </p:nvPr>
+        </p:nvSpPr>
+        <p:spPr/>
+        <p:txBody>
+          <a:bodyPr/>
+          <a:lstStyle/>
+          <a:p>
+            <a:fld id="{1BE65F5F-EF43-4D9E-8524-039DDE354730}" type="slidenum">
+              <a:rPr lang="en-US" smtClean="0"/>
+              <a:t>1</a:t>
+            </a:fld>
+            <a:endParaRPr lang="en-US"/>
+          </a:p>
+        </p:txBody>
+      </p:sp>
+    </p:spTree>
+    <p:extLst>
+      <p:ext uri="{BB962C8B-B14F-4D97-AF65-F5344CB8AC3E}">
+        <p14:creationId xmlns:p14="http://schemas.microsoft.com/office/powerpoint/2010/main" val="536777453"/>
+      </p:ext>
+    </p:extLst>
+  </p:cSld>
+  <p:clrMapOvr>
+    <a:masterClrMapping/>
+  </p:clrMapOvr>
+</p:notes>
+</file>
+
+<file path=ppt/notesSlides/notesSlide10.xml><?xml version="1.0" encoding="utf-8"?>
+<p:notes xmlns:a="http://schemas.openxmlformats.org/drawingml/2006/main" xmlns:r="http://schemas.openxmlformats.org/officeDocument/2006/relationships" xmlns:p="http://schemas.openxmlformats.org/presentationml/2006/main">
+  <p:cSld>
+    <p:spTree>
+      <p:nvGrpSpPr>
+        <p:cNvPr id="1" name=""/>
+        <p:cNvGrpSpPr/>
+        <p:nvPr/>
+      </p:nvGrpSpPr>
+      <p:grpSpPr>
+        <a:xfrm>
+          <a:off x="0" y="0"/>
+          <a:ext cx="0" cy="0"/>
+          <a:chOff x="0" y="0"/>
+          <a:chExt cx="0" cy="0"/>
+        </a:xfrm>
+      </p:grpSpPr>
+      <p:sp>
+        <p:nvSpPr>
+          <p:cNvPr id="2" name="Slide Image Placeholder 1"/>
+          <p:cNvSpPr>
+            <a:spLocks noGrp="1" noRot="1" noChangeAspect="1"/>
+          </p:cNvSpPr>
+          <p:nvPr>
+            <p:ph type="sldImg"/>
+          </p:nvPr>
+        </p:nvSpPr>
+        <p:spPr/>
+      </p:sp>
+      <p:sp>
+        <p:nvSpPr>
+          <p:cNvPr id="3" name="Notes Placeholder 2"/>
+          <p:cNvSpPr>
+            <a:spLocks noGrp="1"/>
+          </p:cNvSpPr>
+          <p:nvPr>
+            <p:ph type="body" idx="1"/>
+          </p:nvPr>
+        </p:nvSpPr>
+        <p:spPr/>
+        <p:txBody>
+          <a:bodyPr/>
+          <a:lstStyle/>
+          <a:p>
+            <a:endParaRPr lang="en-US" dirty="0"/>
+          </a:p>
+        </p:txBody>
+      </p:sp>
+      <p:sp>
+        <p:nvSpPr>
+          <p:cNvPr id="4" name="Slide Number Placeholder 3"/>
+          <p:cNvSpPr>
+            <a:spLocks noGrp="1"/>
+          </p:cNvSpPr>
+          <p:nvPr>
+            <p:ph type="sldNum" sz="quarter" idx="5"/>
+          </p:nvPr>
+        </p:nvSpPr>
+        <p:spPr/>
+        <p:txBody>
+          <a:bodyPr/>
+          <a:lstStyle/>
+          <a:p>
+            <a:fld id="{1BE65F5F-EF43-4D9E-8524-039DDE354730}" type="slidenum">
+              <a:rPr lang="en-US" smtClean="0"/>
+              <a:t>10</a:t>
+            </a:fld>
+            <a:endParaRPr lang="en-US"/>
+          </a:p>
+        </p:txBody>
+      </p:sp>
+    </p:spTree>
+    <p:extLst>
+      <p:ext uri="{BB962C8B-B14F-4D97-AF65-F5344CB8AC3E}">
+        <p14:creationId xmlns:p14="http://schemas.microsoft.com/office/powerpoint/2010/main" val="577845065"/>
+      </p:ext>
+    </p:extLst>
+  </p:cSld>
+  <p:clrMapOvr>
+    <a:masterClrMapping/>
+  </p:clrMapOvr>
+</p:notes>
+</file>
+
+<file path=ppt/notesSlides/notesSlide11.xml><?xml version="1.0" encoding="utf-8"?>
+<p:notes xmlns:a="http://schemas.openxmlformats.org/drawingml/2006/main" xmlns:r="http://schemas.openxmlformats.org/officeDocument/2006/relationships" xmlns:p="http://schemas.openxmlformats.org/presentationml/2006/main">
+  <p:cSld>
+    <p:spTree>
+      <p:nvGrpSpPr>
+        <p:cNvPr id="1" name=""/>
+        <p:cNvGrpSpPr/>
+        <p:nvPr/>
+      </p:nvGrpSpPr>
+      <p:grpSpPr>
+        <a:xfrm>
+          <a:off x="0" y="0"/>
+          <a:ext cx="0" cy="0"/>
+          <a:chOff x="0" y="0"/>
+          <a:chExt cx="0" cy="0"/>
+        </a:xfrm>
+      </p:grpSpPr>
+      <p:sp>
+        <p:nvSpPr>
+          <p:cNvPr id="2" name="Slide Image Placeholder 1"/>
+          <p:cNvSpPr>
+            <a:spLocks noGrp="1" noRot="1" noChangeAspect="1"/>
+          </p:cNvSpPr>
+          <p:nvPr>
+            <p:ph type="sldImg"/>
+          </p:nvPr>
+        </p:nvSpPr>
+        <p:spPr/>
+      </p:sp>
+      <p:sp>
+        <p:nvSpPr>
+          <p:cNvPr id="3" name="Notes Placeholder 2"/>
+          <p:cNvSpPr>
+            <a:spLocks noGrp="1"/>
+          </p:cNvSpPr>
+          <p:nvPr>
+            <p:ph type="body" idx="1"/>
+          </p:nvPr>
+        </p:nvSpPr>
+        <p:spPr/>
+        <p:txBody>
+          <a:bodyPr/>
+          <a:lstStyle/>
+          <a:p>
+            <a:endParaRPr lang="en-US" dirty="0"/>
+          </a:p>
+        </p:txBody>
+      </p:sp>
+      <p:sp>
+        <p:nvSpPr>
+          <p:cNvPr id="4" name="Slide Number Placeholder 3"/>
+          <p:cNvSpPr>
+            <a:spLocks noGrp="1"/>
+          </p:cNvSpPr>
+          <p:nvPr>
+            <p:ph type="sldNum" sz="quarter" idx="5"/>
+          </p:nvPr>
+        </p:nvSpPr>
+        <p:spPr/>
+        <p:txBody>
+          <a:bodyPr/>
+          <a:lstStyle/>
+          <a:p>
+            <a:fld id="{1BE65F5F-EF43-4D9E-8524-039DDE354730}" type="slidenum">
+              <a:rPr lang="en-US" smtClean="0"/>
+              <a:t>11</a:t>
+            </a:fld>
+            <a:endParaRPr lang="en-US"/>
+          </a:p>
+        </p:txBody>
+      </p:sp>
+    </p:spTree>
+    <p:extLst>
+      <p:ext uri="{BB962C8B-B14F-4D97-AF65-F5344CB8AC3E}">
+        <p14:creationId xmlns:p14="http://schemas.microsoft.com/office/powerpoint/2010/main" val="3612256154"/>
+      </p:ext>
+    </p:extLst>
+  </p:cSld>
+  <p:clrMapOvr>
+    <a:masterClrMapping/>
+  </p:clrMapOvr>
+</p:notes>
+</file>
+
+<file path=ppt/notesSlides/notesSlide12.xml><?xml version="1.0" encoding="utf-8"?>
+<p:notes xmlns:a="http://schemas.openxmlformats.org/drawingml/2006/main" xmlns:r="http://schemas.openxmlformats.org/officeDocument/2006/relationships" xmlns:p="http://schemas.openxmlformats.org/presentationml/2006/main">
+  <p:cSld>
+    <p:spTree>
+      <p:nvGrpSpPr>
+        <p:cNvPr id="1" name=""/>
+        <p:cNvGrpSpPr/>
+        <p:nvPr/>
+      </p:nvGrpSpPr>
+      <p:grpSpPr>
+        <a:xfrm>
+          <a:off x="0" y="0"/>
+          <a:ext cx="0" cy="0"/>
+          <a:chOff x="0" y="0"/>
+          <a:chExt cx="0" cy="0"/>
+        </a:xfrm>
+      </p:grpSpPr>
+      <p:sp>
+        <p:nvSpPr>
+          <p:cNvPr id="2" name="Slide Image Placeholder 1"/>
+          <p:cNvSpPr>
+            <a:spLocks noGrp="1" noRot="1" noChangeAspect="1"/>
+          </p:cNvSpPr>
+          <p:nvPr>
+            <p:ph type="sldImg"/>
+          </p:nvPr>
+        </p:nvSpPr>
+        <p:spPr/>
+      </p:sp>
+      <p:sp>
+        <p:nvSpPr>
+          <p:cNvPr id="3" name="Notes Placeholder 2"/>
+          <p:cNvSpPr>
+            <a:spLocks noGrp="1"/>
+          </p:cNvSpPr>
+          <p:nvPr>
+            <p:ph type="body" idx="1"/>
+          </p:nvPr>
+        </p:nvSpPr>
+        <p:spPr/>
+        <p:txBody>
+          <a:bodyPr/>
+          <a:lstStyle/>
+          <a:p>
+            <a:pPr marL="0" marR="0" lvl="0" indent="0" algn="l" defTabSz="914400" rtl="0" eaLnBrk="1" fontAlgn="auto" latinLnBrk="0" hangingPunct="1">
+              <a:lnSpc>
+                <a:spcPct val="100000"/>
+              </a:lnSpc>
+              <a:spcBef>
+                <a:spcPts val="0"/>
+              </a:spcBef>
+              <a:spcAft>
+                <a:spcPts val="0"/>
+              </a:spcAft>
+              <a:buClrTx/>
+              <a:buSzTx/>
+              <a:buFontTx/>
+              <a:buNone/>
+              <a:tabLst/>
+              <a:defRPr/>
+            </a:pPr>
+            <a:endParaRPr lang="en-US" sz="1800" dirty="0">
+              <a:effectLst/>
+              <a:latin typeface="Calibri" panose="020F0502020204030204" pitchFamily="34" charset="0"/>
+              <a:ea typeface="DengXian" panose="02010600030101010101" pitchFamily="2" charset="-122"/>
+              <a:cs typeface="Times New Roman" panose="02020603050405020304" pitchFamily="18" charset="0"/>
+            </a:endParaRPr>
+          </a:p>
+        </p:txBody>
+      </p:sp>
+      <p:sp>
+        <p:nvSpPr>
+          <p:cNvPr id="4" name="Slide Number Placeholder 3"/>
+          <p:cNvSpPr>
+            <a:spLocks noGrp="1"/>
+          </p:cNvSpPr>
+          <p:nvPr>
+            <p:ph type="sldNum" sz="quarter" idx="5"/>
+          </p:nvPr>
+        </p:nvSpPr>
+        <p:spPr/>
+        <p:txBody>
+          <a:bodyPr/>
+          <a:lstStyle/>
+          <a:p>
+            <a:fld id="{1BE65F5F-EF43-4D9E-8524-039DDE354730}" type="slidenum">
+              <a:rPr lang="en-US" smtClean="0"/>
+              <a:t>12</a:t>
+            </a:fld>
+            <a:endParaRPr lang="en-US"/>
+          </a:p>
+        </p:txBody>
+      </p:sp>
+    </p:spTree>
+    <p:extLst>
+      <p:ext uri="{BB962C8B-B14F-4D97-AF65-F5344CB8AC3E}">
+        <p14:creationId xmlns:p14="http://schemas.microsoft.com/office/powerpoint/2010/main" val="2682516200"/>
+      </p:ext>
+    </p:extLst>
+  </p:cSld>
+  <p:clrMapOvr>
+    <a:masterClrMapping/>
+  </p:clrMapOvr>
+</p:notes>
+</file>
+
+<file path=ppt/notesSlides/notesSlide13.xml><?xml version="1.0" encoding="utf-8"?>
+<p:notes xmlns:a="http://schemas.openxmlformats.org/drawingml/2006/main" xmlns:r="http://schemas.openxmlformats.org/officeDocument/2006/relationships" xmlns:p="http://schemas.openxmlformats.org/presentationml/2006/main">
+  <p:cSld>
+    <p:spTree>
+      <p:nvGrpSpPr>
+        <p:cNvPr id="1" name=""/>
+        <p:cNvGrpSpPr/>
+        <p:nvPr/>
+      </p:nvGrpSpPr>
+      <p:grpSpPr>
+        <a:xfrm>
+          <a:off x="0" y="0"/>
+          <a:ext cx="0" cy="0"/>
+          <a:chOff x="0" y="0"/>
+          <a:chExt cx="0" cy="0"/>
+        </a:xfrm>
+      </p:grpSpPr>
+      <p:sp>
+        <p:nvSpPr>
+          <p:cNvPr id="2" name="Slide Image Placeholder 1"/>
+          <p:cNvSpPr>
+            <a:spLocks noGrp="1" noRot="1" noChangeAspect="1"/>
+          </p:cNvSpPr>
+          <p:nvPr>
+            <p:ph type="sldImg"/>
+          </p:nvPr>
+        </p:nvSpPr>
+        <p:spPr/>
+      </p:sp>
+      <p:sp>
+        <p:nvSpPr>
+          <p:cNvPr id="3" name="Notes Placeholder 2"/>
+          <p:cNvSpPr>
+            <a:spLocks noGrp="1"/>
+          </p:cNvSpPr>
+          <p:nvPr>
+            <p:ph type="body" idx="1"/>
+          </p:nvPr>
+        </p:nvSpPr>
+        <p:spPr/>
+        <p:txBody>
+          <a:bodyPr/>
+          <a:lstStyle/>
+          <a:p>
+            <a:pPr marL="0" marR="0" lvl="0" indent="0" algn="l" defTabSz="914400" rtl="0" eaLnBrk="1" fontAlgn="auto" latinLnBrk="0" hangingPunct="1">
+              <a:lnSpc>
+                <a:spcPct val="100000"/>
+              </a:lnSpc>
+              <a:spcBef>
+                <a:spcPts val="0"/>
+              </a:spcBef>
+              <a:spcAft>
+                <a:spcPts val="0"/>
+              </a:spcAft>
+              <a:buClrTx/>
+              <a:buSzTx/>
+              <a:buFontTx/>
+              <a:buNone/>
+              <a:tabLst/>
+              <a:defRPr/>
+            </a:pPr>
+            <a:endParaRPr lang="en-US" sz="1800" dirty="0">
+              <a:effectLst/>
+              <a:latin typeface="Calibri" panose="020F0502020204030204" pitchFamily="34" charset="0"/>
+              <a:ea typeface="DengXian" panose="02010600030101010101" pitchFamily="2" charset="-122"/>
+              <a:cs typeface="Times New Roman" panose="02020603050405020304" pitchFamily="18" charset="0"/>
+            </a:endParaRPr>
+          </a:p>
+        </p:txBody>
+      </p:sp>
+      <p:sp>
+        <p:nvSpPr>
+          <p:cNvPr id="4" name="Slide Number Placeholder 3"/>
+          <p:cNvSpPr>
+            <a:spLocks noGrp="1"/>
+          </p:cNvSpPr>
+          <p:nvPr>
+            <p:ph type="sldNum" sz="quarter" idx="5"/>
+          </p:nvPr>
+        </p:nvSpPr>
+        <p:spPr/>
+        <p:txBody>
+          <a:bodyPr/>
+          <a:lstStyle/>
+          <a:p>
+            <a:fld id="{1BE65F5F-EF43-4D9E-8524-039DDE354730}" type="slidenum">
+              <a:rPr lang="en-US" smtClean="0"/>
+              <a:t>13</a:t>
+            </a:fld>
+            <a:endParaRPr lang="en-US"/>
+          </a:p>
+        </p:txBody>
+      </p:sp>
+    </p:spTree>
+    <p:extLst>
+      <p:ext uri="{BB962C8B-B14F-4D97-AF65-F5344CB8AC3E}">
+        <p14:creationId xmlns:p14="http://schemas.microsoft.com/office/powerpoint/2010/main" val="1094443509"/>
+      </p:ext>
+    </p:extLst>
+  </p:cSld>
+  <p:clrMapOvr>
+    <a:masterClrMapping/>
+  </p:clrMapOvr>
+</p:notes>
+</file>
+
+<file path=ppt/notesSlides/notesSlide14.xml><?xml version="1.0" encoding="utf-8"?>
+<p:notes xmlns:a="http://schemas.openxmlformats.org/drawingml/2006/main" xmlns:r="http://schemas.openxmlformats.org/officeDocument/2006/relationships" xmlns:p="http://schemas.openxmlformats.org/presentationml/2006/main">
+  <p:cSld>
+    <p:spTree>
+      <p:nvGrpSpPr>
+        <p:cNvPr id="1" name=""/>
+        <p:cNvGrpSpPr/>
+        <p:nvPr/>
+      </p:nvGrpSpPr>
+      <p:grpSpPr>
+        <a:xfrm>
+          <a:off x="0" y="0"/>
+          <a:ext cx="0" cy="0"/>
+          <a:chOff x="0" y="0"/>
+          <a:chExt cx="0" cy="0"/>
+        </a:xfrm>
+      </p:grpSpPr>
+      <p:sp>
+        <p:nvSpPr>
+          <p:cNvPr id="2" name="Slide Image Placeholder 1"/>
+          <p:cNvSpPr>
+            <a:spLocks noGrp="1" noRot="1" noChangeAspect="1"/>
+          </p:cNvSpPr>
+          <p:nvPr>
+            <p:ph type="sldImg"/>
+          </p:nvPr>
+        </p:nvSpPr>
+        <p:spPr/>
+      </p:sp>
+      <p:sp>
+        <p:nvSpPr>
+          <p:cNvPr id="3" name="Notes Placeholder 2"/>
+          <p:cNvSpPr>
+            <a:spLocks noGrp="1"/>
+          </p:cNvSpPr>
+          <p:nvPr>
+            <p:ph type="body" idx="1"/>
+          </p:nvPr>
+        </p:nvSpPr>
+        <p:spPr/>
+        <p:txBody>
+          <a:bodyPr/>
+          <a:lstStyle/>
+          <a:p>
+            <a:endParaRPr lang="en-US" dirty="0"/>
+          </a:p>
+        </p:txBody>
+      </p:sp>
+      <p:sp>
+        <p:nvSpPr>
+          <p:cNvPr id="4" name="Slide Number Placeholder 3"/>
+          <p:cNvSpPr>
+            <a:spLocks noGrp="1"/>
+          </p:cNvSpPr>
+          <p:nvPr>
+            <p:ph type="sldNum" sz="quarter" idx="5"/>
+          </p:nvPr>
+        </p:nvSpPr>
+        <p:spPr/>
+        <p:txBody>
+          <a:bodyPr/>
+          <a:lstStyle/>
+          <a:p>
+            <a:fld id="{1BE65F5F-EF43-4D9E-8524-039DDE354730}" type="slidenum">
+              <a:rPr lang="en-US" smtClean="0"/>
+              <a:t>14</a:t>
+            </a:fld>
+            <a:endParaRPr lang="en-US"/>
+          </a:p>
+        </p:txBody>
+      </p:sp>
+    </p:spTree>
+    <p:extLst>
+      <p:ext uri="{BB962C8B-B14F-4D97-AF65-F5344CB8AC3E}">
+        <p14:creationId xmlns:p14="http://schemas.microsoft.com/office/powerpoint/2010/main" val="3821475930"/>
+      </p:ext>
+    </p:extLst>
+  </p:cSld>
+  <p:clrMapOvr>
+    <a:masterClrMapping/>
+  </p:clrMapOvr>
+</p:notes>
+</file>
+
+<file path=ppt/notesSlides/notesSlide15.xml><?xml version="1.0" encoding="utf-8"?>
+<p:notes xmlns:a="http://schemas.openxmlformats.org/drawingml/2006/main" xmlns:r="http://schemas.openxmlformats.org/officeDocument/2006/relationships" xmlns:p="http://schemas.openxmlformats.org/presentationml/2006/main">
+  <p:cSld>
+    <p:spTree>
+      <p:nvGrpSpPr>
+        <p:cNvPr id="1" name=""/>
+        <p:cNvGrpSpPr/>
+        <p:nvPr/>
+      </p:nvGrpSpPr>
+      <p:grpSpPr>
+        <a:xfrm>
+          <a:off x="0" y="0"/>
+          <a:ext cx="0" cy="0"/>
+          <a:chOff x="0" y="0"/>
+          <a:chExt cx="0" cy="0"/>
+        </a:xfrm>
+      </p:grpSpPr>
+      <p:sp>
+        <p:nvSpPr>
+          <p:cNvPr id="2" name="Slide Image Placeholder 1"/>
+          <p:cNvSpPr>
+            <a:spLocks noGrp="1" noRot="1" noChangeAspect="1"/>
+          </p:cNvSpPr>
+          <p:nvPr>
+            <p:ph type="sldImg"/>
+          </p:nvPr>
+        </p:nvSpPr>
+        <p:spPr/>
+      </p:sp>
+      <p:sp>
+        <p:nvSpPr>
+          <p:cNvPr id="3" name="Notes Placeholder 2"/>
+          <p:cNvSpPr>
+            <a:spLocks noGrp="1"/>
+          </p:cNvSpPr>
+          <p:nvPr>
+            <p:ph type="body" idx="1"/>
+          </p:nvPr>
+        </p:nvSpPr>
+        <p:spPr/>
+        <p:txBody>
+          <a:bodyPr/>
+          <a:lstStyle/>
+          <a:p>
+            <a:endParaRPr lang="en-US" dirty="0"/>
+          </a:p>
+        </p:txBody>
+      </p:sp>
+      <p:sp>
+        <p:nvSpPr>
+          <p:cNvPr id="4" name="Slide Number Placeholder 3"/>
+          <p:cNvSpPr>
+            <a:spLocks noGrp="1"/>
+          </p:cNvSpPr>
+          <p:nvPr>
+            <p:ph type="sldNum" sz="quarter" idx="5"/>
+          </p:nvPr>
+        </p:nvSpPr>
+        <p:spPr/>
+        <p:txBody>
+          <a:bodyPr/>
+          <a:lstStyle/>
+          <a:p>
+            <a:fld id="{1BE65F5F-EF43-4D9E-8524-039DDE354730}" type="slidenum">
+              <a:rPr lang="en-US" smtClean="0"/>
+              <a:t>15</a:t>
+            </a:fld>
+            <a:endParaRPr lang="en-US"/>
+          </a:p>
+        </p:txBody>
+      </p:sp>
+    </p:spTree>
+    <p:extLst>
+      <p:ext uri="{BB962C8B-B14F-4D97-AF65-F5344CB8AC3E}">
+        <p14:creationId xmlns:p14="http://schemas.microsoft.com/office/powerpoint/2010/main" val="3316081936"/>
+      </p:ext>
+    </p:extLst>
+  </p:cSld>
+  <p:clrMapOvr>
+    <a:masterClrMapping/>
+  </p:clrMapOvr>
+</p:notes>
+</file>
+
+<file path=ppt/notesSlides/notesSlide16.xml><?xml version="1.0" encoding="utf-8"?>
+<p:notes xmlns:a="http://schemas.openxmlformats.org/drawingml/2006/main" xmlns:r="http://schemas.openxmlformats.org/officeDocument/2006/relationships" xmlns:p="http://schemas.openxmlformats.org/presentationml/2006/main">
+  <p:cSld>
+    <p:spTree>
+      <p:nvGrpSpPr>
+        <p:cNvPr id="1" name=""/>
+        <p:cNvGrpSpPr/>
+        <p:nvPr/>
+      </p:nvGrpSpPr>
+      <p:grpSpPr>
+        <a:xfrm>
+          <a:off x="0" y="0"/>
+          <a:ext cx="0" cy="0"/>
+          <a:chOff x="0" y="0"/>
+          <a:chExt cx="0" cy="0"/>
+        </a:xfrm>
+      </p:grpSpPr>
+      <p:sp>
+        <p:nvSpPr>
+          <p:cNvPr id="2" name="Slide Image Placeholder 1"/>
+          <p:cNvSpPr>
+            <a:spLocks noGrp="1" noRot="1" noChangeAspect="1"/>
+          </p:cNvSpPr>
+          <p:nvPr>
+            <p:ph type="sldImg"/>
+          </p:nvPr>
+        </p:nvSpPr>
+        <p:spPr/>
+      </p:sp>
+      <p:sp>
+        <p:nvSpPr>
+          <p:cNvPr id="3" name="Notes Placeholder 2"/>
+          <p:cNvSpPr>
+            <a:spLocks noGrp="1"/>
+          </p:cNvSpPr>
+          <p:nvPr>
+            <p:ph type="body" idx="1"/>
+          </p:nvPr>
+        </p:nvSpPr>
+        <p:spPr/>
+        <p:txBody>
+          <a:bodyPr/>
+          <a:lstStyle/>
+          <a:p>
+            <a:endParaRPr lang="en-US" dirty="0"/>
+          </a:p>
+        </p:txBody>
+      </p:sp>
+      <p:sp>
+        <p:nvSpPr>
+          <p:cNvPr id="4" name="Slide Number Placeholder 3"/>
+          <p:cNvSpPr>
+            <a:spLocks noGrp="1"/>
+          </p:cNvSpPr>
+          <p:nvPr>
+            <p:ph type="sldNum" sz="quarter" idx="5"/>
+          </p:nvPr>
+        </p:nvSpPr>
+        <p:spPr/>
+        <p:txBody>
+          <a:bodyPr/>
+          <a:lstStyle/>
+          <a:p>
+            <a:fld id="{1BE65F5F-EF43-4D9E-8524-039DDE354730}" type="slidenum">
+              <a:rPr lang="en-US" smtClean="0"/>
+              <a:t>16</a:t>
+            </a:fld>
+            <a:endParaRPr lang="en-US"/>
+          </a:p>
+        </p:txBody>
+      </p:sp>
+    </p:spTree>
+    <p:extLst>
+      <p:ext uri="{BB962C8B-B14F-4D97-AF65-F5344CB8AC3E}">
+        <p14:creationId xmlns:p14="http://schemas.microsoft.com/office/powerpoint/2010/main" val="2891771487"/>
+      </p:ext>
+    </p:extLst>
+  </p:cSld>
+  <p:clrMapOvr>
+    <a:masterClrMapping/>
+  </p:clrMapOvr>
+</p:notes>
+</file>
+
+<file path=ppt/notesSlides/notesSlide17.xml><?xml version="1.0" encoding="utf-8"?>
+<p:notes xmlns:a="http://schemas.openxmlformats.org/drawingml/2006/main" xmlns:r="http://schemas.openxmlformats.org/officeDocument/2006/relationships" xmlns:p="http://schemas.openxmlformats.org/presentationml/2006/main">
+  <p:cSld>
+    <p:spTree>
+      <p:nvGrpSpPr>
+        <p:cNvPr id="1" name=""/>
+        <p:cNvGrpSpPr/>
+        <p:nvPr/>
+      </p:nvGrpSpPr>
+      <p:grpSpPr>
+        <a:xfrm>
+          <a:off x="0" y="0"/>
+          <a:ext cx="0" cy="0"/>
+          <a:chOff x="0" y="0"/>
+          <a:chExt cx="0" cy="0"/>
+        </a:xfrm>
+      </p:grpSpPr>
+      <p:sp>
+        <p:nvSpPr>
+          <p:cNvPr id="2" name="Slide Image Placeholder 1"/>
+          <p:cNvSpPr>
+            <a:spLocks noGrp="1" noRot="1" noChangeAspect="1"/>
+          </p:cNvSpPr>
+          <p:nvPr>
+            <p:ph type="sldImg"/>
+          </p:nvPr>
+        </p:nvSpPr>
+        <p:spPr/>
+      </p:sp>
+      <p:sp>
+        <p:nvSpPr>
+          <p:cNvPr id="3" name="Notes Placeholder 2"/>
+          <p:cNvSpPr>
+            <a:spLocks noGrp="1"/>
+          </p:cNvSpPr>
+          <p:nvPr>
+            <p:ph type="body" idx="1"/>
+          </p:nvPr>
+        </p:nvSpPr>
+        <p:spPr/>
+        <p:txBody>
+          <a:bodyPr/>
+          <a:lstStyle/>
+          <a:p>
+            <a:pPr defTabSz="914400">
+              <a:lnSpc>
+                <a:spcPct val="120000"/>
+              </a:lnSpc>
+              <a:spcAft>
+                <a:spcPts val="600"/>
+              </a:spcAft>
+              <a:buSzPct val="125000"/>
+            </a:pPr>
+            <a:endParaRPr lang="en-US" sz="1200" dirty="0"/>
+          </a:p>
+        </p:txBody>
+      </p:sp>
+      <p:sp>
+        <p:nvSpPr>
+          <p:cNvPr id="4" name="Slide Number Placeholder 3"/>
+          <p:cNvSpPr>
+            <a:spLocks noGrp="1"/>
+          </p:cNvSpPr>
+          <p:nvPr>
+            <p:ph type="sldNum" sz="quarter" idx="5"/>
+          </p:nvPr>
+        </p:nvSpPr>
+        <p:spPr/>
+        <p:txBody>
+          <a:bodyPr/>
+          <a:lstStyle/>
+          <a:p>
+            <a:fld id="{1BE65F5F-EF43-4D9E-8524-039DDE354730}" type="slidenum">
+              <a:rPr lang="en-US" smtClean="0"/>
+              <a:t>17</a:t>
+            </a:fld>
+            <a:endParaRPr lang="en-US"/>
+          </a:p>
+        </p:txBody>
+      </p:sp>
+    </p:spTree>
+    <p:extLst>
+      <p:ext uri="{BB962C8B-B14F-4D97-AF65-F5344CB8AC3E}">
+        <p14:creationId xmlns:p14="http://schemas.microsoft.com/office/powerpoint/2010/main" val="2795268585"/>
+      </p:ext>
+    </p:extLst>
+  </p:cSld>
+  <p:clrMapOvr>
+    <a:masterClrMapping/>
+  </p:clrMapOvr>
+</p:notes>
+</file>
+
+<file path=ppt/notesSlides/notesSlide2.xml><?xml version="1.0" encoding="utf-8"?>
+<p:notes xmlns:a="http://schemas.openxmlformats.org/drawingml/2006/main" xmlns:r="http://schemas.openxmlformats.org/officeDocument/2006/relationships" xmlns:p="http://schemas.openxmlformats.org/presentationml/2006/main">
+  <p:cSld>
+    <p:spTree>
+      <p:nvGrpSpPr>
+        <p:cNvPr id="1" name=""/>
+        <p:cNvGrpSpPr/>
+        <p:nvPr/>
+      </p:nvGrpSpPr>
+      <p:grpSpPr>
+        <a:xfrm>
+          <a:off x="0" y="0"/>
+          <a:ext cx="0" cy="0"/>
+          <a:chOff x="0" y="0"/>
+          <a:chExt cx="0" cy="0"/>
+        </a:xfrm>
+      </p:grpSpPr>
+      <p:sp>
+        <p:nvSpPr>
+          <p:cNvPr id="2" name="Slide Image Placeholder 1"/>
+          <p:cNvSpPr>
+            <a:spLocks noGrp="1" noRot="1" noChangeAspect="1"/>
+          </p:cNvSpPr>
+          <p:nvPr>
+            <p:ph type="sldImg"/>
+          </p:nvPr>
+        </p:nvSpPr>
+        <p:spPr/>
+      </p:sp>
+      <p:sp>
+        <p:nvSpPr>
+          <p:cNvPr id="3" name="Notes Placeholder 2"/>
+          <p:cNvSpPr>
+            <a:spLocks noGrp="1"/>
+          </p:cNvSpPr>
+          <p:nvPr>
+            <p:ph type="body" idx="1"/>
+          </p:nvPr>
+        </p:nvSpPr>
+        <p:spPr/>
+        <p:txBody>
+          <a:bodyPr/>
+          <a:lstStyle/>
+          <a:p>
+            <a:pPr marL="0" marR="0" lvl="0" indent="0" algn="l" defTabSz="914400" rtl="0" eaLnBrk="1" fontAlgn="auto" latinLnBrk="0" hangingPunct="1">
+              <a:lnSpc>
+                <a:spcPct val="100000"/>
+              </a:lnSpc>
+              <a:spcBef>
+                <a:spcPts val="0"/>
+              </a:spcBef>
+              <a:spcAft>
+                <a:spcPts val="0"/>
+              </a:spcAft>
+              <a:buClrTx/>
+              <a:buSzTx/>
+              <a:buFontTx/>
+              <a:buNone/>
+              <a:tabLst/>
+              <a:defRPr/>
+            </a:pPr>
+            <a:endParaRPr lang="en-US" sz="1800" dirty="0">
+              <a:effectLst/>
+              <a:latin typeface="Calibri" panose="020F0502020204030204" pitchFamily="34" charset="0"/>
+              <a:ea typeface="DengXian" panose="02010600030101010101" pitchFamily="2" charset="-122"/>
+              <a:cs typeface="Times New Roman" panose="02020603050405020304" pitchFamily="18" charset="0"/>
+            </a:endParaRPr>
+          </a:p>
+        </p:txBody>
+      </p:sp>
+      <p:sp>
+        <p:nvSpPr>
+          <p:cNvPr id="4" name="Slide Number Placeholder 3"/>
+          <p:cNvSpPr>
+            <a:spLocks noGrp="1"/>
+          </p:cNvSpPr>
+          <p:nvPr>
+            <p:ph type="sldNum" sz="quarter" idx="5"/>
+          </p:nvPr>
+        </p:nvSpPr>
+        <p:spPr/>
+        <p:txBody>
+          <a:bodyPr/>
+          <a:lstStyle/>
+          <a:p>
+            <a:fld id="{1BE65F5F-EF43-4D9E-8524-039DDE354730}" type="slidenum">
+              <a:rPr lang="en-US" smtClean="0"/>
+              <a:t>2</a:t>
+            </a:fld>
+            <a:endParaRPr lang="en-US"/>
+          </a:p>
+        </p:txBody>
+      </p:sp>
+    </p:spTree>
+    <p:extLst>
+      <p:ext uri="{BB962C8B-B14F-4D97-AF65-F5344CB8AC3E}">
+        <p14:creationId xmlns:p14="http://schemas.microsoft.com/office/powerpoint/2010/main" val="1015063104"/>
+      </p:ext>
+    </p:extLst>
+  </p:cSld>
+  <p:clrMapOvr>
+    <a:masterClrMapping/>
+  </p:clrMapOvr>
+</p:notes>
+</file>
+
+<file path=ppt/notesSlides/notesSlide3.xml><?xml version="1.0" encoding="utf-8"?>
+<p:notes xmlns:a="http://schemas.openxmlformats.org/drawingml/2006/main" xmlns:r="http://schemas.openxmlformats.org/officeDocument/2006/relationships" xmlns:p="http://schemas.openxmlformats.org/presentationml/2006/main">
+  <p:cSld>
+    <p:spTree>
+      <p:nvGrpSpPr>
+        <p:cNvPr id="1" name=""/>
+        <p:cNvGrpSpPr/>
+        <p:nvPr/>
+      </p:nvGrpSpPr>
+      <p:grpSpPr>
+        <a:xfrm>
+          <a:off x="0" y="0"/>
+          <a:ext cx="0" cy="0"/>
+          <a:chOff x="0" y="0"/>
+          <a:chExt cx="0" cy="0"/>
+        </a:xfrm>
+      </p:grpSpPr>
+      <p:sp>
+        <p:nvSpPr>
+          <p:cNvPr id="2" name="Slide Image Placeholder 1"/>
+          <p:cNvSpPr>
+            <a:spLocks noGrp="1" noRot="1" noChangeAspect="1"/>
+          </p:cNvSpPr>
+          <p:nvPr>
+            <p:ph type="sldImg"/>
+          </p:nvPr>
+        </p:nvSpPr>
+        <p:spPr/>
+      </p:sp>
+      <p:sp>
+        <p:nvSpPr>
+          <p:cNvPr id="3" name="Notes Placeholder 2"/>
+          <p:cNvSpPr>
+            <a:spLocks noGrp="1"/>
+          </p:cNvSpPr>
+          <p:nvPr>
+            <p:ph type="body" idx="1"/>
+          </p:nvPr>
+        </p:nvSpPr>
+        <p:spPr/>
+        <p:txBody>
+          <a:bodyPr/>
+          <a:lstStyle/>
+          <a:p>
+            <a:endParaRPr lang="en-US" dirty="0"/>
+          </a:p>
+        </p:txBody>
+      </p:sp>
+      <p:sp>
+        <p:nvSpPr>
+          <p:cNvPr id="4" name="Slide Number Placeholder 3"/>
+          <p:cNvSpPr>
+            <a:spLocks noGrp="1"/>
+          </p:cNvSpPr>
+          <p:nvPr>
+            <p:ph type="sldNum" sz="quarter" idx="5"/>
+          </p:nvPr>
+        </p:nvSpPr>
+        <p:spPr/>
+        <p:txBody>
+          <a:bodyPr/>
+          <a:lstStyle/>
+          <a:p>
+            <a:fld id="{1BE65F5F-EF43-4D9E-8524-039DDE354730}" type="slidenum">
+              <a:rPr lang="en-US" smtClean="0"/>
+              <a:t>3</a:t>
+            </a:fld>
+            <a:endParaRPr lang="en-US"/>
+          </a:p>
+        </p:txBody>
+      </p:sp>
+    </p:spTree>
+    <p:extLst>
+      <p:ext uri="{BB962C8B-B14F-4D97-AF65-F5344CB8AC3E}">
+        <p14:creationId xmlns:p14="http://schemas.microsoft.com/office/powerpoint/2010/main" val="1628059092"/>
+      </p:ext>
+    </p:extLst>
+  </p:cSld>
+  <p:clrMapOvr>
+    <a:masterClrMapping/>
+  </p:clrMapOvr>
+</p:notes>
+</file>
+
+<file path=ppt/notesSlides/notesSlide4.xml><?xml version="1.0" encoding="utf-8"?>
+<p:notes xmlns:a="http://schemas.openxmlformats.org/drawingml/2006/main" xmlns:r="http://schemas.openxmlformats.org/officeDocument/2006/relationships" xmlns:p="http://schemas.openxmlformats.org/presentationml/2006/main">
+  <p:cSld>
+    <p:spTree>
+      <p:nvGrpSpPr>
+        <p:cNvPr id="1" name=""/>
+        <p:cNvGrpSpPr/>
+        <p:nvPr/>
+      </p:nvGrpSpPr>
+      <p:grpSpPr>
+        <a:xfrm>
+          <a:off x="0" y="0"/>
+          <a:ext cx="0" cy="0"/>
+          <a:chOff x="0" y="0"/>
+          <a:chExt cx="0" cy="0"/>
+        </a:xfrm>
+      </p:grpSpPr>
+      <p:sp>
+        <p:nvSpPr>
+          <p:cNvPr id="2" name="Slide Image Placeholder 1"/>
+          <p:cNvSpPr>
+            <a:spLocks noGrp="1" noRot="1" noChangeAspect="1"/>
+          </p:cNvSpPr>
+          <p:nvPr>
+            <p:ph type="sldImg"/>
+          </p:nvPr>
+        </p:nvSpPr>
+        <p:spPr/>
+      </p:sp>
+      <p:sp>
+        <p:nvSpPr>
+          <p:cNvPr id="3" name="Notes Placeholder 2"/>
+          <p:cNvSpPr>
+            <a:spLocks noGrp="1"/>
+          </p:cNvSpPr>
+          <p:nvPr>
+            <p:ph type="body" idx="1"/>
+          </p:nvPr>
+        </p:nvSpPr>
+        <p:spPr/>
+        <p:txBody>
+          <a:bodyPr/>
+          <a:lstStyle/>
+          <a:p>
+            <a:endParaRPr lang="en-US" dirty="0"/>
+          </a:p>
+        </p:txBody>
+      </p:sp>
+      <p:sp>
+        <p:nvSpPr>
+          <p:cNvPr id="4" name="Slide Number Placeholder 3"/>
+          <p:cNvSpPr>
+            <a:spLocks noGrp="1"/>
+          </p:cNvSpPr>
+          <p:nvPr>
+            <p:ph type="sldNum" sz="quarter" idx="5"/>
+          </p:nvPr>
+        </p:nvSpPr>
+        <p:spPr/>
+        <p:txBody>
+          <a:bodyPr/>
+          <a:lstStyle/>
+          <a:p>
+            <a:fld id="{1BE65F5F-EF43-4D9E-8524-039DDE354730}" type="slidenum">
+              <a:rPr lang="en-US" smtClean="0"/>
+              <a:t>4</a:t>
+            </a:fld>
+            <a:endParaRPr lang="en-US"/>
+          </a:p>
+        </p:txBody>
+      </p:sp>
+    </p:spTree>
+    <p:extLst>
+      <p:ext uri="{BB962C8B-B14F-4D97-AF65-F5344CB8AC3E}">
+        <p14:creationId xmlns:p14="http://schemas.microsoft.com/office/powerpoint/2010/main" val="110262306"/>
+      </p:ext>
+    </p:extLst>
+  </p:cSld>
+  <p:clrMapOvr>
+    <a:masterClrMapping/>
+  </p:clrMapOvr>
+</p:notes>
+</file>
+
+<file path=ppt/notesSlides/notesSlide5.xml><?xml version="1.0" encoding="utf-8"?>
+<p:notes xmlns:a="http://schemas.openxmlformats.org/drawingml/2006/main" xmlns:r="http://schemas.openxmlformats.org/officeDocument/2006/relationships" xmlns:p="http://schemas.openxmlformats.org/presentationml/2006/main">
+  <p:cSld>
+    <p:spTree>
+      <p:nvGrpSpPr>
+        <p:cNvPr id="1" name=""/>
+        <p:cNvGrpSpPr/>
+        <p:nvPr/>
+      </p:nvGrpSpPr>
+      <p:grpSpPr>
+        <a:xfrm>
+          <a:off x="0" y="0"/>
+          <a:ext cx="0" cy="0"/>
+          <a:chOff x="0" y="0"/>
+          <a:chExt cx="0" cy="0"/>
+        </a:xfrm>
+      </p:grpSpPr>
+      <p:sp>
+        <p:nvSpPr>
+          <p:cNvPr id="2" name="Slide Image Placeholder 1"/>
+          <p:cNvSpPr>
+            <a:spLocks noGrp="1" noRot="1" noChangeAspect="1"/>
+          </p:cNvSpPr>
+          <p:nvPr>
+            <p:ph type="sldImg"/>
+          </p:nvPr>
+        </p:nvSpPr>
+        <p:spPr/>
+      </p:sp>
+      <p:sp>
+        <p:nvSpPr>
+          <p:cNvPr id="3" name="Notes Placeholder 2"/>
+          <p:cNvSpPr>
+            <a:spLocks noGrp="1"/>
+          </p:cNvSpPr>
+          <p:nvPr>
+            <p:ph type="body" idx="1"/>
+          </p:nvPr>
+        </p:nvSpPr>
+        <p:spPr/>
+        <p:txBody>
+          <a:bodyPr/>
+          <a:lstStyle/>
+          <a:p>
+            <a:pPr marL="0" marR="0" lvl="0" indent="0" algn="l" defTabSz="914400" rtl="0" eaLnBrk="1" fontAlgn="auto" latinLnBrk="0" hangingPunct="1">
+              <a:lnSpc>
+                <a:spcPct val="100000"/>
+              </a:lnSpc>
+              <a:spcBef>
+                <a:spcPts val="0"/>
+              </a:spcBef>
+              <a:spcAft>
+                <a:spcPts val="0"/>
+              </a:spcAft>
+              <a:buClrTx/>
+              <a:buSzTx/>
+              <a:buFontTx/>
+              <a:buNone/>
+              <a:tabLst/>
+              <a:defRPr/>
+            </a:pPr>
+            <a:endParaRPr lang="en-US" sz="1800" dirty="0">
+              <a:effectLst/>
+              <a:latin typeface="Calibri" panose="020F0502020204030204" pitchFamily="34" charset="0"/>
+              <a:ea typeface="DengXian" panose="02010600030101010101" pitchFamily="2" charset="-122"/>
+              <a:cs typeface="Times New Roman" panose="02020603050405020304" pitchFamily="18" charset="0"/>
+            </a:endParaRPr>
+          </a:p>
+        </p:txBody>
+      </p:sp>
+      <p:sp>
+        <p:nvSpPr>
+          <p:cNvPr id="4" name="Slide Number Placeholder 3"/>
+          <p:cNvSpPr>
+            <a:spLocks noGrp="1"/>
+          </p:cNvSpPr>
+          <p:nvPr>
+            <p:ph type="sldNum" sz="quarter" idx="5"/>
+          </p:nvPr>
+        </p:nvSpPr>
+        <p:spPr/>
+        <p:txBody>
+          <a:bodyPr/>
+          <a:lstStyle/>
+          <a:p>
+            <a:fld id="{1BE65F5F-EF43-4D9E-8524-039DDE354730}" type="slidenum">
+              <a:rPr lang="en-US" smtClean="0"/>
+              <a:t>5</a:t>
+            </a:fld>
+            <a:endParaRPr lang="en-US"/>
+          </a:p>
+        </p:txBody>
+      </p:sp>
+    </p:spTree>
+    <p:extLst>
+      <p:ext uri="{BB962C8B-B14F-4D97-AF65-F5344CB8AC3E}">
+        <p14:creationId xmlns:p14="http://schemas.microsoft.com/office/powerpoint/2010/main" val="3250252957"/>
+      </p:ext>
+    </p:extLst>
+  </p:cSld>
+  <p:clrMapOvr>
+    <a:masterClrMapping/>
+  </p:clrMapOvr>
+</p:notes>
+</file>
+
+<file path=ppt/notesSlides/notesSlide6.xml><?xml version="1.0" encoding="utf-8"?>
+<p:notes xmlns:a="http://schemas.openxmlformats.org/drawingml/2006/main" xmlns:r="http://schemas.openxmlformats.org/officeDocument/2006/relationships" xmlns:p="http://schemas.openxmlformats.org/presentationml/2006/main">
+  <p:cSld>
+    <p:spTree>
+      <p:nvGrpSpPr>
+        <p:cNvPr id="1" name=""/>
+        <p:cNvGrpSpPr/>
+        <p:nvPr/>
+      </p:nvGrpSpPr>
+      <p:grpSpPr>
+        <a:xfrm>
+          <a:off x="0" y="0"/>
+          <a:ext cx="0" cy="0"/>
+          <a:chOff x="0" y="0"/>
+          <a:chExt cx="0" cy="0"/>
+        </a:xfrm>
+      </p:grpSpPr>
+      <p:sp>
+        <p:nvSpPr>
+          <p:cNvPr id="2" name="Slide Image Placeholder 1"/>
+          <p:cNvSpPr>
+            <a:spLocks noGrp="1" noRot="1" noChangeAspect="1"/>
+          </p:cNvSpPr>
+          <p:nvPr>
+            <p:ph type="sldImg"/>
+          </p:nvPr>
+        </p:nvSpPr>
+        <p:spPr/>
+      </p:sp>
+      <p:sp>
+        <p:nvSpPr>
+          <p:cNvPr id="3" name="Notes Placeholder 2"/>
+          <p:cNvSpPr>
+            <a:spLocks noGrp="1"/>
+          </p:cNvSpPr>
+          <p:nvPr>
+            <p:ph type="body" idx="1"/>
+          </p:nvPr>
+        </p:nvSpPr>
+        <p:spPr/>
+        <p:txBody>
+          <a:bodyPr/>
+          <a:lstStyle/>
+          <a:p>
+            <a:endParaRPr lang="en-US" sz="1800" dirty="0">
+              <a:effectLst/>
+              <a:latin typeface="Calibri" panose="020F0502020204030204" pitchFamily="34" charset="0"/>
+              <a:ea typeface="DengXian" panose="02010600030101010101" pitchFamily="2" charset="-122"/>
+              <a:cs typeface="Times New Roman" panose="02020603050405020304" pitchFamily="18" charset="0"/>
+            </a:endParaRPr>
+          </a:p>
+        </p:txBody>
+      </p:sp>
+      <p:sp>
+        <p:nvSpPr>
+          <p:cNvPr id="4" name="Slide Number Placeholder 3"/>
+          <p:cNvSpPr>
+            <a:spLocks noGrp="1"/>
+          </p:cNvSpPr>
+          <p:nvPr>
+            <p:ph type="sldNum" sz="quarter" idx="5"/>
+          </p:nvPr>
+        </p:nvSpPr>
+        <p:spPr/>
+        <p:txBody>
+          <a:bodyPr/>
+          <a:lstStyle/>
+          <a:p>
+            <a:fld id="{1BE65F5F-EF43-4D9E-8524-039DDE354730}" type="slidenum">
+              <a:rPr lang="en-US" smtClean="0"/>
+              <a:t>6</a:t>
+            </a:fld>
+            <a:endParaRPr lang="en-US"/>
+          </a:p>
+        </p:txBody>
+      </p:sp>
+    </p:spTree>
+    <p:extLst>
+      <p:ext uri="{BB962C8B-B14F-4D97-AF65-F5344CB8AC3E}">
+        <p14:creationId xmlns:p14="http://schemas.microsoft.com/office/powerpoint/2010/main" val="2294088459"/>
+      </p:ext>
+    </p:extLst>
+  </p:cSld>
+  <p:clrMapOvr>
+    <a:masterClrMapping/>
+  </p:clrMapOvr>
+</p:notes>
+</file>
+
+<file path=ppt/notesSlides/notesSlide7.xml><?xml version="1.0" encoding="utf-8"?>
+<p:notes xmlns:a="http://schemas.openxmlformats.org/drawingml/2006/main" xmlns:r="http://schemas.openxmlformats.org/officeDocument/2006/relationships" xmlns:p="http://schemas.openxmlformats.org/presentationml/2006/main">
+  <p:cSld>
+    <p:spTree>
+      <p:nvGrpSpPr>
+        <p:cNvPr id="1" name=""/>
+        <p:cNvGrpSpPr/>
+        <p:nvPr/>
+      </p:nvGrpSpPr>
+      <p:grpSpPr>
+        <a:xfrm>
+          <a:off x="0" y="0"/>
+          <a:ext cx="0" cy="0"/>
+          <a:chOff x="0" y="0"/>
+          <a:chExt cx="0" cy="0"/>
+        </a:xfrm>
+      </p:grpSpPr>
+      <p:sp>
+        <p:nvSpPr>
+          <p:cNvPr id="2" name="Slide Image Placeholder 1"/>
+          <p:cNvSpPr>
+            <a:spLocks noGrp="1" noRot="1" noChangeAspect="1"/>
+          </p:cNvSpPr>
+          <p:nvPr>
+            <p:ph type="sldImg"/>
+          </p:nvPr>
+        </p:nvSpPr>
+        <p:spPr/>
+      </p:sp>
+      <p:sp>
+        <p:nvSpPr>
+          <p:cNvPr id="3" name="Notes Placeholder 2"/>
+          <p:cNvSpPr>
+            <a:spLocks noGrp="1"/>
+          </p:cNvSpPr>
+          <p:nvPr>
+            <p:ph type="body" idx="1"/>
+          </p:nvPr>
+        </p:nvSpPr>
+        <p:spPr/>
+        <p:txBody>
+          <a:bodyPr/>
+          <a:lstStyle/>
+          <a:p>
+            <a:pPr marL="0" marR="0">
+              <a:lnSpc>
+                <a:spcPct val="107000"/>
+              </a:lnSpc>
+              <a:spcBef>
+                <a:spcPts val="0"/>
+              </a:spcBef>
+              <a:spcAft>
+                <a:spcPts val="800"/>
+              </a:spcAft>
+            </a:pPr>
+            <a:endParaRPr lang="en-US" sz="1800" dirty="0">
+              <a:effectLst/>
+              <a:latin typeface="Calibri" panose="020F0502020204030204" pitchFamily="34" charset="0"/>
+              <a:ea typeface="DengXian" panose="02010600030101010101" pitchFamily="2" charset="-122"/>
+              <a:cs typeface="Times New Roman" panose="02020603050405020304" pitchFamily="18" charset="0"/>
+            </a:endParaRPr>
+          </a:p>
+        </p:txBody>
+      </p:sp>
+      <p:sp>
+        <p:nvSpPr>
+          <p:cNvPr id="4" name="Slide Number Placeholder 3"/>
+          <p:cNvSpPr>
+            <a:spLocks noGrp="1"/>
+          </p:cNvSpPr>
+          <p:nvPr>
+            <p:ph type="sldNum" sz="quarter" idx="5"/>
+          </p:nvPr>
+        </p:nvSpPr>
+        <p:spPr/>
+        <p:txBody>
+          <a:bodyPr/>
+          <a:lstStyle/>
+          <a:p>
+            <a:fld id="{1BE65F5F-EF43-4D9E-8524-039DDE354730}" type="slidenum">
+              <a:rPr lang="en-US" smtClean="0"/>
+              <a:t>7</a:t>
+            </a:fld>
+            <a:endParaRPr lang="en-US"/>
+          </a:p>
+        </p:txBody>
+      </p:sp>
+    </p:spTree>
+    <p:extLst>
+      <p:ext uri="{BB962C8B-B14F-4D97-AF65-F5344CB8AC3E}">
+        <p14:creationId xmlns:p14="http://schemas.microsoft.com/office/powerpoint/2010/main" val="3430626801"/>
+      </p:ext>
+    </p:extLst>
+  </p:cSld>
+  <p:clrMapOvr>
+    <a:masterClrMapping/>
+  </p:clrMapOvr>
+</p:notes>
+</file>
+
+<file path=ppt/notesSlides/notesSlide8.xml><?xml version="1.0" encoding="utf-8"?>
+<p:notes xmlns:a="http://schemas.openxmlformats.org/drawingml/2006/main" xmlns:r="http://schemas.openxmlformats.org/officeDocument/2006/relationships" xmlns:p="http://schemas.openxmlformats.org/presentationml/2006/main">
+  <p:cSld>
+    <p:spTree>
+      <p:nvGrpSpPr>
+        <p:cNvPr id="1" name=""/>
+        <p:cNvGrpSpPr/>
+        <p:nvPr/>
+      </p:nvGrpSpPr>
+      <p:grpSpPr>
+        <a:xfrm>
+          <a:off x="0" y="0"/>
+          <a:ext cx="0" cy="0"/>
+          <a:chOff x="0" y="0"/>
+          <a:chExt cx="0" cy="0"/>
+        </a:xfrm>
+      </p:grpSpPr>
+      <p:sp>
+        <p:nvSpPr>
+          <p:cNvPr id="2" name="Slide Image Placeholder 1"/>
+          <p:cNvSpPr>
+            <a:spLocks noGrp="1" noRot="1" noChangeAspect="1"/>
+          </p:cNvSpPr>
+          <p:nvPr>
+            <p:ph type="sldImg"/>
+          </p:nvPr>
+        </p:nvSpPr>
+        <p:spPr/>
+      </p:sp>
+      <p:sp>
+        <p:nvSpPr>
+          <p:cNvPr id="3" name="Notes Placeholder 2"/>
+          <p:cNvSpPr>
+            <a:spLocks noGrp="1"/>
+          </p:cNvSpPr>
+          <p:nvPr>
+            <p:ph type="body" idx="1"/>
+          </p:nvPr>
+        </p:nvSpPr>
+        <p:spPr/>
+        <p:txBody>
+          <a:bodyPr/>
+          <a:lstStyle/>
+          <a:p>
+            <a:endParaRPr lang="en-US" dirty="0"/>
+          </a:p>
+        </p:txBody>
+      </p:sp>
+      <p:sp>
+        <p:nvSpPr>
+          <p:cNvPr id="4" name="Slide Number Placeholder 3"/>
+          <p:cNvSpPr>
+            <a:spLocks noGrp="1"/>
+          </p:cNvSpPr>
+          <p:nvPr>
+            <p:ph type="sldNum" sz="quarter" idx="5"/>
+          </p:nvPr>
+        </p:nvSpPr>
+        <p:spPr/>
+        <p:txBody>
+          <a:bodyPr/>
+          <a:lstStyle/>
+          <a:p>
+            <a:fld id="{1BE65F5F-EF43-4D9E-8524-039DDE354730}" type="slidenum">
+              <a:rPr lang="en-US" smtClean="0"/>
+              <a:t>8</a:t>
+            </a:fld>
+            <a:endParaRPr lang="en-US"/>
+          </a:p>
+        </p:txBody>
+      </p:sp>
+    </p:spTree>
+    <p:extLst>
+      <p:ext uri="{BB962C8B-B14F-4D97-AF65-F5344CB8AC3E}">
+        <p14:creationId xmlns:p14="http://schemas.microsoft.com/office/powerpoint/2010/main" val="3439600377"/>
+      </p:ext>
+    </p:extLst>
+  </p:cSld>
+  <p:clrMapOvr>
+    <a:masterClrMapping/>
+  </p:clrMapOvr>
+</p:notes>
+</file>
+
+<file path=ppt/notesSlides/notesSlide9.xml><?xml version="1.0" encoding="utf-8"?>
+<p:notes xmlns:a="http://schemas.openxmlformats.org/drawingml/2006/main" xmlns:r="http://schemas.openxmlformats.org/officeDocument/2006/relationships" xmlns:p="http://schemas.openxmlformats.org/presentationml/2006/main">
+  <p:cSld>
+    <p:spTree>
+      <p:nvGrpSpPr>
+        <p:cNvPr id="1" name=""/>
+        <p:cNvGrpSpPr/>
+        <p:nvPr/>
+      </p:nvGrpSpPr>
+      <p:grpSpPr>
+        <a:xfrm>
+          <a:off x="0" y="0"/>
+          <a:ext cx="0" cy="0"/>
+          <a:chOff x="0" y="0"/>
+          <a:chExt cx="0" cy="0"/>
+        </a:xfrm>
+      </p:grpSpPr>
+      <p:sp>
+        <p:nvSpPr>
+          <p:cNvPr id="2" name="Slide Image Placeholder 1"/>
+          <p:cNvSpPr>
+            <a:spLocks noGrp="1" noRot="1" noChangeAspect="1"/>
+          </p:cNvSpPr>
+          <p:nvPr>
+            <p:ph type="sldImg"/>
+          </p:nvPr>
+        </p:nvSpPr>
+        <p:spPr/>
+      </p:sp>
+      <p:sp>
+        <p:nvSpPr>
+          <p:cNvPr id="3" name="Notes Placeholder 2"/>
+          <p:cNvSpPr>
+            <a:spLocks noGrp="1"/>
+          </p:cNvSpPr>
+          <p:nvPr>
+            <p:ph type="body" idx="1"/>
+          </p:nvPr>
+        </p:nvSpPr>
+        <p:spPr/>
+        <p:txBody>
+          <a:bodyPr/>
+          <a:lstStyle/>
+          <a:p>
+            <a:pPr marL="0" marR="0" lvl="0" indent="0" algn="l" defTabSz="914400" rtl="0" eaLnBrk="1" fontAlgn="auto" latinLnBrk="0" hangingPunct="1">
+              <a:lnSpc>
+                <a:spcPct val="100000"/>
+              </a:lnSpc>
+              <a:spcBef>
+                <a:spcPts val="0"/>
+              </a:spcBef>
+              <a:spcAft>
+                <a:spcPts val="0"/>
+              </a:spcAft>
+              <a:buClrTx/>
+              <a:buSzTx/>
+              <a:buFontTx/>
+              <a:buNone/>
+              <a:tabLst/>
+              <a:defRPr/>
+            </a:pPr>
+            <a:endParaRPr lang="en-US" sz="1800" dirty="0">
+              <a:effectLst/>
+              <a:latin typeface="Calibri" panose="020F0502020204030204" pitchFamily="34" charset="0"/>
+              <a:ea typeface="DengXian" panose="02010600030101010101" pitchFamily="2" charset="-122"/>
+              <a:cs typeface="Times New Roman" panose="02020603050405020304" pitchFamily="18" charset="0"/>
+            </a:endParaRPr>
+          </a:p>
+        </p:txBody>
+      </p:sp>
+      <p:sp>
+        <p:nvSpPr>
+          <p:cNvPr id="4" name="Slide Number Placeholder 3"/>
+          <p:cNvSpPr>
+            <a:spLocks noGrp="1"/>
+          </p:cNvSpPr>
+          <p:nvPr>
+            <p:ph type="sldNum" sz="quarter" idx="5"/>
+          </p:nvPr>
+        </p:nvSpPr>
+        <p:spPr/>
+        <p:txBody>
+          <a:bodyPr/>
+          <a:lstStyle/>
+          <a:p>
+            <a:fld id="{1BE65F5F-EF43-4D9E-8524-039DDE354730}" type="slidenum">
+              <a:rPr lang="en-US" smtClean="0"/>
+              <a:t>9</a:t>
+            </a:fld>
+            <a:endParaRPr lang="en-US"/>
+          </a:p>
+        </p:txBody>
+      </p:sp>
+    </p:spTree>
+    <p:extLst>
+      <p:ext uri="{BB962C8B-B14F-4D97-AF65-F5344CB8AC3E}">
+        <p14:creationId xmlns:p14="http://schemas.microsoft.com/office/powerpoint/2010/main" val="1256945237"/>
+      </p:ext>
+    </p:extLst>
+  </p:cSld>
+  <p:clrMapOvr>
+    <a:masterClrMapping/>
+  </p:clrMapOvr>
+</p:notes>
 </file>
 
 <file path=ppt/slideLayouts/slideLayout1.xml><?xml version="1.0" encoding="utf-8"?>
@@ -12402,7 +14337,7 @@
     <p:bg>
       <p:bgPr>
         <a:blipFill>
-          <a:blip r:embed="rId2">
+          <a:blip r:embed="rId3">
             <a:duotone>
               <a:schemeClr val="bg2">
                 <a:shade val="88000"/>
@@ -12550,7 +14485,7 @@
             </p:nvPr>
           </p:nvPicPr>
           <p:blipFill>
-            <a:blip r:embed="rId3">
+            <a:blip r:embed="rId4">
               <a:alphaModFix amt="30000"/>
               <a:duotone>
                 <a:prstClr val="black"/>
@@ -12708,7 +14643,7 @@
           <p:nvPr/>
         </p:nvPicPr>
         <p:blipFill rotWithShape="1">
-          <a:blip r:embed="rId4"/>
+          <a:blip r:embed="rId5"/>
           <a:srcRect l="35624" r="20289" b="-1"/>
           <a:stretch/>
         </p:blipFill>
@@ -18844,500 +20779,6 @@
           <a:chExt cx="0" cy="0"/>
         </a:xfrm>
       </p:grpSpPr>
-      <p:sp>
-        <p:nvSpPr>
-          <p:cNvPr id="7" name="Title 1">
-            <a:extLst>
-              <a:ext uri="{FF2B5EF4-FFF2-40B4-BE49-F238E27FC236}">
-                <a16:creationId xmlns:a16="http://schemas.microsoft.com/office/drawing/2014/main" id="{6F8081D4-D743-4B06-9167-4249BA950C68}"/>
-              </a:ext>
-            </a:extLst>
-          </p:cNvPr>
-          <p:cNvSpPr txBox="1">
-            <a:spLocks/>
-          </p:cNvSpPr>
-          <p:nvPr/>
-        </p:nvSpPr>
-        <p:spPr>
-          <a:xfrm>
-            <a:off x="331134" y="813925"/>
-            <a:ext cx="6340452" cy="1089421"/>
-          </a:xfrm>
-          <a:prstGeom prst="rect">
-            <a:avLst/>
-          </a:prstGeom>
-        </p:spPr>
-        <p:txBody>
-          <a:bodyPr>
-            <a:noAutofit/>
-          </a:bodyPr>
-          <a:lstStyle>
-            <a:lvl1pPr algn="l" defTabSz="914400" rtl="0" eaLnBrk="1" latinLnBrk="0" hangingPunct="1">
-              <a:lnSpc>
-                <a:spcPct val="90000"/>
-              </a:lnSpc>
-              <a:spcBef>
-                <a:spcPct val="0"/>
-              </a:spcBef>
-              <a:buNone/>
-              <a:defRPr sz="3600" kern="1200" cap="all" baseline="0">
-                <a:solidFill>
-                  <a:schemeClr val="tx1"/>
-                </a:solidFill>
-                <a:latin typeface="+mj-lt"/>
-                <a:ea typeface="+mj-ea"/>
-                <a:cs typeface="+mj-cs"/>
-              </a:defRPr>
-            </a:lvl1pPr>
-          </a:lstStyle>
-          <a:p>
-            <a:pPr algn="ctr"/>
-            <a:r>
-              <a:rPr lang="en-US" sz="5000" b="1" dirty="0">
-                <a:effectLst>
-                  <a:outerShdw blurRad="38100" dist="38100" dir="2700000" algn="tl">
-                    <a:srgbClr val="000000">
-                      <a:alpha val="43137"/>
-                    </a:srgbClr>
-                  </a:outerShdw>
-                </a:effectLst>
-              </a:rPr>
-              <a:t>Data Cleaning</a:t>
-            </a:r>
-            <a:endParaRPr lang="en-US" sz="5000" dirty="0"/>
-          </a:p>
-        </p:txBody>
-      </p:sp>
-      <p:sp>
-        <p:nvSpPr>
-          <p:cNvPr id="12" name="Rectangle: Rounded Corners 11">
-            <a:extLst>
-              <a:ext uri="{FF2B5EF4-FFF2-40B4-BE49-F238E27FC236}">
-                <a16:creationId xmlns:a16="http://schemas.microsoft.com/office/drawing/2014/main" id="{F2A8444F-2AFA-4C54-A366-B79E3762C761}"/>
-              </a:ext>
-            </a:extLst>
-          </p:cNvPr>
-          <p:cNvSpPr/>
-          <p:nvPr/>
-        </p:nvSpPr>
-        <p:spPr>
-          <a:xfrm>
-            <a:off x="1215360" y="2285999"/>
-            <a:ext cx="4572000" cy="936171"/>
-          </a:xfrm>
-          <a:prstGeom prst="roundRect">
-            <a:avLst/>
-          </a:prstGeom>
-          <a:gradFill flip="none" rotWithShape="1">
-            <a:gsLst>
-              <a:gs pos="0">
-                <a:schemeClr val="tx2">
-                  <a:tint val="66000"/>
-                  <a:satMod val="160000"/>
-                </a:schemeClr>
-              </a:gs>
-              <a:gs pos="50000">
-                <a:schemeClr val="tx2">
-                  <a:tint val="44500"/>
-                  <a:satMod val="160000"/>
-                </a:schemeClr>
-              </a:gs>
-              <a:gs pos="100000">
-                <a:schemeClr val="tx2">
-                  <a:tint val="23500"/>
-                  <a:satMod val="160000"/>
-                </a:schemeClr>
-              </a:gs>
-            </a:gsLst>
-            <a:lin ang="5400000" scaled="1"/>
-            <a:tileRect/>
-          </a:gradFill>
-          <a:ln>
-            <a:solidFill>
-              <a:schemeClr val="tx1"/>
-            </a:solidFill>
-          </a:ln>
-        </p:spPr>
-        <p:style>
-          <a:lnRef idx="2">
-            <a:schemeClr val="accent1">
-              <a:shade val="50000"/>
-            </a:schemeClr>
-          </a:lnRef>
-          <a:fillRef idx="1">
-            <a:schemeClr val="accent1"/>
-          </a:fillRef>
-          <a:effectRef idx="0">
-            <a:schemeClr val="accent1"/>
-          </a:effectRef>
-          <a:fontRef idx="minor">
-            <a:schemeClr val="lt1"/>
-          </a:fontRef>
-        </p:style>
-        <p:txBody>
-          <a:bodyPr rtlCol="0" anchor="ctr"/>
-          <a:lstStyle/>
-          <a:p>
-            <a:pPr algn="ctr"/>
-            <a:r>
-              <a:rPr lang="en-US" sz="3000" dirty="0">
-                <a:solidFill>
-                  <a:schemeClr val="bg1"/>
-                </a:solidFill>
-              </a:rPr>
-              <a:t>Covid-19 Dataset</a:t>
-            </a:r>
-          </a:p>
-        </p:txBody>
-      </p:sp>
-      <p:sp>
-        <p:nvSpPr>
-          <p:cNvPr id="13" name="TextBox 12">
-            <a:extLst>
-              <a:ext uri="{FF2B5EF4-FFF2-40B4-BE49-F238E27FC236}">
-                <a16:creationId xmlns:a16="http://schemas.microsoft.com/office/drawing/2014/main" id="{CD524C3B-84C3-4E24-B723-43C7E6BD6BF0}"/>
-              </a:ext>
-            </a:extLst>
-          </p:cNvPr>
-          <p:cNvSpPr txBox="1"/>
-          <p:nvPr/>
-        </p:nvSpPr>
-        <p:spPr>
-          <a:xfrm>
-            <a:off x="1215360" y="3429000"/>
-            <a:ext cx="4572000" cy="2785378"/>
-          </a:xfrm>
-          <a:prstGeom prst="rect">
-            <a:avLst/>
-          </a:prstGeom>
-          <a:noFill/>
-          <a:ln>
-            <a:solidFill>
-              <a:schemeClr val="tx1"/>
-            </a:solidFill>
-          </a:ln>
-        </p:spPr>
-        <p:txBody>
-          <a:bodyPr wrap="square" rtlCol="0">
-            <a:spAutoFit/>
-          </a:bodyPr>
-          <a:lstStyle/>
-          <a:p>
-            <a:pPr marL="285750" indent="-285750">
-              <a:buFontTx/>
-              <a:buChar char="-"/>
-            </a:pPr>
-            <a:r>
-              <a:rPr lang="en-US" sz="2500" dirty="0"/>
-              <a:t>Global data</a:t>
-            </a:r>
-          </a:p>
-          <a:p>
-            <a:pPr marL="285750" indent="-285750">
-              <a:buFontTx/>
-              <a:buChar char="-"/>
-            </a:pPr>
-            <a:r>
-              <a:rPr lang="en-US" sz="2500" dirty="0"/>
-              <a:t>Drop rows with “NA”</a:t>
-            </a:r>
-          </a:p>
-          <a:p>
-            <a:pPr marL="285750" indent="-285750">
-              <a:buFontTx/>
-              <a:buChar char="-"/>
-            </a:pPr>
-            <a:r>
-              <a:rPr lang="en-US" sz="2500" dirty="0"/>
-              <a:t>Remove low variance columns</a:t>
-            </a:r>
-          </a:p>
-          <a:p>
-            <a:pPr marL="285750" indent="-285750">
-              <a:buFontTx/>
-              <a:buChar char="-"/>
-            </a:pPr>
-            <a:r>
-              <a:rPr lang="en-US" sz="2500" dirty="0"/>
-              <a:t>Daily refresh</a:t>
-            </a:r>
-          </a:p>
-          <a:p>
-            <a:pPr marL="285750" indent="-285750">
-              <a:buFontTx/>
-              <a:buChar char="-"/>
-            </a:pPr>
-            <a:r>
-              <a:rPr lang="en-US" sz="2500" dirty="0"/>
-              <a:t>Columns: 67 </a:t>
-            </a:r>
-            <a:r>
-              <a:rPr lang="en-US" sz="2500" dirty="0">
-                <a:sym typeface="Wingdings" panose="05000000000000000000" pitchFamily="2" charset="2"/>
-              </a:rPr>
-              <a:t> 9 </a:t>
-            </a:r>
-            <a:endParaRPr lang="en-US" sz="2500" dirty="0"/>
-          </a:p>
-          <a:p>
-            <a:pPr marL="285750" indent="-285750">
-              <a:buFontTx/>
-              <a:buChar char="-"/>
-            </a:pPr>
-            <a:r>
-              <a:rPr lang="en-US" sz="2500" dirty="0"/>
-              <a:t>Rows: 171k </a:t>
-            </a:r>
-            <a:r>
-              <a:rPr lang="en-US" sz="2500" dirty="0">
-                <a:sym typeface="Wingdings" panose="05000000000000000000" pitchFamily="2" charset="2"/>
-              </a:rPr>
-              <a:t> 640</a:t>
-            </a:r>
-            <a:endParaRPr lang="en-US" sz="2500" dirty="0"/>
-          </a:p>
-          <a:p>
-            <a:pPr marL="285750" indent="-285750">
-              <a:buFontTx/>
-              <a:buChar char="-"/>
-            </a:pPr>
-            <a:endParaRPr lang="en-US" sz="2500" dirty="0"/>
-          </a:p>
-        </p:txBody>
-      </p:sp>
-      <p:sp>
-        <p:nvSpPr>
-          <p:cNvPr id="16" name="Rectangle: Rounded Corners 15">
-            <a:extLst>
-              <a:ext uri="{FF2B5EF4-FFF2-40B4-BE49-F238E27FC236}">
-                <a16:creationId xmlns:a16="http://schemas.microsoft.com/office/drawing/2014/main" id="{A200CAEA-DC49-4AF6-B6CB-84A173C6DA58}"/>
-              </a:ext>
-            </a:extLst>
-          </p:cNvPr>
-          <p:cNvSpPr/>
-          <p:nvPr/>
-        </p:nvSpPr>
-        <p:spPr>
-          <a:xfrm>
-            <a:off x="6404640" y="2285999"/>
-            <a:ext cx="4572000" cy="936171"/>
-          </a:xfrm>
-          <a:prstGeom prst="roundRect">
-            <a:avLst/>
-          </a:prstGeom>
-          <a:gradFill flip="none" rotWithShape="1">
-            <a:gsLst>
-              <a:gs pos="0">
-                <a:schemeClr val="tx2">
-                  <a:tint val="66000"/>
-                  <a:satMod val="160000"/>
-                </a:schemeClr>
-              </a:gs>
-              <a:gs pos="50000">
-                <a:schemeClr val="tx2">
-                  <a:tint val="44500"/>
-                  <a:satMod val="160000"/>
-                </a:schemeClr>
-              </a:gs>
-              <a:gs pos="100000">
-                <a:schemeClr val="tx2">
-                  <a:tint val="23500"/>
-                  <a:satMod val="160000"/>
-                </a:schemeClr>
-              </a:gs>
-            </a:gsLst>
-            <a:lin ang="5400000" scaled="1"/>
-            <a:tileRect/>
-          </a:gradFill>
-          <a:ln>
-            <a:solidFill>
-              <a:schemeClr val="tx1"/>
-            </a:solidFill>
-          </a:ln>
-        </p:spPr>
-        <p:style>
-          <a:lnRef idx="2">
-            <a:schemeClr val="accent1">
-              <a:shade val="50000"/>
-            </a:schemeClr>
-          </a:lnRef>
-          <a:fillRef idx="1">
-            <a:schemeClr val="accent1"/>
-          </a:fillRef>
-          <a:effectRef idx="0">
-            <a:schemeClr val="accent1"/>
-          </a:effectRef>
-          <a:fontRef idx="minor">
-            <a:schemeClr val="lt1"/>
-          </a:fontRef>
-        </p:style>
-        <p:txBody>
-          <a:bodyPr rtlCol="0" anchor="ctr"/>
-          <a:lstStyle/>
-          <a:p>
-            <a:pPr algn="ctr"/>
-            <a:r>
-              <a:rPr lang="en-US" sz="3000" dirty="0">
-                <a:solidFill>
-                  <a:schemeClr val="bg1"/>
-                </a:solidFill>
-              </a:rPr>
-              <a:t>LOB </a:t>
-            </a:r>
-            <a:r>
-              <a:rPr lang="en-US" sz="3000" dirty="0" err="1">
-                <a:solidFill>
-                  <a:schemeClr val="bg1"/>
-                </a:solidFill>
-              </a:rPr>
-              <a:t>Cuskit</a:t>
-            </a:r>
-            <a:r>
-              <a:rPr lang="en-US" sz="3000" dirty="0">
-                <a:solidFill>
-                  <a:schemeClr val="bg1"/>
-                </a:solidFill>
-              </a:rPr>
-              <a:t> Revenue</a:t>
-            </a:r>
-          </a:p>
-        </p:txBody>
-      </p:sp>
-      <p:sp>
-        <p:nvSpPr>
-          <p:cNvPr id="17" name="TextBox 16">
-            <a:extLst>
-              <a:ext uri="{FF2B5EF4-FFF2-40B4-BE49-F238E27FC236}">
-                <a16:creationId xmlns:a16="http://schemas.microsoft.com/office/drawing/2014/main" id="{197982C3-7D88-4235-B39D-457BAC828357}"/>
-              </a:ext>
-            </a:extLst>
-          </p:cNvPr>
-          <p:cNvSpPr txBox="1"/>
-          <p:nvPr/>
-        </p:nvSpPr>
-        <p:spPr>
-          <a:xfrm>
-            <a:off x="6404640" y="3517738"/>
-            <a:ext cx="4572000" cy="2400657"/>
-          </a:xfrm>
-          <a:prstGeom prst="rect">
-            <a:avLst/>
-          </a:prstGeom>
-          <a:noFill/>
-          <a:ln>
-            <a:solidFill>
-              <a:schemeClr val="tx1"/>
-            </a:solidFill>
-          </a:ln>
-        </p:spPr>
-        <p:txBody>
-          <a:bodyPr wrap="square" rtlCol="0">
-            <a:spAutoFit/>
-          </a:bodyPr>
-          <a:lstStyle/>
-          <a:p>
-            <a:pPr marL="285750" indent="-285750">
-              <a:buFontTx/>
-              <a:buChar char="-"/>
-            </a:pPr>
-            <a:r>
-              <a:rPr lang="en-US" sz="2500" dirty="0"/>
-              <a:t>Weekly refresh</a:t>
-            </a:r>
-          </a:p>
-          <a:p>
-            <a:pPr marL="285750" indent="-285750">
-              <a:buFontTx/>
-              <a:buChar char="-"/>
-            </a:pPr>
-            <a:r>
-              <a:rPr lang="en-US" sz="2500" dirty="0"/>
-              <a:t>Drop rows with “NA”</a:t>
-            </a:r>
-          </a:p>
-          <a:p>
-            <a:pPr marL="285750" indent="-285750">
-              <a:buFontTx/>
-              <a:buChar char="-"/>
-            </a:pPr>
-            <a:r>
-              <a:rPr lang="en-US" sz="2500" dirty="0"/>
-              <a:t>Remove low variance columns</a:t>
-            </a:r>
-          </a:p>
-          <a:p>
-            <a:pPr marL="285750" indent="-285750">
-              <a:buFontTx/>
-              <a:buChar char="-"/>
-            </a:pPr>
-            <a:r>
-              <a:rPr lang="en-US" sz="2500" dirty="0"/>
-              <a:t>Columns – 9 </a:t>
-            </a:r>
-            <a:r>
-              <a:rPr lang="en-US" sz="2500" dirty="0">
-                <a:sym typeface="Wingdings" panose="05000000000000000000" pitchFamily="2" charset="2"/>
-              </a:rPr>
-              <a:t> 6 </a:t>
-            </a:r>
-            <a:endParaRPr lang="en-US" sz="2500" dirty="0"/>
-          </a:p>
-          <a:p>
-            <a:pPr marL="285750" indent="-285750">
-              <a:buFontTx/>
-              <a:buChar char="-"/>
-            </a:pPr>
-            <a:r>
-              <a:rPr lang="en-US" sz="2500" dirty="0"/>
-              <a:t>Rows – 104k </a:t>
-            </a:r>
-            <a:r>
-              <a:rPr lang="en-US" sz="2500" dirty="0">
-                <a:sym typeface="Wingdings" panose="05000000000000000000" pitchFamily="2" charset="2"/>
-              </a:rPr>
-              <a:t> 15k</a:t>
-            </a:r>
-            <a:endParaRPr lang="en-US" sz="2500" dirty="0"/>
-          </a:p>
-          <a:p>
-            <a:pPr marL="285750" indent="-285750">
-              <a:buFontTx/>
-              <a:buChar char="-"/>
-            </a:pPr>
-            <a:endParaRPr lang="en-US" sz="2500" dirty="0"/>
-          </a:p>
-        </p:txBody>
-      </p:sp>
-    </p:spTree>
-    <p:extLst>
-      <p:ext uri="{BB962C8B-B14F-4D97-AF65-F5344CB8AC3E}">
-        <p14:creationId xmlns:p14="http://schemas.microsoft.com/office/powerpoint/2010/main" val="387386915"/>
-      </p:ext>
-    </p:extLst>
-  </p:cSld>
-  <p:clrMapOvr>
-    <a:masterClrMapping/>
-  </p:clrMapOvr>
-</p:sld>
-</file>
-
-<file path=ppt/slides/slide11.xml><?xml version="1.0" encoding="utf-8"?>
-<p:sld xmlns:a="http://schemas.openxmlformats.org/drawingml/2006/main" xmlns:r="http://schemas.openxmlformats.org/officeDocument/2006/relationships" xmlns:p="http://schemas.openxmlformats.org/presentationml/2006/main">
-  <p:cSld>
-    <p:spTree>
-      <p:nvGrpSpPr>
-        <p:cNvPr id="1" name=""/>
-        <p:cNvGrpSpPr/>
-        <p:nvPr/>
-      </p:nvGrpSpPr>
-      <p:grpSpPr>
-        <a:xfrm>
-          <a:off x="0" y="0"/>
-          <a:ext cx="0" cy="0"/>
-          <a:chOff x="0" y="0"/>
-          <a:chExt cx="0" cy="0"/>
-        </a:xfrm>
-      </p:grpSpPr>
       <p:pic>
         <p:nvPicPr>
           <p:cNvPr id="10" name="Picture 9">
@@ -19353,7 +20794,7 @@
           <p:nvPr/>
         </p:nvPicPr>
         <p:blipFill rotWithShape="1">
-          <a:blip r:embed="rId2"/>
+          <a:blip r:embed="rId3"/>
           <a:srcRect l="7052" t="7529" b="5244"/>
           <a:stretch/>
         </p:blipFill>
@@ -19501,7 +20942,7 @@
           <p:nvPr/>
         </p:nvPicPr>
         <p:blipFill>
-          <a:blip r:embed="rId3"/>
+          <a:blip r:embed="rId4"/>
           <a:stretch>
             <a:fillRect/>
           </a:stretch>
@@ -19586,7 +21027,7 @@
           <p:nvPr/>
         </p:nvPicPr>
         <p:blipFill>
-          <a:blip r:embed="rId4"/>
+          <a:blip r:embed="rId5"/>
           <a:stretch>
             <a:fillRect/>
           </a:stretch>
@@ -19669,7 +21110,7 @@
 </p:sld>
 </file>
 
-<file path=ppt/slides/slide12.xml><?xml version="1.0" encoding="utf-8"?>
+<file path=ppt/slides/slide11.xml><?xml version="1.0" encoding="utf-8"?>
 <p:sld xmlns:a="http://schemas.openxmlformats.org/drawingml/2006/main" xmlns:r="http://schemas.openxmlformats.org/officeDocument/2006/relationships" xmlns:p="http://schemas.openxmlformats.org/presentationml/2006/main">
   <p:cSld>
     <p:spTree>
@@ -19701,7 +21142,7 @@
           <p:nvPr/>
         </p:nvPicPr>
         <p:blipFill>
-          <a:blip r:embed="rId2"/>
+          <a:blip r:embed="rId3"/>
           <a:stretch>
             <a:fillRect/>
           </a:stretch>
@@ -19770,7 +21211,7 @@
 </p:sld>
 </file>
 
-<file path=ppt/slides/slide13.xml><?xml version="1.0" encoding="utf-8"?>
+<file path=ppt/slides/slide12.xml><?xml version="1.0" encoding="utf-8"?>
 <p:sld xmlns:a="http://schemas.openxmlformats.org/drawingml/2006/main" xmlns:r="http://schemas.openxmlformats.org/officeDocument/2006/relationships" xmlns:p="http://schemas.openxmlformats.org/presentationml/2006/main">
   <p:cSld>
     <p:spTree>
@@ -19802,7 +21243,7 @@
           <p:nvPr/>
         </p:nvPicPr>
         <p:blipFill>
-          <a:blip r:embed="rId2"/>
+          <a:blip r:embed="rId3"/>
           <a:stretch>
             <a:fillRect/>
           </a:stretch>
@@ -19895,7 +21336,7 @@
 </p:sld>
 </file>
 
-<file path=ppt/slides/slide14.xml><?xml version="1.0" encoding="utf-8"?>
+<file path=ppt/slides/slide13.xml><?xml version="1.0" encoding="utf-8"?>
 <p:sld xmlns:a="http://schemas.openxmlformats.org/drawingml/2006/main" xmlns:r="http://schemas.openxmlformats.org/officeDocument/2006/relationships" xmlns:p="http://schemas.openxmlformats.org/presentationml/2006/main">
   <p:cSld>
     <p:spTree>
@@ -19949,10 +21390,10 @@
       </p:sp>
       <p:pic>
         <p:nvPicPr>
-          <p:cNvPr id="2054" name="Picture 6">
+          <p:cNvPr id="1026" name="Picture 2">
             <a:extLst>
               <a:ext uri="{FF2B5EF4-FFF2-40B4-BE49-F238E27FC236}">
-                <a16:creationId xmlns:a16="http://schemas.microsoft.com/office/drawing/2014/main" id="{8AD93174-2E47-4F8F-BC09-96333D53C69D}"/>
+                <a16:creationId xmlns:a16="http://schemas.microsoft.com/office/drawing/2014/main" id="{3541AA1D-3E0D-4269-8FA3-946F2905E4EC}"/>
               </a:ext>
             </a:extLst>
           </p:cNvPr>
@@ -19962,7 +21403,7 @@
           <p:nvPr/>
         </p:nvPicPr>
         <p:blipFill>
-          <a:blip r:embed="rId2">
+          <a:blip r:embed="rId3">
             <a:extLst>
               <a:ext uri="{28A0092B-C50C-407E-A947-70E740481C1C}">
                 <a14:useLocalDpi xmlns:a14="http://schemas.microsoft.com/office/drawing/2010/main" val="0"/>
@@ -19976,8 +21417,8 @@
         </p:blipFill>
         <p:spPr bwMode="auto">
           <a:xfrm>
-            <a:off x="4332516" y="400336"/>
-            <a:ext cx="7315200" cy="6057327"/>
+            <a:off x="4386942" y="326572"/>
+            <a:ext cx="7493364" cy="6204856"/>
           </a:xfrm>
           <a:prstGeom prst="rect">
             <a:avLst/>
@@ -20027,7 +21468,7 @@
 </p:sld>
 </file>
 
-<file path=ppt/slides/slide15.xml><?xml version="1.0" encoding="utf-8"?>
+<file path=ppt/slides/slide14.xml><?xml version="1.0" encoding="utf-8"?>
 <p:sld xmlns:a="http://schemas.openxmlformats.org/drawingml/2006/main" xmlns:r="http://schemas.openxmlformats.org/officeDocument/2006/relationships" xmlns:p="http://schemas.openxmlformats.org/presentationml/2006/main">
   <p:cSld>
     <p:spTree>
@@ -20081,10 +21522,10 @@
       </p:sp>
       <p:pic>
         <p:nvPicPr>
-          <p:cNvPr id="3074" name="Picture 2">
+          <p:cNvPr id="2050" name="Picture 2">
             <a:extLst>
               <a:ext uri="{FF2B5EF4-FFF2-40B4-BE49-F238E27FC236}">
-                <a16:creationId xmlns:a16="http://schemas.microsoft.com/office/drawing/2014/main" id="{CC960B08-8DE3-4D37-9E75-D2480C40B006}"/>
+                <a16:creationId xmlns:a16="http://schemas.microsoft.com/office/drawing/2014/main" id="{93E19CBD-499A-4163-8087-7F4DE8E697B2}"/>
               </a:ext>
             </a:extLst>
           </p:cNvPr>
@@ -20094,7 +21535,7 @@
           <p:nvPr/>
         </p:nvPicPr>
         <p:blipFill>
-          <a:blip r:embed="rId2">
+          <a:blip r:embed="rId3">
             <a:extLst>
               <a:ext uri="{28A0092B-C50C-407E-A947-70E740481C1C}">
                 <a14:useLocalDpi xmlns:a14="http://schemas.microsoft.com/office/drawing/2010/main" val="0"/>
@@ -20108,8 +21549,8 @@
         </p:blipFill>
         <p:spPr bwMode="auto">
           <a:xfrm>
-            <a:off x="4473347" y="400336"/>
-            <a:ext cx="7315200" cy="6057328"/>
+            <a:off x="4604656" y="454137"/>
+            <a:ext cx="7185254" cy="5949726"/>
           </a:xfrm>
           <a:prstGeom prst="rect">
             <a:avLst/>
@@ -20159,7 +21600,7 @@
 </p:sld>
 </file>
 
-<file path=ppt/slides/slide16.xml><?xml version="1.0" encoding="utf-8"?>
+<file path=ppt/slides/slide15.xml><?xml version="1.0" encoding="utf-8"?>
 <p:sld xmlns:a="http://schemas.openxmlformats.org/drawingml/2006/main" xmlns:r="http://schemas.openxmlformats.org/officeDocument/2006/relationships" xmlns:p="http://schemas.openxmlformats.org/presentationml/2006/main">
   <p:cSld>
     <p:spTree>
@@ -20227,7 +21668,7 @@
           <p:nvPr/>
         </p:nvPicPr>
         <p:blipFill rotWithShape="1">
-          <a:blip r:embed="rId2"/>
+          <a:blip r:embed="rId3"/>
           <a:srcRect l="11326" t="12063" b="2699"/>
           <a:stretch/>
         </p:blipFill>
@@ -20254,7 +21695,7 @@
 </p:sld>
 </file>
 
-<file path=ppt/slides/slide17.xml><?xml version="1.0" encoding="utf-8"?>
+<file path=ppt/slides/slide16.xml><?xml version="1.0" encoding="utf-8"?>
 <p:sld xmlns:a="http://schemas.openxmlformats.org/drawingml/2006/main" xmlns:r="http://schemas.openxmlformats.org/officeDocument/2006/relationships" xmlns:p="http://schemas.openxmlformats.org/presentationml/2006/main">
   <p:cSld>
     <p:spTree>
@@ -20453,13 +21894,13 @@
 </p:sld>
 </file>
 
-<file path=ppt/slides/slide18.xml><?xml version="1.0" encoding="utf-8"?>
+<file path=ppt/slides/slide17.xml><?xml version="1.0" encoding="utf-8"?>
 <p:sld xmlns:a="http://schemas.openxmlformats.org/drawingml/2006/main" xmlns:r="http://schemas.openxmlformats.org/officeDocument/2006/relationships" xmlns:p="http://schemas.openxmlformats.org/presentationml/2006/main">
   <p:cSld>
     <p:bg>
       <p:bgPr>
         <a:blipFill>
-          <a:blip r:embed="rId2">
+          <a:blip r:embed="rId3">
             <a:duotone>
               <a:schemeClr val="bg2">
                 <a:shade val="88000"/>
@@ -20518,7 +21959,7 @@
           </p:nvPr>
         </p:nvPicPr>
         <p:blipFill>
-          <a:blip r:embed="rId3">
+          <a:blip r:embed="rId4">
             <a:alphaModFix amt="30000"/>
             <a:extLst>
               <a:ext uri="{28A0092B-C50C-407E-A947-70E740481C1C}">
@@ -24092,7 +25533,7 @@
             </p:nvPr>
           </p:nvPicPr>
           <p:blipFill>
-            <a:blip r:embed="rId3">
+            <a:blip r:embed="rId4">
               <a:alphaModFix amt="30000"/>
               <a:duotone>
                 <a:prstClr val="black"/>
@@ -24216,7 +25657,7 @@
           <p:nvPr/>
         </p:nvPicPr>
         <p:blipFill rotWithShape="1">
-          <a:blip r:embed="rId4">
+          <a:blip r:embed="rId5">
             <a:extLst>
               <a:ext uri="{28A0092B-C50C-407E-A947-70E740481C1C}">
                 <a14:useLocalDpi xmlns:a14="http://schemas.microsoft.com/office/drawing/2010/main" val="0"/>
@@ -30433,7 +31874,7 @@
     <p:bg>
       <p:bgPr>
         <a:blipFill>
-          <a:blip r:embed="rId2">
+          <a:blip r:embed="rId3">
             <a:duotone>
               <a:schemeClr val="bg1">
                 <a:shade val="88000"/>
@@ -30581,7 +32022,7 @@
             </p:nvPr>
           </p:nvPicPr>
           <p:blipFill>
-            <a:blip r:embed="rId3">
+            <a:blip r:embed="rId4">
               <a:alphaModFix amt="30000"/>
               <a:duotone>
                 <a:prstClr val="black"/>
@@ -30646,7 +32087,7 @@
           </p:nvPr>
         </p:nvPicPr>
         <p:blipFill>
-          <a:blip r:embed="rId3">
+          <a:blip r:embed="rId4">
             <a:alphaModFix amt="30000"/>
             <a:extLst>
               <a:ext uri="{28A0092B-C50C-407E-A947-70E740481C1C}">
@@ -30694,7 +32135,7 @@
           <p:nvPr/>
         </p:nvPicPr>
         <p:blipFill rotWithShape="1">
-          <a:blip r:embed="rId4"/>
+          <a:blip r:embed="rId5"/>
           <a:srcRect t="20659" r="1" b="16055"/>
           <a:stretch/>
         </p:blipFill>
@@ -30747,7 +32188,7 @@
     <p:bg>
       <p:bgPr>
         <a:blipFill>
-          <a:blip r:embed="rId2">
+          <a:blip r:embed="rId3">
             <a:duotone>
               <a:schemeClr val="bg2">
                 <a:shade val="88000"/>
@@ -30806,7 +32247,7 @@
           </p:nvPr>
         </p:nvPicPr>
         <p:blipFill>
-          <a:blip r:embed="rId3">
+          <a:blip r:embed="rId4">
             <a:alphaModFix amt="30000"/>
             <a:extLst>
               <a:ext uri="{28A0092B-C50C-407E-A947-70E740481C1C}">
@@ -34410,7 +35851,7 @@
           <p:nvPr/>
         </p:nvPicPr>
         <p:blipFill rotWithShape="1">
-          <a:blip r:embed="rId4"/>
+          <a:blip r:embed="rId5"/>
           <a:srcRect t="17699" r="1" b="8796"/>
           <a:stretch/>
         </p:blipFill>
@@ -34443,7 +35884,7 @@
     <p:bg>
       <p:bgPr>
         <a:blipFill>
-          <a:blip r:embed="rId2">
+          <a:blip r:embed="rId3">
             <a:duotone>
               <a:schemeClr val="bg2">
                 <a:shade val="88000"/>
@@ -34502,7 +35943,7 @@
           </p:nvPr>
         </p:nvPicPr>
         <p:blipFill>
-          <a:blip r:embed="rId3">
+          <a:blip r:embed="rId4">
             <a:alphaModFix amt="30000"/>
             <a:extLst>
               <a:ext uri="{28A0092B-C50C-407E-A947-70E740481C1C}">
@@ -37987,7 +39428,7 @@
           </p:nvPr>
         </p:nvPicPr>
         <p:blipFill>
-          <a:blip r:embed="rId3">
+          <a:blip r:embed="rId4">
             <a:alphaModFix amt="30000"/>
             <a:extLst>
               <a:ext uri="{28A0092B-C50C-407E-A947-70E740481C1C}">
@@ -38095,7 +39536,7 @@
           <p:nvPr/>
         </p:nvPicPr>
         <p:blipFill>
-          <a:blip r:embed="rId4">
+          <a:blip r:embed="rId5">
             <a:extLst>
               <a:ext uri="{28A0092B-C50C-407E-A947-70E740481C1C}">
                 <a14:useLocalDpi xmlns:a14="http://schemas.microsoft.com/office/drawing/2010/main" val="0"/>
@@ -38168,7 +39609,7 @@
           <p:nvPr/>
         </p:nvPicPr>
         <p:blipFill>
-          <a:blip r:embed="rId5">
+          <a:blip r:embed="rId6">
             <a:extLst>
               <a:ext uri="{28A0092B-C50C-407E-A947-70E740481C1C}">
                 <a14:useLocalDpi xmlns:a14="http://schemas.microsoft.com/office/drawing/2010/main" val="0"/>
@@ -38289,224 +39730,7 @@
     <p:bg>
       <p:bgPr>
         <a:blipFill>
-          <a:blip r:embed="rId2">
-            <a:duotone>
-              <a:schemeClr val="bg2">
-                <a:shade val="88000"/>
-                <a:hueMod val="106000"/>
-                <a:satMod val="140000"/>
-                <a:lumMod val="54000"/>
-              </a:schemeClr>
-              <a:schemeClr val="bg2">
-                <a:tint val="98000"/>
-                <a:hueMod val="90000"/>
-                <a:satMod val="150000"/>
-                <a:lumMod val="160000"/>
-              </a:schemeClr>
-            </a:duotone>
-          </a:blip>
-          <a:stretch/>
-        </a:blipFill>
-        <a:effectLst/>
-      </p:bgPr>
-    </p:bg>
-    <p:spTree>
-      <p:nvGrpSpPr>
-        <p:cNvPr id="1" name=""/>
-        <p:cNvGrpSpPr/>
-        <p:nvPr/>
-      </p:nvGrpSpPr>
-      <p:grpSpPr>
-        <a:xfrm>
-          <a:off x="0" y="0"/>
-          <a:ext cx="0" cy="0"/>
-          <a:chOff x="0" y="0"/>
-          <a:chExt cx="0" cy="0"/>
-        </a:xfrm>
-      </p:grpSpPr>
-      <p:sp>
-        <p:nvSpPr>
-          <p:cNvPr id="14" name="Rectangle 9">
-            <a:extLst>
-              <a:ext uri="{FF2B5EF4-FFF2-40B4-BE49-F238E27FC236}">
-                <a16:creationId xmlns:a16="http://schemas.microsoft.com/office/drawing/2014/main" id="{C068D0EE-C6C8-484A-AFB7-3602BA27F8CD}"/>
-              </a:ext>
-              <a:ext uri="{C183D7F6-B498-43B3-948B-1728B52AA6E4}">
-                <adec:decorative xmlns:adec="http://schemas.microsoft.com/office/drawing/2017/decorative" val="1"/>
-              </a:ext>
-            </a:extLst>
-          </p:cNvPr>
-          <p:cNvSpPr>
-            <a:spLocks noGrp="1" noRot="1" noChangeAspect="1" noMove="1" noResize="1" noEditPoints="1" noAdjustHandles="1" noChangeArrowheads="1" noChangeShapeType="1" noTextEdit="1"/>
-          </p:cNvSpPr>
-          <p:nvPr>
-            <p:extLst>
-              <p:ext uri="{386F3935-93C4-4BCD-93E2-E3B085C9AB24}">
-                <p16:designElem xmlns:p16="http://schemas.microsoft.com/office/powerpoint/2015/main" val="1"/>
-              </p:ext>
-            </p:extLst>
-          </p:nvPr>
-        </p:nvSpPr>
-        <p:spPr>
-          <a:xfrm>
-            <a:off x="0" y="0"/>
-            <a:ext cx="12192000" cy="6858000"/>
-          </a:xfrm>
-          <a:prstGeom prst="rect">
-            <a:avLst/>
-          </a:prstGeom>
-          <a:solidFill>
-            <a:schemeClr val="bg2"/>
-          </a:solidFill>
-          <a:ln>
-            <a:noFill/>
-          </a:ln>
-        </p:spPr>
-        <p:style>
-          <a:lnRef idx="2">
-            <a:schemeClr val="accent1">
-              <a:shade val="50000"/>
-            </a:schemeClr>
-          </a:lnRef>
-          <a:fillRef idx="1">
-            <a:schemeClr val="accent1"/>
-          </a:fillRef>
-          <a:effectRef idx="0">
-            <a:schemeClr val="accent1"/>
-          </a:effectRef>
-          <a:fontRef idx="minor">
-            <a:schemeClr val="lt1"/>
-          </a:fontRef>
-        </p:style>
-        <p:txBody>
-          <a:bodyPr rtlCol="0" anchor="ctr"/>
-          <a:lstStyle/>
-          <a:p>
-            <a:pPr algn="ctr"/>
-            <a:endParaRPr lang="en-US"/>
-          </a:p>
-        </p:txBody>
-      </p:sp>
-      <p:sp>
-        <p:nvSpPr>
-          <p:cNvPr id="15" name="Rectangle 11">
-            <a:extLst>
-              <a:ext uri="{FF2B5EF4-FFF2-40B4-BE49-F238E27FC236}">
-                <a16:creationId xmlns:a16="http://schemas.microsoft.com/office/drawing/2014/main" id="{DDE5FB8C-CC3F-4C24-BF4F-1B5999DE6851}"/>
-              </a:ext>
-              <a:ext uri="{C183D7F6-B498-43B3-948B-1728B52AA6E4}">
-                <adec:decorative xmlns:adec="http://schemas.microsoft.com/office/drawing/2017/decorative" val="1"/>
-              </a:ext>
-            </a:extLst>
-          </p:cNvPr>
-          <p:cNvSpPr>
-            <a:spLocks noGrp="1" noRot="1" noChangeAspect="1" noMove="1" noResize="1" noEditPoints="1" noAdjustHandles="1" noChangeArrowheads="1" noChangeShapeType="1" noTextEdit="1"/>
-          </p:cNvSpPr>
-          <p:nvPr>
-            <p:extLst>
-              <p:ext uri="{386F3935-93C4-4BCD-93E2-E3B085C9AB24}">
-                <p16:designElem xmlns:p16="http://schemas.microsoft.com/office/powerpoint/2015/main" val="1"/>
-              </p:ext>
-            </p:extLst>
-          </p:nvPr>
-        </p:nvSpPr>
-        <p:spPr>
-          <a:xfrm>
-            <a:off x="477012" y="480060"/>
-            <a:ext cx="11237976" cy="5897880"/>
-          </a:xfrm>
-          <a:prstGeom prst="rect">
-            <a:avLst/>
-          </a:prstGeom>
-          <a:solidFill>
-            <a:srgbClr val="FFFFFF"/>
-          </a:solidFill>
-          <a:ln w="9525">
-            <a:noFill/>
-          </a:ln>
-          <a:effectLst>
-            <a:outerShdw blurRad="63500" dist="17780" dir="5400000" algn="t" rotWithShape="0">
-              <a:prstClr val="black">
-                <a:alpha val="43000"/>
-              </a:prstClr>
-            </a:outerShdw>
-          </a:effectLst>
-        </p:spPr>
-        <p:style>
-          <a:lnRef idx="2">
-            <a:schemeClr val="accent1">
-              <a:shade val="50000"/>
-            </a:schemeClr>
-          </a:lnRef>
-          <a:fillRef idx="1">
-            <a:schemeClr val="accent1"/>
-          </a:fillRef>
-          <a:effectRef idx="0">
-            <a:schemeClr val="accent1"/>
-          </a:effectRef>
-          <a:fontRef idx="minor">
-            <a:schemeClr val="lt1"/>
-          </a:fontRef>
-        </p:style>
-        <p:txBody>
-          <a:bodyPr rtlCol="0" anchor="ctr"/>
-          <a:lstStyle/>
-          <a:p>
-            <a:pPr algn="ctr"/>
-            <a:endParaRPr lang="en-US"/>
-          </a:p>
-        </p:txBody>
-      </p:sp>
-      <p:pic>
-        <p:nvPicPr>
-          <p:cNvPr id="5" name="Picture 4" descr="Text, whiteboard&#10;&#10;Description automatically generated">
-            <a:extLst>
-              <a:ext uri="{FF2B5EF4-FFF2-40B4-BE49-F238E27FC236}">
-                <a16:creationId xmlns:a16="http://schemas.microsoft.com/office/drawing/2014/main" id="{675E3399-364D-44F4-8C7B-6892417E451A}"/>
-              </a:ext>
-            </a:extLst>
-          </p:cNvPr>
-          <p:cNvPicPr>
-            <a:picLocks noChangeAspect="1"/>
-          </p:cNvPicPr>
-          <p:nvPr/>
-        </p:nvPicPr>
-        <p:blipFill>
-          <a:blip r:embed="rId3"/>
-          <a:stretch>
-            <a:fillRect/>
-          </a:stretch>
-        </p:blipFill>
-        <p:spPr>
-          <a:xfrm>
-            <a:off x="1453445" y="643467"/>
-            <a:ext cx="9285110" cy="5571066"/>
-          </a:xfrm>
-          <a:prstGeom prst="rect">
-            <a:avLst/>
-          </a:prstGeom>
-        </p:spPr>
-      </p:pic>
-    </p:spTree>
-    <p:extLst>
-      <p:ext uri="{BB962C8B-B14F-4D97-AF65-F5344CB8AC3E}">
-        <p14:creationId xmlns:p14="http://schemas.microsoft.com/office/powerpoint/2010/main" val="2829437057"/>
-      </p:ext>
-    </p:extLst>
-  </p:cSld>
-  <p:clrMapOvr>
-    <a:masterClrMapping/>
-  </p:clrMapOvr>
-</p:sld>
-</file>
-
-<file path=ppt/slides/slide8.xml><?xml version="1.0" encoding="utf-8"?>
-<p:sld xmlns:a="http://schemas.openxmlformats.org/drawingml/2006/main" xmlns:r="http://schemas.openxmlformats.org/officeDocument/2006/relationships" xmlns:p="http://schemas.openxmlformats.org/presentationml/2006/main">
-  <p:cSld>
-    <p:bg>
-      <p:bgPr>
-        <a:blipFill>
-          <a:blip r:embed="rId2">
+          <a:blip r:embed="rId3">
             <a:duotone>
               <a:schemeClr val="bg2">
                 <a:shade val="88000"/>
@@ -38565,7 +39789,7 @@
           </p:nvPr>
         </p:nvPicPr>
         <p:blipFill>
-          <a:blip r:embed="rId3">
+          <a:blip r:embed="rId4">
             <a:alphaModFix amt="30000"/>
             <a:extLst>
               <a:ext uri="{28A0092B-C50C-407E-A947-70E740481C1C}">
@@ -42041,7 +43265,7 @@
           <p:nvPr/>
         </p:nvPicPr>
         <p:blipFill rotWithShape="1">
-          <a:blip r:embed="rId4"/>
+          <a:blip r:embed="rId5"/>
           <a:srcRect t="10000"/>
           <a:stretch/>
         </p:blipFill>
@@ -42068,7 +43292,7 @@
 </p:sld>
 </file>
 
-<file path=ppt/slides/slide9.xml><?xml version="1.0" encoding="utf-8"?>
+<file path=ppt/slides/slide8.xml><?xml version="1.0" encoding="utf-8"?>
 <p:sld xmlns:a="http://schemas.openxmlformats.org/drawingml/2006/main" xmlns:r="http://schemas.openxmlformats.org/officeDocument/2006/relationships" xmlns:p="http://schemas.openxmlformats.org/presentationml/2006/main">
   <p:cSld>
     <p:spTree>
@@ -42100,7 +43324,7 @@
           <p:nvPr/>
         </p:nvPicPr>
         <p:blipFill>
-          <a:blip r:embed="rId2">
+          <a:blip r:embed="rId3">
             <a:extLst>
               <a:ext uri="{28A0092B-C50C-407E-A947-70E740481C1C}">
                 <a14:useLocalDpi xmlns:a14="http://schemas.microsoft.com/office/drawing/2010/main" val="0"/>
@@ -42235,6 +43459,500 @@
     <p:extLst>
       <p:ext uri="{BB962C8B-B14F-4D97-AF65-F5344CB8AC3E}">
         <p14:creationId xmlns:p14="http://schemas.microsoft.com/office/powerpoint/2010/main" val="2478705151"/>
+      </p:ext>
+    </p:extLst>
+  </p:cSld>
+  <p:clrMapOvr>
+    <a:masterClrMapping/>
+  </p:clrMapOvr>
+</p:sld>
+</file>
+
+<file path=ppt/slides/slide9.xml><?xml version="1.0" encoding="utf-8"?>
+<p:sld xmlns:a="http://schemas.openxmlformats.org/drawingml/2006/main" xmlns:r="http://schemas.openxmlformats.org/officeDocument/2006/relationships" xmlns:p="http://schemas.openxmlformats.org/presentationml/2006/main">
+  <p:cSld>
+    <p:spTree>
+      <p:nvGrpSpPr>
+        <p:cNvPr id="1" name=""/>
+        <p:cNvGrpSpPr/>
+        <p:nvPr/>
+      </p:nvGrpSpPr>
+      <p:grpSpPr>
+        <a:xfrm>
+          <a:off x="0" y="0"/>
+          <a:ext cx="0" cy="0"/>
+          <a:chOff x="0" y="0"/>
+          <a:chExt cx="0" cy="0"/>
+        </a:xfrm>
+      </p:grpSpPr>
+      <p:sp>
+        <p:nvSpPr>
+          <p:cNvPr id="7" name="Title 1">
+            <a:extLst>
+              <a:ext uri="{FF2B5EF4-FFF2-40B4-BE49-F238E27FC236}">
+                <a16:creationId xmlns:a16="http://schemas.microsoft.com/office/drawing/2014/main" id="{6F8081D4-D743-4B06-9167-4249BA950C68}"/>
+              </a:ext>
+            </a:extLst>
+          </p:cNvPr>
+          <p:cNvSpPr txBox="1">
+            <a:spLocks/>
+          </p:cNvSpPr>
+          <p:nvPr/>
+        </p:nvSpPr>
+        <p:spPr>
+          <a:xfrm>
+            <a:off x="331134" y="813925"/>
+            <a:ext cx="6340452" cy="1089421"/>
+          </a:xfrm>
+          <a:prstGeom prst="rect">
+            <a:avLst/>
+          </a:prstGeom>
+        </p:spPr>
+        <p:txBody>
+          <a:bodyPr>
+            <a:noAutofit/>
+          </a:bodyPr>
+          <a:lstStyle>
+            <a:lvl1pPr algn="l" defTabSz="914400" rtl="0" eaLnBrk="1" latinLnBrk="0" hangingPunct="1">
+              <a:lnSpc>
+                <a:spcPct val="90000"/>
+              </a:lnSpc>
+              <a:spcBef>
+                <a:spcPct val="0"/>
+              </a:spcBef>
+              <a:buNone/>
+              <a:defRPr sz="3600" kern="1200" cap="all" baseline="0">
+                <a:solidFill>
+                  <a:schemeClr val="tx1"/>
+                </a:solidFill>
+                <a:latin typeface="+mj-lt"/>
+                <a:ea typeface="+mj-ea"/>
+                <a:cs typeface="+mj-cs"/>
+              </a:defRPr>
+            </a:lvl1pPr>
+          </a:lstStyle>
+          <a:p>
+            <a:pPr algn="ctr"/>
+            <a:r>
+              <a:rPr lang="en-US" sz="5000" b="1" dirty="0">
+                <a:effectLst>
+                  <a:outerShdw blurRad="38100" dist="38100" dir="2700000" algn="tl">
+                    <a:srgbClr val="000000">
+                      <a:alpha val="43137"/>
+                    </a:srgbClr>
+                  </a:outerShdw>
+                </a:effectLst>
+              </a:rPr>
+              <a:t>Data Cleaning</a:t>
+            </a:r>
+            <a:endParaRPr lang="en-US" sz="5000" dirty="0"/>
+          </a:p>
+        </p:txBody>
+      </p:sp>
+      <p:sp>
+        <p:nvSpPr>
+          <p:cNvPr id="12" name="Rectangle: Rounded Corners 11">
+            <a:extLst>
+              <a:ext uri="{FF2B5EF4-FFF2-40B4-BE49-F238E27FC236}">
+                <a16:creationId xmlns:a16="http://schemas.microsoft.com/office/drawing/2014/main" id="{F2A8444F-2AFA-4C54-A366-B79E3762C761}"/>
+              </a:ext>
+            </a:extLst>
+          </p:cNvPr>
+          <p:cNvSpPr/>
+          <p:nvPr/>
+        </p:nvSpPr>
+        <p:spPr>
+          <a:xfrm>
+            <a:off x="1215360" y="2285999"/>
+            <a:ext cx="4572000" cy="936171"/>
+          </a:xfrm>
+          <a:prstGeom prst="roundRect">
+            <a:avLst/>
+          </a:prstGeom>
+          <a:gradFill flip="none" rotWithShape="1">
+            <a:gsLst>
+              <a:gs pos="0">
+                <a:schemeClr val="tx2">
+                  <a:tint val="66000"/>
+                  <a:satMod val="160000"/>
+                </a:schemeClr>
+              </a:gs>
+              <a:gs pos="50000">
+                <a:schemeClr val="tx2">
+                  <a:tint val="44500"/>
+                  <a:satMod val="160000"/>
+                </a:schemeClr>
+              </a:gs>
+              <a:gs pos="100000">
+                <a:schemeClr val="tx2">
+                  <a:tint val="23500"/>
+                  <a:satMod val="160000"/>
+                </a:schemeClr>
+              </a:gs>
+            </a:gsLst>
+            <a:lin ang="5400000" scaled="1"/>
+            <a:tileRect/>
+          </a:gradFill>
+          <a:ln>
+            <a:solidFill>
+              <a:schemeClr val="tx1"/>
+            </a:solidFill>
+          </a:ln>
+        </p:spPr>
+        <p:style>
+          <a:lnRef idx="2">
+            <a:schemeClr val="accent1">
+              <a:shade val="50000"/>
+            </a:schemeClr>
+          </a:lnRef>
+          <a:fillRef idx="1">
+            <a:schemeClr val="accent1"/>
+          </a:fillRef>
+          <a:effectRef idx="0">
+            <a:schemeClr val="accent1"/>
+          </a:effectRef>
+          <a:fontRef idx="minor">
+            <a:schemeClr val="lt1"/>
+          </a:fontRef>
+        </p:style>
+        <p:txBody>
+          <a:bodyPr rtlCol="0" anchor="ctr"/>
+          <a:lstStyle/>
+          <a:p>
+            <a:pPr algn="ctr"/>
+            <a:r>
+              <a:rPr lang="en-US" sz="3000" dirty="0">
+                <a:solidFill>
+                  <a:schemeClr val="bg1"/>
+                </a:solidFill>
+              </a:rPr>
+              <a:t>Covid-19 Dataset</a:t>
+            </a:r>
+          </a:p>
+        </p:txBody>
+      </p:sp>
+      <p:sp>
+        <p:nvSpPr>
+          <p:cNvPr id="13" name="TextBox 12">
+            <a:extLst>
+              <a:ext uri="{FF2B5EF4-FFF2-40B4-BE49-F238E27FC236}">
+                <a16:creationId xmlns:a16="http://schemas.microsoft.com/office/drawing/2014/main" id="{CD524C3B-84C3-4E24-B723-43C7E6BD6BF0}"/>
+              </a:ext>
+            </a:extLst>
+          </p:cNvPr>
+          <p:cNvSpPr txBox="1"/>
+          <p:nvPr/>
+        </p:nvSpPr>
+        <p:spPr>
+          <a:xfrm>
+            <a:off x="1215360" y="3429000"/>
+            <a:ext cx="4572000" cy="2785378"/>
+          </a:xfrm>
+          <a:prstGeom prst="rect">
+            <a:avLst/>
+          </a:prstGeom>
+          <a:noFill/>
+          <a:ln>
+            <a:solidFill>
+              <a:schemeClr val="tx1"/>
+            </a:solidFill>
+          </a:ln>
+        </p:spPr>
+        <p:txBody>
+          <a:bodyPr wrap="square" rtlCol="0">
+            <a:spAutoFit/>
+          </a:bodyPr>
+          <a:lstStyle/>
+          <a:p>
+            <a:pPr marL="285750" indent="-285750">
+              <a:buFontTx/>
+              <a:buChar char="-"/>
+            </a:pPr>
+            <a:r>
+              <a:rPr lang="en-US" sz="2500" dirty="0"/>
+              <a:t>Global data</a:t>
+            </a:r>
+          </a:p>
+          <a:p>
+            <a:pPr marL="285750" indent="-285750">
+              <a:buFontTx/>
+              <a:buChar char="-"/>
+            </a:pPr>
+            <a:r>
+              <a:rPr lang="en-US" sz="2500" dirty="0"/>
+              <a:t>Drop rows with “NA”</a:t>
+            </a:r>
+          </a:p>
+          <a:p>
+            <a:pPr marL="285750" indent="-285750">
+              <a:buFontTx/>
+              <a:buChar char="-"/>
+            </a:pPr>
+            <a:r>
+              <a:rPr lang="en-US" sz="2500" dirty="0"/>
+              <a:t>Remove low variance columns</a:t>
+            </a:r>
+          </a:p>
+          <a:p>
+            <a:pPr marL="285750" indent="-285750">
+              <a:buFontTx/>
+              <a:buChar char="-"/>
+            </a:pPr>
+            <a:r>
+              <a:rPr lang="en-US" sz="2500" dirty="0"/>
+              <a:t>Daily refresh</a:t>
+            </a:r>
+          </a:p>
+          <a:p>
+            <a:pPr marL="285750" indent="-285750">
+              <a:buFontTx/>
+              <a:buChar char="-"/>
+            </a:pPr>
+            <a:r>
+              <a:rPr lang="en-US" sz="2500" dirty="0"/>
+              <a:t>Columns: 67 </a:t>
+            </a:r>
+            <a:r>
+              <a:rPr lang="en-US" sz="2500" dirty="0">
+                <a:sym typeface="Wingdings" panose="05000000000000000000" pitchFamily="2" charset="2"/>
+              </a:rPr>
+              <a:t> 9 </a:t>
+            </a:r>
+            <a:endParaRPr lang="en-US" sz="2500" dirty="0"/>
+          </a:p>
+          <a:p>
+            <a:pPr marL="285750" indent="-285750">
+              <a:buFontTx/>
+              <a:buChar char="-"/>
+            </a:pPr>
+            <a:r>
+              <a:rPr lang="en-US" sz="2500" dirty="0"/>
+              <a:t>Rows: 171k </a:t>
+            </a:r>
+            <a:r>
+              <a:rPr lang="en-US" sz="2500" dirty="0">
+                <a:sym typeface="Wingdings" panose="05000000000000000000" pitchFamily="2" charset="2"/>
+              </a:rPr>
+              <a:t> 640</a:t>
+            </a:r>
+            <a:endParaRPr lang="en-US" sz="2500" dirty="0"/>
+          </a:p>
+          <a:p>
+            <a:pPr marL="285750" indent="-285750">
+              <a:buFontTx/>
+              <a:buChar char="-"/>
+            </a:pPr>
+            <a:endParaRPr lang="en-US" sz="2500" dirty="0"/>
+          </a:p>
+        </p:txBody>
+      </p:sp>
+      <p:sp>
+        <p:nvSpPr>
+          <p:cNvPr id="16" name="Rectangle: Rounded Corners 15">
+            <a:extLst>
+              <a:ext uri="{FF2B5EF4-FFF2-40B4-BE49-F238E27FC236}">
+                <a16:creationId xmlns:a16="http://schemas.microsoft.com/office/drawing/2014/main" id="{A200CAEA-DC49-4AF6-B6CB-84A173C6DA58}"/>
+              </a:ext>
+            </a:extLst>
+          </p:cNvPr>
+          <p:cNvSpPr/>
+          <p:nvPr/>
+        </p:nvSpPr>
+        <p:spPr>
+          <a:xfrm>
+            <a:off x="6404640" y="2285999"/>
+            <a:ext cx="4572000" cy="936171"/>
+          </a:xfrm>
+          <a:prstGeom prst="roundRect">
+            <a:avLst/>
+          </a:prstGeom>
+          <a:gradFill flip="none" rotWithShape="1">
+            <a:gsLst>
+              <a:gs pos="0">
+                <a:schemeClr val="tx2">
+                  <a:tint val="66000"/>
+                  <a:satMod val="160000"/>
+                </a:schemeClr>
+              </a:gs>
+              <a:gs pos="50000">
+                <a:schemeClr val="tx2">
+                  <a:tint val="44500"/>
+                  <a:satMod val="160000"/>
+                </a:schemeClr>
+              </a:gs>
+              <a:gs pos="100000">
+                <a:schemeClr val="tx2">
+                  <a:tint val="23500"/>
+                  <a:satMod val="160000"/>
+                </a:schemeClr>
+              </a:gs>
+            </a:gsLst>
+            <a:lin ang="5400000" scaled="1"/>
+            <a:tileRect/>
+          </a:gradFill>
+          <a:ln>
+            <a:solidFill>
+              <a:schemeClr val="tx1"/>
+            </a:solidFill>
+          </a:ln>
+        </p:spPr>
+        <p:style>
+          <a:lnRef idx="2">
+            <a:schemeClr val="accent1">
+              <a:shade val="50000"/>
+            </a:schemeClr>
+          </a:lnRef>
+          <a:fillRef idx="1">
+            <a:schemeClr val="accent1"/>
+          </a:fillRef>
+          <a:effectRef idx="0">
+            <a:schemeClr val="accent1"/>
+          </a:effectRef>
+          <a:fontRef idx="minor">
+            <a:schemeClr val="lt1"/>
+          </a:fontRef>
+        </p:style>
+        <p:txBody>
+          <a:bodyPr rtlCol="0" anchor="ctr"/>
+          <a:lstStyle/>
+          <a:p>
+            <a:pPr algn="ctr"/>
+            <a:r>
+              <a:rPr lang="en-US" sz="3000" dirty="0">
+                <a:solidFill>
+                  <a:schemeClr val="bg1"/>
+                </a:solidFill>
+              </a:rPr>
+              <a:t>LOB </a:t>
+            </a:r>
+            <a:r>
+              <a:rPr lang="en-US" sz="3000" dirty="0" err="1">
+                <a:solidFill>
+                  <a:schemeClr val="bg1"/>
+                </a:solidFill>
+              </a:rPr>
+              <a:t>Cuskit</a:t>
+            </a:r>
+            <a:r>
+              <a:rPr lang="en-US" sz="3000" dirty="0">
+                <a:solidFill>
+                  <a:schemeClr val="bg1"/>
+                </a:solidFill>
+              </a:rPr>
+              <a:t> Revenue</a:t>
+            </a:r>
+          </a:p>
+        </p:txBody>
+      </p:sp>
+      <p:sp>
+        <p:nvSpPr>
+          <p:cNvPr id="17" name="TextBox 16">
+            <a:extLst>
+              <a:ext uri="{FF2B5EF4-FFF2-40B4-BE49-F238E27FC236}">
+                <a16:creationId xmlns:a16="http://schemas.microsoft.com/office/drawing/2014/main" id="{197982C3-7D88-4235-B39D-457BAC828357}"/>
+              </a:ext>
+            </a:extLst>
+          </p:cNvPr>
+          <p:cNvSpPr txBox="1"/>
+          <p:nvPr/>
+        </p:nvSpPr>
+        <p:spPr>
+          <a:xfrm>
+            <a:off x="6404640" y="3517738"/>
+            <a:ext cx="4572000" cy="2400657"/>
+          </a:xfrm>
+          <a:prstGeom prst="rect">
+            <a:avLst/>
+          </a:prstGeom>
+          <a:noFill/>
+          <a:ln>
+            <a:solidFill>
+              <a:schemeClr val="tx1"/>
+            </a:solidFill>
+          </a:ln>
+        </p:spPr>
+        <p:txBody>
+          <a:bodyPr wrap="square" rtlCol="0">
+            <a:spAutoFit/>
+          </a:bodyPr>
+          <a:lstStyle/>
+          <a:p>
+            <a:pPr marL="285750" indent="-285750">
+              <a:buFontTx/>
+              <a:buChar char="-"/>
+            </a:pPr>
+            <a:r>
+              <a:rPr lang="en-US" sz="2500" dirty="0"/>
+              <a:t>Weekly refresh</a:t>
+            </a:r>
+          </a:p>
+          <a:p>
+            <a:pPr marL="285750" indent="-285750">
+              <a:buFontTx/>
+              <a:buChar char="-"/>
+            </a:pPr>
+            <a:r>
+              <a:rPr lang="en-US" sz="2500" dirty="0"/>
+              <a:t>Drop rows with “NA”</a:t>
+            </a:r>
+          </a:p>
+          <a:p>
+            <a:pPr marL="285750" indent="-285750">
+              <a:buFontTx/>
+              <a:buChar char="-"/>
+            </a:pPr>
+            <a:r>
+              <a:rPr lang="en-US" sz="2500" dirty="0"/>
+              <a:t>Remove low variance columns</a:t>
+            </a:r>
+          </a:p>
+          <a:p>
+            <a:pPr marL="285750" indent="-285750">
+              <a:buFontTx/>
+              <a:buChar char="-"/>
+            </a:pPr>
+            <a:r>
+              <a:rPr lang="en-US" sz="2500" dirty="0"/>
+              <a:t>Columns – 9 </a:t>
+            </a:r>
+            <a:r>
+              <a:rPr lang="en-US" sz="2500" dirty="0">
+                <a:sym typeface="Wingdings" panose="05000000000000000000" pitchFamily="2" charset="2"/>
+              </a:rPr>
+              <a:t> 6 </a:t>
+            </a:r>
+            <a:endParaRPr lang="en-US" sz="2500" dirty="0"/>
+          </a:p>
+          <a:p>
+            <a:pPr marL="285750" indent="-285750">
+              <a:buFontTx/>
+              <a:buChar char="-"/>
+            </a:pPr>
+            <a:r>
+              <a:rPr lang="en-US" sz="2500" dirty="0"/>
+              <a:t>Rows – 104k </a:t>
+            </a:r>
+            <a:r>
+              <a:rPr lang="en-US" sz="2500" dirty="0">
+                <a:sym typeface="Wingdings" panose="05000000000000000000" pitchFamily="2" charset="2"/>
+              </a:rPr>
+              <a:t> 15k</a:t>
+            </a:r>
+            <a:endParaRPr lang="en-US" sz="2500" dirty="0"/>
+          </a:p>
+          <a:p>
+            <a:pPr marL="285750" indent="-285750">
+              <a:buFontTx/>
+              <a:buChar char="-"/>
+            </a:pPr>
+            <a:endParaRPr lang="en-US" sz="2500" dirty="0"/>
+          </a:p>
+        </p:txBody>
+      </p:sp>
+    </p:spTree>
+    <p:extLst>
+      <p:ext uri="{BB962C8B-B14F-4D97-AF65-F5344CB8AC3E}">
+        <p14:creationId xmlns:p14="http://schemas.microsoft.com/office/powerpoint/2010/main" val="387386915"/>
       </p:ext>
     </p:extLst>
   </p:cSld>
@@ -42493,4 +44211,299 @@
     </a:ext>
   </a:extLst>
 </a:theme>
+</file>
+
+<file path=ppt/theme/theme2.xml><?xml version="1.0" encoding="utf-8"?>
+<a:theme xmlns:a="http://schemas.openxmlformats.org/drawingml/2006/main" name="Office Theme">
+  <a:themeElements>
+    <a:clrScheme name="Office">
+      <a:dk1>
+        <a:sysClr val="windowText" lastClr="000000"/>
+      </a:dk1>
+      <a:lt1>
+        <a:sysClr val="window" lastClr="FFFFFF"/>
+      </a:lt1>
+      <a:dk2>
+        <a:srgbClr val="44546A"/>
+      </a:dk2>
+      <a:lt2>
+        <a:srgbClr val="E7E6E6"/>
+      </a:lt2>
+      <a:accent1>
+        <a:srgbClr val="4472C4"/>
+      </a:accent1>
+      <a:accent2>
+        <a:srgbClr val="ED7D31"/>
+      </a:accent2>
+      <a:accent3>
+        <a:srgbClr val="A5A5A5"/>
+      </a:accent3>
+      <a:accent4>
+        <a:srgbClr val="FFC000"/>
+      </a:accent4>
+      <a:accent5>
+        <a:srgbClr val="5B9BD5"/>
+      </a:accent5>
+      <a:accent6>
+        <a:srgbClr val="70AD47"/>
+      </a:accent6>
+      <a:hlink>
+        <a:srgbClr val="0563C1"/>
+      </a:hlink>
+      <a:folHlink>
+        <a:srgbClr val="954F72"/>
+      </a:folHlink>
+    </a:clrScheme>
+    <a:fontScheme name="Office">
+      <a:majorFont>
+        <a:latin typeface="Calibri Light" panose="020F0302020204030204"/>
+        <a:ea typeface=""/>
+        <a:cs typeface=""/>
+        <a:font script="Jpan" typeface="游ゴシック Light"/>
+        <a:font script="Hang" typeface="맑은 고딕"/>
+        <a:font script="Hans" typeface="等线 Light"/>
+        <a:font script="Hant" typeface="新細明體"/>
+        <a:font script="Arab" typeface="Times New Roman"/>
+        <a:font script="Hebr" typeface="Times New Roman"/>
+        <a:font script="Thai" typeface="Angsana New"/>
+        <a:font script="Ethi" typeface="Nyala"/>
+        <a:font script="Beng" typeface="Vrinda"/>
+        <a:font script="Gujr" typeface="Shruti"/>
+        <a:font script="Khmr" typeface="MoolBoran"/>
+        <a:font script="Knda" typeface="Tunga"/>
+        <a:font script="Guru" typeface="Raavi"/>
+        <a:font script="Cans" typeface="Euphemia"/>
+        <a:font script="Cher" typeface="Plantagenet Cherokee"/>
+        <a:font script="Yiii" typeface="Microsoft Yi Baiti"/>
+        <a:font script="Tibt" typeface="Microsoft Himalaya"/>
+        <a:font script="Thaa" typeface="MV Boli"/>
+        <a:font script="Deva" typeface="Mangal"/>
+        <a:font script="Telu" typeface="Gautami"/>
+        <a:font script="Taml" typeface="Latha"/>
+        <a:font script="Syrc" typeface="Estrangelo Edessa"/>
+        <a:font script="Orya" typeface="Kalinga"/>
+        <a:font script="Mlym" typeface="Kartika"/>
+        <a:font script="Laoo" typeface="DokChampa"/>
+        <a:font script="Sinh" typeface="Iskoola Pota"/>
+        <a:font script="Mong" typeface="Mongolian Baiti"/>
+        <a:font script="Viet" typeface="Times New Roman"/>
+        <a:font script="Uigh" typeface="Microsoft Uighur"/>
+        <a:font script="Geor" typeface="Sylfaen"/>
+        <a:font script="Armn" typeface="Arial"/>
+        <a:font script="Bugi" typeface="Leelawadee UI"/>
+        <a:font script="Bopo" typeface="Microsoft JhengHei"/>
+        <a:font script="Java" typeface="Javanese Text"/>
+        <a:font script="Lisu" typeface="Segoe UI"/>
+        <a:font script="Mymr" typeface="Myanmar Text"/>
+        <a:font script="Nkoo" typeface="Ebrima"/>
+        <a:font script="Olck" typeface="Nirmala UI"/>
+        <a:font script="Osma" typeface="Ebrima"/>
+        <a:font script="Phag" typeface="Phagspa"/>
+        <a:font script="Syrn" typeface="Estrangelo Edessa"/>
+        <a:font script="Syrj" typeface="Estrangelo Edessa"/>
+        <a:font script="Syre" typeface="Estrangelo Edessa"/>
+        <a:font script="Sora" typeface="Nirmala UI"/>
+        <a:font script="Tale" typeface="Microsoft Tai Le"/>
+        <a:font script="Talu" typeface="Microsoft New Tai Lue"/>
+        <a:font script="Tfng" typeface="Ebrima"/>
+      </a:majorFont>
+      <a:minorFont>
+        <a:latin typeface="Calibri" panose="020F0502020204030204"/>
+        <a:ea typeface=""/>
+        <a:cs typeface=""/>
+        <a:font script="Jpan" typeface="游ゴシック"/>
+        <a:font script="Hang" typeface="맑은 고딕"/>
+        <a:font script="Hans" typeface="等线"/>
+        <a:font script="Hant" typeface="新細明體"/>
+        <a:font script="Arab" typeface="Arial"/>
+        <a:font script="Hebr" typeface="Arial"/>
+        <a:font script="Thai" typeface="Cordia New"/>
+        <a:font script="Ethi" typeface="Nyala"/>
+        <a:font script="Beng" typeface="Vrinda"/>
+        <a:font script="Gujr" typeface="Shruti"/>
+        <a:font script="Khmr" typeface="DaunPenh"/>
+        <a:font script="Knda" typeface="Tunga"/>
+        <a:font script="Guru" typeface="Raavi"/>
+        <a:font script="Cans" typeface="Euphemia"/>
+        <a:font script="Cher" typeface="Plantagenet Cherokee"/>
+        <a:font script="Yiii" typeface="Microsoft Yi Baiti"/>
+        <a:font script="Tibt" typeface="Microsoft Himalaya"/>
+        <a:font script="Thaa" typeface="MV Boli"/>
+        <a:font script="Deva" typeface="Mangal"/>
+        <a:font script="Telu" typeface="Gautami"/>
+        <a:font script="Taml" typeface="Latha"/>
+        <a:font script="Syrc" typeface="Estrangelo Edessa"/>
+        <a:font script="Orya" typeface="Kalinga"/>
+        <a:font script="Mlym" typeface="Kartika"/>
+        <a:font script="Laoo" typeface="DokChampa"/>
+        <a:font script="Sinh" typeface="Iskoola Pota"/>
+        <a:font script="Mong" typeface="Mongolian Baiti"/>
+        <a:font script="Viet" typeface="Arial"/>
+        <a:font script="Uigh" typeface="Microsoft Uighur"/>
+        <a:font script="Geor" typeface="Sylfaen"/>
+        <a:font script="Armn" typeface="Arial"/>
+        <a:font script="Bugi" typeface="Leelawadee UI"/>
+        <a:font script="Bopo" typeface="Microsoft JhengHei"/>
+        <a:font script="Java" typeface="Javanese Text"/>
+        <a:font script="Lisu" typeface="Segoe UI"/>
+        <a:font script="Mymr" typeface="Myanmar Text"/>
+        <a:font script="Nkoo" typeface="Ebrima"/>
+        <a:font script="Olck" typeface="Nirmala UI"/>
+        <a:font script="Osma" typeface="Ebrima"/>
+        <a:font script="Phag" typeface="Phagspa"/>
+        <a:font script="Syrn" typeface="Estrangelo Edessa"/>
+        <a:font script="Syrj" typeface="Estrangelo Edessa"/>
+        <a:font script="Syre" typeface="Estrangelo Edessa"/>
+        <a:font script="Sora" typeface="Nirmala UI"/>
+        <a:font script="Tale" typeface="Microsoft Tai Le"/>
+        <a:font script="Talu" typeface="Microsoft New Tai Lue"/>
+        <a:font script="Tfng" typeface="Ebrima"/>
+      </a:minorFont>
+    </a:fontScheme>
+    <a:fmtScheme name="Office">
+      <a:fillStyleLst>
+        <a:solidFill>
+          <a:schemeClr val="phClr"/>
+        </a:solidFill>
+        <a:gradFill rotWithShape="1">
+          <a:gsLst>
+            <a:gs pos="0">
+              <a:schemeClr val="phClr">
+                <a:lumMod val="110000"/>
+                <a:satMod val="105000"/>
+                <a:tint val="67000"/>
+              </a:schemeClr>
+            </a:gs>
+            <a:gs pos="50000">
+              <a:schemeClr val="phClr">
+                <a:lumMod val="105000"/>
+                <a:satMod val="103000"/>
+                <a:tint val="73000"/>
+              </a:schemeClr>
+            </a:gs>
+            <a:gs pos="100000">
+              <a:schemeClr val="phClr">
+                <a:lumMod val="105000"/>
+                <a:satMod val="109000"/>
+                <a:tint val="81000"/>
+              </a:schemeClr>
+            </a:gs>
+          </a:gsLst>
+          <a:lin ang="5400000" scaled="0"/>
+        </a:gradFill>
+        <a:gradFill rotWithShape="1">
+          <a:gsLst>
+            <a:gs pos="0">
+              <a:schemeClr val="phClr">
+                <a:satMod val="103000"/>
+                <a:lumMod val="102000"/>
+                <a:tint val="94000"/>
+              </a:schemeClr>
+            </a:gs>
+            <a:gs pos="50000">
+              <a:schemeClr val="phClr">
+                <a:satMod val="110000"/>
+                <a:lumMod val="100000"/>
+                <a:shade val="100000"/>
+              </a:schemeClr>
+            </a:gs>
+            <a:gs pos="100000">
+              <a:schemeClr val="phClr">
+                <a:lumMod val="99000"/>
+                <a:satMod val="120000"/>
+                <a:shade val="78000"/>
+              </a:schemeClr>
+            </a:gs>
+          </a:gsLst>
+          <a:lin ang="5400000" scaled="0"/>
+        </a:gradFill>
+      </a:fillStyleLst>
+      <a:lnStyleLst>
+        <a:ln w="6350" cap="flat" cmpd="sng" algn="ctr">
+          <a:solidFill>
+            <a:schemeClr val="phClr"/>
+          </a:solidFill>
+          <a:prstDash val="solid"/>
+          <a:miter lim="800000"/>
+        </a:ln>
+        <a:ln w="12700" cap="flat" cmpd="sng" algn="ctr">
+          <a:solidFill>
+            <a:schemeClr val="phClr"/>
+          </a:solidFill>
+          <a:prstDash val="solid"/>
+          <a:miter lim="800000"/>
+        </a:ln>
+        <a:ln w="19050" cap="flat" cmpd="sng" algn="ctr">
+          <a:solidFill>
+            <a:schemeClr val="phClr"/>
+          </a:solidFill>
+          <a:prstDash val="solid"/>
+          <a:miter lim="800000"/>
+        </a:ln>
+      </a:lnStyleLst>
+      <a:effectStyleLst>
+        <a:effectStyle>
+          <a:effectLst/>
+        </a:effectStyle>
+        <a:effectStyle>
+          <a:effectLst/>
+        </a:effectStyle>
+        <a:effectStyle>
+          <a:effectLst>
+            <a:outerShdw blurRad="57150" dist="19050" dir="5400000" algn="ctr" rotWithShape="0">
+              <a:srgbClr val="000000">
+                <a:alpha val="63000"/>
+              </a:srgbClr>
+            </a:outerShdw>
+          </a:effectLst>
+        </a:effectStyle>
+      </a:effectStyleLst>
+      <a:bgFillStyleLst>
+        <a:solidFill>
+          <a:schemeClr val="phClr"/>
+        </a:solidFill>
+        <a:solidFill>
+          <a:schemeClr val="phClr">
+            <a:tint val="95000"/>
+            <a:satMod val="170000"/>
+          </a:schemeClr>
+        </a:solidFill>
+        <a:gradFill rotWithShape="1">
+          <a:gsLst>
+            <a:gs pos="0">
+              <a:schemeClr val="phClr">
+                <a:tint val="93000"/>
+                <a:satMod val="150000"/>
+                <a:shade val="98000"/>
+                <a:lumMod val="102000"/>
+              </a:schemeClr>
+            </a:gs>
+            <a:gs pos="50000">
+              <a:schemeClr val="phClr">
+                <a:tint val="98000"/>
+                <a:satMod val="130000"/>
+                <a:shade val="90000"/>
+                <a:lumMod val="103000"/>
+              </a:schemeClr>
+            </a:gs>
+            <a:gs pos="100000">
+              <a:schemeClr val="phClr">
+                <a:shade val="63000"/>
+                <a:satMod val="120000"/>
+              </a:schemeClr>
+            </a:gs>
+          </a:gsLst>
+          <a:lin ang="5400000" scaled="0"/>
+        </a:gradFill>
+      </a:bgFillStyleLst>
+    </a:fmtScheme>
+  </a:themeElements>
+  <a:objectDefaults/>
+  <a:extraClrSchemeLst/>
+  <a:extLst>
+    <a:ext uri="{05A4C25C-085E-4340-85A3-A5531E510DB2}">
+      <thm15:themeFamily xmlns:thm15="http://schemas.microsoft.com/office/thememl/2012/main" name="Office Theme" id="{62F939B6-93AF-4DB8-9C6B-D6C7DFDC589F}" vid="{4A3C46E8-61CC-4603-A589-7422A47A8E4A}"/>
+    </a:ext>
+  </a:extLst>
+</a:theme>
 </file>